--- a/Presentation/Module06-Monitoring.pptx
+++ b/Presentation/Module06-Monitoring.pptx
@@ -8676,7 +8676,7 @@
               <a:rPr lang="en-US" smtClean="0">
                 <a:latin typeface="Segoe UI" pitchFamily="34" charset="0"/>
               </a:rPr>
-              <a:t>10/6/2016 8:25 PM</a:t>
+              <a:t>10/7/2016 7:18 PM</a:t>
             </a:fld>
             <a:endParaRPr lang="en-US" dirty="0">
               <a:latin typeface="Segoe UI" pitchFamily="34" charset="0"/>
@@ -8954,7 +8954,7 @@
           <a:p>
             <a:fld id="{196BB360-4395-422C-A729-CB974B278917}" type="datetime8">
               <a:rPr lang="en-US" smtClean="0"/>
-              <a:t>10/6/2016 8:25 PM</a:t>
+              <a:t>10/7/2016 7:18 PM</a:t>
             </a:fld>
             <a:endParaRPr lang="en-US" dirty="0"/>
           </a:p>
@@ -9283,7 +9283,7 @@
           <a:p>
             <a:fld id="{B9E68977-C62F-48C1-B8E5-A952982F1FDC}" type="datetime8">
               <a:rPr lang="en-US" smtClean="0"/>
-              <a:t>10/6/2016 8:25 PM</a:t>
+              <a:t>10/7/2016 7:18 PM</a:t>
             </a:fld>
             <a:endParaRPr lang="en-US" dirty="0"/>
           </a:p>
@@ -9355,6 +9355,438 @@
     <p:extLst>
       <p:ext uri="{BB962C8B-B14F-4D97-AF65-F5344CB8AC3E}">
         <p14:creationId xmlns:p14="http://schemas.microsoft.com/office/powerpoint/2010/main" val="2865388468"/>
+      </p:ext>
+    </p:extLst>
+  </p:cSld>
+  <p:clrMapOvr>
+    <a:masterClrMapping/>
+  </p:clrMapOvr>
+</p:notes>
+</file>
+
+<file path=ppt/notesSlides/notesSlide10.xml><?xml version="1.0" encoding="utf-8"?>
+<p:notes xmlns:a="http://schemas.openxmlformats.org/drawingml/2006/main" xmlns:r="http://schemas.openxmlformats.org/officeDocument/2006/relationships" xmlns:p="http://schemas.openxmlformats.org/presentationml/2006/main">
+  <p:cSld>
+    <p:spTree>
+      <p:nvGrpSpPr>
+        <p:cNvPr id="1" name=""/>
+        <p:cNvGrpSpPr/>
+        <p:nvPr/>
+      </p:nvGrpSpPr>
+      <p:grpSpPr>
+        <a:xfrm>
+          <a:off x="0" y="0"/>
+          <a:ext cx="0" cy="0"/>
+          <a:chOff x="0" y="0"/>
+          <a:chExt cx="0" cy="0"/>
+        </a:xfrm>
+      </p:grpSpPr>
+      <p:sp>
+        <p:nvSpPr>
+          <p:cNvPr id="2" name="Slide Image Placeholder 1"/>
+          <p:cNvSpPr>
+            <a:spLocks noGrp="1" noRot="1" noChangeAspect="1"/>
+          </p:cNvSpPr>
+          <p:nvPr>
+            <p:ph type="sldImg"/>
+          </p:nvPr>
+        </p:nvSpPr>
+        <p:spPr/>
+      </p:sp>
+      <p:sp>
+        <p:nvSpPr>
+          <p:cNvPr id="3" name="Notes Placeholder 2"/>
+          <p:cNvSpPr>
+            <a:spLocks noGrp="1"/>
+          </p:cNvSpPr>
+          <p:nvPr>
+            <p:ph type="body" idx="1"/>
+          </p:nvPr>
+        </p:nvSpPr>
+        <p:spPr/>
+        <p:txBody>
+          <a:bodyPr/>
+          <a:lstStyle/>
+          <a:p>
+            <a:r>
+              <a:rPr lang="en-US" dirty="0" err="1"/>
+              <a:t>Prereq</a:t>
+            </a:r>
+            <a:endParaRPr lang="en-US" dirty="0"/>
+          </a:p>
+          <a:p>
+            <a:r>
+              <a:rPr lang="en-US" dirty="0"/>
+              <a:t>	Create an</a:t>
+            </a:r>
+            <a:r>
+              <a:rPr lang="en-US" baseline="0" dirty="0"/>
+              <a:t> OMS portal</a:t>
+            </a:r>
+          </a:p>
+          <a:p>
+            <a:endParaRPr lang="en-US" dirty="0"/>
+          </a:p>
+          <a:p>
+            <a:r>
+              <a:rPr lang="en-US" dirty="0"/>
+              <a:t>Open OMS</a:t>
+            </a:r>
+          </a:p>
+          <a:p>
+            <a:r>
+              <a:rPr lang="en-US" dirty="0"/>
+              <a:t>Show</a:t>
+            </a:r>
+            <a:r>
+              <a:rPr lang="en-US" baseline="0" dirty="0"/>
+              <a:t> dashboard</a:t>
+            </a:r>
+          </a:p>
+          <a:p>
+            <a:r>
+              <a:rPr lang="en-US" baseline="0" dirty="0"/>
+              <a:t>Add VM to OMS</a:t>
+            </a:r>
+          </a:p>
+          <a:p>
+            <a:r>
+              <a:rPr lang="en-US" baseline="0" dirty="0"/>
+              <a:t>Show the solution packs</a:t>
+            </a:r>
+          </a:p>
+          <a:p>
+            <a:r>
+              <a:rPr lang="en-US" baseline="0" dirty="0"/>
+              <a:t>Show the search experience</a:t>
+            </a:r>
+          </a:p>
+        </p:txBody>
+      </p:sp>
+      <p:sp>
+        <p:nvSpPr>
+          <p:cNvPr id="4" name="Header Placeholder 3"/>
+          <p:cNvSpPr>
+            <a:spLocks noGrp="1"/>
+          </p:cNvSpPr>
+          <p:nvPr>
+            <p:ph type="hdr" sz="quarter" idx="10"/>
+          </p:nvPr>
+        </p:nvSpPr>
+        <p:spPr/>
+        <p:txBody>
+          <a:bodyPr/>
+          <a:lstStyle/>
+          <a:p>
+            <a:endParaRPr lang="en-US" dirty="0"/>
+          </a:p>
+        </p:txBody>
+      </p:sp>
+      <p:sp>
+        <p:nvSpPr>
+          <p:cNvPr id="5" name="Footer Placeholder 4"/>
+          <p:cNvSpPr>
+            <a:spLocks noGrp="1"/>
+          </p:cNvSpPr>
+          <p:nvPr>
+            <p:ph type="ftr" sz="quarter" idx="11"/>
+          </p:nvPr>
+        </p:nvSpPr>
+        <p:spPr/>
+        <p:txBody>
+          <a:bodyPr/>
+          <a:lstStyle/>
+          <a:p>
+            <a:pPr marL="398463" defTabSz="914099" eaLnBrk="0" hangingPunct="0"/>
+            <a:r>
+              <a:rPr lang="en-US" sz="400">
+                <a:gradFill>
+                  <a:gsLst>
+                    <a:gs pos="0">
+                      <a:schemeClr val="tx1"/>
+                    </a:gs>
+                    <a:gs pos="100000">
+                      <a:schemeClr val="tx1"/>
+                    </a:gs>
+                  </a:gsLst>
+                  <a:lin ang="5400000" scaled="0"/>
+                </a:gradFill>
+                <a:latin typeface="Segoe UI" pitchFamily="34" charset="0"/>
+                <a:ea typeface="Segoe UI" pitchFamily="34" charset="0"/>
+                <a:cs typeface="Segoe UI" pitchFamily="34" charset="0"/>
+              </a:rPr>
+              <a:t>© Microsoft Corporation. All rights reserved. </a:t>
+            </a:r>
+            <a:endParaRPr lang="en-US" sz="400" dirty="0">
+              <a:gradFill>
+                <a:gsLst>
+                  <a:gs pos="0">
+                    <a:schemeClr val="tx1"/>
+                  </a:gs>
+                  <a:gs pos="100000">
+                    <a:schemeClr val="tx1"/>
+                  </a:gs>
+                </a:gsLst>
+                <a:lin ang="5400000" scaled="0"/>
+              </a:gradFill>
+              <a:latin typeface="Segoe UI" pitchFamily="34" charset="0"/>
+              <a:ea typeface="Segoe UI" pitchFamily="34" charset="0"/>
+              <a:cs typeface="Segoe UI" pitchFamily="34" charset="0"/>
+            </a:endParaRPr>
+          </a:p>
+        </p:txBody>
+      </p:sp>
+      <p:sp>
+        <p:nvSpPr>
+          <p:cNvPr id="6" name="Date Placeholder 5"/>
+          <p:cNvSpPr>
+            <a:spLocks noGrp="1"/>
+          </p:cNvSpPr>
+          <p:nvPr>
+            <p:ph type="dt" idx="12"/>
+          </p:nvPr>
+        </p:nvSpPr>
+        <p:spPr/>
+        <p:txBody>
+          <a:bodyPr/>
+          <a:lstStyle/>
+          <a:p>
+            <a:fld id="{196BB360-4395-422C-A729-CB974B278917}" type="datetime8">
+              <a:rPr lang="en-US" smtClean="0"/>
+              <a:t>10/7/2016 7:19 PM</a:t>
+            </a:fld>
+            <a:endParaRPr lang="en-US" dirty="0"/>
+          </a:p>
+        </p:txBody>
+      </p:sp>
+      <p:sp>
+        <p:nvSpPr>
+          <p:cNvPr id="7" name="Slide Number Placeholder 6"/>
+          <p:cNvSpPr>
+            <a:spLocks noGrp="1"/>
+          </p:cNvSpPr>
+          <p:nvPr>
+            <p:ph type="sldNum" sz="quarter" idx="13"/>
+          </p:nvPr>
+        </p:nvSpPr>
+        <p:spPr/>
+        <p:txBody>
+          <a:bodyPr/>
+          <a:lstStyle/>
+          <a:p>
+            <a:fld id="{B4008EB6-D09E-4580-8CD6-DDB14511944F}" type="slidenum">
+              <a:rPr lang="en-US" smtClean="0"/>
+              <a:pPr/>
+              <a:t>33</a:t>
+            </a:fld>
+            <a:endParaRPr lang="en-US" dirty="0"/>
+          </a:p>
+        </p:txBody>
+      </p:sp>
+    </p:spTree>
+    <p:extLst>
+      <p:ext uri="{BB962C8B-B14F-4D97-AF65-F5344CB8AC3E}">
+        <p14:creationId xmlns:p14="http://schemas.microsoft.com/office/powerpoint/2010/main" val="31266704"/>
+      </p:ext>
+    </p:extLst>
+  </p:cSld>
+  <p:clrMapOvr>
+    <a:masterClrMapping/>
+  </p:clrMapOvr>
+</p:notes>
+</file>
+
+<file path=ppt/notesSlides/notesSlide11.xml><?xml version="1.0" encoding="utf-8"?>
+<p:notes xmlns:a="http://schemas.openxmlformats.org/drawingml/2006/main" xmlns:r="http://schemas.openxmlformats.org/officeDocument/2006/relationships" xmlns:p="http://schemas.openxmlformats.org/presentationml/2006/main">
+  <p:cSld>
+    <p:spTree>
+      <p:nvGrpSpPr>
+        <p:cNvPr id="1" name=""/>
+        <p:cNvGrpSpPr/>
+        <p:nvPr/>
+      </p:nvGrpSpPr>
+      <p:grpSpPr>
+        <a:xfrm>
+          <a:off x="0" y="0"/>
+          <a:ext cx="0" cy="0"/>
+          <a:chOff x="0" y="0"/>
+          <a:chExt cx="0" cy="0"/>
+        </a:xfrm>
+      </p:grpSpPr>
+      <p:sp>
+        <p:nvSpPr>
+          <p:cNvPr id="2" name="Slide Image Placeholder 1"/>
+          <p:cNvSpPr>
+            <a:spLocks noGrp="1" noRot="1" noChangeAspect="1"/>
+          </p:cNvSpPr>
+          <p:nvPr>
+            <p:ph type="sldImg"/>
+          </p:nvPr>
+        </p:nvSpPr>
+        <p:spPr>
+          <a:xfrm>
+            <a:off x="381000" y="685800"/>
+            <a:ext cx="6096000" cy="3429000"/>
+          </a:xfrm>
+        </p:spPr>
+      </p:sp>
+      <p:sp>
+        <p:nvSpPr>
+          <p:cNvPr id="3" name="Notes Placeholder 2"/>
+          <p:cNvSpPr>
+            <a:spLocks noGrp="1"/>
+          </p:cNvSpPr>
+          <p:nvPr>
+            <p:ph type="body" idx="1"/>
+          </p:nvPr>
+        </p:nvSpPr>
+        <p:spPr/>
+        <p:txBody>
+          <a:bodyPr>
+            <a:normAutofit/>
+          </a:bodyPr>
+          <a:lstStyle/>
+          <a:p>
+            <a:endParaRPr lang="en-US" dirty="0"/>
+          </a:p>
+        </p:txBody>
+      </p:sp>
+      <p:sp>
+        <p:nvSpPr>
+          <p:cNvPr id="4" name="Header Placeholder 3"/>
+          <p:cNvSpPr>
+            <a:spLocks noGrp="1"/>
+          </p:cNvSpPr>
+          <p:nvPr>
+            <p:ph type="hdr" sz="quarter" idx="10"/>
+          </p:nvPr>
+        </p:nvSpPr>
+        <p:spPr>
+          <a:xfrm>
+            <a:off x="0" y="0"/>
+            <a:ext cx="2971800" cy="457200"/>
+          </a:xfrm>
+          <a:prstGeom prst="rect">
+            <a:avLst/>
+          </a:prstGeom>
+        </p:spPr>
+        <p:txBody>
+          <a:bodyPr/>
+          <a:lstStyle/>
+          <a:p>
+            <a:endParaRPr lang="en-US" dirty="0">
+              <a:solidFill>
+                <a:prstClr val="black"/>
+              </a:solidFill>
+            </a:endParaRPr>
+          </a:p>
+        </p:txBody>
+      </p:sp>
+      <p:sp>
+        <p:nvSpPr>
+          <p:cNvPr id="5" name="Date Placeholder 4"/>
+          <p:cNvSpPr>
+            <a:spLocks noGrp="1"/>
+          </p:cNvSpPr>
+          <p:nvPr>
+            <p:ph type="dt" idx="11"/>
+          </p:nvPr>
+        </p:nvSpPr>
+        <p:spPr/>
+        <p:txBody>
+          <a:bodyPr/>
+          <a:lstStyle/>
+          <a:p>
+            <a:fld id="{D68436A8-437D-4255-9334-1742560317AD}" type="datetime8">
+              <a:rPr lang="en-US" smtClean="0">
+                <a:solidFill>
+                  <a:prstClr val="black"/>
+                </a:solidFill>
+              </a:rPr>
+              <a:t>10/7/2016 7:18 PM</a:t>
+            </a:fld>
+            <a:endParaRPr lang="en-US" dirty="0">
+              <a:solidFill>
+                <a:prstClr val="black"/>
+              </a:solidFill>
+            </a:endParaRPr>
+          </a:p>
+        </p:txBody>
+      </p:sp>
+      <p:sp>
+        <p:nvSpPr>
+          <p:cNvPr id="7" name="Slide Number Placeholder 6"/>
+          <p:cNvSpPr>
+            <a:spLocks noGrp="1"/>
+          </p:cNvSpPr>
+          <p:nvPr>
+            <p:ph type="sldNum" sz="quarter" idx="13"/>
+          </p:nvPr>
+        </p:nvSpPr>
+        <p:spPr/>
+        <p:txBody>
+          <a:bodyPr/>
+          <a:lstStyle/>
+          <a:p>
+            <a:fld id="{EC87E0CF-87F6-4B58-B8B8-DCAB2DAAF3CA}" type="slidenum">
+              <a:rPr lang="en-US" smtClean="0">
+                <a:solidFill>
+                  <a:prstClr val="black"/>
+                </a:solidFill>
+              </a:rPr>
+              <a:pPr/>
+              <a:t>35</a:t>
+            </a:fld>
+            <a:endParaRPr lang="en-US" dirty="0">
+              <a:solidFill>
+                <a:prstClr val="black"/>
+              </a:solidFill>
+            </a:endParaRPr>
+          </a:p>
+        </p:txBody>
+      </p:sp>
+      <p:sp>
+        <p:nvSpPr>
+          <p:cNvPr id="8" name="Footer Placeholder 7"/>
+          <p:cNvSpPr>
+            <a:spLocks noGrp="1"/>
+          </p:cNvSpPr>
+          <p:nvPr>
+            <p:ph type="ftr" sz="quarter" idx="14"/>
+          </p:nvPr>
+        </p:nvSpPr>
+        <p:spPr/>
+        <p:txBody>
+          <a:bodyPr/>
+          <a:lstStyle/>
+          <a:p>
+            <a:pPr marL="398463" defTabSz="914099" eaLnBrk="0" hangingPunct="0"/>
+            <a:r>
+              <a:rPr lang="en-US" sz="400" dirty="0">
+                <a:gradFill>
+                  <a:gsLst>
+                    <a:gs pos="0">
+                      <a:schemeClr val="tx1"/>
+                    </a:gs>
+                    <a:gs pos="100000">
+                      <a:schemeClr val="tx1"/>
+                    </a:gs>
+                  </a:gsLst>
+                  <a:lin ang="5400000" scaled="0"/>
+                </a:gradFill>
+                <a:latin typeface="Segoe UI" pitchFamily="34" charset="0"/>
+                <a:ea typeface="Segoe UI" pitchFamily="34" charset="0"/>
+                <a:cs typeface="Segoe UI" pitchFamily="34" charset="0"/>
+              </a:rPr>
+              <a:t>© Microsoft Corporation. All rights reserved. </a:t>
+            </a:r>
+          </a:p>
+        </p:txBody>
+      </p:sp>
+    </p:spTree>
+    <p:extLst>
+      <p:ext uri="{BB962C8B-B14F-4D97-AF65-F5344CB8AC3E}">
+        <p14:creationId xmlns:p14="http://schemas.microsoft.com/office/powerpoint/2010/main" val="295923338"/>
       </p:ext>
     </p:extLst>
   </p:cSld>
@@ -9489,7 +9921,7 @@
           <a:p>
             <a:fld id="{196BB360-4395-422C-A729-CB974B278917}" type="datetime8">
               <a:rPr lang="en-US" smtClean="0"/>
-              <a:t>10/6/2016 8:25 PM</a:t>
+              <a:t>10/7/2016 7:18 PM</a:t>
             </a:fld>
             <a:endParaRPr lang="en-US" dirty="0"/>
           </a:p>
@@ -9657,7 +10089,7 @@
           <a:p>
             <a:fld id="{196BB360-4395-422C-A729-CB974B278917}" type="datetime8">
               <a:rPr lang="en-US" smtClean="0"/>
-              <a:t>10/6/2016 8:25 PM</a:t>
+              <a:t>10/7/2016 7:18 PM</a:t>
             </a:fld>
             <a:endParaRPr lang="en-US" dirty="0"/>
           </a:p>
@@ -9744,6 +10176,34 @@
           <a:bodyPr/>
           <a:lstStyle/>
           <a:p>
+            <a:r>
+              <a:rPr lang="en-US" dirty="0"/>
+              <a:t>Open</a:t>
+            </a:r>
+            <a:r>
+              <a:rPr lang="en-US" baseline="0" dirty="0"/>
+              <a:t> azure portal</a:t>
+            </a:r>
+          </a:p>
+          <a:p>
+            <a:r>
+              <a:rPr lang="en-US" baseline="0" dirty="0"/>
+              <a:t>Show metrics</a:t>
+            </a:r>
+          </a:p>
+          <a:p>
+            <a:r>
+              <a:rPr lang="en-US" baseline="0" dirty="0"/>
+              <a:t>Show audit logs</a:t>
+            </a:r>
+          </a:p>
+          <a:p>
+            <a:r>
+              <a:rPr lang="en-US" baseline="0" dirty="0"/>
+              <a:t>Show export to storage, event hubs, web hooks</a:t>
+            </a:r>
+          </a:p>
+          <a:p>
             <a:endParaRPr lang="en-US" dirty="0"/>
           </a:p>
         </p:txBody>
@@ -9784,7 +10244,7 @@
           <a:p>
             <a:pPr marL="398463" defTabSz="914099" eaLnBrk="0" hangingPunct="0"/>
             <a:r>
-              <a:rPr lang="en-US" sz="400" dirty="0">
+              <a:rPr lang="en-US" sz="400">
                 <a:gradFill>
                   <a:gsLst>
                     <a:gs pos="0">
@@ -9802,6 +10262,22 @@
               </a:rPr>
               <a:t>© Microsoft Corporation. All rights reserved. </a:t>
             </a:r>
+            <a:endParaRPr lang="en-US" sz="400" dirty="0">
+              <a:gradFill>
+                <a:gsLst>
+                  <a:gs pos="0">
+                    <a:schemeClr val="tx1"/>
+                  </a:gs>
+                  <a:gs pos="100000">
+                    <a:schemeClr val="tx1"/>
+                  </a:gs>
+                </a:gsLst>
+                <a:lin ang="5400000" scaled="0"/>
+              </a:gradFill>
+              <a:latin typeface="Segoe UI" pitchFamily="34" charset="0"/>
+              <a:ea typeface="Segoe UI" pitchFamily="34" charset="0"/>
+              <a:cs typeface="Segoe UI" pitchFamily="34" charset="0"/>
+            </a:endParaRPr>
           </a:p>
         </p:txBody>
       </p:sp>
@@ -9822,7 +10298,7 @@
           <a:p>
             <a:fld id="{196BB360-4395-422C-A729-CB974B278917}" type="datetime8">
               <a:rPr lang="en-US" smtClean="0"/>
-              <a:t>10/6/2016 8:25 PM</a:t>
+              <a:t>10/7/2016 7:18 PM</a:t>
             </a:fld>
             <a:endParaRPr lang="en-US" dirty="0"/>
           </a:p>
@@ -9846,7 +10322,7 @@
             <a:fld id="{B4008EB6-D09E-4580-8CD6-DDB14511944F}" type="slidenum">
               <a:rPr lang="en-US" smtClean="0"/>
               <a:pPr/>
-              <a:t>20</a:t>
+              <a:t>15</a:t>
             </a:fld>
             <a:endParaRPr lang="en-US" dirty="0"/>
           </a:p>
@@ -9855,7 +10331,7 @@
     </p:spTree>
     <p:extLst>
       <p:ext uri="{BB962C8B-B14F-4D97-AF65-F5344CB8AC3E}">
-        <p14:creationId xmlns:p14="http://schemas.microsoft.com/office/powerpoint/2010/main" val="705200883"/>
+        <p14:creationId xmlns:p14="http://schemas.microsoft.com/office/powerpoint/2010/main" val="275843714"/>
       </p:ext>
     </p:extLst>
   </p:cSld>
@@ -9909,10 +10385,7 @@
           <a:bodyPr/>
           <a:lstStyle/>
           <a:p>
-            <a:r>
-              <a:rPr lang="en-US" dirty="0"/>
-              <a:t>https://azure.microsoft.com/en-us/documentation/articles/app-insights-sampling</a:t>
-            </a:r>
+            <a:endParaRPr lang="en-US" dirty="0"/>
           </a:p>
         </p:txBody>
       </p:sp>
@@ -9990,7 +10463,7 @@
           <a:p>
             <a:fld id="{196BB360-4395-422C-A729-CB974B278917}" type="datetime8">
               <a:rPr lang="en-US" smtClean="0"/>
-              <a:t>10/6/2016 8:25 PM</a:t>
+              <a:t>10/7/2016 7:18 PM</a:t>
             </a:fld>
             <a:endParaRPr lang="en-US" dirty="0"/>
           </a:p>
@@ -10014,7 +10487,7 @@
             <a:fld id="{B4008EB6-D09E-4580-8CD6-DDB14511944F}" type="slidenum">
               <a:rPr lang="en-US" smtClean="0"/>
               <a:pPr/>
-              <a:t>21</a:t>
+              <a:t>20</a:t>
             </a:fld>
             <a:endParaRPr lang="en-US" dirty="0"/>
           </a:p>
@@ -10023,7 +10496,7 @@
     </p:spTree>
     <p:extLst>
       <p:ext uri="{BB962C8B-B14F-4D97-AF65-F5344CB8AC3E}">
-        <p14:creationId xmlns:p14="http://schemas.microsoft.com/office/powerpoint/2010/main" val="3332181897"/>
+        <p14:creationId xmlns:p14="http://schemas.microsoft.com/office/powerpoint/2010/main" val="705200883"/>
       </p:ext>
     </p:extLst>
   </p:cSld>
@@ -10077,7 +10550,10 @@
           <a:bodyPr/>
           <a:lstStyle/>
           <a:p>
-            <a:endParaRPr lang="en-US" dirty="0"/>
+            <a:r>
+              <a:rPr lang="en-US" dirty="0"/>
+              <a:t>https://azure.microsoft.com/en-us/documentation/articles/app-insights-sampling</a:t>
+            </a:r>
           </a:p>
         </p:txBody>
       </p:sp>
@@ -10096,10 +10572,6 @@
           <a:bodyPr/>
           <a:lstStyle/>
           <a:p>
-            <a:r>
-              <a:rPr lang="en-US"/>
-              <a:t>Microsoft Ignite 2015</a:t>
-            </a:r>
             <a:endParaRPr lang="en-US" dirty="0"/>
           </a:p>
         </p:txBody>
@@ -10119,16 +10591,16 @@
           <a:bodyPr/>
           <a:lstStyle/>
           <a:p>
-            <a:pPr defTabSz="914099" eaLnBrk="0" hangingPunct="0"/>
-            <a:r>
-              <a:rPr lang="en-US" sz="400">
+            <a:pPr marL="398463" defTabSz="914099" eaLnBrk="0" hangingPunct="0"/>
+            <a:r>
+              <a:rPr lang="en-US" sz="400" dirty="0">
                 <a:gradFill>
                   <a:gsLst>
                     <a:gs pos="0">
-                      <a:prstClr val="black"/>
+                      <a:schemeClr val="tx1"/>
                     </a:gs>
                     <a:gs pos="100000">
-                      <a:prstClr val="black"/>
+                      <a:schemeClr val="tx1"/>
                     </a:gs>
                   </a:gsLst>
                   <a:lin ang="5400000" scaled="0"/>
@@ -10137,24 +10609,8 @@
                 <a:ea typeface="Segoe UI" pitchFamily="34" charset="0"/>
                 <a:cs typeface="Segoe UI" pitchFamily="34" charset="0"/>
               </a:rPr>
-              <a:t>© 2015 Microsoft Corporation. All rights reserved. MICROSOFT MAKES NO WARRANTIES, EXPRESS, IMPLIED OR STATUTORY, AS TO THE INFORMATION IN THIS PRESENTATION.</a:t>
-            </a:r>
-            <a:endParaRPr lang="en-US" sz="400" dirty="0">
-              <a:gradFill>
-                <a:gsLst>
-                  <a:gs pos="0">
-                    <a:prstClr val="black"/>
-                  </a:gs>
-                  <a:gs pos="100000">
-                    <a:prstClr val="black"/>
-                  </a:gs>
-                </a:gsLst>
-                <a:lin ang="5400000" scaled="0"/>
-              </a:gradFill>
-              <a:latin typeface="Segoe UI" pitchFamily="34" charset="0"/>
-              <a:ea typeface="Segoe UI" pitchFamily="34" charset="0"/>
-              <a:cs typeface="Segoe UI" pitchFamily="34" charset="0"/>
-            </a:endParaRPr>
+              <a:t>© Microsoft Corporation. All rights reserved. </a:t>
+            </a:r>
           </a:p>
         </p:txBody>
       </p:sp>
@@ -10173,9 +10629,9 @@
           <a:bodyPr/>
           <a:lstStyle/>
           <a:p>
-            <a:fld id="{38EEC551-8CDA-4EB6-89BB-2A86C9F091C8}" type="datetime8">
+            <a:fld id="{196BB360-4395-422C-A729-CB974B278917}" type="datetime8">
               <a:rPr lang="en-US" smtClean="0"/>
-              <a:t>10/6/2016 8:25 PM</a:t>
+              <a:t>10/7/2016 7:18 PM</a:t>
             </a:fld>
             <a:endParaRPr lang="en-US" dirty="0"/>
           </a:p>
@@ -10199,7 +10655,7 @@
             <a:fld id="{B4008EB6-D09E-4580-8CD6-DDB14511944F}" type="slidenum">
               <a:rPr lang="en-US" smtClean="0"/>
               <a:pPr/>
-              <a:t>25</a:t>
+              <a:t>21</a:t>
             </a:fld>
             <a:endParaRPr lang="en-US" dirty="0"/>
           </a:p>
@@ -10208,7 +10664,7 @@
     </p:spTree>
     <p:extLst>
       <p:ext uri="{BB962C8B-B14F-4D97-AF65-F5344CB8AC3E}">
-        <p14:creationId xmlns:p14="http://schemas.microsoft.com/office/powerpoint/2010/main" val="46350642"/>
+        <p14:creationId xmlns:p14="http://schemas.microsoft.com/office/powerpoint/2010/main" val="3332181897"/>
       </p:ext>
     </p:extLst>
   </p:cSld>
@@ -10264,28 +10720,36 @@
           <a:p>
             <a:r>
               <a:rPr lang="en-US" dirty="0"/>
-              <a:t>iOS and Android coming soon</a:t>
-            </a:r>
-          </a:p>
-          <a:p>
+              <a:t>Show</a:t>
+            </a:r>
+            <a:r>
+              <a:rPr lang="en-US" baseline="0" dirty="0"/>
+              <a:t> app insights resource</a:t>
+            </a:r>
+          </a:p>
+          <a:p>
+            <a:r>
+              <a:rPr lang="en-US" baseline="0" dirty="0"/>
+              <a:t>Show .NET with live site capabilities</a:t>
+            </a:r>
+          </a:p>
+          <a:p>
+            <a:r>
+              <a:rPr lang="en-US" baseline="0" dirty="0"/>
+              <a:t>Show  web test</a:t>
+            </a:r>
             <a:endParaRPr lang="en-US" dirty="0"/>
-          </a:p>
-          <a:p>
-            <a:r>
-              <a:rPr lang="en-US" dirty="0"/>
-              <a:t>TODO: Add to the diagram off the cloud service (collapse this slide into earlier diagram slide)</a:t>
-            </a:r>
           </a:p>
         </p:txBody>
       </p:sp>
       <p:sp>
         <p:nvSpPr>
-          <p:cNvPr id="4" name="Slide Number Placeholder 3"/>
+          <p:cNvPr id="4" name="Header Placeholder 3"/>
           <p:cNvSpPr>
             <a:spLocks noGrp="1"/>
           </p:cNvSpPr>
           <p:nvPr>
-            <p:ph type="sldNum" sz="quarter" idx="10"/>
+            <p:ph type="hdr" sz="quarter" idx="10"/>
           </p:nvPr>
         </p:nvSpPr>
         <p:spPr/>
@@ -10293,9 +10757,106 @@
           <a:bodyPr/>
           <a:lstStyle/>
           <a:p>
-            <a:fld id="{40B1AD7A-8DF3-4DCE-960D-1DF5B9856ADB}" type="slidenum">
+            <a:endParaRPr lang="en-US" dirty="0"/>
+          </a:p>
+        </p:txBody>
+      </p:sp>
+      <p:sp>
+        <p:nvSpPr>
+          <p:cNvPr id="5" name="Footer Placeholder 4"/>
+          <p:cNvSpPr>
+            <a:spLocks noGrp="1"/>
+          </p:cNvSpPr>
+          <p:nvPr>
+            <p:ph type="ftr" sz="quarter" idx="11"/>
+          </p:nvPr>
+        </p:nvSpPr>
+        <p:spPr/>
+        <p:txBody>
+          <a:bodyPr/>
+          <a:lstStyle/>
+          <a:p>
+            <a:pPr marL="398463" defTabSz="914099" eaLnBrk="0" hangingPunct="0"/>
+            <a:r>
+              <a:rPr lang="en-US" sz="400">
+                <a:gradFill>
+                  <a:gsLst>
+                    <a:gs pos="0">
+                      <a:schemeClr val="tx1"/>
+                    </a:gs>
+                    <a:gs pos="100000">
+                      <a:schemeClr val="tx1"/>
+                    </a:gs>
+                  </a:gsLst>
+                  <a:lin ang="5400000" scaled="0"/>
+                </a:gradFill>
+                <a:latin typeface="Segoe UI" pitchFamily="34" charset="0"/>
+                <a:ea typeface="Segoe UI" pitchFamily="34" charset="0"/>
+                <a:cs typeface="Segoe UI" pitchFamily="34" charset="0"/>
+              </a:rPr>
+              <a:t>© Microsoft Corporation. All rights reserved. </a:t>
+            </a:r>
+            <a:endParaRPr lang="en-US" sz="400" dirty="0">
+              <a:gradFill>
+                <a:gsLst>
+                  <a:gs pos="0">
+                    <a:schemeClr val="tx1"/>
+                  </a:gs>
+                  <a:gs pos="100000">
+                    <a:schemeClr val="tx1"/>
+                  </a:gs>
+                </a:gsLst>
+                <a:lin ang="5400000" scaled="0"/>
+              </a:gradFill>
+              <a:latin typeface="Segoe UI" pitchFamily="34" charset="0"/>
+              <a:ea typeface="Segoe UI" pitchFamily="34" charset="0"/>
+              <a:cs typeface="Segoe UI" pitchFamily="34" charset="0"/>
+            </a:endParaRPr>
+          </a:p>
+        </p:txBody>
+      </p:sp>
+      <p:sp>
+        <p:nvSpPr>
+          <p:cNvPr id="6" name="Date Placeholder 5"/>
+          <p:cNvSpPr>
+            <a:spLocks noGrp="1"/>
+          </p:cNvSpPr>
+          <p:nvPr>
+            <p:ph type="dt" idx="12"/>
+          </p:nvPr>
+        </p:nvSpPr>
+        <p:spPr/>
+        <p:txBody>
+          <a:bodyPr/>
+          <a:lstStyle/>
+          <a:p>
+            <a:fld id="{196BB360-4395-422C-A729-CB974B278917}" type="datetime8">
               <a:rPr lang="en-US" smtClean="0"/>
-              <a:t>32</a:t>
+              <a:t>10/7/2016 7:19 PM</a:t>
+            </a:fld>
+            <a:endParaRPr lang="en-US" dirty="0"/>
+          </a:p>
+        </p:txBody>
+      </p:sp>
+      <p:sp>
+        <p:nvSpPr>
+          <p:cNvPr id="7" name="Slide Number Placeholder 6"/>
+          <p:cNvSpPr>
+            <a:spLocks noGrp="1"/>
+          </p:cNvSpPr>
+          <p:nvPr>
+            <p:ph type="sldNum" sz="quarter" idx="13"/>
+          </p:nvPr>
+        </p:nvSpPr>
+        <p:spPr/>
+        <p:txBody>
+          <a:bodyPr/>
+          <a:lstStyle/>
+          <a:p>
+            <a:fld id="{B4008EB6-D09E-4580-8CD6-DDB14511944F}" type="slidenum">
+              <a:rPr lang="en-US" smtClean="0"/>
+              <a:pPr/>
+              <a:t>24</a:t>
             </a:fld>
             <a:endParaRPr lang="en-US" dirty="0"/>
           </a:p>
@@ -10304,7 +10865,7 @@
     </p:spTree>
     <p:extLst>
       <p:ext uri="{BB962C8B-B14F-4D97-AF65-F5344CB8AC3E}">
-        <p14:creationId xmlns:p14="http://schemas.microsoft.com/office/powerpoint/2010/main" val="1314748714"/>
+        <p14:creationId xmlns:p14="http://schemas.microsoft.com/office/powerpoint/2010/main" val="2320199116"/>
       </p:ext>
     </p:extLst>
   </p:cSld>
@@ -10341,12 +10902,7 @@
             <p:ph type="sldImg"/>
           </p:nvPr>
         </p:nvSpPr>
-        <p:spPr>
-          <a:xfrm>
-            <a:off x="381000" y="685800"/>
-            <a:ext cx="6096000" cy="3429000"/>
-          </a:xfrm>
-        </p:spPr>
+        <p:spPr/>
       </p:sp>
       <p:sp>
         <p:nvSpPr>
@@ -10360,9 +10916,7 @@
         </p:nvSpPr>
         <p:spPr/>
         <p:txBody>
-          <a:bodyPr>
-            <a:normAutofit/>
-          </a:bodyPr>
+          <a:bodyPr/>
           <a:lstStyle/>
           <a:p>
             <a:endParaRPr lang="en-US" dirty="0"/>
@@ -10379,35 +10933,27 @@
             <p:ph type="hdr" sz="quarter" idx="10"/>
           </p:nvPr>
         </p:nvSpPr>
-        <p:spPr>
-          <a:xfrm>
-            <a:off x="0" y="0"/>
-            <a:ext cx="2971800" cy="457200"/>
-          </a:xfrm>
-          <a:prstGeom prst="rect">
-            <a:avLst/>
-          </a:prstGeom>
-        </p:spPr>
+        <p:spPr/>
         <p:txBody>
           <a:bodyPr/>
           <a:lstStyle/>
           <a:p>
-            <a:endParaRPr lang="en-US" dirty="0">
-              <a:solidFill>
-                <a:prstClr val="black"/>
-              </a:solidFill>
-            </a:endParaRPr>
+            <a:r>
+              <a:rPr lang="en-US"/>
+              <a:t>Microsoft Ignite 2015</a:t>
+            </a:r>
+            <a:endParaRPr lang="en-US" dirty="0"/>
           </a:p>
         </p:txBody>
       </p:sp>
       <p:sp>
         <p:nvSpPr>
-          <p:cNvPr id="5" name="Date Placeholder 4"/>
+          <p:cNvPr id="5" name="Footer Placeholder 4"/>
           <p:cNvSpPr>
             <a:spLocks noGrp="1"/>
           </p:cNvSpPr>
           <p:nvPr>
-            <p:ph type="dt" idx="11"/>
+            <p:ph type="ftr" sz="quarter" idx="11"/>
           </p:nvPr>
         </p:nvSpPr>
         <p:spPr/>
@@ -10415,19 +10961,65 @@
           <a:bodyPr/>
           <a:lstStyle/>
           <a:p>
-            <a:fld id="{D68436A8-437D-4255-9334-1742560317AD}" type="datetime8">
-              <a:rPr lang="en-US" smtClean="0">
-                <a:solidFill>
-                  <a:prstClr val="black"/>
-                </a:solidFill>
+            <a:pPr defTabSz="914099" eaLnBrk="0" hangingPunct="0"/>
+            <a:r>
+              <a:rPr lang="en-US" sz="400">
+                <a:gradFill>
+                  <a:gsLst>
+                    <a:gs pos="0">
+                      <a:prstClr val="black"/>
+                    </a:gs>
+                    <a:gs pos="100000">
+                      <a:prstClr val="black"/>
+                    </a:gs>
+                  </a:gsLst>
+                  <a:lin ang="5400000" scaled="0"/>
+                </a:gradFill>
+                <a:latin typeface="Segoe UI" pitchFamily="34" charset="0"/>
+                <a:ea typeface="Segoe UI" pitchFamily="34" charset="0"/>
+                <a:cs typeface="Segoe UI" pitchFamily="34" charset="0"/>
               </a:rPr>
-              <a:t>10/6/2016 8:25 PM</a:t>
+              <a:t>© 2015 Microsoft Corporation. All rights reserved. MICROSOFT MAKES NO WARRANTIES, EXPRESS, IMPLIED OR STATUTORY, AS TO THE INFORMATION IN THIS PRESENTATION.</a:t>
+            </a:r>
+            <a:endParaRPr lang="en-US" sz="400" dirty="0">
+              <a:gradFill>
+                <a:gsLst>
+                  <a:gs pos="0">
+                    <a:prstClr val="black"/>
+                  </a:gs>
+                  <a:gs pos="100000">
+                    <a:prstClr val="black"/>
+                  </a:gs>
+                </a:gsLst>
+                <a:lin ang="5400000" scaled="0"/>
+              </a:gradFill>
+              <a:latin typeface="Segoe UI" pitchFamily="34" charset="0"/>
+              <a:ea typeface="Segoe UI" pitchFamily="34" charset="0"/>
+              <a:cs typeface="Segoe UI" pitchFamily="34" charset="0"/>
+            </a:endParaRPr>
+          </a:p>
+        </p:txBody>
+      </p:sp>
+      <p:sp>
+        <p:nvSpPr>
+          <p:cNvPr id="6" name="Date Placeholder 5"/>
+          <p:cNvSpPr>
+            <a:spLocks noGrp="1"/>
+          </p:cNvSpPr>
+          <p:nvPr>
+            <p:ph type="dt" idx="12"/>
+          </p:nvPr>
+        </p:nvSpPr>
+        <p:spPr/>
+        <p:txBody>
+          <a:bodyPr/>
+          <a:lstStyle/>
+          <a:p>
+            <a:fld id="{38EEC551-8CDA-4EB6-89BB-2A86C9F091C8}" type="datetime8">
+              <a:rPr lang="en-US" smtClean="0"/>
+              <a:t>10/7/2016 7:18 PM</a:t>
             </a:fld>
-            <a:endParaRPr lang="en-US" dirty="0">
-              <a:solidFill>
-                <a:prstClr val="black"/>
-              </a:solidFill>
-            </a:endParaRPr>
+            <a:endParaRPr lang="en-US" dirty="0"/>
           </a:p>
         </p:txBody>
       </p:sp>
@@ -10446,31 +11038,65 @@
           <a:bodyPr/>
           <a:lstStyle/>
           <a:p>
-            <a:fld id="{EC87E0CF-87F6-4B58-B8B8-DCAB2DAAF3CA}" type="slidenum">
-              <a:rPr lang="en-US" smtClean="0">
-                <a:solidFill>
-                  <a:prstClr val="black"/>
-                </a:solidFill>
-              </a:rPr>
+            <a:fld id="{B4008EB6-D09E-4580-8CD6-DDB14511944F}" type="slidenum">
+              <a:rPr lang="en-US" smtClean="0"/>
               <a:pPr/>
-              <a:t>35</a:t>
+              <a:t>25</a:t>
             </a:fld>
-            <a:endParaRPr lang="en-US" dirty="0">
-              <a:solidFill>
-                <a:prstClr val="black"/>
-              </a:solidFill>
-            </a:endParaRPr>
+            <a:endParaRPr lang="en-US" dirty="0"/>
           </a:p>
         </p:txBody>
+      </p:sp>
+    </p:spTree>
+    <p:extLst>
+      <p:ext uri="{BB962C8B-B14F-4D97-AF65-F5344CB8AC3E}">
+        <p14:creationId xmlns:p14="http://schemas.microsoft.com/office/powerpoint/2010/main" val="46350642"/>
+      </p:ext>
+    </p:extLst>
+  </p:cSld>
+  <p:clrMapOvr>
+    <a:masterClrMapping/>
+  </p:clrMapOvr>
+</p:notes>
+</file>
+
+<file path=ppt/notesSlides/notesSlide9.xml><?xml version="1.0" encoding="utf-8"?>
+<p:notes xmlns:a="http://schemas.openxmlformats.org/drawingml/2006/main" xmlns:r="http://schemas.openxmlformats.org/officeDocument/2006/relationships" xmlns:p="http://schemas.openxmlformats.org/presentationml/2006/main">
+  <p:cSld>
+    <p:spTree>
+      <p:nvGrpSpPr>
+        <p:cNvPr id="1" name=""/>
+        <p:cNvGrpSpPr/>
+        <p:nvPr/>
+      </p:nvGrpSpPr>
+      <p:grpSpPr>
+        <a:xfrm>
+          <a:off x="0" y="0"/>
+          <a:ext cx="0" cy="0"/>
+          <a:chOff x="0" y="0"/>
+          <a:chExt cx="0" cy="0"/>
+        </a:xfrm>
+      </p:grpSpPr>
+      <p:sp>
+        <p:nvSpPr>
+          <p:cNvPr id="2" name="Slide Image Placeholder 1"/>
+          <p:cNvSpPr>
+            <a:spLocks noGrp="1" noRot="1" noChangeAspect="1"/>
+          </p:cNvSpPr>
+          <p:nvPr>
+            <p:ph type="sldImg"/>
+          </p:nvPr>
+        </p:nvSpPr>
+        <p:spPr/>
       </p:sp>
       <p:sp>
         <p:nvSpPr>
-          <p:cNvPr id="8" name="Footer Placeholder 7"/>
+          <p:cNvPr id="3" name="Notes Placeholder 2"/>
           <p:cNvSpPr>
             <a:spLocks noGrp="1"/>
           </p:cNvSpPr>
           <p:nvPr>
-            <p:ph type="ftr" sz="quarter" idx="14"/>
+            <p:ph type="body" idx="1"/>
           </p:nvPr>
         </p:nvSpPr>
         <p:spPr/>
@@ -10478,33 +11104,49 @@
           <a:bodyPr/>
           <a:lstStyle/>
           <a:p>
-            <a:pPr marL="398463" defTabSz="914099" eaLnBrk="0" hangingPunct="0"/>
-            <a:r>
-              <a:rPr lang="en-US" sz="400" dirty="0">
-                <a:gradFill>
-                  <a:gsLst>
-                    <a:gs pos="0">
-                      <a:schemeClr val="tx1"/>
-                    </a:gs>
-                    <a:gs pos="100000">
-                      <a:schemeClr val="tx1"/>
-                    </a:gs>
-                  </a:gsLst>
-                  <a:lin ang="5400000" scaled="0"/>
-                </a:gradFill>
-                <a:latin typeface="Segoe UI" pitchFamily="34" charset="0"/>
-                <a:ea typeface="Segoe UI" pitchFamily="34" charset="0"/>
-                <a:cs typeface="Segoe UI" pitchFamily="34" charset="0"/>
-              </a:rPr>
-              <a:t>© Microsoft Corporation. All rights reserved. </a:t>
-            </a:r>
+            <a:r>
+              <a:rPr lang="en-US" dirty="0"/>
+              <a:t>iOS and Android coming soon</a:t>
+            </a:r>
+          </a:p>
+          <a:p>
+            <a:endParaRPr lang="en-US" dirty="0"/>
+          </a:p>
+          <a:p>
+            <a:r>
+              <a:rPr lang="en-US" dirty="0"/>
+              <a:t>TODO: Add to the diagram off the cloud service (collapse this slide into earlier diagram slide)</a:t>
+            </a:r>
+          </a:p>
+        </p:txBody>
+      </p:sp>
+      <p:sp>
+        <p:nvSpPr>
+          <p:cNvPr id="4" name="Slide Number Placeholder 3"/>
+          <p:cNvSpPr>
+            <a:spLocks noGrp="1"/>
+          </p:cNvSpPr>
+          <p:nvPr>
+            <p:ph type="sldNum" sz="quarter" idx="10"/>
+          </p:nvPr>
+        </p:nvSpPr>
+        <p:spPr/>
+        <p:txBody>
+          <a:bodyPr/>
+          <a:lstStyle/>
+          <a:p>
+            <a:fld id="{40B1AD7A-8DF3-4DCE-960D-1DF5B9856ADB}" type="slidenum">
+              <a:rPr lang="en-US" smtClean="0"/>
+              <a:t>32</a:t>
+            </a:fld>
+            <a:endParaRPr lang="en-US" dirty="0"/>
           </a:p>
         </p:txBody>
       </p:sp>
     </p:spTree>
     <p:extLst>
       <p:ext uri="{BB962C8B-B14F-4D97-AF65-F5344CB8AC3E}">
-        <p14:creationId xmlns:p14="http://schemas.microsoft.com/office/powerpoint/2010/main" val="295923338"/>
+        <p14:creationId xmlns:p14="http://schemas.microsoft.com/office/powerpoint/2010/main" val="1314748714"/>
       </p:ext>
     </p:extLst>
   </p:cSld>
@@ -53192,6 +53834,21 @@
 </file>
 
 <file path=customXml/item1.xml><?xml version="1.0" encoding="utf-8"?>
+<?mso-contentType ?>
+<FormTemplates xmlns="http://schemas.microsoft.com/sharepoint/v3/contenttype/forms">
+  <Display>DocumentLibraryForm</Display>
+  <Edit>DocumentLibraryForm</Edit>
+  <New>DocumentLibraryForm</New>
+</FormTemplates>
+</file>
+
+<file path=customXml/item2.xml><?xml version="1.0" encoding="utf-8"?>
+<p:properties xmlns:p="http://schemas.microsoft.com/office/2006/metadata/properties" xmlns:xsi="http://www.w3.org/2001/XMLSchema-instance" xmlns:pc="http://schemas.microsoft.com/office/infopath/2007/PartnerControls">
+  <documentManagement/>
+</p:properties>
+</file>
+
+<file path=customXml/item3.xml><?xml version="1.0" encoding="utf-8"?>
 <ct:contentTypeSchema xmlns:ct="http://schemas.microsoft.com/office/2006/metadata/contentType" xmlns:ma="http://schemas.microsoft.com/office/2006/metadata/properties/metaAttributes" ct:_="" ma:_="" ma:contentTypeName="Document" ma:contentTypeID="0x010100A2B0BB5962AB3C45A9A1CE1EC4C4F647" ma:contentTypeVersion="3" ma:contentTypeDescription="Create a new document." ma:contentTypeScope="" ma:versionID="f0876370c90de824ab54c09b0bd2a056">
   <xsd:schema xmlns:xsd="http://www.w3.org/2001/XMLSchema" xmlns:xs="http://www.w3.org/2001/XMLSchema" xmlns:p="http://schemas.microsoft.com/office/2006/metadata/properties" xmlns:ns3="630a2e83-186a-4a0f-ab27-bee8a8096abc" targetNamespace="http://schemas.microsoft.com/office/2006/metadata/properties" ma:root="true" ma:fieldsID="a2a3b5ed8b4accd7c8a398d0cb075271" ns3:_="">
     <xsd:import namespace="630a2e83-186a-4a0f-ab27-bee8a8096abc"/>
@@ -53345,22 +54002,31 @@
 </ct:contentTypeSchema>
 </file>
 
-<file path=customXml/item2.xml><?xml version="1.0" encoding="utf-8"?>
-<?mso-contentType ?>
-<FormTemplates xmlns="http://schemas.microsoft.com/sharepoint/v3/contenttype/forms">
-  <Display>DocumentLibraryForm</Display>
-  <Edit>DocumentLibraryForm</Edit>
-  <New>DocumentLibraryForm</New>
-</FormTemplates>
+<file path=customXml/itemProps1.xml><?xml version="1.0" encoding="utf-8"?>
+<ds:datastoreItem xmlns:ds="http://schemas.openxmlformats.org/officeDocument/2006/customXml" ds:itemID="{758FDAC0-319D-4A54-8D8E-1D42CB1F8004}">
+  <ds:schemaRefs>
+    <ds:schemaRef ds:uri="http://schemas.microsoft.com/sharepoint/v3/contenttype/forms"/>
+  </ds:schemaRefs>
+</ds:datastoreItem>
 </file>
 
-<file path=customXml/item3.xml><?xml version="1.0" encoding="utf-8"?>
-<p:properties xmlns:p="http://schemas.microsoft.com/office/2006/metadata/properties" xmlns:xsi="http://www.w3.org/2001/XMLSchema-instance" xmlns:pc="http://schemas.microsoft.com/office/infopath/2007/PartnerControls">
-  <documentManagement/>
-</p:properties>
+<file path=customXml/itemProps2.xml><?xml version="1.0" encoding="utf-8"?>
+<ds:datastoreItem xmlns:ds="http://schemas.openxmlformats.org/officeDocument/2006/customXml" ds:itemID="{F990F116-B58F-4255-B05B-DA3808E0E5C6}">
+  <ds:schemaRefs>
+    <ds:schemaRef ds:uri="http://schemas.microsoft.com/office/2006/metadata/properties"/>
+    <ds:schemaRef ds:uri="http://purl.org/dc/terms/"/>
+    <ds:schemaRef ds:uri="http://schemas.openxmlformats.org/package/2006/metadata/core-properties"/>
+    <ds:schemaRef ds:uri="630a2e83-186a-4a0f-ab27-bee8a8096abc"/>
+    <ds:schemaRef ds:uri="http://schemas.microsoft.com/office/2006/documentManagement/types"/>
+    <ds:schemaRef ds:uri="http://schemas.microsoft.com/office/infopath/2007/PartnerControls"/>
+    <ds:schemaRef ds:uri="http://purl.org/dc/elements/1.1/"/>
+    <ds:schemaRef ds:uri="http://www.w3.org/XML/1998/namespace"/>
+    <ds:schemaRef ds:uri="http://purl.org/dc/dcmitype/"/>
+  </ds:schemaRefs>
+</ds:datastoreItem>
 </file>
 
-<file path=customXml/itemProps1.xml><?xml version="1.0" encoding="utf-8"?>
+<file path=customXml/itemProps3.xml><?xml version="1.0" encoding="utf-8"?>
 <ds:datastoreItem xmlns:ds="http://schemas.openxmlformats.org/officeDocument/2006/customXml" ds:itemID="{F4553072-E538-48C4-90FC-3653F32D67C5}">
   <ds:schemaRefs>
     <ds:schemaRef ds:uri="http://schemas.microsoft.com/office/2006/metadata/contentType"/>
@@ -53376,28 +54042,4 @@
     <ds:schemaRef ds:uri="http://schemas.microsoft.com/internal/obd"/>
   </ds:schemaRefs>
 </ds:datastoreItem>
-</file>
-
-<file path=customXml/itemProps2.xml><?xml version="1.0" encoding="utf-8"?>
-<ds:datastoreItem xmlns:ds="http://schemas.openxmlformats.org/officeDocument/2006/customXml" ds:itemID="{758FDAC0-319D-4A54-8D8E-1D42CB1F8004}">
-  <ds:schemaRefs>
-    <ds:schemaRef ds:uri="http://schemas.microsoft.com/sharepoint/v3/contenttype/forms"/>
-  </ds:schemaRefs>
-</ds:datastoreItem>
-</file>
-
-<file path=customXml/itemProps3.xml><?xml version="1.0" encoding="utf-8"?>
-<ds:datastoreItem xmlns:ds="http://schemas.openxmlformats.org/officeDocument/2006/customXml" ds:itemID="{F990F116-B58F-4255-B05B-DA3808E0E5C6}">
-  <ds:schemaRefs>
-    <ds:schemaRef ds:uri="http://schemas.microsoft.com/office/2006/metadata/properties"/>
-    <ds:schemaRef ds:uri="http://purl.org/dc/terms/"/>
-    <ds:schemaRef ds:uri="http://schemas.openxmlformats.org/package/2006/metadata/core-properties"/>
-    <ds:schemaRef ds:uri="630a2e83-186a-4a0f-ab27-bee8a8096abc"/>
-    <ds:schemaRef ds:uri="http://schemas.microsoft.com/office/2006/documentManagement/types"/>
-    <ds:schemaRef ds:uri="http://schemas.microsoft.com/office/infopath/2007/PartnerControls"/>
-    <ds:schemaRef ds:uri="http://purl.org/dc/elements/1.1/"/>
-    <ds:schemaRef ds:uri="http://www.w3.org/XML/1998/namespace"/>
-    <ds:schemaRef ds:uri="http://purl.org/dc/dcmitype/"/>
-  </ds:schemaRefs>
-</ds:datastoreItem>
 </file>
--- a/Presentation/Module06-Monitoring.pptx
+++ b/Presentation/Module06-Monitoring.pptx
@@ -8676,7 +8676,7 @@
               <a:rPr lang="en-US" smtClean="0">
                 <a:latin typeface="Segoe UI" pitchFamily="34" charset="0"/>
               </a:rPr>
-              <a:t>10/7/2016 7:18 PM</a:t>
+              <a:t>1/10/2017 10:53 AM</a:t>
             </a:fld>
             <a:endParaRPr lang="en-US" dirty="0">
               <a:latin typeface="Segoe UI" pitchFamily="34" charset="0"/>
@@ -8765,7 +8765,7 @@
               <a:rPr lang="en-US" smtClean="0">
                 <a:latin typeface="Segoe UI" pitchFamily="34" charset="0"/>
               </a:rPr>
-              <a:t>‹#›</a:t>
+              <a:t>‹Nr.›</a:t>
             </a:fld>
             <a:endParaRPr lang="en-US" dirty="0">
               <a:latin typeface="Segoe UI" pitchFamily="34" charset="0"/>
@@ -8954,7 +8954,7 @@
           <a:p>
             <a:fld id="{196BB360-4395-422C-A729-CB974B278917}" type="datetime8">
               <a:rPr lang="en-US" smtClean="0"/>
-              <a:t>10/7/2016 7:18 PM</a:t>
+              <a:t>1/10/2017 10:53 AM</a:t>
             </a:fld>
             <a:endParaRPr lang="en-US" dirty="0"/>
           </a:p>
@@ -9051,7 +9051,7 @@
             <a:fld id="{B4008EB6-D09E-4580-8CD6-DDB14511944F}" type="slidenum">
               <a:rPr lang="en-US" smtClean="0"/>
               <a:pPr/>
-              <a:t>‹#›</a:t>
+              <a:t>‹Nr.›</a:t>
             </a:fld>
             <a:endParaRPr lang="en-US" dirty="0"/>
           </a:p>
@@ -9283,7 +9283,7 @@
           <a:p>
             <a:fld id="{B9E68977-C62F-48C1-B8E5-A952982F1FDC}" type="datetime8">
               <a:rPr lang="en-US" smtClean="0"/>
-              <a:t>10/7/2016 7:18 PM</a:t>
+              <a:t>1/10/2017 10:53 AM</a:t>
             </a:fld>
             <a:endParaRPr lang="en-US" dirty="0"/>
           </a:p>
@@ -9553,7 +9553,7 @@
           <a:p>
             <a:fld id="{196BB360-4395-422C-A729-CB974B278917}" type="datetime8">
               <a:rPr lang="en-US" smtClean="0"/>
-              <a:t>10/7/2016 7:19 PM</a:t>
+              <a:t>1/10/2017 10:53 AM</a:t>
             </a:fld>
             <a:endParaRPr lang="en-US" dirty="0"/>
           </a:p>
@@ -9703,7 +9703,7 @@
                   <a:prstClr val="black"/>
                 </a:solidFill>
               </a:rPr>
-              <a:t>10/7/2016 7:18 PM</a:t>
+              <a:t>1/10/2017 10:53 AM</a:t>
             </a:fld>
             <a:endParaRPr lang="en-US" dirty="0">
               <a:solidFill>
@@ -9921,7 +9921,7 @@
           <a:p>
             <a:fld id="{196BB360-4395-422C-A729-CB974B278917}" type="datetime8">
               <a:rPr lang="en-US" smtClean="0"/>
-              <a:t>10/7/2016 7:18 PM</a:t>
+              <a:t>1/10/2017 10:53 AM</a:t>
             </a:fld>
             <a:endParaRPr lang="en-US" dirty="0"/>
           </a:p>
@@ -10089,7 +10089,7 @@
           <a:p>
             <a:fld id="{196BB360-4395-422C-A729-CB974B278917}" type="datetime8">
               <a:rPr lang="en-US" smtClean="0"/>
-              <a:t>10/7/2016 7:18 PM</a:t>
+              <a:t>1/10/2017 10:53 AM</a:t>
             </a:fld>
             <a:endParaRPr lang="en-US" dirty="0"/>
           </a:p>
@@ -10298,7 +10298,7 @@
           <a:p>
             <a:fld id="{196BB360-4395-422C-A729-CB974B278917}" type="datetime8">
               <a:rPr lang="en-US" smtClean="0"/>
-              <a:t>10/7/2016 7:18 PM</a:t>
+              <a:t>1/10/2017 10:53 AM</a:t>
             </a:fld>
             <a:endParaRPr lang="en-US" dirty="0"/>
           </a:p>
@@ -10463,7 +10463,7 @@
           <a:p>
             <a:fld id="{196BB360-4395-422C-A729-CB974B278917}" type="datetime8">
               <a:rPr lang="en-US" smtClean="0"/>
-              <a:t>10/7/2016 7:18 PM</a:t>
+              <a:t>1/10/2017 10:53 AM</a:t>
             </a:fld>
             <a:endParaRPr lang="en-US" dirty="0"/>
           </a:p>
@@ -10631,7 +10631,7 @@
           <a:p>
             <a:fld id="{196BB360-4395-422C-A729-CB974B278917}" type="datetime8">
               <a:rPr lang="en-US" smtClean="0"/>
-              <a:t>10/7/2016 7:18 PM</a:t>
+              <a:t>1/10/2017 10:53 AM</a:t>
             </a:fld>
             <a:endParaRPr lang="en-US" dirty="0"/>
           </a:p>
@@ -10832,7 +10832,7 @@
           <a:p>
             <a:fld id="{196BB360-4395-422C-A729-CB974B278917}" type="datetime8">
               <a:rPr lang="en-US" smtClean="0"/>
-              <a:t>10/7/2016 7:19 PM</a:t>
+              <a:t>1/10/2017 10:53 AM</a:t>
             </a:fld>
             <a:endParaRPr lang="en-US" dirty="0"/>
           </a:p>
@@ -11017,7 +11017,7 @@
           <a:p>
             <a:fld id="{38EEC551-8CDA-4EB6-89BB-2A86C9F091C8}" type="datetime8">
               <a:rPr lang="en-US" smtClean="0"/>
-              <a:t>10/7/2016 7:18 PM</a:t>
+              <a:t>1/10/2017 10:53 AM</a:t>
             </a:fld>
             <a:endParaRPr lang="en-US" dirty="0"/>
           </a:p>
@@ -39693,15 +39693,6 @@
             <a:endParaRPr lang="en-US" sz="1600" dirty="0">
               <a:latin typeface="Segoe UI"/>
             </a:endParaRPr>
-          </a:p>
-          <a:p>
-            <a:pPr lvl="0"/>
-            <a:r>
-              <a:rPr lang="en-US" sz="1800" dirty="0">
-                <a:latin typeface="Segoe UI"/>
-              </a:rPr>
-              <a:t>speaker@email.tld</a:t>
-            </a:r>
           </a:p>
         </p:txBody>
       </p:sp>
@@ -53834,21 +53825,6 @@
 </file>
 
 <file path=customXml/item1.xml><?xml version="1.0" encoding="utf-8"?>
-<?mso-contentType ?>
-<FormTemplates xmlns="http://schemas.microsoft.com/sharepoint/v3/contenttype/forms">
-  <Display>DocumentLibraryForm</Display>
-  <Edit>DocumentLibraryForm</Edit>
-  <New>DocumentLibraryForm</New>
-</FormTemplates>
-</file>
-
-<file path=customXml/item2.xml><?xml version="1.0" encoding="utf-8"?>
-<p:properties xmlns:p="http://schemas.microsoft.com/office/2006/metadata/properties" xmlns:xsi="http://www.w3.org/2001/XMLSchema-instance" xmlns:pc="http://schemas.microsoft.com/office/infopath/2007/PartnerControls">
-  <documentManagement/>
-</p:properties>
-</file>
-
-<file path=customXml/item3.xml><?xml version="1.0" encoding="utf-8"?>
 <ct:contentTypeSchema xmlns:ct="http://schemas.microsoft.com/office/2006/metadata/contentType" xmlns:ma="http://schemas.microsoft.com/office/2006/metadata/properties/metaAttributes" ct:_="" ma:_="" ma:contentTypeName="Document" ma:contentTypeID="0x010100A2B0BB5962AB3C45A9A1CE1EC4C4F647" ma:contentTypeVersion="3" ma:contentTypeDescription="Create a new document." ma:contentTypeScope="" ma:versionID="f0876370c90de824ab54c09b0bd2a056">
   <xsd:schema xmlns:xsd="http://www.w3.org/2001/XMLSchema" xmlns:xs="http://www.w3.org/2001/XMLSchema" xmlns:p="http://schemas.microsoft.com/office/2006/metadata/properties" xmlns:ns3="630a2e83-186a-4a0f-ab27-bee8a8096abc" targetNamespace="http://schemas.microsoft.com/office/2006/metadata/properties" ma:root="true" ma:fieldsID="a2a3b5ed8b4accd7c8a398d0cb075271" ns3:_="">
     <xsd:import namespace="630a2e83-186a-4a0f-ab27-bee8a8096abc"/>
@@ -54002,10 +53978,35 @@
 </ct:contentTypeSchema>
 </file>
 
+<file path=customXml/item2.xml><?xml version="1.0" encoding="utf-8"?>
+<p:properties xmlns:p="http://schemas.microsoft.com/office/2006/metadata/properties" xmlns:xsi="http://www.w3.org/2001/XMLSchema-instance" xmlns:pc="http://schemas.microsoft.com/office/infopath/2007/PartnerControls">
+  <documentManagement/>
+</p:properties>
+</file>
+
+<file path=customXml/item3.xml><?xml version="1.0" encoding="utf-8"?>
+<?mso-contentType ?>
+<FormTemplates xmlns="http://schemas.microsoft.com/sharepoint/v3/contenttype/forms">
+  <Display>DocumentLibraryForm</Display>
+  <Edit>DocumentLibraryForm</Edit>
+  <New>DocumentLibraryForm</New>
+</FormTemplates>
+</file>
+
 <file path=customXml/itemProps1.xml><?xml version="1.0" encoding="utf-8"?>
-<ds:datastoreItem xmlns:ds="http://schemas.openxmlformats.org/officeDocument/2006/customXml" ds:itemID="{758FDAC0-319D-4A54-8D8E-1D42CB1F8004}">
+<ds:datastoreItem xmlns:ds="http://schemas.openxmlformats.org/officeDocument/2006/customXml" ds:itemID="{F4553072-E538-48C4-90FC-3653F32D67C5}">
   <ds:schemaRefs>
-    <ds:schemaRef ds:uri="http://schemas.microsoft.com/sharepoint/v3/contenttype/forms"/>
+    <ds:schemaRef ds:uri="http://schemas.microsoft.com/office/2006/metadata/contentType"/>
+    <ds:schemaRef ds:uri="http://schemas.microsoft.com/office/2006/metadata/properties/metaAttributes"/>
+    <ds:schemaRef ds:uri="http://www.w3.org/2001/XMLSchema"/>
+    <ds:schemaRef ds:uri="http://schemas.microsoft.com/office/2006/metadata/properties"/>
+    <ds:schemaRef ds:uri="630a2e83-186a-4a0f-ab27-bee8a8096abc"/>
+    <ds:schemaRef ds:uri="http://schemas.microsoft.com/office/2006/documentManagement/types"/>
+    <ds:schemaRef ds:uri="http://schemas.microsoft.com/office/infopath/2007/PartnerControls"/>
+    <ds:schemaRef ds:uri="http://schemas.openxmlformats.org/package/2006/metadata/core-properties"/>
+    <ds:schemaRef ds:uri="http://purl.org/dc/elements/1.1/"/>
+    <ds:schemaRef ds:uri="http://purl.org/dc/terms/"/>
+    <ds:schemaRef ds:uri="http://schemas.microsoft.com/internal/obd"/>
   </ds:schemaRefs>
 </ds:datastoreItem>
 </file>
@@ -54027,19 +54028,9 @@
 </file>
 
 <file path=customXml/itemProps3.xml><?xml version="1.0" encoding="utf-8"?>
-<ds:datastoreItem xmlns:ds="http://schemas.openxmlformats.org/officeDocument/2006/customXml" ds:itemID="{F4553072-E538-48C4-90FC-3653F32D67C5}">
+<ds:datastoreItem xmlns:ds="http://schemas.openxmlformats.org/officeDocument/2006/customXml" ds:itemID="{758FDAC0-319D-4A54-8D8E-1D42CB1F8004}">
   <ds:schemaRefs>
-    <ds:schemaRef ds:uri="http://schemas.microsoft.com/office/2006/metadata/contentType"/>
-    <ds:schemaRef ds:uri="http://schemas.microsoft.com/office/2006/metadata/properties/metaAttributes"/>
-    <ds:schemaRef ds:uri="http://www.w3.org/2001/XMLSchema"/>
-    <ds:schemaRef ds:uri="http://schemas.microsoft.com/office/2006/metadata/properties"/>
-    <ds:schemaRef ds:uri="630a2e83-186a-4a0f-ab27-bee8a8096abc"/>
-    <ds:schemaRef ds:uri="http://schemas.microsoft.com/office/2006/documentManagement/types"/>
-    <ds:schemaRef ds:uri="http://schemas.microsoft.com/office/infopath/2007/PartnerControls"/>
-    <ds:schemaRef ds:uri="http://schemas.openxmlformats.org/package/2006/metadata/core-properties"/>
-    <ds:schemaRef ds:uri="http://purl.org/dc/elements/1.1/"/>
-    <ds:schemaRef ds:uri="http://purl.org/dc/terms/"/>
-    <ds:schemaRef ds:uri="http://schemas.microsoft.com/internal/obd"/>
+    <ds:schemaRef ds:uri="http://schemas.microsoft.com/sharepoint/v3/contenttype/forms"/>
   </ds:schemaRefs>
 </ds:datastoreItem>
 </file>
--- a/Presentation/Module06-Monitoring.pptx
+++ b/Presentation/Module06-Monitoring.pptx
@@ -8,10 +8,10 @@
     <p:sldMasterId id="2147484292" r:id="rId7"/>
   </p:sldMasterIdLst>
   <p:notesMasterIdLst>
-    <p:notesMasterId r:id="rId44"/>
+    <p:notesMasterId r:id="rId45"/>
   </p:notesMasterIdLst>
   <p:handoutMasterIdLst>
-    <p:handoutMasterId r:id="rId45"/>
+    <p:handoutMasterId r:id="rId46"/>
   </p:handoutMasterIdLst>
   <p:sldIdLst>
     <p:sldId id="1309" r:id="rId8"/>
@@ -50,9 +50,13 @@
     <p:sldId id="1381" r:id="rId41"/>
     <p:sldId id="1341" r:id="rId42"/>
     <p:sldId id="1361" r:id="rId43"/>
+    <p:sldId id="1382" r:id="rId44"/>
   </p:sldIdLst>
   <p:sldSz cx="12436475" cy="6994525"/>
   <p:notesSz cx="6858000" cy="9144000"/>
+  <p:custDataLst>
+    <p:tags r:id="rId47"/>
+  </p:custDataLst>
   <p:defaultTextStyle>
     <a:defPPr>
       <a:defRPr lang="en-US"/>
@@ -205,6 +209,7 @@
           <p14:sldIdLst>
             <p14:sldId id="1341"/>
             <p14:sldId id="1361"/>
+            <p14:sldId id="1382"/>
           </p14:sldIdLst>
         </p14:section>
       </p14:sectionLst>
@@ -249,6 +254,10 @@
     </p:extLst>
   </p:cmAuthor>
 </p:cmAuthorLst>
+</file>
+
+<file path=ppt/revisionInfo.xml><?xml version="1.0" encoding="utf-8"?>
+<p1510:revInfo xmlns:a="http://schemas.openxmlformats.org/drawingml/2006/main" xmlns:r="http://schemas.openxmlformats.org/officeDocument/2006/relationships" xmlns:p1510="http://schemas.microsoft.com/office/powerpoint/2015/10/main"/>
 </file>
 
 <file path=ppt/diagrams/colors1.xml><?xml version="1.0" encoding="utf-8"?>
@@ -2849,21 +2858,21 @@
     </dgm:pt>
   </dgm:ptLst>
   <dgm:cxnLst>
+    <dgm:cxn modelId="{DE3B9609-74EF-49A9-B992-72931BC3214D}" type="presOf" srcId="{FAEFE885-368E-4563-A90E-0273DBE85B37}" destId="{183FEB11-51AC-4DEC-8CD1-C9F5DB88831F}" srcOrd="0" destOrd="0" presId="urn:microsoft.com/office/officeart/2005/8/layout/default"/>
+    <dgm:cxn modelId="{A9956A1F-25ED-43C1-B300-90145987B63D}" type="presOf" srcId="{61E4A2FF-7578-4A11-A3E8-CF08E852D1A8}" destId="{13B012BF-49BA-4F3D-A33C-FF0146C65D1B}" srcOrd="0" destOrd="0" presId="urn:microsoft.com/office/officeart/2005/8/layout/default"/>
+    <dgm:cxn modelId="{30ADE068-23BD-4CBB-AD38-CE921D5D5FF5}" type="presOf" srcId="{4675914B-2A7D-4DDA-8E2C-B7A8C5DCBB3C}" destId="{BC431EA5-02B2-4171-AFA4-408C2225DC07}" srcOrd="0" destOrd="0" presId="urn:microsoft.com/office/officeart/2005/8/layout/default"/>
+    <dgm:cxn modelId="{B94FC54F-A2B4-4B41-AA77-E58DD283C36D}" srcId="{4675914B-2A7D-4DDA-8E2C-B7A8C5DCBB3C}" destId="{2CEF2A7D-F5B7-45CE-AD61-6BADCC72FB4A}" srcOrd="0" destOrd="0" parTransId="{75BC48E3-3DEE-4A30-9747-46C52FC06BC0}" sibTransId="{1FE3CEC9-FF31-42CF-BE9E-4E0DD3B7A820}"/>
+    <dgm:cxn modelId="{7A5B1571-21E7-47B8-A3FB-3017F3E374A3}" type="presOf" srcId="{046909FC-9172-4E26-9428-57C41643B51F}" destId="{EA3FD69F-AAE5-472C-ACB2-68C47FFCAE24}" srcOrd="0" destOrd="0" presId="urn:microsoft.com/office/officeart/2005/8/layout/default"/>
+    <dgm:cxn modelId="{E2EE6A79-BB85-42D3-9E34-A91976D47266}" srcId="{4675914B-2A7D-4DDA-8E2C-B7A8C5DCBB3C}" destId="{046909FC-9172-4E26-9428-57C41643B51F}" srcOrd="3" destOrd="0" parTransId="{9C89AC08-65E9-4F0C-B2D6-355D68782ADC}" sibTransId="{2061AB9A-8745-4F26-9C3C-B0E9E976C094}"/>
+    <dgm:cxn modelId="{2E278C8D-41D0-43F0-BEE1-8BBC4D8A9F47}" srcId="{4675914B-2A7D-4DDA-8E2C-B7A8C5DCBB3C}" destId="{28B66A95-913A-4684-8339-15CC04E620C7}" srcOrd="4" destOrd="0" parTransId="{CE390AAB-653F-40D2-BAF7-69117FB1590A}" sibTransId="{740CBEA5-01E8-49CD-A93D-1B25C85F8209}"/>
+    <dgm:cxn modelId="{7C5BB38E-D64A-4690-A1CC-6643B2DCABEF}" type="presOf" srcId="{43BFCED6-55B8-4FBC-8753-EE300675FF69}" destId="{A722F6DC-48B9-4FA9-B87E-1CE11DDBA0C6}" srcOrd="0" destOrd="0" presId="urn:microsoft.com/office/officeart/2005/8/layout/default"/>
     <dgm:cxn modelId="{00070DAA-FA5B-4504-9F0B-89B6A9CE8BAA}" srcId="{4675914B-2A7D-4DDA-8E2C-B7A8C5DCBB3C}" destId="{D41BB831-EC62-4156-9A88-BBB92CCF862B}" srcOrd="1" destOrd="0" parTransId="{02C689E1-192B-4258-9B4D-41833AB1F757}" sibTransId="{E2651BE6-BF37-4F8F-ABA5-43A01574E577}"/>
+    <dgm:cxn modelId="{499AACC2-3429-4065-AE89-1D156119A411}" type="presOf" srcId="{2CEF2A7D-F5B7-45CE-AD61-6BADCC72FB4A}" destId="{8E126CA1-6C84-4C33-B311-61E786FFB8A4}" srcOrd="0" destOrd="0" presId="urn:microsoft.com/office/officeart/2005/8/layout/default"/>
+    <dgm:cxn modelId="{3AB044C4-A4E1-4D7D-B8AC-4392F21B0FF4}" srcId="{4675914B-2A7D-4DDA-8E2C-B7A8C5DCBB3C}" destId="{61E4A2FF-7578-4A11-A3E8-CF08E852D1A8}" srcOrd="5" destOrd="0" parTransId="{875220EC-6176-4005-8E0E-B2516B924041}" sibTransId="{58359EAE-9FF4-4231-A901-5CB84A7BE1C0}"/>
+    <dgm:cxn modelId="{4F83C1C9-5540-4D83-87C8-897B2E4F3B25}" type="presOf" srcId="{D41BB831-EC62-4156-9A88-BBB92CCF862B}" destId="{73CDCFA3-F53B-4D04-804B-BF26BC63BF98}" srcOrd="0" destOrd="0" presId="urn:microsoft.com/office/officeart/2005/8/layout/default"/>
+    <dgm:cxn modelId="{256E6BCF-E013-4291-8EE8-379209795D19}" srcId="{4675914B-2A7D-4DDA-8E2C-B7A8C5DCBB3C}" destId="{43BFCED6-55B8-4FBC-8753-EE300675FF69}" srcOrd="6" destOrd="0" parTransId="{1BFD9358-C0F3-4C42-9EEA-0CE582809223}" sibTransId="{CCD36C37-13D2-430C-8E02-3DB3277B4F3A}"/>
     <dgm:cxn modelId="{39AAC8DD-BA24-4E28-B84E-9E424BD036E8}" srcId="{4675914B-2A7D-4DDA-8E2C-B7A8C5DCBB3C}" destId="{FAEFE885-368E-4563-A90E-0273DBE85B37}" srcOrd="2" destOrd="0" parTransId="{8CA70C98-5D91-4603-92CD-D003CFF432FD}" sibTransId="{9F4B5A59-33A9-4655-8E94-F6F88B34972D}"/>
-    <dgm:cxn modelId="{30ADE068-23BD-4CBB-AD38-CE921D5D5FF5}" type="presOf" srcId="{4675914B-2A7D-4DDA-8E2C-B7A8C5DCBB3C}" destId="{BC431EA5-02B2-4171-AFA4-408C2225DC07}" srcOrd="0" destOrd="0" presId="urn:microsoft.com/office/officeart/2005/8/layout/default"/>
-    <dgm:cxn modelId="{256E6BCF-E013-4291-8EE8-379209795D19}" srcId="{4675914B-2A7D-4DDA-8E2C-B7A8C5DCBB3C}" destId="{43BFCED6-55B8-4FBC-8753-EE300675FF69}" srcOrd="6" destOrd="0" parTransId="{1BFD9358-C0F3-4C42-9EEA-0CE582809223}" sibTransId="{CCD36C37-13D2-430C-8E02-3DB3277B4F3A}"/>
-    <dgm:cxn modelId="{4F83C1C9-5540-4D83-87C8-897B2E4F3B25}" type="presOf" srcId="{D41BB831-EC62-4156-9A88-BBB92CCF862B}" destId="{73CDCFA3-F53B-4D04-804B-BF26BC63BF98}" srcOrd="0" destOrd="0" presId="urn:microsoft.com/office/officeart/2005/8/layout/default"/>
-    <dgm:cxn modelId="{A9956A1F-25ED-43C1-B300-90145987B63D}" type="presOf" srcId="{61E4A2FF-7578-4A11-A3E8-CF08E852D1A8}" destId="{13B012BF-49BA-4F3D-A33C-FF0146C65D1B}" srcOrd="0" destOrd="0" presId="urn:microsoft.com/office/officeart/2005/8/layout/default"/>
-    <dgm:cxn modelId="{499AACC2-3429-4065-AE89-1D156119A411}" type="presOf" srcId="{2CEF2A7D-F5B7-45CE-AD61-6BADCC72FB4A}" destId="{8E126CA1-6C84-4C33-B311-61E786FFB8A4}" srcOrd="0" destOrd="0" presId="urn:microsoft.com/office/officeart/2005/8/layout/default"/>
-    <dgm:cxn modelId="{7C5BB38E-D64A-4690-A1CC-6643B2DCABEF}" type="presOf" srcId="{43BFCED6-55B8-4FBC-8753-EE300675FF69}" destId="{A722F6DC-48B9-4FA9-B87E-1CE11DDBA0C6}" srcOrd="0" destOrd="0" presId="urn:microsoft.com/office/officeart/2005/8/layout/default"/>
-    <dgm:cxn modelId="{DE3B9609-74EF-49A9-B992-72931BC3214D}" type="presOf" srcId="{FAEFE885-368E-4563-A90E-0273DBE85B37}" destId="{183FEB11-51AC-4DEC-8CD1-C9F5DB88831F}" srcOrd="0" destOrd="0" presId="urn:microsoft.com/office/officeart/2005/8/layout/default"/>
-    <dgm:cxn modelId="{7A5B1571-21E7-47B8-A3FB-3017F3E374A3}" type="presOf" srcId="{046909FC-9172-4E26-9428-57C41643B51F}" destId="{EA3FD69F-AAE5-472C-ACB2-68C47FFCAE24}" srcOrd="0" destOrd="0" presId="urn:microsoft.com/office/officeart/2005/8/layout/default"/>
-    <dgm:cxn modelId="{B94FC54F-A2B4-4B41-AA77-E58DD283C36D}" srcId="{4675914B-2A7D-4DDA-8E2C-B7A8C5DCBB3C}" destId="{2CEF2A7D-F5B7-45CE-AD61-6BADCC72FB4A}" srcOrd="0" destOrd="0" parTransId="{75BC48E3-3DEE-4A30-9747-46C52FC06BC0}" sibTransId="{1FE3CEC9-FF31-42CF-BE9E-4E0DD3B7A820}"/>
-    <dgm:cxn modelId="{2E278C8D-41D0-43F0-BEE1-8BBC4D8A9F47}" srcId="{4675914B-2A7D-4DDA-8E2C-B7A8C5DCBB3C}" destId="{28B66A95-913A-4684-8339-15CC04E620C7}" srcOrd="4" destOrd="0" parTransId="{CE390AAB-653F-40D2-BAF7-69117FB1590A}" sibTransId="{740CBEA5-01E8-49CD-A93D-1B25C85F8209}"/>
     <dgm:cxn modelId="{2DE19CEE-1B23-4A09-884E-F2E9C656A8E7}" type="presOf" srcId="{28B66A95-913A-4684-8339-15CC04E620C7}" destId="{255BA920-6CA2-42C2-A1AB-87187F19475C}" srcOrd="0" destOrd="0" presId="urn:microsoft.com/office/officeart/2005/8/layout/default"/>
-    <dgm:cxn modelId="{3AB044C4-A4E1-4D7D-B8AC-4392F21B0FF4}" srcId="{4675914B-2A7D-4DDA-8E2C-B7A8C5DCBB3C}" destId="{61E4A2FF-7578-4A11-A3E8-CF08E852D1A8}" srcOrd="5" destOrd="0" parTransId="{875220EC-6176-4005-8E0E-B2516B924041}" sibTransId="{58359EAE-9FF4-4231-A901-5CB84A7BE1C0}"/>
-    <dgm:cxn modelId="{E2EE6A79-BB85-42D3-9E34-A91976D47266}" srcId="{4675914B-2A7D-4DDA-8E2C-B7A8C5DCBB3C}" destId="{046909FC-9172-4E26-9428-57C41643B51F}" srcOrd="3" destOrd="0" parTransId="{9C89AC08-65E9-4F0C-B2D6-355D68782ADC}" sibTransId="{2061AB9A-8745-4F26-9C3C-B0E9E976C094}"/>
     <dgm:cxn modelId="{97A90DF1-EB6F-476E-9457-C90DCD47F91C}" type="presParOf" srcId="{BC431EA5-02B2-4171-AFA4-408C2225DC07}" destId="{8E126CA1-6C84-4C33-B311-61E786FFB8A4}" srcOrd="0" destOrd="0" presId="urn:microsoft.com/office/officeart/2005/8/layout/default"/>
     <dgm:cxn modelId="{E2450B5F-8A28-454D-B7C8-84283FDF61BC}" type="presParOf" srcId="{BC431EA5-02B2-4171-AFA4-408C2225DC07}" destId="{BA3CB576-905D-4BE5-8019-13421F3D917B}" srcOrd="1" destOrd="0" presId="urn:microsoft.com/office/officeart/2005/8/layout/default"/>
     <dgm:cxn modelId="{60BE22AB-E503-4CB1-BC33-9688462354DB}" type="presParOf" srcId="{BC431EA5-02B2-4171-AFA4-408C2225DC07}" destId="{73CDCFA3-F53B-4D04-804B-BF26BC63BF98}" srcOrd="2" destOrd="0" presId="urn:microsoft.com/office/officeart/2005/8/layout/default"/>
@@ -3149,17 +3158,17 @@
     </dgm:pt>
   </dgm:ptLst>
   <dgm:cxnLst>
+    <dgm:cxn modelId="{E4E3CA0C-C125-4054-A0D8-053CF085A790}" type="presOf" srcId="{C688F4F3-2DEC-4216-BE7C-7C55BD5F1B93}" destId="{8FA97C2C-94BC-49AB-9F2E-04441510791D}" srcOrd="0" destOrd="0" presId="urn:microsoft.com/office/officeart/2005/8/layout/default"/>
+    <dgm:cxn modelId="{72DFB43E-5062-4689-A89E-BED3DB219851}" type="presOf" srcId="{8C1C97BB-D88D-4A00-AA1C-FF793DEE6ACF}" destId="{7A209DD1-822D-4E90-ADC3-AB80E7CBB714}" srcOrd="0" destOrd="0" presId="urn:microsoft.com/office/officeart/2005/8/layout/default"/>
+    <dgm:cxn modelId="{982AE760-6E7E-4006-9D69-3E333D3A83EB}" type="presOf" srcId="{7E899087-A012-4CAD-ABF0-AC256EDDF72E}" destId="{448BC1B6-3B77-43B1-8317-1ECDF4C16EBB}" srcOrd="0" destOrd="0" presId="urn:microsoft.com/office/officeart/2005/8/layout/default"/>
     <dgm:cxn modelId="{FBE43A62-2C5F-473F-AE8B-7A1E980ADE9C}" type="presOf" srcId="{325E2D48-CB40-4C8F-96B6-51BB0A38C639}" destId="{06CBEE87-7132-49C1-8197-522C3D77FA29}" srcOrd="0" destOrd="0" presId="urn:microsoft.com/office/officeart/2005/8/layout/default"/>
-    <dgm:cxn modelId="{982AE760-6E7E-4006-9D69-3E333D3A83EB}" type="presOf" srcId="{7E899087-A012-4CAD-ABF0-AC256EDDF72E}" destId="{448BC1B6-3B77-43B1-8317-1ECDF4C16EBB}" srcOrd="0" destOrd="0" presId="urn:microsoft.com/office/officeart/2005/8/layout/default"/>
     <dgm:cxn modelId="{C594BA7C-9020-401C-8B83-14128674E5E6}" srcId="{325E2D48-CB40-4C8F-96B6-51BB0A38C639}" destId="{8C1C97BB-D88D-4A00-AA1C-FF793DEE6ACF}" srcOrd="0" destOrd="0" parTransId="{475BED29-8619-491C-A6E7-4DF657F28841}" sibTransId="{BC4B3EEE-F139-4363-88D4-13161B6492B9}"/>
-    <dgm:cxn modelId="{72DFB43E-5062-4689-A89E-BED3DB219851}" type="presOf" srcId="{8C1C97BB-D88D-4A00-AA1C-FF793DEE6ACF}" destId="{7A209DD1-822D-4E90-ADC3-AB80E7CBB714}" srcOrd="0" destOrd="0" presId="urn:microsoft.com/office/officeart/2005/8/layout/default"/>
-    <dgm:cxn modelId="{70922CE3-5F7A-4F90-B607-20999F186604}" srcId="{325E2D48-CB40-4C8F-96B6-51BB0A38C639}" destId="{D7017EE2-F306-4471-9048-BB7E0B47C53A}" srcOrd="2" destOrd="0" parTransId="{AF9302C3-D0DF-4FAE-92B4-4CEDB58B502E}" sibTransId="{AE2B697B-025A-4FDA-B406-50D37D9474A1}"/>
+    <dgm:cxn modelId="{0C989884-E7B7-45CB-A7E3-3BA964AAF5CA}" type="presOf" srcId="{D7017EE2-F306-4471-9048-BB7E0B47C53A}" destId="{60ED6D07-FF23-45C3-A5E4-A5852688545E}" srcOrd="0" destOrd="0" presId="urn:microsoft.com/office/officeart/2005/8/layout/default"/>
+    <dgm:cxn modelId="{550EEAA8-B86A-4BCE-BA86-74DC192772A2}" srcId="{325E2D48-CB40-4C8F-96B6-51BB0A38C639}" destId="{6A7814D5-2425-45A9-AA23-A2FD1722B0BF}" srcOrd="3" destOrd="0" parTransId="{B318FD75-294B-4F68-92EF-2A59E39105ED}" sibTransId="{5831EA89-5574-4AC2-BA49-3C97F2F5D501}"/>
     <dgm:cxn modelId="{4ACBE7AF-B2BA-4444-B662-93D2F3AEDE51}" srcId="{325E2D48-CB40-4C8F-96B6-51BB0A38C639}" destId="{C688F4F3-2DEC-4216-BE7C-7C55BD5F1B93}" srcOrd="4" destOrd="0" parTransId="{19C87FA5-D3B8-4F8A-AB23-F08ED81DEF61}" sibTransId="{3DA3EDF6-238D-4384-9AC8-9FDA7FDFE927}"/>
     <dgm:cxn modelId="{A37C7CDC-FD1D-47FA-BA09-811B28772DD9}" srcId="{325E2D48-CB40-4C8F-96B6-51BB0A38C639}" destId="{7E899087-A012-4CAD-ABF0-AC256EDDF72E}" srcOrd="1" destOrd="0" parTransId="{E5FC4F50-D9C2-4FA5-9346-0D67182A121B}" sibTransId="{89BDA597-29DC-415B-9A29-78C4B0745FC9}"/>
-    <dgm:cxn modelId="{550EEAA8-B86A-4BCE-BA86-74DC192772A2}" srcId="{325E2D48-CB40-4C8F-96B6-51BB0A38C639}" destId="{6A7814D5-2425-45A9-AA23-A2FD1722B0BF}" srcOrd="3" destOrd="0" parTransId="{B318FD75-294B-4F68-92EF-2A59E39105ED}" sibTransId="{5831EA89-5574-4AC2-BA49-3C97F2F5D501}"/>
     <dgm:cxn modelId="{C4381FE3-2AA3-454B-933C-C3D29A908E82}" type="presOf" srcId="{6A7814D5-2425-45A9-AA23-A2FD1722B0BF}" destId="{E38988B0-CEF7-4A46-84A1-2140774E3AEB}" srcOrd="0" destOrd="0" presId="urn:microsoft.com/office/officeart/2005/8/layout/default"/>
-    <dgm:cxn modelId="{E4E3CA0C-C125-4054-A0D8-053CF085A790}" type="presOf" srcId="{C688F4F3-2DEC-4216-BE7C-7C55BD5F1B93}" destId="{8FA97C2C-94BC-49AB-9F2E-04441510791D}" srcOrd="0" destOrd="0" presId="urn:microsoft.com/office/officeart/2005/8/layout/default"/>
-    <dgm:cxn modelId="{0C989884-E7B7-45CB-A7E3-3BA964AAF5CA}" type="presOf" srcId="{D7017EE2-F306-4471-9048-BB7E0B47C53A}" destId="{60ED6D07-FF23-45C3-A5E4-A5852688545E}" srcOrd="0" destOrd="0" presId="urn:microsoft.com/office/officeart/2005/8/layout/default"/>
+    <dgm:cxn modelId="{70922CE3-5F7A-4F90-B607-20999F186604}" srcId="{325E2D48-CB40-4C8F-96B6-51BB0A38C639}" destId="{D7017EE2-F306-4471-9048-BB7E0B47C53A}" srcOrd="2" destOrd="0" parTransId="{AF9302C3-D0DF-4FAE-92B4-4CEDB58B502E}" sibTransId="{AE2B697B-025A-4FDA-B406-50D37D9474A1}"/>
     <dgm:cxn modelId="{EC9AD6D3-C939-4437-834C-6D8A498F6092}" type="presParOf" srcId="{06CBEE87-7132-49C1-8197-522C3D77FA29}" destId="{7A209DD1-822D-4E90-ADC3-AB80E7CBB714}" srcOrd="0" destOrd="0" presId="urn:microsoft.com/office/officeart/2005/8/layout/default"/>
     <dgm:cxn modelId="{918A1758-CEBC-43D1-9CD3-B2A4B800CEAA}" type="presParOf" srcId="{06CBEE87-7132-49C1-8197-522C3D77FA29}" destId="{67121270-6D0A-486B-A7BD-64D09E59F768}" srcOrd="1" destOrd="0" presId="urn:microsoft.com/office/officeart/2005/8/layout/default"/>
     <dgm:cxn modelId="{55B71008-6706-4D1C-8934-46C6D85A5FA3}" type="presParOf" srcId="{06CBEE87-7132-49C1-8197-522C3D77FA29}" destId="{448BC1B6-3B77-43B1-8317-1ECDF4C16EBB}" srcOrd="2" destOrd="0" presId="urn:microsoft.com/office/officeart/2005/8/layout/default"/>
@@ -3578,24 +3587,24 @@
     </dgm:pt>
   </dgm:ptLst>
   <dgm:cxnLst>
+    <dgm:cxn modelId="{B2539E03-2982-4EDA-9011-B4A7DD44C08C}" type="presOf" srcId="{4A2B822F-7A5C-4F95-BD23-CB014DA30628}" destId="{C5693F82-2D1A-4D43-B9E6-6B377B763BF3}" srcOrd="0" destOrd="0" presId="urn:microsoft.com/office/officeart/2005/8/layout/hList1"/>
+    <dgm:cxn modelId="{94460912-5408-4088-88EC-A44E251B8696}" srcId="{4A2B822F-7A5C-4F95-BD23-CB014DA30628}" destId="{86F411C2-B093-46BE-874D-7A1C18AA071E}" srcOrd="2" destOrd="0" parTransId="{F411748C-E831-4BC5-A2E2-DB1C01C9767B}" sibTransId="{2804F494-E4C1-4309-9D3A-BB207F4EB98E}"/>
+    <dgm:cxn modelId="{E562CD2F-1235-4C87-8392-22AA0352B0E3}" type="presOf" srcId="{E69FE44B-0787-4E3C-B599-36730458427B}" destId="{F31D1D09-68C4-4585-9C94-72B97514B72F}" srcOrd="0" destOrd="0" presId="urn:microsoft.com/office/officeart/2005/8/layout/hList1"/>
+    <dgm:cxn modelId="{0461C234-9E2F-4EA2-9B64-5EFEEBCA55FD}" type="presOf" srcId="{1EFCA181-C033-4E25-A20E-02B95D578305}" destId="{AF0C274F-C542-4795-AAF5-EAB834A68A14}" srcOrd="0" destOrd="1" presId="urn:microsoft.com/office/officeart/2005/8/layout/hList1"/>
     <dgm:cxn modelId="{0F732E35-7B38-476D-98F7-EAA1936C99E5}" srcId="{4A2B822F-7A5C-4F95-BD23-CB014DA30628}" destId="{80EFEFB4-BFE2-491D-B03E-C4C547D268F1}" srcOrd="3" destOrd="0" parTransId="{23D54A9D-D35A-4803-8B76-DAB4FD75A9C9}" sibTransId="{4BE2827C-DC34-487D-867F-646755964C95}"/>
+    <dgm:cxn modelId="{35EBF163-2D00-4E83-8A8A-215AD7895176}" type="presOf" srcId="{86F411C2-B093-46BE-874D-7A1C18AA071E}" destId="{F31D1D09-68C4-4585-9C94-72B97514B72F}" srcOrd="0" destOrd="2" presId="urn:microsoft.com/office/officeart/2005/8/layout/hList1"/>
+    <dgm:cxn modelId="{A652B968-206E-4B2E-A3F3-CFC03628EA97}" type="presOf" srcId="{0763B94C-F74B-4575-814A-68C25EB844FC}" destId="{AF0C274F-C542-4795-AAF5-EAB834A68A14}" srcOrd="0" destOrd="2" presId="urn:microsoft.com/office/officeart/2005/8/layout/hList1"/>
+    <dgm:cxn modelId="{AEF2AD4D-1023-4E61-B87C-3FCAF6263652}" srcId="{4A2B822F-7A5C-4F95-BD23-CB014DA30628}" destId="{A9393A8A-2876-40A1-9BF8-0A73F275CE83}" srcOrd="1" destOrd="0" parTransId="{5F6B1E96-504F-4543-90D1-9F978EFE96EF}" sibTransId="{6632ED2E-9E36-443B-B265-A597199FFA41}"/>
     <dgm:cxn modelId="{E3D1C279-6D4B-476D-B8D7-57C3D483E10A}" srcId="{DE8CB968-1E11-41A8-B58C-CE8640D673D0}" destId="{E233C00A-9D20-4632-BFBB-8C604856288A}" srcOrd="1" destOrd="0" parTransId="{56E7929B-F3FE-4923-80F4-546E878AE614}" sibTransId="{24F12B7F-531A-4A50-B00D-423F6D0DEC76}"/>
-    <dgm:cxn modelId="{E562CD2F-1235-4C87-8392-22AA0352B0E3}" type="presOf" srcId="{E69FE44B-0787-4E3C-B599-36730458427B}" destId="{F31D1D09-68C4-4585-9C94-72B97514B72F}" srcOrd="0" destOrd="0" presId="urn:microsoft.com/office/officeart/2005/8/layout/hList1"/>
-    <dgm:cxn modelId="{35EBF163-2D00-4E83-8A8A-215AD7895176}" type="presOf" srcId="{86F411C2-B093-46BE-874D-7A1C18AA071E}" destId="{F31D1D09-68C4-4585-9C94-72B97514B72F}" srcOrd="0" destOrd="2" presId="urn:microsoft.com/office/officeart/2005/8/layout/hList1"/>
+    <dgm:cxn modelId="{0D32BD5A-8F2C-47DD-9E33-B6052DDCAD2F}" type="presOf" srcId="{AC83587E-88B6-493A-B91A-21104506DAC3}" destId="{AF0C274F-C542-4795-AAF5-EAB834A68A14}" srcOrd="0" destOrd="0" presId="urn:microsoft.com/office/officeart/2005/8/layout/hList1"/>
+    <dgm:cxn modelId="{A54DE299-B305-49ED-A801-018465813D67}" type="presOf" srcId="{E233C00A-9D20-4632-BFBB-8C604856288A}" destId="{63FAAAB3-D56D-4A06-A54A-0942F9DA35B2}" srcOrd="0" destOrd="0" presId="urn:microsoft.com/office/officeart/2005/8/layout/hList1"/>
+    <dgm:cxn modelId="{7A16CBA1-4C04-4B06-9EDB-7B0376F699D9}" srcId="{E233C00A-9D20-4632-BFBB-8C604856288A}" destId="{1EFCA181-C033-4E25-A20E-02B95D578305}" srcOrd="1" destOrd="0" parTransId="{E7DEE051-E359-4F5E-AB22-EC924CADB9B1}" sibTransId="{A66AA4CC-9C2B-40F6-9854-1818FCE6B6A8}"/>
+    <dgm:cxn modelId="{C1A3F3A7-CB8D-43C5-AEA1-477CFC945337}" type="presOf" srcId="{80EFEFB4-BFE2-491D-B03E-C4C547D268F1}" destId="{F31D1D09-68C4-4585-9C94-72B97514B72F}" srcOrd="0" destOrd="3" presId="urn:microsoft.com/office/officeart/2005/8/layout/hList1"/>
+    <dgm:cxn modelId="{39F034BB-C436-4E78-B076-FE5BE061BD80}" type="presOf" srcId="{A9393A8A-2876-40A1-9BF8-0A73F275CE83}" destId="{F31D1D09-68C4-4585-9C94-72B97514B72F}" srcOrd="0" destOrd="1" presId="urn:microsoft.com/office/officeart/2005/8/layout/hList1"/>
+    <dgm:cxn modelId="{5DE216CE-987F-4ADE-A443-11087B387F1A}" srcId="{DE8CB968-1E11-41A8-B58C-CE8640D673D0}" destId="{4A2B822F-7A5C-4F95-BD23-CB014DA30628}" srcOrd="0" destOrd="0" parTransId="{4BA53376-4529-476B-A14D-D3CD445BF8F9}" sibTransId="{BA601F54-B9C1-4E0E-9088-6FC1DB33DD70}"/>
     <dgm:cxn modelId="{1D2825F1-B5DD-4119-923D-9AECD099E4C7}" type="presOf" srcId="{DE8CB968-1E11-41A8-B58C-CE8640D673D0}" destId="{CEE7006C-373B-49E6-82A1-65802EA6F525}" srcOrd="0" destOrd="0" presId="urn:microsoft.com/office/officeart/2005/8/layout/hList1"/>
-    <dgm:cxn modelId="{B2539E03-2982-4EDA-9011-B4A7DD44C08C}" type="presOf" srcId="{4A2B822F-7A5C-4F95-BD23-CB014DA30628}" destId="{C5693F82-2D1A-4D43-B9E6-6B377B763BF3}" srcOrd="0" destOrd="0" presId="urn:microsoft.com/office/officeart/2005/8/layout/hList1"/>
     <dgm:cxn modelId="{3C68BEF6-19E9-4440-8F07-7BAF3375CA95}" srcId="{4A2B822F-7A5C-4F95-BD23-CB014DA30628}" destId="{E69FE44B-0787-4E3C-B599-36730458427B}" srcOrd="0" destOrd="0" parTransId="{7336EE0F-D371-45EF-B19E-B68F57FAAEEF}" sibTransId="{49166D67-67EE-4BB2-8B11-CB19CF9C2615}"/>
-    <dgm:cxn modelId="{0461C234-9E2F-4EA2-9B64-5EFEEBCA55FD}" type="presOf" srcId="{1EFCA181-C033-4E25-A20E-02B95D578305}" destId="{AF0C274F-C542-4795-AAF5-EAB834A68A14}" srcOrd="0" destOrd="1" presId="urn:microsoft.com/office/officeart/2005/8/layout/hList1"/>
-    <dgm:cxn modelId="{5DE216CE-987F-4ADE-A443-11087B387F1A}" srcId="{DE8CB968-1E11-41A8-B58C-CE8640D673D0}" destId="{4A2B822F-7A5C-4F95-BD23-CB014DA30628}" srcOrd="0" destOrd="0" parTransId="{4BA53376-4529-476B-A14D-D3CD445BF8F9}" sibTransId="{BA601F54-B9C1-4E0E-9088-6FC1DB33DD70}"/>
-    <dgm:cxn modelId="{A54DE299-B305-49ED-A801-018465813D67}" type="presOf" srcId="{E233C00A-9D20-4632-BFBB-8C604856288A}" destId="{63FAAAB3-D56D-4A06-A54A-0942F9DA35B2}" srcOrd="0" destOrd="0" presId="urn:microsoft.com/office/officeart/2005/8/layout/hList1"/>
-    <dgm:cxn modelId="{0D32BD5A-8F2C-47DD-9E33-B6052DDCAD2F}" type="presOf" srcId="{AC83587E-88B6-493A-B91A-21104506DAC3}" destId="{AF0C274F-C542-4795-AAF5-EAB834A68A14}" srcOrd="0" destOrd="0" presId="urn:microsoft.com/office/officeart/2005/8/layout/hList1"/>
-    <dgm:cxn modelId="{A652B968-206E-4B2E-A3F3-CFC03628EA97}" type="presOf" srcId="{0763B94C-F74B-4575-814A-68C25EB844FC}" destId="{AF0C274F-C542-4795-AAF5-EAB834A68A14}" srcOrd="0" destOrd="2" presId="urn:microsoft.com/office/officeart/2005/8/layout/hList1"/>
-    <dgm:cxn modelId="{7A16CBA1-4C04-4B06-9EDB-7B0376F699D9}" srcId="{E233C00A-9D20-4632-BFBB-8C604856288A}" destId="{1EFCA181-C033-4E25-A20E-02B95D578305}" srcOrd="1" destOrd="0" parTransId="{E7DEE051-E359-4F5E-AB22-EC924CADB9B1}" sibTransId="{A66AA4CC-9C2B-40F6-9854-1818FCE6B6A8}"/>
-    <dgm:cxn modelId="{39F034BB-C436-4E78-B076-FE5BE061BD80}" type="presOf" srcId="{A9393A8A-2876-40A1-9BF8-0A73F275CE83}" destId="{F31D1D09-68C4-4585-9C94-72B97514B72F}" srcOrd="0" destOrd="1" presId="urn:microsoft.com/office/officeart/2005/8/layout/hList1"/>
-    <dgm:cxn modelId="{C1A3F3A7-CB8D-43C5-AEA1-477CFC945337}" type="presOf" srcId="{80EFEFB4-BFE2-491D-B03E-C4C547D268F1}" destId="{F31D1D09-68C4-4585-9C94-72B97514B72F}" srcOrd="0" destOrd="3" presId="urn:microsoft.com/office/officeart/2005/8/layout/hList1"/>
-    <dgm:cxn modelId="{AEF2AD4D-1023-4E61-B87C-3FCAF6263652}" srcId="{4A2B822F-7A5C-4F95-BD23-CB014DA30628}" destId="{A9393A8A-2876-40A1-9BF8-0A73F275CE83}" srcOrd="1" destOrd="0" parTransId="{5F6B1E96-504F-4543-90D1-9F978EFE96EF}" sibTransId="{6632ED2E-9E36-443B-B265-A597199FFA41}"/>
     <dgm:cxn modelId="{040710F7-F722-4025-AD13-FC70D19C56EC}" srcId="{E233C00A-9D20-4632-BFBB-8C604856288A}" destId="{AC83587E-88B6-493A-B91A-21104506DAC3}" srcOrd="0" destOrd="0" parTransId="{2D280084-5FEF-49AF-A635-4F65DD533670}" sibTransId="{802E83AC-6B49-4412-B836-40567128BF9F}"/>
-    <dgm:cxn modelId="{94460912-5408-4088-88EC-A44E251B8696}" srcId="{4A2B822F-7A5C-4F95-BD23-CB014DA30628}" destId="{86F411C2-B093-46BE-874D-7A1C18AA071E}" srcOrd="2" destOrd="0" parTransId="{F411748C-E831-4BC5-A2E2-DB1C01C9767B}" sibTransId="{2804F494-E4C1-4309-9D3A-BB207F4EB98E}"/>
     <dgm:cxn modelId="{FB2E48F7-D6FF-482C-8A2F-94D31ED2F910}" srcId="{E233C00A-9D20-4632-BFBB-8C604856288A}" destId="{0763B94C-F74B-4575-814A-68C25EB844FC}" srcOrd="2" destOrd="0" parTransId="{672F41A8-4F96-48B6-B0E7-14D26F3CE1ED}" sibTransId="{61943F02-743F-4BBC-8D1D-F3AF6D39B5DB}"/>
     <dgm:cxn modelId="{3679838D-E802-4B43-8BD3-B097A84BB4A0}" type="presParOf" srcId="{CEE7006C-373B-49E6-82A1-65802EA6F525}" destId="{CBBC936C-2FDE-42E7-9F0E-06687D3FCB78}" srcOrd="0" destOrd="0" presId="urn:microsoft.com/office/officeart/2005/8/layout/hList1"/>
     <dgm:cxn modelId="{9CE3A074-7D71-4460-9FD7-C6316C7B9C49}" type="presParOf" srcId="{CBBC936C-2FDE-42E7-9F0E-06687D3FCB78}" destId="{C5693F82-2D1A-4D43-B9E6-6B377B763BF3}" srcOrd="0" destOrd="0" presId="urn:microsoft.com/office/officeart/2005/8/layout/hList1"/>
@@ -8676,7 +8685,7 @@
               <a:rPr lang="en-US" smtClean="0">
                 <a:latin typeface="Segoe UI" pitchFamily="34" charset="0"/>
               </a:rPr>
-              <a:t>1/10/2017 10:53 AM</a:t>
+              <a:t>7/5/2017 1:05 PM</a:t>
             </a:fld>
             <a:endParaRPr lang="en-US" dirty="0">
               <a:latin typeface="Segoe UI" pitchFamily="34" charset="0"/>
@@ -8954,7 +8963,7 @@
           <a:p>
             <a:fld id="{196BB360-4395-422C-A729-CB974B278917}" type="datetime8">
               <a:rPr lang="en-US" smtClean="0"/>
-              <a:t>1/10/2017 10:53 AM</a:t>
+              <a:t>7/5/2017 12:59 PM</a:t>
             </a:fld>
             <a:endParaRPr lang="en-US" dirty="0"/>
           </a:p>
@@ -9283,7 +9292,7 @@
           <a:p>
             <a:fld id="{B9E68977-C62F-48C1-B8E5-A952982F1FDC}" type="datetime8">
               <a:rPr lang="en-US" smtClean="0"/>
-              <a:t>1/10/2017 10:53 AM</a:t>
+              <a:t>7/5/2017 12:59 PM</a:t>
             </a:fld>
             <a:endParaRPr lang="en-US" dirty="0"/>
           </a:p>
@@ -9553,7 +9562,7 @@
           <a:p>
             <a:fld id="{196BB360-4395-422C-A729-CB974B278917}" type="datetime8">
               <a:rPr lang="en-US" smtClean="0"/>
-              <a:t>1/10/2017 10:53 AM</a:t>
+              <a:t>7/5/2017 12:59 PM</a:t>
             </a:fld>
             <a:endParaRPr lang="en-US" dirty="0"/>
           </a:p>
@@ -9703,7 +9712,7 @@
                   <a:prstClr val="black"/>
                 </a:solidFill>
               </a:rPr>
-              <a:t>1/10/2017 10:53 AM</a:t>
+              <a:t>7/5/2017 12:59 PM</a:t>
             </a:fld>
             <a:endParaRPr lang="en-US" dirty="0">
               <a:solidFill>
@@ -9921,7 +9930,7 @@
           <a:p>
             <a:fld id="{196BB360-4395-422C-A729-CB974B278917}" type="datetime8">
               <a:rPr lang="en-US" smtClean="0"/>
-              <a:t>1/10/2017 10:53 AM</a:t>
+              <a:t>7/5/2017 12:59 PM</a:t>
             </a:fld>
             <a:endParaRPr lang="en-US" dirty="0"/>
           </a:p>
@@ -10089,7 +10098,7 @@
           <a:p>
             <a:fld id="{196BB360-4395-422C-A729-CB974B278917}" type="datetime8">
               <a:rPr lang="en-US" smtClean="0"/>
-              <a:t>1/10/2017 10:53 AM</a:t>
+              <a:t>7/5/2017 12:59 PM</a:t>
             </a:fld>
             <a:endParaRPr lang="en-US" dirty="0"/>
           </a:p>
@@ -10298,7 +10307,7 @@
           <a:p>
             <a:fld id="{196BB360-4395-422C-A729-CB974B278917}" type="datetime8">
               <a:rPr lang="en-US" smtClean="0"/>
-              <a:t>1/10/2017 10:53 AM</a:t>
+              <a:t>7/5/2017 12:59 PM</a:t>
             </a:fld>
             <a:endParaRPr lang="en-US" dirty="0"/>
           </a:p>
@@ -10463,7 +10472,7 @@
           <a:p>
             <a:fld id="{196BB360-4395-422C-A729-CB974B278917}" type="datetime8">
               <a:rPr lang="en-US" smtClean="0"/>
-              <a:t>1/10/2017 10:53 AM</a:t>
+              <a:t>7/5/2017 12:59 PM</a:t>
             </a:fld>
             <a:endParaRPr lang="en-US" dirty="0"/>
           </a:p>
@@ -10631,7 +10640,7 @@
           <a:p>
             <a:fld id="{196BB360-4395-422C-A729-CB974B278917}" type="datetime8">
               <a:rPr lang="en-US" smtClean="0"/>
-              <a:t>1/10/2017 10:53 AM</a:t>
+              <a:t>7/5/2017 12:59 PM</a:t>
             </a:fld>
             <a:endParaRPr lang="en-US" dirty="0"/>
           </a:p>
@@ -10832,7 +10841,7 @@
           <a:p>
             <a:fld id="{196BB360-4395-422C-A729-CB974B278917}" type="datetime8">
               <a:rPr lang="en-US" smtClean="0"/>
-              <a:t>1/10/2017 10:53 AM</a:t>
+              <a:t>7/5/2017 12:59 PM</a:t>
             </a:fld>
             <a:endParaRPr lang="en-US" dirty="0"/>
           </a:p>
@@ -11017,7 +11026,7 @@
           <a:p>
             <a:fld id="{38EEC551-8CDA-4EB6-89BB-2A86C9F091C8}" type="datetime8">
               <a:rPr lang="en-US" smtClean="0"/>
-              <a:t>1/10/2017 10:53 AM</a:t>
+              <a:t>7/5/2017 12:59 PM</a:t>
             </a:fld>
             <a:endParaRPr lang="en-US" dirty="0"/>
           </a:p>
@@ -48254,6 +48263,106 @@
 </p:sld>
 </file>
 
+<file path=ppt/slides/slide37.xml><?xml version="1.0" encoding="utf-8"?>
+<p:sld xmlns:a="http://schemas.openxmlformats.org/drawingml/2006/main" xmlns:r="http://schemas.openxmlformats.org/officeDocument/2006/relationships" xmlns:p="http://schemas.openxmlformats.org/presentationml/2006/main">
+  <p:cSld>
+    <p:spTree>
+      <p:nvGrpSpPr>
+        <p:cNvPr id="1" name=""/>
+        <p:cNvGrpSpPr/>
+        <p:nvPr/>
+      </p:nvGrpSpPr>
+      <p:grpSpPr>
+        <a:xfrm>
+          <a:off x="0" y="0"/>
+          <a:ext cx="0" cy="0"/>
+          <a:chOff x="0" y="0"/>
+          <a:chExt cx="0" cy="0"/>
+        </a:xfrm>
+      </p:grpSpPr>
+      <p:sp>
+        <p:nvSpPr>
+          <p:cNvPr id="3" name="Text Placeholder 2"/>
+          <p:cNvSpPr>
+            <a:spLocks noGrp="1"/>
+          </p:cNvSpPr>
+          <p:nvPr>
+            <p:ph type="body" sz="quarter" idx="10"/>
+          </p:nvPr>
+        </p:nvSpPr>
+        <p:spPr>
+          <a:xfrm>
+            <a:off x="274638" y="1212850"/>
+            <a:ext cx="11887200" cy="4007251"/>
+          </a:xfrm>
+        </p:spPr>
+        <p:txBody>
+          <a:bodyPr/>
+          <a:lstStyle/>
+          <a:p>
+            <a:r>
+              <a:rPr lang="en-US" dirty="0"/>
+              <a:t>Azure gives you a complete toolset to monitor the status and performance of your applications. It also allows you to run automated performance tests to easily find weaknesses before you go live with your app.</a:t>
+            </a:r>
+          </a:p>
+          <a:p>
+            <a:r>
+              <a:rPr lang="en-US" dirty="0"/>
+              <a:t>Created an Application Insights instance.</a:t>
+            </a:r>
+          </a:p>
+          <a:p>
+            <a:r>
+              <a:rPr lang="en-US" dirty="0"/>
+              <a:t>Used SDKs to add telemetry to an application.</a:t>
+            </a:r>
+          </a:p>
+          <a:p>
+            <a:r>
+              <a:rPr lang="en-US" dirty="0"/>
+              <a:t>Viewed performance metrics in the Azure Portal.</a:t>
+            </a:r>
+          </a:p>
+        </p:txBody>
+      </p:sp>
+      <p:sp>
+        <p:nvSpPr>
+          <p:cNvPr id="2" name="Title 1"/>
+          <p:cNvSpPr>
+            <a:spLocks noGrp="1"/>
+          </p:cNvSpPr>
+          <p:nvPr>
+            <p:ph type="title"/>
+          </p:nvPr>
+        </p:nvSpPr>
+        <p:spPr/>
+        <p:txBody>
+          <a:bodyPr/>
+          <a:lstStyle/>
+          <a:p>
+            <a:r>
+              <a:rPr lang="en-US" dirty="0"/>
+              <a:t>HOL Summary</a:t>
+            </a:r>
+          </a:p>
+        </p:txBody>
+      </p:sp>
+    </p:spTree>
+    <p:extLst>
+      <p:ext uri="{BB962C8B-B14F-4D97-AF65-F5344CB8AC3E}">
+        <p14:creationId xmlns:p14="http://schemas.microsoft.com/office/powerpoint/2010/main" val="3974860778"/>
+      </p:ext>
+    </p:extLst>
+  </p:cSld>
+  <p:clrMapOvr>
+    <a:masterClrMapping/>
+  </p:clrMapOvr>
+  <p:transition>
+    <p:fade/>
+  </p:transition>
+</p:sld>
+</file>
+
 <file path=ppt/slides/slide4.xml><?xml version="1.0" encoding="utf-8"?>
 <p:sld xmlns:a="http://schemas.openxmlformats.org/drawingml/2006/main" xmlns:r="http://schemas.openxmlformats.org/officeDocument/2006/relationships" xmlns:p="http://schemas.openxmlformats.org/presentationml/2006/main">
   <p:cSld>
@@ -52048,6 +52157,12 @@
     <p:fade/>
   </p:transition>
 </p:sld>
+</file>
+
+<file path=ppt/tags/tag1.xml><?xml version="1.0" encoding="utf-8"?>
+<p:tagLst xmlns:a="http://schemas.openxmlformats.org/drawingml/2006/main" xmlns:r="http://schemas.openxmlformats.org/officeDocument/2006/relationships" xmlns:p="http://schemas.openxmlformats.org/presentationml/2006/main">
+  <p:tag name="ISPRING_RESOURCE_PATHS_HASH_PRESENTER" val="b1ca10da1bd7e258cc37d2c1b21da91b34070f4"/>
+</p:tagLst>
 </file>
 
 <file path=ppt/theme/theme1.xml><?xml version="1.0" encoding="utf-8"?>
@@ -53825,6 +53940,12 @@
 </file>
 
 <file path=customXml/item1.xml><?xml version="1.0" encoding="utf-8"?>
+<p:properties xmlns:p="http://schemas.microsoft.com/office/2006/metadata/properties" xmlns:xsi="http://www.w3.org/2001/XMLSchema-instance" xmlns:pc="http://schemas.microsoft.com/office/infopath/2007/PartnerControls">
+  <documentManagement/>
+</p:properties>
+</file>
+
+<file path=customXml/item2.xml><?xml version="1.0" encoding="utf-8"?>
 <ct:contentTypeSchema xmlns:ct="http://schemas.microsoft.com/office/2006/metadata/contentType" xmlns:ma="http://schemas.microsoft.com/office/2006/metadata/properties/metaAttributes" ct:_="" ma:_="" ma:contentTypeName="Document" ma:contentTypeID="0x010100A2B0BB5962AB3C45A9A1CE1EC4C4F647" ma:contentTypeVersion="3" ma:contentTypeDescription="Create a new document." ma:contentTypeScope="" ma:versionID="f0876370c90de824ab54c09b0bd2a056">
   <xsd:schema xmlns:xsd="http://www.w3.org/2001/XMLSchema" xmlns:xs="http://www.w3.org/2001/XMLSchema" xmlns:p="http://schemas.microsoft.com/office/2006/metadata/properties" xmlns:ns3="630a2e83-186a-4a0f-ab27-bee8a8096abc" targetNamespace="http://schemas.microsoft.com/office/2006/metadata/properties" ma:root="true" ma:fieldsID="a2a3b5ed8b4accd7c8a398d0cb075271" ns3:_="">
     <xsd:import namespace="630a2e83-186a-4a0f-ab27-bee8a8096abc"/>
@@ -53978,12 +54099,6 @@
 </ct:contentTypeSchema>
 </file>
 
-<file path=customXml/item2.xml><?xml version="1.0" encoding="utf-8"?>
-<p:properties xmlns:p="http://schemas.microsoft.com/office/2006/metadata/properties" xmlns:xsi="http://www.w3.org/2001/XMLSchema-instance" xmlns:pc="http://schemas.microsoft.com/office/infopath/2007/PartnerControls">
-  <documentManagement/>
-</p:properties>
-</file>
-
 <file path=customXml/item3.xml><?xml version="1.0" encoding="utf-8"?>
 <?mso-contentType ?>
 <FormTemplates xmlns="http://schemas.microsoft.com/sharepoint/v3/contenttype/forms">
@@ -53994,6 +54109,22 @@
 </file>
 
 <file path=customXml/itemProps1.xml><?xml version="1.0" encoding="utf-8"?>
+<ds:datastoreItem xmlns:ds="http://schemas.openxmlformats.org/officeDocument/2006/customXml" ds:itemID="{F990F116-B58F-4255-B05B-DA3808E0E5C6}">
+  <ds:schemaRefs>
+    <ds:schemaRef ds:uri="http://schemas.microsoft.com/office/2006/metadata/properties"/>
+    <ds:schemaRef ds:uri="http://purl.org/dc/terms/"/>
+    <ds:schemaRef ds:uri="http://schemas.openxmlformats.org/package/2006/metadata/core-properties"/>
+    <ds:schemaRef ds:uri="630a2e83-186a-4a0f-ab27-bee8a8096abc"/>
+    <ds:schemaRef ds:uri="http://schemas.microsoft.com/office/2006/documentManagement/types"/>
+    <ds:schemaRef ds:uri="http://schemas.microsoft.com/office/infopath/2007/PartnerControls"/>
+    <ds:schemaRef ds:uri="http://purl.org/dc/elements/1.1/"/>
+    <ds:schemaRef ds:uri="http://www.w3.org/XML/1998/namespace"/>
+    <ds:schemaRef ds:uri="http://purl.org/dc/dcmitype/"/>
+  </ds:schemaRefs>
+</ds:datastoreItem>
+</file>
+
+<file path=customXml/itemProps2.xml><?xml version="1.0" encoding="utf-8"?>
 <ds:datastoreItem xmlns:ds="http://schemas.openxmlformats.org/officeDocument/2006/customXml" ds:itemID="{F4553072-E538-48C4-90FC-3653F32D67C5}">
   <ds:schemaRefs>
     <ds:schemaRef ds:uri="http://schemas.microsoft.com/office/2006/metadata/contentType"/>
@@ -54011,22 +54142,6 @@
 </ds:datastoreItem>
 </file>
 
-<file path=customXml/itemProps2.xml><?xml version="1.0" encoding="utf-8"?>
-<ds:datastoreItem xmlns:ds="http://schemas.openxmlformats.org/officeDocument/2006/customXml" ds:itemID="{F990F116-B58F-4255-B05B-DA3808E0E5C6}">
-  <ds:schemaRefs>
-    <ds:schemaRef ds:uri="http://schemas.microsoft.com/office/2006/metadata/properties"/>
-    <ds:schemaRef ds:uri="http://purl.org/dc/terms/"/>
-    <ds:schemaRef ds:uri="http://schemas.openxmlformats.org/package/2006/metadata/core-properties"/>
-    <ds:schemaRef ds:uri="630a2e83-186a-4a0f-ab27-bee8a8096abc"/>
-    <ds:schemaRef ds:uri="http://schemas.microsoft.com/office/2006/documentManagement/types"/>
-    <ds:schemaRef ds:uri="http://schemas.microsoft.com/office/infopath/2007/PartnerControls"/>
-    <ds:schemaRef ds:uri="http://purl.org/dc/elements/1.1/"/>
-    <ds:schemaRef ds:uri="http://www.w3.org/XML/1998/namespace"/>
-    <ds:schemaRef ds:uri="http://purl.org/dc/dcmitype/"/>
-  </ds:schemaRefs>
-</ds:datastoreItem>
-</file>
-
 <file path=customXml/itemProps3.xml><?xml version="1.0" encoding="utf-8"?>
 <ds:datastoreItem xmlns:ds="http://schemas.openxmlformats.org/officeDocument/2006/customXml" ds:itemID="{758FDAC0-319D-4A54-8D8E-1D42CB1F8004}">
   <ds:schemaRefs>

--- a/Presentation/Module06-Monitoring.pptx
+++ b/Presentation/Module06-Monitoring.pptx
@@ -48,9 +48,9 @@
     <p:sldId id="1370" r:id="rId39"/>
     <p:sldId id="1375" r:id="rId40"/>
     <p:sldId id="1381" r:id="rId41"/>
-    <p:sldId id="1341" r:id="rId42"/>
-    <p:sldId id="1361" r:id="rId43"/>
-    <p:sldId id="1382" r:id="rId44"/>
+    <p:sldId id="1382" r:id="rId42"/>
+    <p:sldId id="1341" r:id="rId43"/>
+    <p:sldId id="1361" r:id="rId44"/>
   </p:sldIdLst>
   <p:sldSz cx="12436475" cy="6994525"/>
   <p:notesSz cx="6858000" cy="9144000"/>
@@ -203,13 +203,13 @@
             <p14:sldId id="1370"/>
             <p14:sldId id="1375"/>
             <p14:sldId id="1381"/>
+            <p14:sldId id="1382"/>
           </p14:sldIdLst>
         </p14:section>
         <p14:section name="Untitled Section" id="{23F55C07-9517-4491-9790-F3BA74F4DBA2}">
           <p14:sldIdLst>
             <p14:sldId id="1341"/>
             <p14:sldId id="1361"/>
-            <p14:sldId id="1382"/>
           </p14:sldIdLst>
         </p14:section>
       </p14:sectionLst>
@@ -8685,7 +8685,7 @@
               <a:rPr lang="en-US" smtClean="0">
                 <a:latin typeface="Segoe UI" pitchFamily="34" charset="0"/>
               </a:rPr>
-              <a:t>7/5/2017 1:05 PM</a:t>
+              <a:t>7/12/2017 3:37 PM</a:t>
             </a:fld>
             <a:endParaRPr lang="en-US" dirty="0">
               <a:latin typeface="Segoe UI" pitchFamily="34" charset="0"/>
@@ -8963,7 +8963,7 @@
           <a:p>
             <a:fld id="{196BB360-4395-422C-A729-CB974B278917}" type="datetime8">
               <a:rPr lang="en-US" smtClean="0"/>
-              <a:t>7/5/2017 12:59 PM</a:t>
+              <a:t>7/12/2017 3:37 PM</a:t>
             </a:fld>
             <a:endParaRPr lang="en-US" dirty="0"/>
           </a:p>
@@ -9292,7 +9292,7 @@
           <a:p>
             <a:fld id="{B9E68977-C62F-48C1-B8E5-A952982F1FDC}" type="datetime8">
               <a:rPr lang="en-US" smtClean="0"/>
-              <a:t>7/5/2017 12:59 PM</a:t>
+              <a:t>7/12/2017 3:37 PM</a:t>
             </a:fld>
             <a:endParaRPr lang="en-US" dirty="0"/>
           </a:p>
@@ -9562,7 +9562,7 @@
           <a:p>
             <a:fld id="{196BB360-4395-422C-A729-CB974B278917}" type="datetime8">
               <a:rPr lang="en-US" smtClean="0"/>
-              <a:t>7/5/2017 12:59 PM</a:t>
+              <a:t>7/12/2017 3:37 PM</a:t>
             </a:fld>
             <a:endParaRPr lang="en-US" dirty="0"/>
           </a:p>
@@ -9712,7 +9712,7 @@
                   <a:prstClr val="black"/>
                 </a:solidFill>
               </a:rPr>
-              <a:t>7/5/2017 12:59 PM</a:t>
+              <a:t>7/12/2017 3:37 PM</a:t>
             </a:fld>
             <a:endParaRPr lang="en-US" dirty="0">
               <a:solidFill>
@@ -9744,7 +9744,7 @@
                 </a:solidFill>
               </a:rPr>
               <a:pPr/>
-              <a:t>35</a:t>
+              <a:t>36</a:t>
             </a:fld>
             <a:endParaRPr lang="en-US" dirty="0">
               <a:solidFill>
@@ -9930,7 +9930,7 @@
           <a:p>
             <a:fld id="{196BB360-4395-422C-A729-CB974B278917}" type="datetime8">
               <a:rPr lang="en-US" smtClean="0"/>
-              <a:t>7/5/2017 12:59 PM</a:t>
+              <a:t>7/12/2017 3:37 PM</a:t>
             </a:fld>
             <a:endParaRPr lang="en-US" dirty="0"/>
           </a:p>
@@ -10098,7 +10098,7 @@
           <a:p>
             <a:fld id="{196BB360-4395-422C-A729-CB974B278917}" type="datetime8">
               <a:rPr lang="en-US" smtClean="0"/>
-              <a:t>7/5/2017 12:59 PM</a:t>
+              <a:t>7/12/2017 3:37 PM</a:t>
             </a:fld>
             <a:endParaRPr lang="en-US" dirty="0"/>
           </a:p>
@@ -10307,7 +10307,7 @@
           <a:p>
             <a:fld id="{196BB360-4395-422C-A729-CB974B278917}" type="datetime8">
               <a:rPr lang="en-US" smtClean="0"/>
-              <a:t>7/5/2017 12:59 PM</a:t>
+              <a:t>7/12/2017 3:37 PM</a:t>
             </a:fld>
             <a:endParaRPr lang="en-US" dirty="0"/>
           </a:p>
@@ -10472,7 +10472,7 @@
           <a:p>
             <a:fld id="{196BB360-4395-422C-A729-CB974B278917}" type="datetime8">
               <a:rPr lang="en-US" smtClean="0"/>
-              <a:t>7/5/2017 12:59 PM</a:t>
+              <a:t>7/12/2017 3:37 PM</a:t>
             </a:fld>
             <a:endParaRPr lang="en-US" dirty="0"/>
           </a:p>
@@ -10640,7 +10640,7 @@
           <a:p>
             <a:fld id="{196BB360-4395-422C-A729-CB974B278917}" type="datetime8">
               <a:rPr lang="en-US" smtClean="0"/>
-              <a:t>7/5/2017 12:59 PM</a:t>
+              <a:t>7/12/2017 3:37 PM</a:t>
             </a:fld>
             <a:endParaRPr lang="en-US" dirty="0"/>
           </a:p>
@@ -10841,7 +10841,7 @@
           <a:p>
             <a:fld id="{196BB360-4395-422C-A729-CB974B278917}" type="datetime8">
               <a:rPr lang="en-US" smtClean="0"/>
-              <a:t>7/5/2017 12:59 PM</a:t>
+              <a:t>7/12/2017 3:37 PM</a:t>
             </a:fld>
             <a:endParaRPr lang="en-US" dirty="0"/>
           </a:p>
@@ -11026,7 +11026,7 @@
           <a:p>
             <a:fld id="{38EEC551-8CDA-4EB6-89BB-2A86C9F091C8}" type="datetime8">
               <a:rPr lang="en-US" smtClean="0"/>
-              <a:t>7/5/2017 12:59 PM</a:t>
+              <a:t>7/12/2017 3:37 PM</a:t>
             </a:fld>
             <a:endParaRPr lang="en-US" dirty="0"/>
           </a:p>
@@ -48132,6 +48132,106 @@
           <a:chExt cx="0" cy="0"/>
         </a:xfrm>
       </p:grpSpPr>
+      <p:sp>
+        <p:nvSpPr>
+          <p:cNvPr id="3" name="Text Placeholder 2"/>
+          <p:cNvSpPr>
+            <a:spLocks noGrp="1"/>
+          </p:cNvSpPr>
+          <p:nvPr>
+            <p:ph type="body" sz="quarter" idx="10"/>
+          </p:nvPr>
+        </p:nvSpPr>
+        <p:spPr>
+          <a:xfrm>
+            <a:off x="274638" y="1212850"/>
+            <a:ext cx="11887200" cy="4007251"/>
+          </a:xfrm>
+        </p:spPr>
+        <p:txBody>
+          <a:bodyPr/>
+          <a:lstStyle/>
+          <a:p>
+            <a:r>
+              <a:rPr lang="en-US" dirty="0"/>
+              <a:t>Azure gives you a complete toolset to monitor the status and performance of your applications. It also allows you to run automated performance tests to easily find weaknesses before you go live with your app.</a:t>
+            </a:r>
+          </a:p>
+          <a:p>
+            <a:r>
+              <a:rPr lang="en-US" dirty="0"/>
+              <a:t>Created an Application Insights instance.</a:t>
+            </a:r>
+          </a:p>
+          <a:p>
+            <a:r>
+              <a:rPr lang="en-US" dirty="0"/>
+              <a:t>Used SDKs to add telemetry to an application.</a:t>
+            </a:r>
+          </a:p>
+          <a:p>
+            <a:r>
+              <a:rPr lang="en-US" dirty="0"/>
+              <a:t>Viewed performance metrics in the Azure Portal.</a:t>
+            </a:r>
+          </a:p>
+        </p:txBody>
+      </p:sp>
+      <p:sp>
+        <p:nvSpPr>
+          <p:cNvPr id="2" name="Title 1"/>
+          <p:cNvSpPr>
+            <a:spLocks noGrp="1"/>
+          </p:cNvSpPr>
+          <p:nvPr>
+            <p:ph type="title"/>
+          </p:nvPr>
+        </p:nvSpPr>
+        <p:spPr/>
+        <p:txBody>
+          <a:bodyPr/>
+          <a:lstStyle/>
+          <a:p>
+            <a:r>
+              <a:rPr lang="en-US" dirty="0"/>
+              <a:t>HOL Summary</a:t>
+            </a:r>
+          </a:p>
+        </p:txBody>
+      </p:sp>
+    </p:spTree>
+    <p:extLst>
+      <p:ext uri="{BB962C8B-B14F-4D97-AF65-F5344CB8AC3E}">
+        <p14:creationId xmlns:p14="http://schemas.microsoft.com/office/powerpoint/2010/main" val="3974860778"/>
+      </p:ext>
+    </p:extLst>
+  </p:cSld>
+  <p:clrMapOvr>
+    <a:masterClrMapping/>
+  </p:clrMapOvr>
+  <p:transition>
+    <p:fade/>
+  </p:transition>
+</p:sld>
+</file>
+
+<file path=ppt/slides/slide36.xml><?xml version="1.0" encoding="utf-8"?>
+<p:sld xmlns:a="http://schemas.openxmlformats.org/drawingml/2006/main" xmlns:r="http://schemas.openxmlformats.org/officeDocument/2006/relationships" xmlns:p="http://schemas.openxmlformats.org/presentationml/2006/main">
+  <p:cSld>
+    <p:spTree>
+      <p:nvGrpSpPr>
+        <p:cNvPr id="1" name=""/>
+        <p:cNvGrpSpPr/>
+        <p:nvPr/>
+      </p:nvGrpSpPr>
+      <p:grpSpPr>
+        <a:xfrm>
+          <a:off x="0" y="0"/>
+          <a:ext cx="0" cy="0"/>
+          <a:chOff x="0" y="0"/>
+          <a:chExt cx="0" cy="0"/>
+        </a:xfrm>
+      </p:grpSpPr>
     </p:spTree>
     <p:extLst>
       <p:ext uri="{BB962C8B-B14F-4D97-AF65-F5344CB8AC3E}">
@@ -48157,7 +48257,7 @@
 </p:sld>
 </file>
 
-<file path=ppt/slides/slide36.xml><?xml version="1.0" encoding="utf-8"?>
+<file path=ppt/slides/slide37.xml><?xml version="1.0" encoding="utf-8"?>
 <p:sld xmlns:a="http://schemas.openxmlformats.org/drawingml/2006/main" xmlns:r="http://schemas.openxmlformats.org/officeDocument/2006/relationships" xmlns:p="http://schemas.openxmlformats.org/presentationml/2006/main">
   <p:cSld>
     <p:spTree>
@@ -48251,106 +48351,6 @@
     <p:extLst>
       <p:ext uri="{BB962C8B-B14F-4D97-AF65-F5344CB8AC3E}">
         <p14:creationId xmlns:p14="http://schemas.microsoft.com/office/powerpoint/2010/main" val="4188657257"/>
-      </p:ext>
-    </p:extLst>
-  </p:cSld>
-  <p:clrMapOvr>
-    <a:masterClrMapping/>
-  </p:clrMapOvr>
-  <p:transition>
-    <p:fade/>
-  </p:transition>
-</p:sld>
-</file>
-
-<file path=ppt/slides/slide37.xml><?xml version="1.0" encoding="utf-8"?>
-<p:sld xmlns:a="http://schemas.openxmlformats.org/drawingml/2006/main" xmlns:r="http://schemas.openxmlformats.org/officeDocument/2006/relationships" xmlns:p="http://schemas.openxmlformats.org/presentationml/2006/main">
-  <p:cSld>
-    <p:spTree>
-      <p:nvGrpSpPr>
-        <p:cNvPr id="1" name=""/>
-        <p:cNvGrpSpPr/>
-        <p:nvPr/>
-      </p:nvGrpSpPr>
-      <p:grpSpPr>
-        <a:xfrm>
-          <a:off x="0" y="0"/>
-          <a:ext cx="0" cy="0"/>
-          <a:chOff x="0" y="0"/>
-          <a:chExt cx="0" cy="0"/>
-        </a:xfrm>
-      </p:grpSpPr>
-      <p:sp>
-        <p:nvSpPr>
-          <p:cNvPr id="3" name="Text Placeholder 2"/>
-          <p:cNvSpPr>
-            <a:spLocks noGrp="1"/>
-          </p:cNvSpPr>
-          <p:nvPr>
-            <p:ph type="body" sz="quarter" idx="10"/>
-          </p:nvPr>
-        </p:nvSpPr>
-        <p:spPr>
-          <a:xfrm>
-            <a:off x="274638" y="1212850"/>
-            <a:ext cx="11887200" cy="4007251"/>
-          </a:xfrm>
-        </p:spPr>
-        <p:txBody>
-          <a:bodyPr/>
-          <a:lstStyle/>
-          <a:p>
-            <a:r>
-              <a:rPr lang="en-US" dirty="0"/>
-              <a:t>Azure gives you a complete toolset to monitor the status and performance of your applications. It also allows you to run automated performance tests to easily find weaknesses before you go live with your app.</a:t>
-            </a:r>
-          </a:p>
-          <a:p>
-            <a:r>
-              <a:rPr lang="en-US" dirty="0"/>
-              <a:t>Created an Application Insights instance.</a:t>
-            </a:r>
-          </a:p>
-          <a:p>
-            <a:r>
-              <a:rPr lang="en-US" dirty="0"/>
-              <a:t>Used SDKs to add telemetry to an application.</a:t>
-            </a:r>
-          </a:p>
-          <a:p>
-            <a:r>
-              <a:rPr lang="en-US" dirty="0"/>
-              <a:t>Viewed performance metrics in the Azure Portal.</a:t>
-            </a:r>
-          </a:p>
-        </p:txBody>
-      </p:sp>
-      <p:sp>
-        <p:nvSpPr>
-          <p:cNvPr id="2" name="Title 1"/>
-          <p:cNvSpPr>
-            <a:spLocks noGrp="1"/>
-          </p:cNvSpPr>
-          <p:nvPr>
-            <p:ph type="title"/>
-          </p:nvPr>
-        </p:nvSpPr>
-        <p:spPr/>
-        <p:txBody>
-          <a:bodyPr/>
-          <a:lstStyle/>
-          <a:p>
-            <a:r>
-              <a:rPr lang="en-US" dirty="0"/>
-              <a:t>HOL Summary</a:t>
-            </a:r>
-          </a:p>
-        </p:txBody>
-      </p:sp>
-    </p:spTree>
-    <p:extLst>
-      <p:ext uri="{BB962C8B-B14F-4D97-AF65-F5344CB8AC3E}">
-        <p14:creationId xmlns:p14="http://schemas.microsoft.com/office/powerpoint/2010/main" val="3974860778"/>
       </p:ext>
     </p:extLst>
   </p:cSld>
@@ -53940,12 +53940,6 @@
 </file>
 
 <file path=customXml/item1.xml><?xml version="1.0" encoding="utf-8"?>
-<p:properties xmlns:p="http://schemas.microsoft.com/office/2006/metadata/properties" xmlns:xsi="http://www.w3.org/2001/XMLSchema-instance" xmlns:pc="http://schemas.microsoft.com/office/infopath/2007/PartnerControls">
-  <documentManagement/>
-</p:properties>
-</file>
-
-<file path=customXml/item2.xml><?xml version="1.0" encoding="utf-8"?>
 <ct:contentTypeSchema xmlns:ct="http://schemas.microsoft.com/office/2006/metadata/contentType" xmlns:ma="http://schemas.microsoft.com/office/2006/metadata/properties/metaAttributes" ct:_="" ma:_="" ma:contentTypeName="Document" ma:contentTypeID="0x010100A2B0BB5962AB3C45A9A1CE1EC4C4F647" ma:contentTypeVersion="3" ma:contentTypeDescription="Create a new document." ma:contentTypeScope="" ma:versionID="f0876370c90de824ab54c09b0bd2a056">
   <xsd:schema xmlns:xsd="http://www.w3.org/2001/XMLSchema" xmlns:xs="http://www.w3.org/2001/XMLSchema" xmlns:p="http://schemas.microsoft.com/office/2006/metadata/properties" xmlns:ns3="630a2e83-186a-4a0f-ab27-bee8a8096abc" targetNamespace="http://schemas.microsoft.com/office/2006/metadata/properties" ma:root="true" ma:fieldsID="a2a3b5ed8b4accd7c8a398d0cb075271" ns3:_="">
     <xsd:import namespace="630a2e83-186a-4a0f-ab27-bee8a8096abc"/>
@@ -54099,6 +54093,12 @@
 </ct:contentTypeSchema>
 </file>
 
+<file path=customXml/item2.xml><?xml version="1.0" encoding="utf-8"?>
+<p:properties xmlns:p="http://schemas.microsoft.com/office/2006/metadata/properties" xmlns:xsi="http://www.w3.org/2001/XMLSchema-instance" xmlns:pc="http://schemas.microsoft.com/office/infopath/2007/PartnerControls">
+  <documentManagement/>
+</p:properties>
+</file>
+
 <file path=customXml/item3.xml><?xml version="1.0" encoding="utf-8"?>
 <?mso-contentType ?>
 <FormTemplates xmlns="http://schemas.microsoft.com/sharepoint/v3/contenttype/forms">
@@ -54109,22 +54109,6 @@
 </file>
 
 <file path=customXml/itemProps1.xml><?xml version="1.0" encoding="utf-8"?>
-<ds:datastoreItem xmlns:ds="http://schemas.openxmlformats.org/officeDocument/2006/customXml" ds:itemID="{F990F116-B58F-4255-B05B-DA3808E0E5C6}">
-  <ds:schemaRefs>
-    <ds:schemaRef ds:uri="http://schemas.microsoft.com/office/2006/metadata/properties"/>
-    <ds:schemaRef ds:uri="http://purl.org/dc/terms/"/>
-    <ds:schemaRef ds:uri="http://schemas.openxmlformats.org/package/2006/metadata/core-properties"/>
-    <ds:schemaRef ds:uri="630a2e83-186a-4a0f-ab27-bee8a8096abc"/>
-    <ds:schemaRef ds:uri="http://schemas.microsoft.com/office/2006/documentManagement/types"/>
-    <ds:schemaRef ds:uri="http://schemas.microsoft.com/office/infopath/2007/PartnerControls"/>
-    <ds:schemaRef ds:uri="http://purl.org/dc/elements/1.1/"/>
-    <ds:schemaRef ds:uri="http://www.w3.org/XML/1998/namespace"/>
-    <ds:schemaRef ds:uri="http://purl.org/dc/dcmitype/"/>
-  </ds:schemaRefs>
-</ds:datastoreItem>
-</file>
-
-<file path=customXml/itemProps2.xml><?xml version="1.0" encoding="utf-8"?>
 <ds:datastoreItem xmlns:ds="http://schemas.openxmlformats.org/officeDocument/2006/customXml" ds:itemID="{F4553072-E538-48C4-90FC-3653F32D67C5}">
   <ds:schemaRefs>
     <ds:schemaRef ds:uri="http://schemas.microsoft.com/office/2006/metadata/contentType"/>
@@ -54142,6 +54126,22 @@
 </ds:datastoreItem>
 </file>
 
+<file path=customXml/itemProps2.xml><?xml version="1.0" encoding="utf-8"?>
+<ds:datastoreItem xmlns:ds="http://schemas.openxmlformats.org/officeDocument/2006/customXml" ds:itemID="{F990F116-B58F-4255-B05B-DA3808E0E5C6}">
+  <ds:schemaRefs>
+    <ds:schemaRef ds:uri="http://schemas.microsoft.com/office/2006/metadata/properties"/>
+    <ds:schemaRef ds:uri="http://purl.org/dc/terms/"/>
+    <ds:schemaRef ds:uri="http://schemas.openxmlformats.org/package/2006/metadata/core-properties"/>
+    <ds:schemaRef ds:uri="630a2e83-186a-4a0f-ab27-bee8a8096abc"/>
+    <ds:schemaRef ds:uri="http://schemas.microsoft.com/office/2006/documentManagement/types"/>
+    <ds:schemaRef ds:uri="http://schemas.microsoft.com/office/infopath/2007/PartnerControls"/>
+    <ds:schemaRef ds:uri="http://purl.org/dc/elements/1.1/"/>
+    <ds:schemaRef ds:uri="http://www.w3.org/XML/1998/namespace"/>
+    <ds:schemaRef ds:uri="http://purl.org/dc/dcmitype/"/>
+  </ds:schemaRefs>
+</ds:datastoreItem>
+</file>
+
 <file path=customXml/itemProps3.xml><?xml version="1.0" encoding="utf-8"?>
 <ds:datastoreItem xmlns:ds="http://schemas.openxmlformats.org/officeDocument/2006/customXml" ds:itemID="{758FDAC0-319D-4A54-8D8E-1D42CB1F8004}">
   <ds:schemaRefs>

--- a/Presentation/Module06-Monitoring.pptx
+++ b/Presentation/Module06-Monitoring.pptx
@@ -2775,6 +2775,13 @@
         </dgm:presLayoutVars>
       </dgm:prSet>
       <dgm:spPr/>
+      <dgm:t>
+        <a:bodyPr/>
+        <a:lstStyle/>
+        <a:p>
+          <a:endParaRPr lang="en-US"/>
+        </a:p>
+      </dgm:t>
     </dgm:pt>
     <dgm:pt modelId="{8E126CA1-6C84-4C33-B311-61E786FFB8A4}" type="pres">
       <dgm:prSet presAssocID="{2CEF2A7D-F5B7-45CE-AD61-6BADCC72FB4A}" presName="node" presStyleLbl="node1" presStyleIdx="0" presStyleCnt="7">
@@ -2783,6 +2790,13 @@
         </dgm:presLayoutVars>
       </dgm:prSet>
       <dgm:spPr/>
+      <dgm:t>
+        <a:bodyPr/>
+        <a:lstStyle/>
+        <a:p>
+          <a:endParaRPr lang="en-US"/>
+        </a:p>
+      </dgm:t>
     </dgm:pt>
     <dgm:pt modelId="{BA3CB576-905D-4BE5-8019-13421F3D917B}" type="pres">
       <dgm:prSet presAssocID="{1FE3CEC9-FF31-42CF-BE9E-4E0DD3B7A820}" presName="sibTrans" presStyleCnt="0"/>
@@ -2795,6 +2809,13 @@
         </dgm:presLayoutVars>
       </dgm:prSet>
       <dgm:spPr/>
+      <dgm:t>
+        <a:bodyPr/>
+        <a:lstStyle/>
+        <a:p>
+          <a:endParaRPr lang="en-US"/>
+        </a:p>
+      </dgm:t>
     </dgm:pt>
     <dgm:pt modelId="{888A1AC5-BE33-4FFA-B319-21B63A7E34D3}" type="pres">
       <dgm:prSet presAssocID="{E2651BE6-BF37-4F8F-ABA5-43A01574E577}" presName="sibTrans" presStyleCnt="0"/>
@@ -2807,6 +2828,13 @@
         </dgm:presLayoutVars>
       </dgm:prSet>
       <dgm:spPr/>
+      <dgm:t>
+        <a:bodyPr/>
+        <a:lstStyle/>
+        <a:p>
+          <a:endParaRPr lang="en-US"/>
+        </a:p>
+      </dgm:t>
     </dgm:pt>
     <dgm:pt modelId="{EDF7F60C-8E83-4E77-B4AA-2A52EEA73046}" type="pres">
       <dgm:prSet presAssocID="{9F4B5A59-33A9-4655-8E94-F6F88B34972D}" presName="sibTrans" presStyleCnt="0"/>
@@ -2819,6 +2847,13 @@
         </dgm:presLayoutVars>
       </dgm:prSet>
       <dgm:spPr/>
+      <dgm:t>
+        <a:bodyPr/>
+        <a:lstStyle/>
+        <a:p>
+          <a:endParaRPr lang="en-US"/>
+        </a:p>
+      </dgm:t>
     </dgm:pt>
     <dgm:pt modelId="{06B67C6E-3178-4A40-A480-ECDB443FC6A5}" type="pres">
       <dgm:prSet presAssocID="{2061AB9A-8745-4F26-9C3C-B0E9E976C094}" presName="sibTrans" presStyleCnt="0"/>
@@ -2831,6 +2866,13 @@
         </dgm:presLayoutVars>
       </dgm:prSet>
       <dgm:spPr/>
+      <dgm:t>
+        <a:bodyPr/>
+        <a:lstStyle/>
+        <a:p>
+          <a:endParaRPr lang="en-US"/>
+        </a:p>
+      </dgm:t>
     </dgm:pt>
     <dgm:pt modelId="{FBE8E362-3906-43E8-936A-8FE6BA041CE9}" type="pres">
       <dgm:prSet presAssocID="{740CBEA5-01E8-49CD-A93D-1B25C85F8209}" presName="sibTrans" presStyleCnt="0"/>
@@ -2843,6 +2885,13 @@
         </dgm:presLayoutVars>
       </dgm:prSet>
       <dgm:spPr/>
+      <dgm:t>
+        <a:bodyPr/>
+        <a:lstStyle/>
+        <a:p>
+          <a:endParaRPr lang="en-US"/>
+        </a:p>
+      </dgm:t>
     </dgm:pt>
     <dgm:pt modelId="{2903EB63-4F45-4F7C-BFDF-799F29EE742E}" type="pres">
       <dgm:prSet presAssocID="{58359EAE-9FF4-4231-A901-5CB84A7BE1C0}" presName="sibTrans" presStyleCnt="0"/>
@@ -2855,24 +2904,31 @@
         </dgm:presLayoutVars>
       </dgm:prSet>
       <dgm:spPr/>
+      <dgm:t>
+        <a:bodyPr/>
+        <a:lstStyle/>
+        <a:p>
+          <a:endParaRPr lang="en-US"/>
+        </a:p>
+      </dgm:t>
     </dgm:pt>
   </dgm:ptLst>
   <dgm:cxnLst>
+    <dgm:cxn modelId="{00070DAA-FA5B-4504-9F0B-89B6A9CE8BAA}" srcId="{4675914B-2A7D-4DDA-8E2C-B7A8C5DCBB3C}" destId="{D41BB831-EC62-4156-9A88-BBB92CCF862B}" srcOrd="1" destOrd="0" parTransId="{02C689E1-192B-4258-9B4D-41833AB1F757}" sibTransId="{E2651BE6-BF37-4F8F-ABA5-43A01574E577}"/>
+    <dgm:cxn modelId="{39AAC8DD-BA24-4E28-B84E-9E424BD036E8}" srcId="{4675914B-2A7D-4DDA-8E2C-B7A8C5DCBB3C}" destId="{FAEFE885-368E-4563-A90E-0273DBE85B37}" srcOrd="2" destOrd="0" parTransId="{8CA70C98-5D91-4603-92CD-D003CFF432FD}" sibTransId="{9F4B5A59-33A9-4655-8E94-F6F88B34972D}"/>
+    <dgm:cxn modelId="{30ADE068-23BD-4CBB-AD38-CE921D5D5FF5}" type="presOf" srcId="{4675914B-2A7D-4DDA-8E2C-B7A8C5DCBB3C}" destId="{BC431EA5-02B2-4171-AFA4-408C2225DC07}" srcOrd="0" destOrd="0" presId="urn:microsoft.com/office/officeart/2005/8/layout/default"/>
+    <dgm:cxn modelId="{256E6BCF-E013-4291-8EE8-379209795D19}" srcId="{4675914B-2A7D-4DDA-8E2C-B7A8C5DCBB3C}" destId="{43BFCED6-55B8-4FBC-8753-EE300675FF69}" srcOrd="6" destOrd="0" parTransId="{1BFD9358-C0F3-4C42-9EEA-0CE582809223}" sibTransId="{CCD36C37-13D2-430C-8E02-3DB3277B4F3A}"/>
+    <dgm:cxn modelId="{4F83C1C9-5540-4D83-87C8-897B2E4F3B25}" type="presOf" srcId="{D41BB831-EC62-4156-9A88-BBB92CCF862B}" destId="{73CDCFA3-F53B-4D04-804B-BF26BC63BF98}" srcOrd="0" destOrd="0" presId="urn:microsoft.com/office/officeart/2005/8/layout/default"/>
+    <dgm:cxn modelId="{A9956A1F-25ED-43C1-B300-90145987B63D}" type="presOf" srcId="{61E4A2FF-7578-4A11-A3E8-CF08E852D1A8}" destId="{13B012BF-49BA-4F3D-A33C-FF0146C65D1B}" srcOrd="0" destOrd="0" presId="urn:microsoft.com/office/officeart/2005/8/layout/default"/>
+    <dgm:cxn modelId="{499AACC2-3429-4065-AE89-1D156119A411}" type="presOf" srcId="{2CEF2A7D-F5B7-45CE-AD61-6BADCC72FB4A}" destId="{8E126CA1-6C84-4C33-B311-61E786FFB8A4}" srcOrd="0" destOrd="0" presId="urn:microsoft.com/office/officeart/2005/8/layout/default"/>
+    <dgm:cxn modelId="{7C5BB38E-D64A-4690-A1CC-6643B2DCABEF}" type="presOf" srcId="{43BFCED6-55B8-4FBC-8753-EE300675FF69}" destId="{A722F6DC-48B9-4FA9-B87E-1CE11DDBA0C6}" srcOrd="0" destOrd="0" presId="urn:microsoft.com/office/officeart/2005/8/layout/default"/>
     <dgm:cxn modelId="{DE3B9609-74EF-49A9-B992-72931BC3214D}" type="presOf" srcId="{FAEFE885-368E-4563-A90E-0273DBE85B37}" destId="{183FEB11-51AC-4DEC-8CD1-C9F5DB88831F}" srcOrd="0" destOrd="0" presId="urn:microsoft.com/office/officeart/2005/8/layout/default"/>
-    <dgm:cxn modelId="{A9956A1F-25ED-43C1-B300-90145987B63D}" type="presOf" srcId="{61E4A2FF-7578-4A11-A3E8-CF08E852D1A8}" destId="{13B012BF-49BA-4F3D-A33C-FF0146C65D1B}" srcOrd="0" destOrd="0" presId="urn:microsoft.com/office/officeart/2005/8/layout/default"/>
-    <dgm:cxn modelId="{30ADE068-23BD-4CBB-AD38-CE921D5D5FF5}" type="presOf" srcId="{4675914B-2A7D-4DDA-8E2C-B7A8C5DCBB3C}" destId="{BC431EA5-02B2-4171-AFA4-408C2225DC07}" srcOrd="0" destOrd="0" presId="urn:microsoft.com/office/officeart/2005/8/layout/default"/>
+    <dgm:cxn modelId="{7A5B1571-21E7-47B8-A3FB-3017F3E374A3}" type="presOf" srcId="{046909FC-9172-4E26-9428-57C41643B51F}" destId="{EA3FD69F-AAE5-472C-ACB2-68C47FFCAE24}" srcOrd="0" destOrd="0" presId="urn:microsoft.com/office/officeart/2005/8/layout/default"/>
     <dgm:cxn modelId="{B94FC54F-A2B4-4B41-AA77-E58DD283C36D}" srcId="{4675914B-2A7D-4DDA-8E2C-B7A8C5DCBB3C}" destId="{2CEF2A7D-F5B7-45CE-AD61-6BADCC72FB4A}" srcOrd="0" destOrd="0" parTransId="{75BC48E3-3DEE-4A30-9747-46C52FC06BC0}" sibTransId="{1FE3CEC9-FF31-42CF-BE9E-4E0DD3B7A820}"/>
-    <dgm:cxn modelId="{7A5B1571-21E7-47B8-A3FB-3017F3E374A3}" type="presOf" srcId="{046909FC-9172-4E26-9428-57C41643B51F}" destId="{EA3FD69F-AAE5-472C-ACB2-68C47FFCAE24}" srcOrd="0" destOrd="0" presId="urn:microsoft.com/office/officeart/2005/8/layout/default"/>
+    <dgm:cxn modelId="{2E278C8D-41D0-43F0-BEE1-8BBC4D8A9F47}" srcId="{4675914B-2A7D-4DDA-8E2C-B7A8C5DCBB3C}" destId="{28B66A95-913A-4684-8339-15CC04E620C7}" srcOrd="4" destOrd="0" parTransId="{CE390AAB-653F-40D2-BAF7-69117FB1590A}" sibTransId="{740CBEA5-01E8-49CD-A93D-1B25C85F8209}"/>
+    <dgm:cxn modelId="{2DE19CEE-1B23-4A09-884E-F2E9C656A8E7}" type="presOf" srcId="{28B66A95-913A-4684-8339-15CC04E620C7}" destId="{255BA920-6CA2-42C2-A1AB-87187F19475C}" srcOrd="0" destOrd="0" presId="urn:microsoft.com/office/officeart/2005/8/layout/default"/>
+    <dgm:cxn modelId="{3AB044C4-A4E1-4D7D-B8AC-4392F21B0FF4}" srcId="{4675914B-2A7D-4DDA-8E2C-B7A8C5DCBB3C}" destId="{61E4A2FF-7578-4A11-A3E8-CF08E852D1A8}" srcOrd="5" destOrd="0" parTransId="{875220EC-6176-4005-8E0E-B2516B924041}" sibTransId="{58359EAE-9FF4-4231-A901-5CB84A7BE1C0}"/>
     <dgm:cxn modelId="{E2EE6A79-BB85-42D3-9E34-A91976D47266}" srcId="{4675914B-2A7D-4DDA-8E2C-B7A8C5DCBB3C}" destId="{046909FC-9172-4E26-9428-57C41643B51F}" srcOrd="3" destOrd="0" parTransId="{9C89AC08-65E9-4F0C-B2D6-355D68782ADC}" sibTransId="{2061AB9A-8745-4F26-9C3C-B0E9E976C094}"/>
-    <dgm:cxn modelId="{2E278C8D-41D0-43F0-BEE1-8BBC4D8A9F47}" srcId="{4675914B-2A7D-4DDA-8E2C-B7A8C5DCBB3C}" destId="{28B66A95-913A-4684-8339-15CC04E620C7}" srcOrd="4" destOrd="0" parTransId="{CE390AAB-653F-40D2-BAF7-69117FB1590A}" sibTransId="{740CBEA5-01E8-49CD-A93D-1B25C85F8209}"/>
-    <dgm:cxn modelId="{7C5BB38E-D64A-4690-A1CC-6643B2DCABEF}" type="presOf" srcId="{43BFCED6-55B8-4FBC-8753-EE300675FF69}" destId="{A722F6DC-48B9-4FA9-B87E-1CE11DDBA0C6}" srcOrd="0" destOrd="0" presId="urn:microsoft.com/office/officeart/2005/8/layout/default"/>
-    <dgm:cxn modelId="{00070DAA-FA5B-4504-9F0B-89B6A9CE8BAA}" srcId="{4675914B-2A7D-4DDA-8E2C-B7A8C5DCBB3C}" destId="{D41BB831-EC62-4156-9A88-BBB92CCF862B}" srcOrd="1" destOrd="0" parTransId="{02C689E1-192B-4258-9B4D-41833AB1F757}" sibTransId="{E2651BE6-BF37-4F8F-ABA5-43A01574E577}"/>
-    <dgm:cxn modelId="{499AACC2-3429-4065-AE89-1D156119A411}" type="presOf" srcId="{2CEF2A7D-F5B7-45CE-AD61-6BADCC72FB4A}" destId="{8E126CA1-6C84-4C33-B311-61E786FFB8A4}" srcOrd="0" destOrd="0" presId="urn:microsoft.com/office/officeart/2005/8/layout/default"/>
-    <dgm:cxn modelId="{3AB044C4-A4E1-4D7D-B8AC-4392F21B0FF4}" srcId="{4675914B-2A7D-4DDA-8E2C-B7A8C5DCBB3C}" destId="{61E4A2FF-7578-4A11-A3E8-CF08E852D1A8}" srcOrd="5" destOrd="0" parTransId="{875220EC-6176-4005-8E0E-B2516B924041}" sibTransId="{58359EAE-9FF4-4231-A901-5CB84A7BE1C0}"/>
-    <dgm:cxn modelId="{4F83C1C9-5540-4D83-87C8-897B2E4F3B25}" type="presOf" srcId="{D41BB831-EC62-4156-9A88-BBB92CCF862B}" destId="{73CDCFA3-F53B-4D04-804B-BF26BC63BF98}" srcOrd="0" destOrd="0" presId="urn:microsoft.com/office/officeart/2005/8/layout/default"/>
-    <dgm:cxn modelId="{256E6BCF-E013-4291-8EE8-379209795D19}" srcId="{4675914B-2A7D-4DDA-8E2C-B7A8C5DCBB3C}" destId="{43BFCED6-55B8-4FBC-8753-EE300675FF69}" srcOrd="6" destOrd="0" parTransId="{1BFD9358-C0F3-4C42-9EEA-0CE582809223}" sibTransId="{CCD36C37-13D2-430C-8E02-3DB3277B4F3A}"/>
-    <dgm:cxn modelId="{39AAC8DD-BA24-4E28-B84E-9E424BD036E8}" srcId="{4675914B-2A7D-4DDA-8E2C-B7A8C5DCBB3C}" destId="{FAEFE885-368E-4563-A90E-0273DBE85B37}" srcOrd="2" destOrd="0" parTransId="{8CA70C98-5D91-4603-92CD-D003CFF432FD}" sibTransId="{9F4B5A59-33A9-4655-8E94-F6F88B34972D}"/>
-    <dgm:cxn modelId="{2DE19CEE-1B23-4A09-884E-F2E9C656A8E7}" type="presOf" srcId="{28B66A95-913A-4684-8339-15CC04E620C7}" destId="{255BA920-6CA2-42C2-A1AB-87187F19475C}" srcOrd="0" destOrd="0" presId="urn:microsoft.com/office/officeart/2005/8/layout/default"/>
     <dgm:cxn modelId="{97A90DF1-EB6F-476E-9457-C90DCD47F91C}" type="presParOf" srcId="{BC431EA5-02B2-4171-AFA4-408C2225DC07}" destId="{8E126CA1-6C84-4C33-B311-61E786FFB8A4}" srcOrd="0" destOrd="0" presId="urn:microsoft.com/office/officeart/2005/8/layout/default"/>
     <dgm:cxn modelId="{E2450B5F-8A28-454D-B7C8-84283FDF61BC}" type="presParOf" srcId="{BC431EA5-02B2-4171-AFA4-408C2225DC07}" destId="{BA3CB576-905D-4BE5-8019-13421F3D917B}" srcOrd="1" destOrd="0" presId="urn:microsoft.com/office/officeart/2005/8/layout/default"/>
     <dgm:cxn modelId="{60BE22AB-E503-4CB1-BC33-9688462354DB}" type="presParOf" srcId="{BC431EA5-02B2-4171-AFA4-408C2225DC07}" destId="{73CDCFA3-F53B-4D04-804B-BF26BC63BF98}" srcOrd="2" destOrd="0" presId="urn:microsoft.com/office/officeart/2005/8/layout/default"/>
@@ -2891,7 +2947,7 @@
   <dgm:whole/>
   <dgm:extLst>
     <a:ext uri="http://schemas.microsoft.com/office/drawing/2008/diagram">
-      <dsp:dataModelExt xmlns:dsp="http://schemas.microsoft.com/office/drawing/2008/diagram" relId="rId6" minVer="http://schemas.openxmlformats.org/drawingml/2006/diagram"/>
+      <dsp:dataModelExt xmlns:dsp="http://schemas.microsoft.com/office/drawing/2008/diagram" relId="rId7" minVer="http://schemas.openxmlformats.org/drawingml/2006/diagram"/>
     </a:ext>
   </dgm:extLst>
 </dgm:dataModel>
@@ -3099,6 +3155,13 @@
         </dgm:presLayoutVars>
       </dgm:prSet>
       <dgm:spPr/>
+      <dgm:t>
+        <a:bodyPr/>
+        <a:lstStyle/>
+        <a:p>
+          <a:endParaRPr lang="en-US"/>
+        </a:p>
+      </dgm:t>
     </dgm:pt>
     <dgm:pt modelId="{7A209DD1-822D-4E90-ADC3-AB80E7CBB714}" type="pres">
       <dgm:prSet presAssocID="{8C1C97BB-D88D-4A00-AA1C-FF793DEE6ACF}" presName="node" presStyleLbl="node1" presStyleIdx="0" presStyleCnt="5">
@@ -3107,6 +3170,13 @@
         </dgm:presLayoutVars>
       </dgm:prSet>
       <dgm:spPr/>
+      <dgm:t>
+        <a:bodyPr/>
+        <a:lstStyle/>
+        <a:p>
+          <a:endParaRPr lang="en-US"/>
+        </a:p>
+      </dgm:t>
     </dgm:pt>
     <dgm:pt modelId="{67121270-6D0A-486B-A7BD-64D09E59F768}" type="pres">
       <dgm:prSet presAssocID="{BC4B3EEE-F139-4363-88D4-13161B6492B9}" presName="sibTrans" presStyleCnt="0"/>
@@ -3119,6 +3189,13 @@
         </dgm:presLayoutVars>
       </dgm:prSet>
       <dgm:spPr/>
+      <dgm:t>
+        <a:bodyPr/>
+        <a:lstStyle/>
+        <a:p>
+          <a:endParaRPr lang="en-US"/>
+        </a:p>
+      </dgm:t>
     </dgm:pt>
     <dgm:pt modelId="{142DAD51-AD41-48D0-8FF8-E436F4682A95}" type="pres">
       <dgm:prSet presAssocID="{89BDA597-29DC-415B-9A29-78C4B0745FC9}" presName="sibTrans" presStyleCnt="0"/>
@@ -3131,6 +3208,13 @@
         </dgm:presLayoutVars>
       </dgm:prSet>
       <dgm:spPr/>
+      <dgm:t>
+        <a:bodyPr/>
+        <a:lstStyle/>
+        <a:p>
+          <a:endParaRPr lang="en-US"/>
+        </a:p>
+      </dgm:t>
     </dgm:pt>
     <dgm:pt modelId="{636530AA-634A-4628-B3AA-D06F6AF74C63}" type="pres">
       <dgm:prSet presAssocID="{AE2B697B-025A-4FDA-B406-50D37D9474A1}" presName="sibTrans" presStyleCnt="0"/>
@@ -3143,6 +3227,13 @@
         </dgm:presLayoutVars>
       </dgm:prSet>
       <dgm:spPr/>
+      <dgm:t>
+        <a:bodyPr/>
+        <a:lstStyle/>
+        <a:p>
+          <a:endParaRPr lang="en-US"/>
+        </a:p>
+      </dgm:t>
     </dgm:pt>
     <dgm:pt modelId="{6A87F109-8599-4526-B6F7-2D24D4B56C79}" type="pres">
       <dgm:prSet presAssocID="{5831EA89-5574-4AC2-BA49-3C97F2F5D501}" presName="sibTrans" presStyleCnt="0"/>
@@ -3155,20 +3246,27 @@
         </dgm:presLayoutVars>
       </dgm:prSet>
       <dgm:spPr/>
+      <dgm:t>
+        <a:bodyPr/>
+        <a:lstStyle/>
+        <a:p>
+          <a:endParaRPr lang="en-US"/>
+        </a:p>
+      </dgm:t>
     </dgm:pt>
   </dgm:ptLst>
   <dgm:cxnLst>
-    <dgm:cxn modelId="{E4E3CA0C-C125-4054-A0D8-053CF085A790}" type="presOf" srcId="{C688F4F3-2DEC-4216-BE7C-7C55BD5F1B93}" destId="{8FA97C2C-94BC-49AB-9F2E-04441510791D}" srcOrd="0" destOrd="0" presId="urn:microsoft.com/office/officeart/2005/8/layout/default"/>
+    <dgm:cxn modelId="{FBE43A62-2C5F-473F-AE8B-7A1E980ADE9C}" type="presOf" srcId="{325E2D48-CB40-4C8F-96B6-51BB0A38C639}" destId="{06CBEE87-7132-49C1-8197-522C3D77FA29}" srcOrd="0" destOrd="0" presId="urn:microsoft.com/office/officeart/2005/8/layout/default"/>
+    <dgm:cxn modelId="{982AE760-6E7E-4006-9D69-3E333D3A83EB}" type="presOf" srcId="{7E899087-A012-4CAD-ABF0-AC256EDDF72E}" destId="{448BC1B6-3B77-43B1-8317-1ECDF4C16EBB}" srcOrd="0" destOrd="0" presId="urn:microsoft.com/office/officeart/2005/8/layout/default"/>
+    <dgm:cxn modelId="{C594BA7C-9020-401C-8B83-14128674E5E6}" srcId="{325E2D48-CB40-4C8F-96B6-51BB0A38C639}" destId="{8C1C97BB-D88D-4A00-AA1C-FF793DEE6ACF}" srcOrd="0" destOrd="0" parTransId="{475BED29-8619-491C-A6E7-4DF657F28841}" sibTransId="{BC4B3EEE-F139-4363-88D4-13161B6492B9}"/>
     <dgm:cxn modelId="{72DFB43E-5062-4689-A89E-BED3DB219851}" type="presOf" srcId="{8C1C97BB-D88D-4A00-AA1C-FF793DEE6ACF}" destId="{7A209DD1-822D-4E90-ADC3-AB80E7CBB714}" srcOrd="0" destOrd="0" presId="urn:microsoft.com/office/officeart/2005/8/layout/default"/>
-    <dgm:cxn modelId="{982AE760-6E7E-4006-9D69-3E333D3A83EB}" type="presOf" srcId="{7E899087-A012-4CAD-ABF0-AC256EDDF72E}" destId="{448BC1B6-3B77-43B1-8317-1ECDF4C16EBB}" srcOrd="0" destOrd="0" presId="urn:microsoft.com/office/officeart/2005/8/layout/default"/>
-    <dgm:cxn modelId="{FBE43A62-2C5F-473F-AE8B-7A1E980ADE9C}" type="presOf" srcId="{325E2D48-CB40-4C8F-96B6-51BB0A38C639}" destId="{06CBEE87-7132-49C1-8197-522C3D77FA29}" srcOrd="0" destOrd="0" presId="urn:microsoft.com/office/officeart/2005/8/layout/default"/>
-    <dgm:cxn modelId="{C594BA7C-9020-401C-8B83-14128674E5E6}" srcId="{325E2D48-CB40-4C8F-96B6-51BB0A38C639}" destId="{8C1C97BB-D88D-4A00-AA1C-FF793DEE6ACF}" srcOrd="0" destOrd="0" parTransId="{475BED29-8619-491C-A6E7-4DF657F28841}" sibTransId="{BC4B3EEE-F139-4363-88D4-13161B6492B9}"/>
-    <dgm:cxn modelId="{0C989884-E7B7-45CB-A7E3-3BA964AAF5CA}" type="presOf" srcId="{D7017EE2-F306-4471-9048-BB7E0B47C53A}" destId="{60ED6D07-FF23-45C3-A5E4-A5852688545E}" srcOrd="0" destOrd="0" presId="urn:microsoft.com/office/officeart/2005/8/layout/default"/>
-    <dgm:cxn modelId="{550EEAA8-B86A-4BCE-BA86-74DC192772A2}" srcId="{325E2D48-CB40-4C8F-96B6-51BB0A38C639}" destId="{6A7814D5-2425-45A9-AA23-A2FD1722B0BF}" srcOrd="3" destOrd="0" parTransId="{B318FD75-294B-4F68-92EF-2A59E39105ED}" sibTransId="{5831EA89-5574-4AC2-BA49-3C97F2F5D501}"/>
+    <dgm:cxn modelId="{70922CE3-5F7A-4F90-B607-20999F186604}" srcId="{325E2D48-CB40-4C8F-96B6-51BB0A38C639}" destId="{D7017EE2-F306-4471-9048-BB7E0B47C53A}" srcOrd="2" destOrd="0" parTransId="{AF9302C3-D0DF-4FAE-92B4-4CEDB58B502E}" sibTransId="{AE2B697B-025A-4FDA-B406-50D37D9474A1}"/>
     <dgm:cxn modelId="{4ACBE7AF-B2BA-4444-B662-93D2F3AEDE51}" srcId="{325E2D48-CB40-4C8F-96B6-51BB0A38C639}" destId="{C688F4F3-2DEC-4216-BE7C-7C55BD5F1B93}" srcOrd="4" destOrd="0" parTransId="{19C87FA5-D3B8-4F8A-AB23-F08ED81DEF61}" sibTransId="{3DA3EDF6-238D-4384-9AC8-9FDA7FDFE927}"/>
     <dgm:cxn modelId="{A37C7CDC-FD1D-47FA-BA09-811B28772DD9}" srcId="{325E2D48-CB40-4C8F-96B6-51BB0A38C639}" destId="{7E899087-A012-4CAD-ABF0-AC256EDDF72E}" srcOrd="1" destOrd="0" parTransId="{E5FC4F50-D9C2-4FA5-9346-0D67182A121B}" sibTransId="{89BDA597-29DC-415B-9A29-78C4B0745FC9}"/>
+    <dgm:cxn modelId="{550EEAA8-B86A-4BCE-BA86-74DC192772A2}" srcId="{325E2D48-CB40-4C8F-96B6-51BB0A38C639}" destId="{6A7814D5-2425-45A9-AA23-A2FD1722B0BF}" srcOrd="3" destOrd="0" parTransId="{B318FD75-294B-4F68-92EF-2A59E39105ED}" sibTransId="{5831EA89-5574-4AC2-BA49-3C97F2F5D501}"/>
     <dgm:cxn modelId="{C4381FE3-2AA3-454B-933C-C3D29A908E82}" type="presOf" srcId="{6A7814D5-2425-45A9-AA23-A2FD1722B0BF}" destId="{E38988B0-CEF7-4A46-84A1-2140774E3AEB}" srcOrd="0" destOrd="0" presId="urn:microsoft.com/office/officeart/2005/8/layout/default"/>
-    <dgm:cxn modelId="{70922CE3-5F7A-4F90-B607-20999F186604}" srcId="{325E2D48-CB40-4C8F-96B6-51BB0A38C639}" destId="{D7017EE2-F306-4471-9048-BB7E0B47C53A}" srcOrd="2" destOrd="0" parTransId="{AF9302C3-D0DF-4FAE-92B4-4CEDB58B502E}" sibTransId="{AE2B697B-025A-4FDA-B406-50D37D9474A1}"/>
+    <dgm:cxn modelId="{E4E3CA0C-C125-4054-A0D8-053CF085A790}" type="presOf" srcId="{C688F4F3-2DEC-4216-BE7C-7C55BD5F1B93}" destId="{8FA97C2C-94BC-49AB-9F2E-04441510791D}" srcOrd="0" destOrd="0" presId="urn:microsoft.com/office/officeart/2005/8/layout/default"/>
+    <dgm:cxn modelId="{0C989884-E7B7-45CB-A7E3-3BA964AAF5CA}" type="presOf" srcId="{D7017EE2-F306-4471-9048-BB7E0B47C53A}" destId="{60ED6D07-FF23-45C3-A5E4-A5852688545E}" srcOrd="0" destOrd="0" presId="urn:microsoft.com/office/officeart/2005/8/layout/default"/>
     <dgm:cxn modelId="{EC9AD6D3-C939-4437-834C-6D8A498F6092}" type="presParOf" srcId="{06CBEE87-7132-49C1-8197-522C3D77FA29}" destId="{7A209DD1-822D-4E90-ADC3-AB80E7CBB714}" srcOrd="0" destOrd="0" presId="urn:microsoft.com/office/officeart/2005/8/layout/default"/>
     <dgm:cxn modelId="{918A1758-CEBC-43D1-9CD3-B2A4B800CEAA}" type="presParOf" srcId="{06CBEE87-7132-49C1-8197-522C3D77FA29}" destId="{67121270-6D0A-486B-A7BD-64D09E59F768}" srcOrd="1" destOrd="0" presId="urn:microsoft.com/office/officeart/2005/8/layout/default"/>
     <dgm:cxn modelId="{55B71008-6706-4D1C-8934-46C6D85A5FA3}" type="presParOf" srcId="{06CBEE87-7132-49C1-8197-522C3D77FA29}" destId="{448BC1B6-3B77-43B1-8317-1ECDF4C16EBB}" srcOrd="2" destOrd="0" presId="urn:microsoft.com/office/officeart/2005/8/layout/default"/>
@@ -3183,7 +3281,7 @@
   <dgm:whole/>
   <dgm:extLst>
     <a:ext uri="http://schemas.microsoft.com/office/drawing/2008/diagram">
-      <dsp:dataModelExt xmlns:dsp="http://schemas.microsoft.com/office/drawing/2008/diagram" relId="rId11" minVer="http://schemas.openxmlformats.org/drawingml/2006/diagram"/>
+      <dsp:dataModelExt xmlns:dsp="http://schemas.microsoft.com/office/drawing/2008/diagram" relId="rId12" minVer="http://schemas.openxmlformats.org/drawingml/2006/diagram"/>
     </a:ext>
   </dgm:extLst>
 </dgm:dataModel>
@@ -3536,6 +3634,13 @@
         </dgm:presLayoutVars>
       </dgm:prSet>
       <dgm:spPr/>
+      <dgm:t>
+        <a:bodyPr/>
+        <a:lstStyle/>
+        <a:p>
+          <a:endParaRPr lang="en-US"/>
+        </a:p>
+      </dgm:t>
     </dgm:pt>
     <dgm:pt modelId="{CBBC936C-2FDE-42E7-9F0E-06687D3FCB78}" type="pres">
       <dgm:prSet presAssocID="{4A2B822F-7A5C-4F95-BD23-CB014DA30628}" presName="composite" presStyleCnt="0"/>
@@ -3550,6 +3655,13 @@
         </dgm:presLayoutVars>
       </dgm:prSet>
       <dgm:spPr/>
+      <dgm:t>
+        <a:bodyPr/>
+        <a:lstStyle/>
+        <a:p>
+          <a:endParaRPr lang="en-US"/>
+        </a:p>
+      </dgm:t>
     </dgm:pt>
     <dgm:pt modelId="{F31D1D09-68C4-4585-9C94-72B97514B72F}" type="pres">
       <dgm:prSet presAssocID="{4A2B822F-7A5C-4F95-BD23-CB014DA30628}" presName="desTx" presStyleLbl="alignAccFollowNode1" presStyleIdx="0" presStyleCnt="2">
@@ -3558,6 +3670,13 @@
         </dgm:presLayoutVars>
       </dgm:prSet>
       <dgm:spPr/>
+      <dgm:t>
+        <a:bodyPr/>
+        <a:lstStyle/>
+        <a:p>
+          <a:endParaRPr lang="en-US"/>
+        </a:p>
+      </dgm:t>
     </dgm:pt>
     <dgm:pt modelId="{2B44396C-79C3-4357-8A20-4B95E5F357AC}" type="pres">
       <dgm:prSet presAssocID="{BA601F54-B9C1-4E0E-9088-6FC1DB33DD70}" presName="space" presStyleCnt="0"/>
@@ -3576,6 +3695,13 @@
         </dgm:presLayoutVars>
       </dgm:prSet>
       <dgm:spPr/>
+      <dgm:t>
+        <a:bodyPr/>
+        <a:lstStyle/>
+        <a:p>
+          <a:endParaRPr lang="en-US"/>
+        </a:p>
+      </dgm:t>
     </dgm:pt>
     <dgm:pt modelId="{AF0C274F-C542-4795-AAF5-EAB834A68A14}" type="pres">
       <dgm:prSet presAssocID="{E233C00A-9D20-4632-BFBB-8C604856288A}" presName="desTx" presStyleLbl="alignAccFollowNode1" presStyleIdx="1" presStyleCnt="2">
@@ -3584,27 +3710,34 @@
         </dgm:presLayoutVars>
       </dgm:prSet>
       <dgm:spPr/>
+      <dgm:t>
+        <a:bodyPr/>
+        <a:lstStyle/>
+        <a:p>
+          <a:endParaRPr lang="en-US"/>
+        </a:p>
+      </dgm:t>
     </dgm:pt>
   </dgm:ptLst>
   <dgm:cxnLst>
+    <dgm:cxn modelId="{0F732E35-7B38-476D-98F7-EAA1936C99E5}" srcId="{4A2B822F-7A5C-4F95-BD23-CB014DA30628}" destId="{80EFEFB4-BFE2-491D-B03E-C4C547D268F1}" srcOrd="3" destOrd="0" parTransId="{23D54A9D-D35A-4803-8B76-DAB4FD75A9C9}" sibTransId="{4BE2827C-DC34-487D-867F-646755964C95}"/>
+    <dgm:cxn modelId="{E3D1C279-6D4B-476D-B8D7-57C3D483E10A}" srcId="{DE8CB968-1E11-41A8-B58C-CE8640D673D0}" destId="{E233C00A-9D20-4632-BFBB-8C604856288A}" srcOrd="1" destOrd="0" parTransId="{56E7929B-F3FE-4923-80F4-546E878AE614}" sibTransId="{24F12B7F-531A-4A50-B00D-423F6D0DEC76}"/>
+    <dgm:cxn modelId="{E562CD2F-1235-4C87-8392-22AA0352B0E3}" type="presOf" srcId="{E69FE44B-0787-4E3C-B599-36730458427B}" destId="{F31D1D09-68C4-4585-9C94-72B97514B72F}" srcOrd="0" destOrd="0" presId="urn:microsoft.com/office/officeart/2005/8/layout/hList1"/>
+    <dgm:cxn modelId="{35EBF163-2D00-4E83-8A8A-215AD7895176}" type="presOf" srcId="{86F411C2-B093-46BE-874D-7A1C18AA071E}" destId="{F31D1D09-68C4-4585-9C94-72B97514B72F}" srcOrd="0" destOrd="2" presId="urn:microsoft.com/office/officeart/2005/8/layout/hList1"/>
+    <dgm:cxn modelId="{1D2825F1-B5DD-4119-923D-9AECD099E4C7}" type="presOf" srcId="{DE8CB968-1E11-41A8-B58C-CE8640D673D0}" destId="{CEE7006C-373B-49E6-82A1-65802EA6F525}" srcOrd="0" destOrd="0" presId="urn:microsoft.com/office/officeart/2005/8/layout/hList1"/>
     <dgm:cxn modelId="{B2539E03-2982-4EDA-9011-B4A7DD44C08C}" type="presOf" srcId="{4A2B822F-7A5C-4F95-BD23-CB014DA30628}" destId="{C5693F82-2D1A-4D43-B9E6-6B377B763BF3}" srcOrd="0" destOrd="0" presId="urn:microsoft.com/office/officeart/2005/8/layout/hList1"/>
+    <dgm:cxn modelId="{3C68BEF6-19E9-4440-8F07-7BAF3375CA95}" srcId="{4A2B822F-7A5C-4F95-BD23-CB014DA30628}" destId="{E69FE44B-0787-4E3C-B599-36730458427B}" srcOrd="0" destOrd="0" parTransId="{7336EE0F-D371-45EF-B19E-B68F57FAAEEF}" sibTransId="{49166D67-67EE-4BB2-8B11-CB19CF9C2615}"/>
+    <dgm:cxn modelId="{0461C234-9E2F-4EA2-9B64-5EFEEBCA55FD}" type="presOf" srcId="{1EFCA181-C033-4E25-A20E-02B95D578305}" destId="{AF0C274F-C542-4795-AAF5-EAB834A68A14}" srcOrd="0" destOrd="1" presId="urn:microsoft.com/office/officeart/2005/8/layout/hList1"/>
+    <dgm:cxn modelId="{5DE216CE-987F-4ADE-A443-11087B387F1A}" srcId="{DE8CB968-1E11-41A8-B58C-CE8640D673D0}" destId="{4A2B822F-7A5C-4F95-BD23-CB014DA30628}" srcOrd="0" destOrd="0" parTransId="{4BA53376-4529-476B-A14D-D3CD445BF8F9}" sibTransId="{BA601F54-B9C1-4E0E-9088-6FC1DB33DD70}"/>
+    <dgm:cxn modelId="{A54DE299-B305-49ED-A801-018465813D67}" type="presOf" srcId="{E233C00A-9D20-4632-BFBB-8C604856288A}" destId="{63FAAAB3-D56D-4A06-A54A-0942F9DA35B2}" srcOrd="0" destOrd="0" presId="urn:microsoft.com/office/officeart/2005/8/layout/hList1"/>
+    <dgm:cxn modelId="{0D32BD5A-8F2C-47DD-9E33-B6052DDCAD2F}" type="presOf" srcId="{AC83587E-88B6-493A-B91A-21104506DAC3}" destId="{AF0C274F-C542-4795-AAF5-EAB834A68A14}" srcOrd="0" destOrd="0" presId="urn:microsoft.com/office/officeart/2005/8/layout/hList1"/>
+    <dgm:cxn modelId="{A652B968-206E-4B2E-A3F3-CFC03628EA97}" type="presOf" srcId="{0763B94C-F74B-4575-814A-68C25EB844FC}" destId="{AF0C274F-C542-4795-AAF5-EAB834A68A14}" srcOrd="0" destOrd="2" presId="urn:microsoft.com/office/officeart/2005/8/layout/hList1"/>
+    <dgm:cxn modelId="{7A16CBA1-4C04-4B06-9EDB-7B0376F699D9}" srcId="{E233C00A-9D20-4632-BFBB-8C604856288A}" destId="{1EFCA181-C033-4E25-A20E-02B95D578305}" srcOrd="1" destOrd="0" parTransId="{E7DEE051-E359-4F5E-AB22-EC924CADB9B1}" sibTransId="{A66AA4CC-9C2B-40F6-9854-1818FCE6B6A8}"/>
+    <dgm:cxn modelId="{39F034BB-C436-4E78-B076-FE5BE061BD80}" type="presOf" srcId="{A9393A8A-2876-40A1-9BF8-0A73F275CE83}" destId="{F31D1D09-68C4-4585-9C94-72B97514B72F}" srcOrd="0" destOrd="1" presId="urn:microsoft.com/office/officeart/2005/8/layout/hList1"/>
+    <dgm:cxn modelId="{C1A3F3A7-CB8D-43C5-AEA1-477CFC945337}" type="presOf" srcId="{80EFEFB4-BFE2-491D-B03E-C4C547D268F1}" destId="{F31D1D09-68C4-4585-9C94-72B97514B72F}" srcOrd="0" destOrd="3" presId="urn:microsoft.com/office/officeart/2005/8/layout/hList1"/>
+    <dgm:cxn modelId="{AEF2AD4D-1023-4E61-B87C-3FCAF6263652}" srcId="{4A2B822F-7A5C-4F95-BD23-CB014DA30628}" destId="{A9393A8A-2876-40A1-9BF8-0A73F275CE83}" srcOrd="1" destOrd="0" parTransId="{5F6B1E96-504F-4543-90D1-9F978EFE96EF}" sibTransId="{6632ED2E-9E36-443B-B265-A597199FFA41}"/>
+    <dgm:cxn modelId="{040710F7-F722-4025-AD13-FC70D19C56EC}" srcId="{E233C00A-9D20-4632-BFBB-8C604856288A}" destId="{AC83587E-88B6-493A-B91A-21104506DAC3}" srcOrd="0" destOrd="0" parTransId="{2D280084-5FEF-49AF-A635-4F65DD533670}" sibTransId="{802E83AC-6B49-4412-B836-40567128BF9F}"/>
     <dgm:cxn modelId="{94460912-5408-4088-88EC-A44E251B8696}" srcId="{4A2B822F-7A5C-4F95-BD23-CB014DA30628}" destId="{86F411C2-B093-46BE-874D-7A1C18AA071E}" srcOrd="2" destOrd="0" parTransId="{F411748C-E831-4BC5-A2E2-DB1C01C9767B}" sibTransId="{2804F494-E4C1-4309-9D3A-BB207F4EB98E}"/>
-    <dgm:cxn modelId="{E562CD2F-1235-4C87-8392-22AA0352B0E3}" type="presOf" srcId="{E69FE44B-0787-4E3C-B599-36730458427B}" destId="{F31D1D09-68C4-4585-9C94-72B97514B72F}" srcOrd="0" destOrd="0" presId="urn:microsoft.com/office/officeart/2005/8/layout/hList1"/>
-    <dgm:cxn modelId="{0461C234-9E2F-4EA2-9B64-5EFEEBCA55FD}" type="presOf" srcId="{1EFCA181-C033-4E25-A20E-02B95D578305}" destId="{AF0C274F-C542-4795-AAF5-EAB834A68A14}" srcOrd="0" destOrd="1" presId="urn:microsoft.com/office/officeart/2005/8/layout/hList1"/>
-    <dgm:cxn modelId="{0F732E35-7B38-476D-98F7-EAA1936C99E5}" srcId="{4A2B822F-7A5C-4F95-BD23-CB014DA30628}" destId="{80EFEFB4-BFE2-491D-B03E-C4C547D268F1}" srcOrd="3" destOrd="0" parTransId="{23D54A9D-D35A-4803-8B76-DAB4FD75A9C9}" sibTransId="{4BE2827C-DC34-487D-867F-646755964C95}"/>
-    <dgm:cxn modelId="{35EBF163-2D00-4E83-8A8A-215AD7895176}" type="presOf" srcId="{86F411C2-B093-46BE-874D-7A1C18AA071E}" destId="{F31D1D09-68C4-4585-9C94-72B97514B72F}" srcOrd="0" destOrd="2" presId="urn:microsoft.com/office/officeart/2005/8/layout/hList1"/>
-    <dgm:cxn modelId="{A652B968-206E-4B2E-A3F3-CFC03628EA97}" type="presOf" srcId="{0763B94C-F74B-4575-814A-68C25EB844FC}" destId="{AF0C274F-C542-4795-AAF5-EAB834A68A14}" srcOrd="0" destOrd="2" presId="urn:microsoft.com/office/officeart/2005/8/layout/hList1"/>
-    <dgm:cxn modelId="{AEF2AD4D-1023-4E61-B87C-3FCAF6263652}" srcId="{4A2B822F-7A5C-4F95-BD23-CB014DA30628}" destId="{A9393A8A-2876-40A1-9BF8-0A73F275CE83}" srcOrd="1" destOrd="0" parTransId="{5F6B1E96-504F-4543-90D1-9F978EFE96EF}" sibTransId="{6632ED2E-9E36-443B-B265-A597199FFA41}"/>
-    <dgm:cxn modelId="{E3D1C279-6D4B-476D-B8D7-57C3D483E10A}" srcId="{DE8CB968-1E11-41A8-B58C-CE8640D673D0}" destId="{E233C00A-9D20-4632-BFBB-8C604856288A}" srcOrd="1" destOrd="0" parTransId="{56E7929B-F3FE-4923-80F4-546E878AE614}" sibTransId="{24F12B7F-531A-4A50-B00D-423F6D0DEC76}"/>
-    <dgm:cxn modelId="{0D32BD5A-8F2C-47DD-9E33-B6052DDCAD2F}" type="presOf" srcId="{AC83587E-88B6-493A-B91A-21104506DAC3}" destId="{AF0C274F-C542-4795-AAF5-EAB834A68A14}" srcOrd="0" destOrd="0" presId="urn:microsoft.com/office/officeart/2005/8/layout/hList1"/>
-    <dgm:cxn modelId="{A54DE299-B305-49ED-A801-018465813D67}" type="presOf" srcId="{E233C00A-9D20-4632-BFBB-8C604856288A}" destId="{63FAAAB3-D56D-4A06-A54A-0942F9DA35B2}" srcOrd="0" destOrd="0" presId="urn:microsoft.com/office/officeart/2005/8/layout/hList1"/>
-    <dgm:cxn modelId="{7A16CBA1-4C04-4B06-9EDB-7B0376F699D9}" srcId="{E233C00A-9D20-4632-BFBB-8C604856288A}" destId="{1EFCA181-C033-4E25-A20E-02B95D578305}" srcOrd="1" destOrd="0" parTransId="{E7DEE051-E359-4F5E-AB22-EC924CADB9B1}" sibTransId="{A66AA4CC-9C2B-40F6-9854-1818FCE6B6A8}"/>
-    <dgm:cxn modelId="{C1A3F3A7-CB8D-43C5-AEA1-477CFC945337}" type="presOf" srcId="{80EFEFB4-BFE2-491D-B03E-C4C547D268F1}" destId="{F31D1D09-68C4-4585-9C94-72B97514B72F}" srcOrd="0" destOrd="3" presId="urn:microsoft.com/office/officeart/2005/8/layout/hList1"/>
-    <dgm:cxn modelId="{39F034BB-C436-4E78-B076-FE5BE061BD80}" type="presOf" srcId="{A9393A8A-2876-40A1-9BF8-0A73F275CE83}" destId="{F31D1D09-68C4-4585-9C94-72B97514B72F}" srcOrd="0" destOrd="1" presId="urn:microsoft.com/office/officeart/2005/8/layout/hList1"/>
-    <dgm:cxn modelId="{5DE216CE-987F-4ADE-A443-11087B387F1A}" srcId="{DE8CB968-1E11-41A8-B58C-CE8640D673D0}" destId="{4A2B822F-7A5C-4F95-BD23-CB014DA30628}" srcOrd="0" destOrd="0" parTransId="{4BA53376-4529-476B-A14D-D3CD445BF8F9}" sibTransId="{BA601F54-B9C1-4E0E-9088-6FC1DB33DD70}"/>
-    <dgm:cxn modelId="{1D2825F1-B5DD-4119-923D-9AECD099E4C7}" type="presOf" srcId="{DE8CB968-1E11-41A8-B58C-CE8640D673D0}" destId="{CEE7006C-373B-49E6-82A1-65802EA6F525}" srcOrd="0" destOrd="0" presId="urn:microsoft.com/office/officeart/2005/8/layout/hList1"/>
-    <dgm:cxn modelId="{3C68BEF6-19E9-4440-8F07-7BAF3375CA95}" srcId="{4A2B822F-7A5C-4F95-BD23-CB014DA30628}" destId="{E69FE44B-0787-4E3C-B599-36730458427B}" srcOrd="0" destOrd="0" parTransId="{7336EE0F-D371-45EF-B19E-B68F57FAAEEF}" sibTransId="{49166D67-67EE-4BB2-8B11-CB19CF9C2615}"/>
-    <dgm:cxn modelId="{040710F7-F722-4025-AD13-FC70D19C56EC}" srcId="{E233C00A-9D20-4632-BFBB-8C604856288A}" destId="{AC83587E-88B6-493A-B91A-21104506DAC3}" srcOrd="0" destOrd="0" parTransId="{2D280084-5FEF-49AF-A635-4F65DD533670}" sibTransId="{802E83AC-6B49-4412-B836-40567128BF9F}"/>
     <dgm:cxn modelId="{FB2E48F7-D6FF-482C-8A2F-94D31ED2F910}" srcId="{E233C00A-9D20-4632-BFBB-8C604856288A}" destId="{0763B94C-F74B-4575-814A-68C25EB844FC}" srcOrd="2" destOrd="0" parTransId="{672F41A8-4F96-48B6-B0E7-14D26F3CE1ED}" sibTransId="{61943F02-743F-4BBC-8D1D-F3AF6D39B5DB}"/>
     <dgm:cxn modelId="{3679838D-E802-4B43-8BD3-B097A84BB4A0}" type="presParOf" srcId="{CEE7006C-373B-49E6-82A1-65802EA6F525}" destId="{CBBC936C-2FDE-42E7-9F0E-06687D3FCB78}" srcOrd="0" destOrd="0" presId="urn:microsoft.com/office/officeart/2005/8/layout/hList1"/>
     <dgm:cxn modelId="{9CE3A074-7D71-4460-9FD7-C6316C7B9C49}" type="presParOf" srcId="{CBBC936C-2FDE-42E7-9F0E-06687D3FCB78}" destId="{C5693F82-2D1A-4D43-B9E6-6B377B763BF3}" srcOrd="0" destOrd="0" presId="urn:microsoft.com/office/officeart/2005/8/layout/hList1"/>
@@ -3686,7 +3819,7 @@
         </a:bodyPr>
         <a:lstStyle/>
         <a:p>
-          <a:pPr marL="0" lvl="0" indent="0" algn="ctr" defTabSz="844550">
+          <a:pPr lvl="0" algn="ctr" defTabSz="844550">
             <a:lnSpc>
               <a:spcPct val="90000"/>
             </a:lnSpc>
@@ -3696,7 +3829,6 @@
             <a:spcAft>
               <a:spcPct val="35000"/>
             </a:spcAft>
-            <a:buNone/>
           </a:pPr>
           <a:r>
             <a:rPr lang="en-US" sz="1900" kern="1200" dirty="0"/>
@@ -3763,7 +3895,7 @@
         </a:bodyPr>
         <a:lstStyle/>
         <a:p>
-          <a:pPr marL="0" lvl="0" indent="0" algn="ctr" defTabSz="844550">
+          <a:pPr lvl="0" algn="ctr" defTabSz="844550">
             <a:lnSpc>
               <a:spcPct val="90000"/>
             </a:lnSpc>
@@ -3773,7 +3905,6 @@
             <a:spcAft>
               <a:spcPct val="35000"/>
             </a:spcAft>
-            <a:buNone/>
           </a:pPr>
           <a:r>
             <a:rPr lang="en-US" sz="1900" kern="1200" dirty="0"/>
@@ -3840,7 +3971,7 @@
         </a:bodyPr>
         <a:lstStyle/>
         <a:p>
-          <a:pPr marL="0" lvl="0" indent="0" algn="ctr" defTabSz="844550">
+          <a:pPr lvl="0" algn="ctr" defTabSz="844550">
             <a:lnSpc>
               <a:spcPct val="90000"/>
             </a:lnSpc>
@@ -3850,7 +3981,6 @@
             <a:spcAft>
               <a:spcPct val="35000"/>
             </a:spcAft>
-            <a:buNone/>
           </a:pPr>
           <a:r>
             <a:rPr lang="en-US" sz="1900" kern="1200" dirty="0"/>
@@ -3917,7 +4047,7 @@
         </a:bodyPr>
         <a:lstStyle/>
         <a:p>
-          <a:pPr marL="0" lvl="0" indent="0" algn="ctr" defTabSz="844550">
+          <a:pPr lvl="0" algn="ctr" defTabSz="844550">
             <a:lnSpc>
               <a:spcPct val="90000"/>
             </a:lnSpc>
@@ -3927,7 +4057,6 @@
             <a:spcAft>
               <a:spcPct val="35000"/>
             </a:spcAft>
-            <a:buNone/>
           </a:pPr>
           <a:r>
             <a:rPr lang="en-US" sz="1900" kern="1200" dirty="0"/>
@@ -3994,7 +4123,7 @@
         </a:bodyPr>
         <a:lstStyle/>
         <a:p>
-          <a:pPr marL="0" lvl="0" indent="0" algn="ctr" defTabSz="844550">
+          <a:pPr lvl="0" algn="ctr" defTabSz="844550">
             <a:lnSpc>
               <a:spcPct val="90000"/>
             </a:lnSpc>
@@ -4004,7 +4133,6 @@
             <a:spcAft>
               <a:spcPct val="35000"/>
             </a:spcAft>
-            <a:buNone/>
           </a:pPr>
           <a:r>
             <a:rPr lang="en-US" sz="1900" kern="1200" dirty="0"/>
@@ -4071,7 +4199,7 @@
         </a:bodyPr>
         <a:lstStyle/>
         <a:p>
-          <a:pPr marL="0" lvl="0" indent="0" algn="ctr" defTabSz="844550">
+          <a:pPr lvl="0" algn="ctr" defTabSz="844550">
             <a:lnSpc>
               <a:spcPct val="90000"/>
             </a:lnSpc>
@@ -4081,7 +4209,6 @@
             <a:spcAft>
               <a:spcPct val="35000"/>
             </a:spcAft>
-            <a:buNone/>
           </a:pPr>
           <a:r>
             <a:rPr lang="en-US" sz="1900" kern="1200" dirty="0"/>
@@ -4148,7 +4275,7 @@
         </a:bodyPr>
         <a:lstStyle/>
         <a:p>
-          <a:pPr marL="0" lvl="0" indent="0" algn="ctr" defTabSz="844550">
+          <a:pPr lvl="0" algn="ctr" defTabSz="844550">
             <a:lnSpc>
               <a:spcPct val="90000"/>
             </a:lnSpc>
@@ -4158,7 +4285,6 @@
             <a:spcAft>
               <a:spcPct val="35000"/>
             </a:spcAft>
-            <a:buNone/>
           </a:pPr>
           <a:r>
             <a:rPr lang="en-US" sz="1900" kern="1200" dirty="0"/>
@@ -4237,7 +4363,7 @@
         </a:bodyPr>
         <a:lstStyle/>
         <a:p>
-          <a:pPr marL="0" lvl="0" indent="0" algn="ctr" defTabSz="844550">
+          <a:pPr lvl="0" algn="ctr" defTabSz="844550">
             <a:lnSpc>
               <a:spcPct val="90000"/>
             </a:lnSpc>
@@ -4247,7 +4373,6 @@
             <a:spcAft>
               <a:spcPct val="35000"/>
             </a:spcAft>
-            <a:buNone/>
           </a:pPr>
           <a:r>
             <a:rPr lang="en-US" sz="1900" kern="1200" dirty="0"/>
@@ -4314,7 +4439,7 @@
         </a:bodyPr>
         <a:lstStyle/>
         <a:p>
-          <a:pPr marL="0" lvl="0" indent="0" algn="ctr" defTabSz="844550">
+          <a:pPr lvl="0" algn="ctr" defTabSz="844550">
             <a:lnSpc>
               <a:spcPct val="90000"/>
             </a:lnSpc>
@@ -4324,7 +4449,6 @@
             <a:spcAft>
               <a:spcPct val="35000"/>
             </a:spcAft>
-            <a:buNone/>
           </a:pPr>
           <a:r>
             <a:rPr lang="en-US" sz="1900" kern="1200" dirty="0"/>
@@ -4391,7 +4515,7 @@
         </a:bodyPr>
         <a:lstStyle/>
         <a:p>
-          <a:pPr marL="0" lvl="0" indent="0" algn="ctr" defTabSz="844550">
+          <a:pPr lvl="0" algn="ctr" defTabSz="844550">
             <a:lnSpc>
               <a:spcPct val="90000"/>
             </a:lnSpc>
@@ -4401,7 +4525,6 @@
             <a:spcAft>
               <a:spcPct val="35000"/>
             </a:spcAft>
-            <a:buNone/>
           </a:pPr>
           <a:r>
             <a:rPr lang="en-US" sz="1900" kern="1200" dirty="0"/>
@@ -4468,7 +4591,7 @@
         </a:bodyPr>
         <a:lstStyle/>
         <a:p>
-          <a:pPr marL="0" lvl="0" indent="0" algn="ctr" defTabSz="844550">
+          <a:pPr lvl="0" algn="ctr" defTabSz="844550">
             <a:lnSpc>
               <a:spcPct val="90000"/>
             </a:lnSpc>
@@ -4478,7 +4601,6 @@
             <a:spcAft>
               <a:spcPct val="35000"/>
             </a:spcAft>
-            <a:buNone/>
           </a:pPr>
           <a:r>
             <a:rPr lang="en-US" sz="1900" kern="1200" dirty="0"/>
@@ -4545,7 +4667,7 @@
         </a:bodyPr>
         <a:lstStyle/>
         <a:p>
-          <a:pPr marL="0" lvl="0" indent="0" algn="ctr" defTabSz="844550">
+          <a:pPr lvl="0" algn="ctr" defTabSz="844550">
             <a:lnSpc>
               <a:spcPct val="90000"/>
             </a:lnSpc>
@@ -4555,7 +4677,6 @@
             <a:spcAft>
               <a:spcPct val="35000"/>
             </a:spcAft>
-            <a:buNone/>
           </a:pPr>
           <a:r>
             <a:rPr lang="en-US" sz="1900" kern="1200" dirty="0"/>
@@ -4634,7 +4755,7 @@
         </a:bodyPr>
         <a:lstStyle/>
         <a:p>
-          <a:pPr marL="0" lvl="0" indent="0" algn="ctr" defTabSz="1778000">
+          <a:pPr lvl="0" algn="ctr" defTabSz="1778000">
             <a:lnSpc>
               <a:spcPct val="90000"/>
             </a:lnSpc>
@@ -4644,7 +4765,6 @@
             <a:spcAft>
               <a:spcPct val="35000"/>
             </a:spcAft>
-            <a:buNone/>
           </a:pPr>
           <a:r>
             <a:rPr lang="en-US" sz="4000" kern="1200" dirty="0"/>
@@ -4723,7 +4843,7 @@
             <a:spcAft>
               <a:spcPct val="15000"/>
             </a:spcAft>
-            <a:buChar char="•"/>
+            <a:buChar char="••"/>
           </a:pPr>
           <a:r>
             <a:rPr lang="en-US" sz="3200" kern="1200" dirty="0"/>
@@ -4741,7 +4861,7 @@
             <a:spcAft>
               <a:spcPct val="15000"/>
             </a:spcAft>
-            <a:buChar char="•"/>
+            <a:buChar char="••"/>
           </a:pPr>
           <a:r>
             <a:rPr lang="en-US" sz="3200" kern="1200" dirty="0"/>
@@ -4759,7 +4879,7 @@
             <a:spcAft>
               <a:spcPct val="15000"/>
             </a:spcAft>
-            <a:buChar char="•"/>
+            <a:buChar char="••"/>
           </a:pPr>
           <a:r>
             <a:rPr lang="en-US" sz="3200" kern="1200" dirty="0"/>
@@ -4777,7 +4897,7 @@
             <a:spcAft>
               <a:spcPct val="15000"/>
             </a:spcAft>
-            <a:buChar char="•"/>
+            <a:buChar char="••"/>
           </a:pPr>
           <a:r>
             <a:rPr lang="en-US" sz="3200" kern="1200" dirty="0"/>
@@ -4844,7 +4964,7 @@
         </a:bodyPr>
         <a:lstStyle/>
         <a:p>
-          <a:pPr marL="0" lvl="0" indent="0" algn="ctr" defTabSz="1778000">
+          <a:pPr lvl="0" algn="ctr" defTabSz="1778000">
             <a:lnSpc>
               <a:spcPct val="90000"/>
             </a:lnSpc>
@@ -4854,7 +4974,6 @@
             <a:spcAft>
               <a:spcPct val="35000"/>
             </a:spcAft>
-            <a:buNone/>
           </a:pPr>
           <a:r>
             <a:rPr lang="en-US" sz="4000" kern="1200" dirty="0"/>
@@ -4933,7 +5052,7 @@
             <a:spcAft>
               <a:spcPct val="15000"/>
             </a:spcAft>
-            <a:buChar char="•"/>
+            <a:buChar char="••"/>
           </a:pPr>
           <a:r>
             <a:rPr lang="en-US" sz="3200" kern="1200" dirty="0"/>
@@ -4951,7 +5070,7 @@
             <a:spcAft>
               <a:spcPct val="15000"/>
             </a:spcAft>
-            <a:buChar char="•"/>
+            <a:buChar char="••"/>
           </a:pPr>
           <a:r>
             <a:rPr lang="en-US" sz="3200" kern="1200" dirty="0"/>
@@ -4969,7 +5088,7 @@
             <a:spcAft>
               <a:spcPct val="15000"/>
             </a:spcAft>
-            <a:buChar char="•"/>
+            <a:buChar char="••"/>
           </a:pPr>
           <a:r>
             <a:rPr lang="en-US" sz="3200" kern="1200" dirty="0"/>
@@ -8685,7 +8804,7 @@
               <a:rPr lang="en-US" smtClean="0">
                 <a:latin typeface="Segoe UI" pitchFamily="34" charset="0"/>
               </a:rPr>
-              <a:t>7/12/2017 3:37 PM</a:t>
+              <a:t>12/4/2017 11:07 PM</a:t>
             </a:fld>
             <a:endParaRPr lang="en-US" dirty="0">
               <a:latin typeface="Segoe UI" pitchFamily="34" charset="0"/>
@@ -8774,7 +8893,7 @@
               <a:rPr lang="en-US" smtClean="0">
                 <a:latin typeface="Segoe UI" pitchFamily="34" charset="0"/>
               </a:rPr>
-              <a:t>‹Nr.›</a:t>
+              <a:t>‹#›</a:t>
             </a:fld>
             <a:endParaRPr lang="en-US" dirty="0">
               <a:latin typeface="Segoe UI" pitchFamily="34" charset="0"/>
@@ -8963,7 +9082,7 @@
           <a:p>
             <a:fld id="{196BB360-4395-422C-A729-CB974B278917}" type="datetime8">
               <a:rPr lang="en-US" smtClean="0"/>
-              <a:t>7/12/2017 3:37 PM</a:t>
+              <a:t>12/4/2017 11:07 PM</a:t>
             </a:fld>
             <a:endParaRPr lang="en-US" dirty="0"/>
           </a:p>
@@ -9060,7 +9179,7 @@
             <a:fld id="{B4008EB6-D09E-4580-8CD6-DDB14511944F}" type="slidenum">
               <a:rPr lang="en-US" smtClean="0"/>
               <a:pPr/>
-              <a:t>‹Nr.›</a:t>
+              <a:t>‹#›</a:t>
             </a:fld>
             <a:endParaRPr lang="en-US" dirty="0"/>
           </a:p>
@@ -9292,7 +9411,7 @@
           <a:p>
             <a:fld id="{B9E68977-C62F-48C1-B8E5-A952982F1FDC}" type="datetime8">
               <a:rPr lang="en-US" smtClean="0"/>
-              <a:t>7/12/2017 3:37 PM</a:t>
+              <a:t>12/4/2017 11:07 PM</a:t>
             </a:fld>
             <a:endParaRPr lang="en-US" dirty="0"/>
           </a:p>
@@ -9418,57 +9537,926 @@
           <a:lstStyle/>
           <a:p>
             <a:r>
-              <a:rPr lang="en-US" dirty="0" err="1"/>
-              <a:t>Prereq</a:t>
+              <a:rPr lang="en-US" dirty="0"/>
+              <a:t>Record of all actions taken by the Azure control plane/fabric</a:t>
             </a:r>
+          </a:p>
+        </p:txBody>
+      </p:sp>
+      <p:sp>
+        <p:nvSpPr>
+          <p:cNvPr id="4" name="Header Placeholder 3"/>
+          <p:cNvSpPr>
+            <a:spLocks noGrp="1"/>
+          </p:cNvSpPr>
+          <p:nvPr>
+            <p:ph type="hdr" sz="quarter" idx="10"/>
+          </p:nvPr>
+        </p:nvSpPr>
+        <p:spPr/>
+        <p:txBody>
+          <a:bodyPr/>
+          <a:lstStyle/>
+          <a:p>
             <a:endParaRPr lang="en-US" dirty="0"/>
           </a:p>
+        </p:txBody>
+      </p:sp>
+      <p:sp>
+        <p:nvSpPr>
+          <p:cNvPr id="5" name="Footer Placeholder 4"/>
+          <p:cNvSpPr>
+            <a:spLocks noGrp="1"/>
+          </p:cNvSpPr>
+          <p:nvPr>
+            <p:ph type="ftr" sz="quarter" idx="11"/>
+          </p:nvPr>
+        </p:nvSpPr>
+        <p:spPr/>
+        <p:txBody>
+          <a:bodyPr/>
+          <a:lstStyle/>
+          <a:p>
+            <a:pPr marL="398463" defTabSz="914099" eaLnBrk="0" hangingPunct="0"/>
+            <a:r>
+              <a:rPr lang="en-US" sz="400" dirty="0">
+                <a:gradFill>
+                  <a:gsLst>
+                    <a:gs pos="0">
+                      <a:schemeClr val="tx1"/>
+                    </a:gs>
+                    <a:gs pos="100000">
+                      <a:schemeClr val="tx1"/>
+                    </a:gs>
+                  </a:gsLst>
+                  <a:lin ang="5400000" scaled="0"/>
+                </a:gradFill>
+                <a:latin typeface="Segoe UI" pitchFamily="34" charset="0"/>
+                <a:ea typeface="Segoe UI" pitchFamily="34" charset="0"/>
+                <a:cs typeface="Segoe UI" pitchFamily="34" charset="0"/>
+              </a:rPr>
+              <a:t>© Microsoft Corporation. All rights reserved. </a:t>
+            </a:r>
+          </a:p>
+        </p:txBody>
+      </p:sp>
+      <p:sp>
+        <p:nvSpPr>
+          <p:cNvPr id="6" name="Date Placeholder 5"/>
+          <p:cNvSpPr>
+            <a:spLocks noGrp="1"/>
+          </p:cNvSpPr>
+          <p:nvPr>
+            <p:ph type="dt" idx="12"/>
+          </p:nvPr>
+        </p:nvSpPr>
+        <p:spPr/>
+        <p:txBody>
+          <a:bodyPr/>
+          <a:lstStyle/>
+          <a:p>
+            <a:fld id="{196BB360-4395-422C-A729-CB974B278917}" type="datetime8">
+              <a:rPr lang="en-US" smtClean="0"/>
+              <a:t>12/4/2017 11:07 PM</a:t>
+            </a:fld>
+            <a:endParaRPr lang="en-US" dirty="0"/>
+          </a:p>
+        </p:txBody>
+      </p:sp>
+      <p:sp>
+        <p:nvSpPr>
+          <p:cNvPr id="7" name="Slide Number Placeholder 6"/>
+          <p:cNvSpPr>
+            <a:spLocks noGrp="1"/>
+          </p:cNvSpPr>
+          <p:nvPr>
+            <p:ph type="sldNum" sz="quarter" idx="13"/>
+          </p:nvPr>
+        </p:nvSpPr>
+        <p:spPr/>
+        <p:txBody>
+          <a:bodyPr/>
+          <a:lstStyle/>
+          <a:p>
+            <a:fld id="{B4008EB6-D09E-4580-8CD6-DDB14511944F}" type="slidenum">
+              <a:rPr lang="en-US" smtClean="0"/>
+              <a:pPr/>
+              <a:t>10</a:t>
+            </a:fld>
+            <a:endParaRPr lang="en-US" dirty="0"/>
+          </a:p>
+        </p:txBody>
+      </p:sp>
+    </p:spTree>
+    <p:extLst>
+      <p:ext uri="{BB962C8B-B14F-4D97-AF65-F5344CB8AC3E}">
+        <p14:creationId xmlns:p14="http://schemas.microsoft.com/office/powerpoint/2010/main" val="88573679"/>
+      </p:ext>
+    </p:extLst>
+  </p:cSld>
+  <p:clrMapOvr>
+    <a:masterClrMapping/>
+  </p:clrMapOvr>
+</p:notes>
+</file>
+
+<file path=ppt/notesSlides/notesSlide11.xml><?xml version="1.0" encoding="utf-8"?>
+<p:notes xmlns:a="http://schemas.openxmlformats.org/drawingml/2006/main" xmlns:r="http://schemas.openxmlformats.org/officeDocument/2006/relationships" xmlns:p="http://schemas.openxmlformats.org/presentationml/2006/main">
+  <p:cSld>
+    <p:spTree>
+      <p:nvGrpSpPr>
+        <p:cNvPr id="1" name=""/>
+        <p:cNvGrpSpPr/>
+        <p:nvPr/>
+      </p:nvGrpSpPr>
+      <p:grpSpPr>
+        <a:xfrm>
+          <a:off x="0" y="0"/>
+          <a:ext cx="0" cy="0"/>
+          <a:chOff x="0" y="0"/>
+          <a:chExt cx="0" cy="0"/>
+        </a:xfrm>
+      </p:grpSpPr>
+      <p:sp>
+        <p:nvSpPr>
+          <p:cNvPr id="2" name="Slide Image Placeholder 1"/>
+          <p:cNvSpPr>
+            <a:spLocks noGrp="1" noRot="1" noChangeAspect="1"/>
+          </p:cNvSpPr>
+          <p:nvPr>
+            <p:ph type="sldImg"/>
+          </p:nvPr>
+        </p:nvSpPr>
+        <p:spPr/>
+      </p:sp>
+      <p:sp>
+        <p:nvSpPr>
+          <p:cNvPr id="3" name="Notes Placeholder 2"/>
+          <p:cNvSpPr>
+            <a:spLocks noGrp="1"/>
+          </p:cNvSpPr>
+          <p:nvPr>
+            <p:ph type="body" idx="1"/>
+          </p:nvPr>
+        </p:nvSpPr>
+        <p:spPr/>
+        <p:txBody>
+          <a:bodyPr/>
+          <a:lstStyle/>
+          <a:p>
+            <a:endParaRPr lang="en-US"/>
+          </a:p>
+        </p:txBody>
+      </p:sp>
+      <p:sp>
+        <p:nvSpPr>
+          <p:cNvPr id="4" name="Header Placeholder 3"/>
+          <p:cNvSpPr>
+            <a:spLocks noGrp="1"/>
+          </p:cNvSpPr>
+          <p:nvPr>
+            <p:ph type="hdr" sz="quarter" idx="10"/>
+          </p:nvPr>
+        </p:nvSpPr>
+        <p:spPr/>
+        <p:txBody>
+          <a:bodyPr/>
+          <a:lstStyle/>
+          <a:p>
+            <a:endParaRPr lang="en-US" dirty="0"/>
+          </a:p>
+        </p:txBody>
+      </p:sp>
+      <p:sp>
+        <p:nvSpPr>
+          <p:cNvPr id="5" name="Footer Placeholder 4"/>
+          <p:cNvSpPr>
+            <a:spLocks noGrp="1"/>
+          </p:cNvSpPr>
+          <p:nvPr>
+            <p:ph type="ftr" sz="quarter" idx="11"/>
+          </p:nvPr>
+        </p:nvSpPr>
+        <p:spPr/>
+        <p:txBody>
+          <a:bodyPr/>
+          <a:lstStyle/>
+          <a:p>
+            <a:pPr marL="398463" defTabSz="914099" eaLnBrk="0" hangingPunct="0"/>
+            <a:r>
+              <a:rPr lang="en-US" sz="400" smtClean="0">
+                <a:gradFill>
+                  <a:gsLst>
+                    <a:gs pos="0">
+                      <a:schemeClr val="tx1"/>
+                    </a:gs>
+                    <a:gs pos="100000">
+                      <a:schemeClr val="tx1"/>
+                    </a:gs>
+                  </a:gsLst>
+                  <a:lin ang="5400000" scaled="0"/>
+                </a:gradFill>
+                <a:latin typeface="Segoe UI" pitchFamily="34" charset="0"/>
+                <a:ea typeface="Segoe UI" pitchFamily="34" charset="0"/>
+                <a:cs typeface="Segoe UI" pitchFamily="34" charset="0"/>
+              </a:rPr>
+              <a:t>© Microsoft Corporation. All rights reserved. </a:t>
+            </a:r>
+            <a:endParaRPr lang="en-US" sz="400" dirty="0">
+              <a:gradFill>
+                <a:gsLst>
+                  <a:gs pos="0">
+                    <a:schemeClr val="tx1"/>
+                  </a:gs>
+                  <a:gs pos="100000">
+                    <a:schemeClr val="tx1"/>
+                  </a:gs>
+                </a:gsLst>
+                <a:lin ang="5400000" scaled="0"/>
+              </a:gradFill>
+              <a:latin typeface="Segoe UI" pitchFamily="34" charset="0"/>
+              <a:ea typeface="Segoe UI" pitchFamily="34" charset="0"/>
+              <a:cs typeface="Segoe UI" pitchFamily="34" charset="0"/>
+            </a:endParaRPr>
+          </a:p>
+        </p:txBody>
+      </p:sp>
+      <p:sp>
+        <p:nvSpPr>
+          <p:cNvPr id="6" name="Date Placeholder 5"/>
+          <p:cNvSpPr>
+            <a:spLocks noGrp="1"/>
+          </p:cNvSpPr>
+          <p:nvPr>
+            <p:ph type="dt" idx="12"/>
+          </p:nvPr>
+        </p:nvSpPr>
+        <p:spPr/>
+        <p:txBody>
+          <a:bodyPr/>
+          <a:lstStyle/>
+          <a:p>
+            <a:fld id="{196BB360-4395-422C-A729-CB974B278917}" type="datetime8">
+              <a:rPr lang="en-US" smtClean="0"/>
+              <a:t>12/4/2017 11:10 PM</a:t>
+            </a:fld>
+            <a:endParaRPr lang="en-US" dirty="0"/>
+          </a:p>
+        </p:txBody>
+      </p:sp>
+      <p:sp>
+        <p:nvSpPr>
+          <p:cNvPr id="7" name="Slide Number Placeholder 6"/>
+          <p:cNvSpPr>
+            <a:spLocks noGrp="1"/>
+          </p:cNvSpPr>
+          <p:nvPr>
+            <p:ph type="sldNum" sz="quarter" idx="13"/>
+          </p:nvPr>
+        </p:nvSpPr>
+        <p:spPr/>
+        <p:txBody>
+          <a:bodyPr/>
+          <a:lstStyle/>
+          <a:p>
+            <a:fld id="{B4008EB6-D09E-4580-8CD6-DDB14511944F}" type="slidenum">
+              <a:rPr lang="en-US" smtClean="0"/>
+              <a:pPr/>
+              <a:t>11</a:t>
+            </a:fld>
+            <a:endParaRPr lang="en-US" dirty="0"/>
+          </a:p>
+        </p:txBody>
+      </p:sp>
+    </p:spTree>
+    <p:extLst>
+      <p:ext uri="{BB962C8B-B14F-4D97-AF65-F5344CB8AC3E}">
+        <p14:creationId xmlns:p14="http://schemas.microsoft.com/office/powerpoint/2010/main" val="695024352"/>
+      </p:ext>
+    </p:extLst>
+  </p:cSld>
+  <p:clrMapOvr>
+    <a:masterClrMapping/>
+  </p:clrMapOvr>
+</p:notes>
+</file>
+
+<file path=ppt/notesSlides/notesSlide12.xml><?xml version="1.0" encoding="utf-8"?>
+<p:notes xmlns:a="http://schemas.openxmlformats.org/drawingml/2006/main" xmlns:r="http://schemas.openxmlformats.org/officeDocument/2006/relationships" xmlns:p="http://schemas.openxmlformats.org/presentationml/2006/main">
+  <p:cSld>
+    <p:spTree>
+      <p:nvGrpSpPr>
+        <p:cNvPr id="1" name=""/>
+        <p:cNvGrpSpPr/>
+        <p:nvPr/>
+      </p:nvGrpSpPr>
+      <p:grpSpPr>
+        <a:xfrm>
+          <a:off x="0" y="0"/>
+          <a:ext cx="0" cy="0"/>
+          <a:chOff x="0" y="0"/>
+          <a:chExt cx="0" cy="0"/>
+        </a:xfrm>
+      </p:grpSpPr>
+      <p:sp>
+        <p:nvSpPr>
+          <p:cNvPr id="2" name="Slide Image Placeholder 1"/>
+          <p:cNvSpPr>
+            <a:spLocks noGrp="1" noRot="1" noChangeAspect="1"/>
+          </p:cNvSpPr>
+          <p:nvPr>
+            <p:ph type="sldImg"/>
+          </p:nvPr>
+        </p:nvSpPr>
+        <p:spPr/>
+      </p:sp>
+      <p:sp>
+        <p:nvSpPr>
+          <p:cNvPr id="3" name="Notes Placeholder 2"/>
+          <p:cNvSpPr>
+            <a:spLocks noGrp="1"/>
+          </p:cNvSpPr>
+          <p:nvPr>
+            <p:ph type="body" idx="1"/>
+          </p:nvPr>
+        </p:nvSpPr>
+        <p:spPr/>
+        <p:txBody>
+          <a:bodyPr/>
+          <a:lstStyle/>
+          <a:p>
+            <a:endParaRPr lang="en-US"/>
+          </a:p>
+        </p:txBody>
+      </p:sp>
+      <p:sp>
+        <p:nvSpPr>
+          <p:cNvPr id="4" name="Header Placeholder 3"/>
+          <p:cNvSpPr>
+            <a:spLocks noGrp="1"/>
+          </p:cNvSpPr>
+          <p:nvPr>
+            <p:ph type="hdr" sz="quarter" idx="10"/>
+          </p:nvPr>
+        </p:nvSpPr>
+        <p:spPr/>
+        <p:txBody>
+          <a:bodyPr/>
+          <a:lstStyle/>
+          <a:p>
+            <a:endParaRPr lang="en-US" dirty="0"/>
+          </a:p>
+        </p:txBody>
+      </p:sp>
+      <p:sp>
+        <p:nvSpPr>
+          <p:cNvPr id="5" name="Footer Placeholder 4"/>
+          <p:cNvSpPr>
+            <a:spLocks noGrp="1"/>
+          </p:cNvSpPr>
+          <p:nvPr>
+            <p:ph type="ftr" sz="quarter" idx="11"/>
+          </p:nvPr>
+        </p:nvSpPr>
+        <p:spPr/>
+        <p:txBody>
+          <a:bodyPr/>
+          <a:lstStyle/>
+          <a:p>
+            <a:pPr marL="398463" defTabSz="914099" eaLnBrk="0" hangingPunct="0"/>
+            <a:r>
+              <a:rPr lang="en-US" sz="400" smtClean="0">
+                <a:gradFill>
+                  <a:gsLst>
+                    <a:gs pos="0">
+                      <a:schemeClr val="tx1"/>
+                    </a:gs>
+                    <a:gs pos="100000">
+                      <a:schemeClr val="tx1"/>
+                    </a:gs>
+                  </a:gsLst>
+                  <a:lin ang="5400000" scaled="0"/>
+                </a:gradFill>
+                <a:latin typeface="Segoe UI" pitchFamily="34" charset="0"/>
+                <a:ea typeface="Segoe UI" pitchFamily="34" charset="0"/>
+                <a:cs typeface="Segoe UI" pitchFamily="34" charset="0"/>
+              </a:rPr>
+              <a:t>© Microsoft Corporation. All rights reserved. </a:t>
+            </a:r>
+            <a:endParaRPr lang="en-US" sz="400" dirty="0">
+              <a:gradFill>
+                <a:gsLst>
+                  <a:gs pos="0">
+                    <a:schemeClr val="tx1"/>
+                  </a:gs>
+                  <a:gs pos="100000">
+                    <a:schemeClr val="tx1"/>
+                  </a:gs>
+                </a:gsLst>
+                <a:lin ang="5400000" scaled="0"/>
+              </a:gradFill>
+              <a:latin typeface="Segoe UI" pitchFamily="34" charset="0"/>
+              <a:ea typeface="Segoe UI" pitchFamily="34" charset="0"/>
+              <a:cs typeface="Segoe UI" pitchFamily="34" charset="0"/>
+            </a:endParaRPr>
+          </a:p>
+        </p:txBody>
+      </p:sp>
+      <p:sp>
+        <p:nvSpPr>
+          <p:cNvPr id="6" name="Date Placeholder 5"/>
+          <p:cNvSpPr>
+            <a:spLocks noGrp="1"/>
+          </p:cNvSpPr>
+          <p:nvPr>
+            <p:ph type="dt" idx="12"/>
+          </p:nvPr>
+        </p:nvSpPr>
+        <p:spPr/>
+        <p:txBody>
+          <a:bodyPr/>
+          <a:lstStyle/>
+          <a:p>
+            <a:fld id="{196BB360-4395-422C-A729-CB974B278917}" type="datetime8">
+              <a:rPr lang="en-US" smtClean="0"/>
+              <a:t>12/4/2017 11:07 PM</a:t>
+            </a:fld>
+            <a:endParaRPr lang="en-US" dirty="0"/>
+          </a:p>
+        </p:txBody>
+      </p:sp>
+      <p:sp>
+        <p:nvSpPr>
+          <p:cNvPr id="7" name="Slide Number Placeholder 6"/>
+          <p:cNvSpPr>
+            <a:spLocks noGrp="1"/>
+          </p:cNvSpPr>
+          <p:nvPr>
+            <p:ph type="sldNum" sz="quarter" idx="13"/>
+          </p:nvPr>
+        </p:nvSpPr>
+        <p:spPr/>
+        <p:txBody>
+          <a:bodyPr/>
+          <a:lstStyle/>
+          <a:p>
+            <a:fld id="{B4008EB6-D09E-4580-8CD6-DDB14511944F}" type="slidenum">
+              <a:rPr lang="en-US" smtClean="0"/>
+              <a:pPr/>
+              <a:t>12</a:t>
+            </a:fld>
+            <a:endParaRPr lang="en-US" dirty="0"/>
+          </a:p>
+        </p:txBody>
+      </p:sp>
+    </p:spTree>
+    <p:extLst>
+      <p:ext uri="{BB962C8B-B14F-4D97-AF65-F5344CB8AC3E}">
+        <p14:creationId xmlns:p14="http://schemas.microsoft.com/office/powerpoint/2010/main" val="1545624730"/>
+      </p:ext>
+    </p:extLst>
+  </p:cSld>
+  <p:clrMapOvr>
+    <a:masterClrMapping/>
+  </p:clrMapOvr>
+</p:notes>
+</file>
+
+<file path=ppt/notesSlides/notesSlide13.xml><?xml version="1.0" encoding="utf-8"?>
+<p:notes xmlns:a="http://schemas.openxmlformats.org/drawingml/2006/main" xmlns:r="http://schemas.openxmlformats.org/officeDocument/2006/relationships" xmlns:p="http://schemas.openxmlformats.org/presentationml/2006/main">
+  <p:cSld>
+    <p:spTree>
+      <p:nvGrpSpPr>
+        <p:cNvPr id="1" name=""/>
+        <p:cNvGrpSpPr/>
+        <p:nvPr/>
+      </p:nvGrpSpPr>
+      <p:grpSpPr>
+        <a:xfrm>
+          <a:off x="0" y="0"/>
+          <a:ext cx="0" cy="0"/>
+          <a:chOff x="0" y="0"/>
+          <a:chExt cx="0" cy="0"/>
+        </a:xfrm>
+      </p:grpSpPr>
+      <p:sp>
+        <p:nvSpPr>
+          <p:cNvPr id="2" name="Slide Image Placeholder 1"/>
+          <p:cNvSpPr>
+            <a:spLocks noGrp="1" noRot="1" noChangeAspect="1"/>
+          </p:cNvSpPr>
+          <p:nvPr>
+            <p:ph type="sldImg"/>
+          </p:nvPr>
+        </p:nvSpPr>
+        <p:spPr/>
+      </p:sp>
+      <p:sp>
+        <p:nvSpPr>
+          <p:cNvPr id="3" name="Notes Placeholder 2"/>
+          <p:cNvSpPr>
+            <a:spLocks noGrp="1"/>
+          </p:cNvSpPr>
+          <p:nvPr>
+            <p:ph type="body" idx="1"/>
+          </p:nvPr>
+        </p:nvSpPr>
+        <p:spPr/>
+        <p:txBody>
+          <a:bodyPr/>
+          <a:lstStyle/>
+          <a:p>
+            <a:endParaRPr lang="en-US"/>
+          </a:p>
+        </p:txBody>
+      </p:sp>
+      <p:sp>
+        <p:nvSpPr>
+          <p:cNvPr id="4" name="Header Placeholder 3"/>
+          <p:cNvSpPr>
+            <a:spLocks noGrp="1"/>
+          </p:cNvSpPr>
+          <p:nvPr>
+            <p:ph type="hdr" sz="quarter" idx="10"/>
+          </p:nvPr>
+        </p:nvSpPr>
+        <p:spPr/>
+        <p:txBody>
+          <a:bodyPr/>
+          <a:lstStyle/>
+          <a:p>
+            <a:endParaRPr lang="en-US" dirty="0"/>
+          </a:p>
+        </p:txBody>
+      </p:sp>
+      <p:sp>
+        <p:nvSpPr>
+          <p:cNvPr id="5" name="Footer Placeholder 4"/>
+          <p:cNvSpPr>
+            <a:spLocks noGrp="1"/>
+          </p:cNvSpPr>
+          <p:nvPr>
+            <p:ph type="ftr" sz="quarter" idx="11"/>
+          </p:nvPr>
+        </p:nvSpPr>
+        <p:spPr/>
+        <p:txBody>
+          <a:bodyPr/>
+          <a:lstStyle/>
+          <a:p>
+            <a:pPr marL="398463" defTabSz="914099" eaLnBrk="0" hangingPunct="0"/>
+            <a:r>
+              <a:rPr lang="en-US" sz="400" smtClean="0">
+                <a:gradFill>
+                  <a:gsLst>
+                    <a:gs pos="0">
+                      <a:schemeClr val="tx1"/>
+                    </a:gs>
+                    <a:gs pos="100000">
+                      <a:schemeClr val="tx1"/>
+                    </a:gs>
+                  </a:gsLst>
+                  <a:lin ang="5400000" scaled="0"/>
+                </a:gradFill>
+                <a:latin typeface="Segoe UI" pitchFamily="34" charset="0"/>
+                <a:ea typeface="Segoe UI" pitchFamily="34" charset="0"/>
+                <a:cs typeface="Segoe UI" pitchFamily="34" charset="0"/>
+              </a:rPr>
+              <a:t>© Microsoft Corporation. All rights reserved. </a:t>
+            </a:r>
+            <a:endParaRPr lang="en-US" sz="400" dirty="0">
+              <a:gradFill>
+                <a:gsLst>
+                  <a:gs pos="0">
+                    <a:schemeClr val="tx1"/>
+                  </a:gs>
+                  <a:gs pos="100000">
+                    <a:schemeClr val="tx1"/>
+                  </a:gs>
+                </a:gsLst>
+                <a:lin ang="5400000" scaled="0"/>
+              </a:gradFill>
+              <a:latin typeface="Segoe UI" pitchFamily="34" charset="0"/>
+              <a:ea typeface="Segoe UI" pitchFamily="34" charset="0"/>
+              <a:cs typeface="Segoe UI" pitchFamily="34" charset="0"/>
+            </a:endParaRPr>
+          </a:p>
+        </p:txBody>
+      </p:sp>
+      <p:sp>
+        <p:nvSpPr>
+          <p:cNvPr id="6" name="Date Placeholder 5"/>
+          <p:cNvSpPr>
+            <a:spLocks noGrp="1"/>
+          </p:cNvSpPr>
+          <p:nvPr>
+            <p:ph type="dt" idx="12"/>
+          </p:nvPr>
+        </p:nvSpPr>
+        <p:spPr/>
+        <p:txBody>
+          <a:bodyPr/>
+          <a:lstStyle/>
+          <a:p>
+            <a:fld id="{196BB360-4395-422C-A729-CB974B278917}" type="datetime8">
+              <a:rPr lang="en-US" smtClean="0"/>
+              <a:t>12/4/2017 11:07 PM</a:t>
+            </a:fld>
+            <a:endParaRPr lang="en-US" dirty="0"/>
+          </a:p>
+        </p:txBody>
+      </p:sp>
+      <p:sp>
+        <p:nvSpPr>
+          <p:cNvPr id="7" name="Slide Number Placeholder 6"/>
+          <p:cNvSpPr>
+            <a:spLocks noGrp="1"/>
+          </p:cNvSpPr>
+          <p:nvPr>
+            <p:ph type="sldNum" sz="quarter" idx="13"/>
+          </p:nvPr>
+        </p:nvSpPr>
+        <p:spPr/>
+        <p:txBody>
+          <a:bodyPr/>
+          <a:lstStyle/>
+          <a:p>
+            <a:fld id="{B4008EB6-D09E-4580-8CD6-DDB14511944F}" type="slidenum">
+              <a:rPr lang="en-US" smtClean="0"/>
+              <a:pPr/>
+              <a:t>13</a:t>
+            </a:fld>
+            <a:endParaRPr lang="en-US" dirty="0"/>
+          </a:p>
+        </p:txBody>
+      </p:sp>
+    </p:spTree>
+    <p:extLst>
+      <p:ext uri="{BB962C8B-B14F-4D97-AF65-F5344CB8AC3E}">
+        <p14:creationId xmlns:p14="http://schemas.microsoft.com/office/powerpoint/2010/main" val="219489315"/>
+      </p:ext>
+    </p:extLst>
+  </p:cSld>
+  <p:clrMapOvr>
+    <a:masterClrMapping/>
+  </p:clrMapOvr>
+</p:notes>
+</file>
+
+<file path=ppt/notesSlides/notesSlide14.xml><?xml version="1.0" encoding="utf-8"?>
+<p:notes xmlns:a="http://schemas.openxmlformats.org/drawingml/2006/main" xmlns:r="http://schemas.openxmlformats.org/officeDocument/2006/relationships" xmlns:p="http://schemas.openxmlformats.org/presentationml/2006/main">
+  <p:cSld>
+    <p:spTree>
+      <p:nvGrpSpPr>
+        <p:cNvPr id="1" name=""/>
+        <p:cNvGrpSpPr/>
+        <p:nvPr/>
+      </p:nvGrpSpPr>
+      <p:grpSpPr>
+        <a:xfrm>
+          <a:off x="0" y="0"/>
+          <a:ext cx="0" cy="0"/>
+          <a:chOff x="0" y="0"/>
+          <a:chExt cx="0" cy="0"/>
+        </a:xfrm>
+      </p:grpSpPr>
+      <p:sp>
+        <p:nvSpPr>
+          <p:cNvPr id="2" name="Slide Image Placeholder 1"/>
+          <p:cNvSpPr>
+            <a:spLocks noGrp="1" noRot="1" noChangeAspect="1"/>
+          </p:cNvSpPr>
+          <p:nvPr>
+            <p:ph type="sldImg"/>
+          </p:nvPr>
+        </p:nvSpPr>
+        <p:spPr/>
+      </p:sp>
+      <p:sp>
+        <p:nvSpPr>
+          <p:cNvPr id="3" name="Notes Placeholder 2"/>
+          <p:cNvSpPr>
+            <a:spLocks noGrp="1"/>
+          </p:cNvSpPr>
+          <p:nvPr>
+            <p:ph type="body" idx="1"/>
+          </p:nvPr>
+        </p:nvSpPr>
+        <p:spPr/>
+        <p:txBody>
+          <a:bodyPr/>
+          <a:lstStyle/>
+          <a:p>
+            <a:endParaRPr lang="en-US"/>
+          </a:p>
+        </p:txBody>
+      </p:sp>
+      <p:sp>
+        <p:nvSpPr>
+          <p:cNvPr id="4" name="Header Placeholder 3"/>
+          <p:cNvSpPr>
+            <a:spLocks noGrp="1"/>
+          </p:cNvSpPr>
+          <p:nvPr>
+            <p:ph type="hdr" sz="quarter" idx="10"/>
+          </p:nvPr>
+        </p:nvSpPr>
+        <p:spPr/>
+        <p:txBody>
+          <a:bodyPr/>
+          <a:lstStyle/>
+          <a:p>
+            <a:endParaRPr lang="en-US" dirty="0"/>
+          </a:p>
+        </p:txBody>
+      </p:sp>
+      <p:sp>
+        <p:nvSpPr>
+          <p:cNvPr id="5" name="Footer Placeholder 4"/>
+          <p:cNvSpPr>
+            <a:spLocks noGrp="1"/>
+          </p:cNvSpPr>
+          <p:nvPr>
+            <p:ph type="ftr" sz="quarter" idx="11"/>
+          </p:nvPr>
+        </p:nvSpPr>
+        <p:spPr/>
+        <p:txBody>
+          <a:bodyPr/>
+          <a:lstStyle/>
+          <a:p>
+            <a:pPr marL="398463" defTabSz="914099" eaLnBrk="0" hangingPunct="0"/>
+            <a:r>
+              <a:rPr lang="en-US" sz="400" smtClean="0">
+                <a:gradFill>
+                  <a:gsLst>
+                    <a:gs pos="0">
+                      <a:schemeClr val="tx1"/>
+                    </a:gs>
+                    <a:gs pos="100000">
+                      <a:schemeClr val="tx1"/>
+                    </a:gs>
+                  </a:gsLst>
+                  <a:lin ang="5400000" scaled="0"/>
+                </a:gradFill>
+                <a:latin typeface="Segoe UI" pitchFamily="34" charset="0"/>
+                <a:ea typeface="Segoe UI" pitchFamily="34" charset="0"/>
+                <a:cs typeface="Segoe UI" pitchFamily="34" charset="0"/>
+              </a:rPr>
+              <a:t>© Microsoft Corporation. All rights reserved. </a:t>
+            </a:r>
+            <a:endParaRPr lang="en-US" sz="400" dirty="0">
+              <a:gradFill>
+                <a:gsLst>
+                  <a:gs pos="0">
+                    <a:schemeClr val="tx1"/>
+                  </a:gs>
+                  <a:gs pos="100000">
+                    <a:schemeClr val="tx1"/>
+                  </a:gs>
+                </a:gsLst>
+                <a:lin ang="5400000" scaled="0"/>
+              </a:gradFill>
+              <a:latin typeface="Segoe UI" pitchFamily="34" charset="0"/>
+              <a:ea typeface="Segoe UI" pitchFamily="34" charset="0"/>
+              <a:cs typeface="Segoe UI" pitchFamily="34" charset="0"/>
+            </a:endParaRPr>
+          </a:p>
+        </p:txBody>
+      </p:sp>
+      <p:sp>
+        <p:nvSpPr>
+          <p:cNvPr id="6" name="Date Placeholder 5"/>
+          <p:cNvSpPr>
+            <a:spLocks noGrp="1"/>
+          </p:cNvSpPr>
+          <p:nvPr>
+            <p:ph type="dt" idx="12"/>
+          </p:nvPr>
+        </p:nvSpPr>
+        <p:spPr/>
+        <p:txBody>
+          <a:bodyPr/>
+          <a:lstStyle/>
+          <a:p>
+            <a:fld id="{196BB360-4395-422C-A729-CB974B278917}" type="datetime8">
+              <a:rPr lang="en-US" smtClean="0"/>
+              <a:t>12/4/2017 11:07 PM</a:t>
+            </a:fld>
+            <a:endParaRPr lang="en-US" dirty="0"/>
+          </a:p>
+        </p:txBody>
+      </p:sp>
+      <p:sp>
+        <p:nvSpPr>
+          <p:cNvPr id="7" name="Slide Number Placeholder 6"/>
+          <p:cNvSpPr>
+            <a:spLocks noGrp="1"/>
+          </p:cNvSpPr>
+          <p:nvPr>
+            <p:ph type="sldNum" sz="quarter" idx="13"/>
+          </p:nvPr>
+        </p:nvSpPr>
+        <p:spPr/>
+        <p:txBody>
+          <a:bodyPr/>
+          <a:lstStyle/>
+          <a:p>
+            <a:fld id="{B4008EB6-D09E-4580-8CD6-DDB14511944F}" type="slidenum">
+              <a:rPr lang="en-US" smtClean="0"/>
+              <a:pPr/>
+              <a:t>14</a:t>
+            </a:fld>
+            <a:endParaRPr lang="en-US" dirty="0"/>
+          </a:p>
+        </p:txBody>
+      </p:sp>
+    </p:spTree>
+    <p:extLst>
+      <p:ext uri="{BB962C8B-B14F-4D97-AF65-F5344CB8AC3E}">
+        <p14:creationId xmlns:p14="http://schemas.microsoft.com/office/powerpoint/2010/main" val="2277366625"/>
+      </p:ext>
+    </p:extLst>
+  </p:cSld>
+  <p:clrMapOvr>
+    <a:masterClrMapping/>
+  </p:clrMapOvr>
+</p:notes>
+</file>
+
+<file path=ppt/notesSlides/notesSlide15.xml><?xml version="1.0" encoding="utf-8"?>
+<p:notes xmlns:a="http://schemas.openxmlformats.org/drawingml/2006/main" xmlns:r="http://schemas.openxmlformats.org/officeDocument/2006/relationships" xmlns:p="http://schemas.openxmlformats.org/presentationml/2006/main">
+  <p:cSld>
+    <p:spTree>
+      <p:nvGrpSpPr>
+        <p:cNvPr id="1" name=""/>
+        <p:cNvGrpSpPr/>
+        <p:nvPr/>
+      </p:nvGrpSpPr>
+      <p:grpSpPr>
+        <a:xfrm>
+          <a:off x="0" y="0"/>
+          <a:ext cx="0" cy="0"/>
+          <a:chOff x="0" y="0"/>
+          <a:chExt cx="0" cy="0"/>
+        </a:xfrm>
+      </p:grpSpPr>
+      <p:sp>
+        <p:nvSpPr>
+          <p:cNvPr id="2" name="Slide Image Placeholder 1"/>
+          <p:cNvSpPr>
+            <a:spLocks noGrp="1" noRot="1" noChangeAspect="1"/>
+          </p:cNvSpPr>
+          <p:nvPr>
+            <p:ph type="sldImg"/>
+          </p:nvPr>
+        </p:nvSpPr>
+        <p:spPr/>
+      </p:sp>
+      <p:sp>
+        <p:nvSpPr>
+          <p:cNvPr id="3" name="Notes Placeholder 2"/>
+          <p:cNvSpPr>
+            <a:spLocks noGrp="1"/>
+          </p:cNvSpPr>
+          <p:nvPr>
+            <p:ph type="body" idx="1"/>
+          </p:nvPr>
+        </p:nvSpPr>
+        <p:spPr/>
+        <p:txBody>
+          <a:bodyPr/>
+          <a:lstStyle/>
           <a:p>
             <a:r>
               <a:rPr lang="en-US" dirty="0"/>
-              <a:t>	Create an</a:t>
+              <a:t>Open</a:t>
             </a:r>
             <a:r>
               <a:rPr lang="en-US" baseline="0" dirty="0"/>
-              <a:t> OMS portal</a:t>
+              <a:t> azure portal</a:t>
             </a:r>
           </a:p>
           <a:p>
-            <a:endParaRPr lang="en-US" dirty="0"/>
-          </a:p>
-          <a:p>
-            <a:r>
-              <a:rPr lang="en-US" dirty="0"/>
-              <a:t>Open OMS</a:t>
-            </a:r>
-          </a:p>
-          <a:p>
-            <a:r>
-              <a:rPr lang="en-US" dirty="0"/>
-              <a:t>Show</a:t>
-            </a:r>
             <a:r>
               <a:rPr lang="en-US" baseline="0" dirty="0"/>
-              <a:t> dashboard</a:t>
+              <a:t>Show metrics</a:t>
             </a:r>
           </a:p>
           <a:p>
             <a:r>
               <a:rPr lang="en-US" baseline="0" dirty="0"/>
-              <a:t>Add VM to OMS</a:t>
+              <a:t>Show audit logs</a:t>
             </a:r>
           </a:p>
           <a:p>
             <a:r>
               <a:rPr lang="en-US" baseline="0" dirty="0"/>
-              <a:t>Show the solution packs</a:t>
+              <a:t>Show export to storage, event hubs, web hooks</a:t>
             </a:r>
           </a:p>
           <a:p>
-            <a:r>
-              <a:rPr lang="en-US" baseline="0" dirty="0"/>
-              <a:t>Show the search experience</a:t>
-            </a:r>
+            <a:endParaRPr lang="en-US" dirty="0"/>
           </a:p>
         </p:txBody>
       </p:sp>
@@ -9562,7 +10550,7 @@
           <a:p>
             <a:fld id="{196BB360-4395-422C-A729-CB974B278917}" type="datetime8">
               <a:rPr lang="en-US" smtClean="0"/>
-              <a:t>7/12/2017 3:37 PM</a:t>
+              <a:t>12/4/2017 11:07 PM</a:t>
             </a:fld>
             <a:endParaRPr lang="en-US" dirty="0"/>
           </a:p>
@@ -9586,7 +10574,7 @@
             <a:fld id="{B4008EB6-D09E-4580-8CD6-DDB14511944F}" type="slidenum">
               <a:rPr lang="en-US" smtClean="0"/>
               <a:pPr/>
-              <a:t>33</a:t>
+              <a:t>15</a:t>
             </a:fld>
             <a:endParaRPr lang="en-US" dirty="0"/>
           </a:p>
@@ -9595,7 +10583,7 @@
     </p:spTree>
     <p:extLst>
       <p:ext uri="{BB962C8B-B14F-4D97-AF65-F5344CB8AC3E}">
-        <p14:creationId xmlns:p14="http://schemas.microsoft.com/office/powerpoint/2010/main" val="31266704"/>
+        <p14:creationId xmlns:p14="http://schemas.microsoft.com/office/powerpoint/2010/main" val="275843714"/>
       </p:ext>
     </p:extLst>
   </p:cSld>
@@ -9605,7 +10593,7 @@
 </p:notes>
 </file>
 
-<file path=ppt/notesSlides/notesSlide11.xml><?xml version="1.0" encoding="utf-8"?>
+<file path=ppt/notesSlides/notesSlide16.xml><?xml version="1.0" encoding="utf-8"?>
 <p:notes xmlns:a="http://schemas.openxmlformats.org/drawingml/2006/main" xmlns:r="http://schemas.openxmlformats.org/officeDocument/2006/relationships" xmlns:p="http://schemas.openxmlformats.org/presentationml/2006/main">
   <p:cSld>
     <p:spTree>
@@ -9632,12 +10620,7 @@
             <p:ph type="sldImg"/>
           </p:nvPr>
         </p:nvSpPr>
-        <p:spPr>
-          <a:xfrm>
-            <a:off x="381000" y="685800"/>
-            <a:ext cx="6096000" cy="3429000"/>
-          </a:xfrm>
-        </p:spPr>
+        <p:spPr/>
       </p:sp>
       <p:sp>
         <p:nvSpPr>
@@ -9651,12 +10634,10 @@
         </p:nvSpPr>
         <p:spPr/>
         <p:txBody>
-          <a:bodyPr>
-            <a:normAutofit/>
-          </a:bodyPr>
+          <a:bodyPr/>
           <a:lstStyle/>
           <a:p>
-            <a:endParaRPr lang="en-US" dirty="0"/>
+            <a:endParaRPr lang="en-US"/>
           </a:p>
         </p:txBody>
       </p:sp>
@@ -9670,35 +10651,23 @@
             <p:ph type="hdr" sz="quarter" idx="10"/>
           </p:nvPr>
         </p:nvSpPr>
-        <p:spPr>
-          <a:xfrm>
-            <a:off x="0" y="0"/>
-            <a:ext cx="2971800" cy="457200"/>
-          </a:xfrm>
-          <a:prstGeom prst="rect">
-            <a:avLst/>
-          </a:prstGeom>
-        </p:spPr>
+        <p:spPr/>
         <p:txBody>
           <a:bodyPr/>
           <a:lstStyle/>
           <a:p>
-            <a:endParaRPr lang="en-US" dirty="0">
-              <a:solidFill>
-                <a:prstClr val="black"/>
-              </a:solidFill>
-            </a:endParaRPr>
+            <a:endParaRPr lang="en-US" dirty="0"/>
           </a:p>
         </p:txBody>
       </p:sp>
       <p:sp>
         <p:nvSpPr>
-          <p:cNvPr id="5" name="Date Placeholder 4"/>
+          <p:cNvPr id="5" name="Footer Placeholder 4"/>
           <p:cNvSpPr>
             <a:spLocks noGrp="1"/>
           </p:cNvSpPr>
           <p:nvPr>
-            <p:ph type="dt" idx="11"/>
+            <p:ph type="ftr" sz="quarter" idx="11"/>
           </p:nvPr>
         </p:nvSpPr>
         <p:spPr/>
@@ -9706,72 +10675,9 @@
           <a:bodyPr/>
           <a:lstStyle/>
           <a:p>
-            <a:fld id="{D68436A8-437D-4255-9334-1742560317AD}" type="datetime8">
-              <a:rPr lang="en-US" smtClean="0">
-                <a:solidFill>
-                  <a:prstClr val="black"/>
-                </a:solidFill>
-              </a:rPr>
-              <a:t>7/12/2017 3:37 PM</a:t>
-            </a:fld>
-            <a:endParaRPr lang="en-US" dirty="0">
-              <a:solidFill>
-                <a:prstClr val="black"/>
-              </a:solidFill>
-            </a:endParaRPr>
-          </a:p>
-        </p:txBody>
-      </p:sp>
-      <p:sp>
-        <p:nvSpPr>
-          <p:cNvPr id="7" name="Slide Number Placeholder 6"/>
-          <p:cNvSpPr>
-            <a:spLocks noGrp="1"/>
-          </p:cNvSpPr>
-          <p:nvPr>
-            <p:ph type="sldNum" sz="quarter" idx="13"/>
-          </p:nvPr>
-        </p:nvSpPr>
-        <p:spPr/>
-        <p:txBody>
-          <a:bodyPr/>
-          <a:lstStyle/>
-          <a:p>
-            <a:fld id="{EC87E0CF-87F6-4B58-B8B8-DCAB2DAAF3CA}" type="slidenum">
-              <a:rPr lang="en-US" smtClean="0">
-                <a:solidFill>
-                  <a:prstClr val="black"/>
-                </a:solidFill>
-              </a:rPr>
-              <a:pPr/>
-              <a:t>36</a:t>
-            </a:fld>
-            <a:endParaRPr lang="en-US" dirty="0">
-              <a:solidFill>
-                <a:prstClr val="black"/>
-              </a:solidFill>
-            </a:endParaRPr>
-          </a:p>
-        </p:txBody>
-      </p:sp>
-      <p:sp>
-        <p:nvSpPr>
-          <p:cNvPr id="8" name="Footer Placeholder 7"/>
-          <p:cNvSpPr>
-            <a:spLocks noGrp="1"/>
-          </p:cNvSpPr>
-          <p:nvPr>
-            <p:ph type="ftr" sz="quarter" idx="14"/>
-          </p:nvPr>
-        </p:nvSpPr>
-        <p:spPr/>
-        <p:txBody>
-          <a:bodyPr/>
-          <a:lstStyle/>
-          <a:p>
             <a:pPr marL="398463" defTabSz="914099" eaLnBrk="0" hangingPunct="0"/>
             <a:r>
-              <a:rPr lang="en-US" sz="400" dirty="0">
+              <a:rPr lang="en-US" sz="400" smtClean="0">
                 <a:gradFill>
                   <a:gsLst>
                     <a:gs pos="0">
@@ -9789,13 +10695,619 @@
               </a:rPr>
               <a:t>© Microsoft Corporation. All rights reserved. </a:t>
             </a:r>
+            <a:endParaRPr lang="en-US" sz="400" dirty="0">
+              <a:gradFill>
+                <a:gsLst>
+                  <a:gs pos="0">
+                    <a:schemeClr val="tx1"/>
+                  </a:gs>
+                  <a:gs pos="100000">
+                    <a:schemeClr val="tx1"/>
+                  </a:gs>
+                </a:gsLst>
+                <a:lin ang="5400000" scaled="0"/>
+              </a:gradFill>
+              <a:latin typeface="Segoe UI" pitchFamily="34" charset="0"/>
+              <a:ea typeface="Segoe UI" pitchFamily="34" charset="0"/>
+              <a:cs typeface="Segoe UI" pitchFamily="34" charset="0"/>
+            </a:endParaRPr>
+          </a:p>
+        </p:txBody>
+      </p:sp>
+      <p:sp>
+        <p:nvSpPr>
+          <p:cNvPr id="6" name="Date Placeholder 5"/>
+          <p:cNvSpPr>
+            <a:spLocks noGrp="1"/>
+          </p:cNvSpPr>
+          <p:nvPr>
+            <p:ph type="dt" idx="12"/>
+          </p:nvPr>
+        </p:nvSpPr>
+        <p:spPr/>
+        <p:txBody>
+          <a:bodyPr/>
+          <a:lstStyle/>
+          <a:p>
+            <a:fld id="{196BB360-4395-422C-A729-CB974B278917}" type="datetime8">
+              <a:rPr lang="en-US" smtClean="0"/>
+              <a:t>12/4/2017 11:07 PM</a:t>
+            </a:fld>
+            <a:endParaRPr lang="en-US" dirty="0"/>
+          </a:p>
+        </p:txBody>
+      </p:sp>
+      <p:sp>
+        <p:nvSpPr>
+          <p:cNvPr id="7" name="Slide Number Placeholder 6"/>
+          <p:cNvSpPr>
+            <a:spLocks noGrp="1"/>
+          </p:cNvSpPr>
+          <p:nvPr>
+            <p:ph type="sldNum" sz="quarter" idx="13"/>
+          </p:nvPr>
+        </p:nvSpPr>
+        <p:spPr/>
+        <p:txBody>
+          <a:bodyPr/>
+          <a:lstStyle/>
+          <a:p>
+            <a:fld id="{B4008EB6-D09E-4580-8CD6-DDB14511944F}" type="slidenum">
+              <a:rPr lang="en-US" smtClean="0"/>
+              <a:pPr/>
+              <a:t>16</a:t>
+            </a:fld>
+            <a:endParaRPr lang="en-US" dirty="0"/>
           </a:p>
         </p:txBody>
       </p:sp>
     </p:spTree>
     <p:extLst>
       <p:ext uri="{BB962C8B-B14F-4D97-AF65-F5344CB8AC3E}">
-        <p14:creationId xmlns:p14="http://schemas.microsoft.com/office/powerpoint/2010/main" val="295923338"/>
+        <p14:creationId xmlns:p14="http://schemas.microsoft.com/office/powerpoint/2010/main" val="1506481355"/>
+      </p:ext>
+    </p:extLst>
+  </p:cSld>
+  <p:clrMapOvr>
+    <a:masterClrMapping/>
+  </p:clrMapOvr>
+</p:notes>
+</file>
+
+<file path=ppt/notesSlides/notesSlide17.xml><?xml version="1.0" encoding="utf-8"?>
+<p:notes xmlns:a="http://schemas.openxmlformats.org/drawingml/2006/main" xmlns:r="http://schemas.openxmlformats.org/officeDocument/2006/relationships" xmlns:p="http://schemas.openxmlformats.org/presentationml/2006/main">
+  <p:cSld>
+    <p:spTree>
+      <p:nvGrpSpPr>
+        <p:cNvPr id="1" name=""/>
+        <p:cNvGrpSpPr/>
+        <p:nvPr/>
+      </p:nvGrpSpPr>
+      <p:grpSpPr>
+        <a:xfrm>
+          <a:off x="0" y="0"/>
+          <a:ext cx="0" cy="0"/>
+          <a:chOff x="0" y="0"/>
+          <a:chExt cx="0" cy="0"/>
+        </a:xfrm>
+      </p:grpSpPr>
+      <p:sp>
+        <p:nvSpPr>
+          <p:cNvPr id="2" name="Slide Image Placeholder 1"/>
+          <p:cNvSpPr>
+            <a:spLocks noGrp="1" noRot="1" noChangeAspect="1"/>
+          </p:cNvSpPr>
+          <p:nvPr>
+            <p:ph type="sldImg"/>
+          </p:nvPr>
+        </p:nvSpPr>
+        <p:spPr/>
+      </p:sp>
+      <p:sp>
+        <p:nvSpPr>
+          <p:cNvPr id="3" name="Notes Placeholder 2"/>
+          <p:cNvSpPr>
+            <a:spLocks noGrp="1"/>
+          </p:cNvSpPr>
+          <p:nvPr>
+            <p:ph type="body" idx="1"/>
+          </p:nvPr>
+        </p:nvSpPr>
+        <p:spPr/>
+        <p:txBody>
+          <a:bodyPr/>
+          <a:lstStyle/>
+          <a:p>
+            <a:endParaRPr lang="en-US"/>
+          </a:p>
+        </p:txBody>
+      </p:sp>
+      <p:sp>
+        <p:nvSpPr>
+          <p:cNvPr id="4" name="Header Placeholder 3"/>
+          <p:cNvSpPr>
+            <a:spLocks noGrp="1"/>
+          </p:cNvSpPr>
+          <p:nvPr>
+            <p:ph type="hdr" sz="quarter" idx="10"/>
+          </p:nvPr>
+        </p:nvSpPr>
+        <p:spPr/>
+        <p:txBody>
+          <a:bodyPr/>
+          <a:lstStyle/>
+          <a:p>
+            <a:endParaRPr lang="en-US" dirty="0"/>
+          </a:p>
+        </p:txBody>
+      </p:sp>
+      <p:sp>
+        <p:nvSpPr>
+          <p:cNvPr id="5" name="Footer Placeholder 4"/>
+          <p:cNvSpPr>
+            <a:spLocks noGrp="1"/>
+          </p:cNvSpPr>
+          <p:nvPr>
+            <p:ph type="ftr" sz="quarter" idx="11"/>
+          </p:nvPr>
+        </p:nvSpPr>
+        <p:spPr/>
+        <p:txBody>
+          <a:bodyPr/>
+          <a:lstStyle/>
+          <a:p>
+            <a:pPr marL="398463" defTabSz="914099" eaLnBrk="0" hangingPunct="0"/>
+            <a:r>
+              <a:rPr lang="en-US" sz="400" smtClean="0">
+                <a:gradFill>
+                  <a:gsLst>
+                    <a:gs pos="0">
+                      <a:schemeClr val="tx1"/>
+                    </a:gs>
+                    <a:gs pos="100000">
+                      <a:schemeClr val="tx1"/>
+                    </a:gs>
+                  </a:gsLst>
+                  <a:lin ang="5400000" scaled="0"/>
+                </a:gradFill>
+                <a:latin typeface="Segoe UI" pitchFamily="34" charset="0"/>
+                <a:ea typeface="Segoe UI" pitchFamily="34" charset="0"/>
+                <a:cs typeface="Segoe UI" pitchFamily="34" charset="0"/>
+              </a:rPr>
+              <a:t>© Microsoft Corporation. All rights reserved. </a:t>
+            </a:r>
+            <a:endParaRPr lang="en-US" sz="400" dirty="0">
+              <a:gradFill>
+                <a:gsLst>
+                  <a:gs pos="0">
+                    <a:schemeClr val="tx1"/>
+                  </a:gs>
+                  <a:gs pos="100000">
+                    <a:schemeClr val="tx1"/>
+                  </a:gs>
+                </a:gsLst>
+                <a:lin ang="5400000" scaled="0"/>
+              </a:gradFill>
+              <a:latin typeface="Segoe UI" pitchFamily="34" charset="0"/>
+              <a:ea typeface="Segoe UI" pitchFamily="34" charset="0"/>
+              <a:cs typeface="Segoe UI" pitchFamily="34" charset="0"/>
+            </a:endParaRPr>
+          </a:p>
+        </p:txBody>
+      </p:sp>
+      <p:sp>
+        <p:nvSpPr>
+          <p:cNvPr id="6" name="Date Placeholder 5"/>
+          <p:cNvSpPr>
+            <a:spLocks noGrp="1"/>
+          </p:cNvSpPr>
+          <p:nvPr>
+            <p:ph type="dt" idx="12"/>
+          </p:nvPr>
+        </p:nvSpPr>
+        <p:spPr/>
+        <p:txBody>
+          <a:bodyPr/>
+          <a:lstStyle/>
+          <a:p>
+            <a:fld id="{196BB360-4395-422C-A729-CB974B278917}" type="datetime8">
+              <a:rPr lang="en-US" smtClean="0"/>
+              <a:t>12/4/2017 11:07 PM</a:t>
+            </a:fld>
+            <a:endParaRPr lang="en-US" dirty="0"/>
+          </a:p>
+        </p:txBody>
+      </p:sp>
+      <p:sp>
+        <p:nvSpPr>
+          <p:cNvPr id="7" name="Slide Number Placeholder 6"/>
+          <p:cNvSpPr>
+            <a:spLocks noGrp="1"/>
+          </p:cNvSpPr>
+          <p:nvPr>
+            <p:ph type="sldNum" sz="quarter" idx="13"/>
+          </p:nvPr>
+        </p:nvSpPr>
+        <p:spPr/>
+        <p:txBody>
+          <a:bodyPr/>
+          <a:lstStyle/>
+          <a:p>
+            <a:fld id="{B4008EB6-D09E-4580-8CD6-DDB14511944F}" type="slidenum">
+              <a:rPr lang="en-US" smtClean="0"/>
+              <a:pPr/>
+              <a:t>17</a:t>
+            </a:fld>
+            <a:endParaRPr lang="en-US" dirty="0"/>
+          </a:p>
+        </p:txBody>
+      </p:sp>
+    </p:spTree>
+    <p:extLst>
+      <p:ext uri="{BB962C8B-B14F-4D97-AF65-F5344CB8AC3E}">
+        <p14:creationId xmlns:p14="http://schemas.microsoft.com/office/powerpoint/2010/main" val="2824410838"/>
+      </p:ext>
+    </p:extLst>
+  </p:cSld>
+  <p:clrMapOvr>
+    <a:masterClrMapping/>
+  </p:clrMapOvr>
+</p:notes>
+</file>
+
+<file path=ppt/notesSlides/notesSlide18.xml><?xml version="1.0" encoding="utf-8"?>
+<p:notes xmlns:a="http://schemas.openxmlformats.org/drawingml/2006/main" xmlns:r="http://schemas.openxmlformats.org/officeDocument/2006/relationships" xmlns:p="http://schemas.openxmlformats.org/presentationml/2006/main">
+  <p:cSld>
+    <p:spTree>
+      <p:nvGrpSpPr>
+        <p:cNvPr id="1" name=""/>
+        <p:cNvGrpSpPr/>
+        <p:nvPr/>
+      </p:nvGrpSpPr>
+      <p:grpSpPr>
+        <a:xfrm>
+          <a:off x="0" y="0"/>
+          <a:ext cx="0" cy="0"/>
+          <a:chOff x="0" y="0"/>
+          <a:chExt cx="0" cy="0"/>
+        </a:xfrm>
+      </p:grpSpPr>
+      <p:sp>
+        <p:nvSpPr>
+          <p:cNvPr id="2" name="Slide Image Placeholder 1"/>
+          <p:cNvSpPr>
+            <a:spLocks noGrp="1" noRot="1" noChangeAspect="1"/>
+          </p:cNvSpPr>
+          <p:nvPr>
+            <p:ph type="sldImg"/>
+          </p:nvPr>
+        </p:nvSpPr>
+        <p:spPr/>
+      </p:sp>
+      <p:sp>
+        <p:nvSpPr>
+          <p:cNvPr id="3" name="Notes Placeholder 2"/>
+          <p:cNvSpPr>
+            <a:spLocks noGrp="1"/>
+          </p:cNvSpPr>
+          <p:nvPr>
+            <p:ph type="body" idx="1"/>
+          </p:nvPr>
+        </p:nvSpPr>
+        <p:spPr/>
+        <p:txBody>
+          <a:bodyPr/>
+          <a:lstStyle/>
+          <a:p>
+            <a:endParaRPr lang="en-US"/>
+          </a:p>
+        </p:txBody>
+      </p:sp>
+      <p:sp>
+        <p:nvSpPr>
+          <p:cNvPr id="4" name="Header Placeholder 3"/>
+          <p:cNvSpPr>
+            <a:spLocks noGrp="1"/>
+          </p:cNvSpPr>
+          <p:nvPr>
+            <p:ph type="hdr" sz="quarter" idx="10"/>
+          </p:nvPr>
+        </p:nvSpPr>
+        <p:spPr/>
+        <p:txBody>
+          <a:bodyPr/>
+          <a:lstStyle/>
+          <a:p>
+            <a:endParaRPr lang="en-US" dirty="0"/>
+          </a:p>
+        </p:txBody>
+      </p:sp>
+      <p:sp>
+        <p:nvSpPr>
+          <p:cNvPr id="5" name="Footer Placeholder 4"/>
+          <p:cNvSpPr>
+            <a:spLocks noGrp="1"/>
+          </p:cNvSpPr>
+          <p:nvPr>
+            <p:ph type="ftr" sz="quarter" idx="11"/>
+          </p:nvPr>
+        </p:nvSpPr>
+        <p:spPr/>
+        <p:txBody>
+          <a:bodyPr/>
+          <a:lstStyle/>
+          <a:p>
+            <a:pPr marL="398463" defTabSz="914099" eaLnBrk="0" hangingPunct="0"/>
+            <a:r>
+              <a:rPr lang="en-US" sz="400" smtClean="0">
+                <a:gradFill>
+                  <a:gsLst>
+                    <a:gs pos="0">
+                      <a:schemeClr val="tx1"/>
+                    </a:gs>
+                    <a:gs pos="100000">
+                      <a:schemeClr val="tx1"/>
+                    </a:gs>
+                  </a:gsLst>
+                  <a:lin ang="5400000" scaled="0"/>
+                </a:gradFill>
+                <a:latin typeface="Segoe UI" pitchFamily="34" charset="0"/>
+                <a:ea typeface="Segoe UI" pitchFamily="34" charset="0"/>
+                <a:cs typeface="Segoe UI" pitchFamily="34" charset="0"/>
+              </a:rPr>
+              <a:t>© Microsoft Corporation. All rights reserved. </a:t>
+            </a:r>
+            <a:endParaRPr lang="en-US" sz="400" dirty="0">
+              <a:gradFill>
+                <a:gsLst>
+                  <a:gs pos="0">
+                    <a:schemeClr val="tx1"/>
+                  </a:gs>
+                  <a:gs pos="100000">
+                    <a:schemeClr val="tx1"/>
+                  </a:gs>
+                </a:gsLst>
+                <a:lin ang="5400000" scaled="0"/>
+              </a:gradFill>
+              <a:latin typeface="Segoe UI" pitchFamily="34" charset="0"/>
+              <a:ea typeface="Segoe UI" pitchFamily="34" charset="0"/>
+              <a:cs typeface="Segoe UI" pitchFamily="34" charset="0"/>
+            </a:endParaRPr>
+          </a:p>
+        </p:txBody>
+      </p:sp>
+      <p:sp>
+        <p:nvSpPr>
+          <p:cNvPr id="6" name="Date Placeholder 5"/>
+          <p:cNvSpPr>
+            <a:spLocks noGrp="1"/>
+          </p:cNvSpPr>
+          <p:nvPr>
+            <p:ph type="dt" idx="12"/>
+          </p:nvPr>
+        </p:nvSpPr>
+        <p:spPr/>
+        <p:txBody>
+          <a:bodyPr/>
+          <a:lstStyle/>
+          <a:p>
+            <a:fld id="{196BB360-4395-422C-A729-CB974B278917}" type="datetime8">
+              <a:rPr lang="en-US" smtClean="0"/>
+              <a:t>12/4/2017 11:07 PM</a:t>
+            </a:fld>
+            <a:endParaRPr lang="en-US" dirty="0"/>
+          </a:p>
+        </p:txBody>
+      </p:sp>
+      <p:sp>
+        <p:nvSpPr>
+          <p:cNvPr id="7" name="Slide Number Placeholder 6"/>
+          <p:cNvSpPr>
+            <a:spLocks noGrp="1"/>
+          </p:cNvSpPr>
+          <p:nvPr>
+            <p:ph type="sldNum" sz="quarter" idx="13"/>
+          </p:nvPr>
+        </p:nvSpPr>
+        <p:spPr/>
+        <p:txBody>
+          <a:bodyPr/>
+          <a:lstStyle/>
+          <a:p>
+            <a:fld id="{B4008EB6-D09E-4580-8CD6-DDB14511944F}" type="slidenum">
+              <a:rPr lang="en-US" smtClean="0"/>
+              <a:pPr/>
+              <a:t>18</a:t>
+            </a:fld>
+            <a:endParaRPr lang="en-US" dirty="0"/>
+          </a:p>
+        </p:txBody>
+      </p:sp>
+    </p:spTree>
+    <p:extLst>
+      <p:ext uri="{BB962C8B-B14F-4D97-AF65-F5344CB8AC3E}">
+        <p14:creationId xmlns:p14="http://schemas.microsoft.com/office/powerpoint/2010/main" val="787496616"/>
+      </p:ext>
+    </p:extLst>
+  </p:cSld>
+  <p:clrMapOvr>
+    <a:masterClrMapping/>
+  </p:clrMapOvr>
+</p:notes>
+</file>
+
+<file path=ppt/notesSlides/notesSlide19.xml><?xml version="1.0" encoding="utf-8"?>
+<p:notes xmlns:a="http://schemas.openxmlformats.org/drawingml/2006/main" xmlns:r="http://schemas.openxmlformats.org/officeDocument/2006/relationships" xmlns:p="http://schemas.openxmlformats.org/presentationml/2006/main">
+  <p:cSld>
+    <p:spTree>
+      <p:nvGrpSpPr>
+        <p:cNvPr id="1" name=""/>
+        <p:cNvGrpSpPr/>
+        <p:nvPr/>
+      </p:nvGrpSpPr>
+      <p:grpSpPr>
+        <a:xfrm>
+          <a:off x="0" y="0"/>
+          <a:ext cx="0" cy="0"/>
+          <a:chOff x="0" y="0"/>
+          <a:chExt cx="0" cy="0"/>
+        </a:xfrm>
+      </p:grpSpPr>
+      <p:sp>
+        <p:nvSpPr>
+          <p:cNvPr id="2" name="Slide Image Placeholder 1"/>
+          <p:cNvSpPr>
+            <a:spLocks noGrp="1" noRot="1" noChangeAspect="1"/>
+          </p:cNvSpPr>
+          <p:nvPr>
+            <p:ph type="sldImg"/>
+          </p:nvPr>
+        </p:nvSpPr>
+        <p:spPr/>
+      </p:sp>
+      <p:sp>
+        <p:nvSpPr>
+          <p:cNvPr id="3" name="Notes Placeholder 2"/>
+          <p:cNvSpPr>
+            <a:spLocks noGrp="1"/>
+          </p:cNvSpPr>
+          <p:nvPr>
+            <p:ph type="body" idx="1"/>
+          </p:nvPr>
+        </p:nvSpPr>
+        <p:spPr/>
+        <p:txBody>
+          <a:bodyPr/>
+          <a:lstStyle/>
+          <a:p>
+            <a:endParaRPr lang="en-US"/>
+          </a:p>
+        </p:txBody>
+      </p:sp>
+      <p:sp>
+        <p:nvSpPr>
+          <p:cNvPr id="4" name="Header Placeholder 3"/>
+          <p:cNvSpPr>
+            <a:spLocks noGrp="1"/>
+          </p:cNvSpPr>
+          <p:nvPr>
+            <p:ph type="hdr" sz="quarter" idx="10"/>
+          </p:nvPr>
+        </p:nvSpPr>
+        <p:spPr/>
+        <p:txBody>
+          <a:bodyPr/>
+          <a:lstStyle/>
+          <a:p>
+            <a:endParaRPr lang="en-US" dirty="0"/>
+          </a:p>
+        </p:txBody>
+      </p:sp>
+      <p:sp>
+        <p:nvSpPr>
+          <p:cNvPr id="5" name="Footer Placeholder 4"/>
+          <p:cNvSpPr>
+            <a:spLocks noGrp="1"/>
+          </p:cNvSpPr>
+          <p:nvPr>
+            <p:ph type="ftr" sz="quarter" idx="11"/>
+          </p:nvPr>
+        </p:nvSpPr>
+        <p:spPr/>
+        <p:txBody>
+          <a:bodyPr/>
+          <a:lstStyle/>
+          <a:p>
+            <a:pPr marL="398463" defTabSz="914099" eaLnBrk="0" hangingPunct="0"/>
+            <a:r>
+              <a:rPr lang="en-US" sz="400" smtClean="0">
+                <a:gradFill>
+                  <a:gsLst>
+                    <a:gs pos="0">
+                      <a:schemeClr val="tx1"/>
+                    </a:gs>
+                    <a:gs pos="100000">
+                      <a:schemeClr val="tx1"/>
+                    </a:gs>
+                  </a:gsLst>
+                  <a:lin ang="5400000" scaled="0"/>
+                </a:gradFill>
+                <a:latin typeface="Segoe UI" pitchFamily="34" charset="0"/>
+                <a:ea typeface="Segoe UI" pitchFamily="34" charset="0"/>
+                <a:cs typeface="Segoe UI" pitchFamily="34" charset="0"/>
+              </a:rPr>
+              <a:t>© Microsoft Corporation. All rights reserved. </a:t>
+            </a:r>
+            <a:endParaRPr lang="en-US" sz="400" dirty="0">
+              <a:gradFill>
+                <a:gsLst>
+                  <a:gs pos="0">
+                    <a:schemeClr val="tx1"/>
+                  </a:gs>
+                  <a:gs pos="100000">
+                    <a:schemeClr val="tx1"/>
+                  </a:gs>
+                </a:gsLst>
+                <a:lin ang="5400000" scaled="0"/>
+              </a:gradFill>
+              <a:latin typeface="Segoe UI" pitchFamily="34" charset="0"/>
+              <a:ea typeface="Segoe UI" pitchFamily="34" charset="0"/>
+              <a:cs typeface="Segoe UI" pitchFamily="34" charset="0"/>
+            </a:endParaRPr>
+          </a:p>
+        </p:txBody>
+      </p:sp>
+      <p:sp>
+        <p:nvSpPr>
+          <p:cNvPr id="6" name="Date Placeholder 5"/>
+          <p:cNvSpPr>
+            <a:spLocks noGrp="1"/>
+          </p:cNvSpPr>
+          <p:nvPr>
+            <p:ph type="dt" idx="12"/>
+          </p:nvPr>
+        </p:nvSpPr>
+        <p:spPr/>
+        <p:txBody>
+          <a:bodyPr/>
+          <a:lstStyle/>
+          <a:p>
+            <a:fld id="{196BB360-4395-422C-A729-CB974B278917}" type="datetime8">
+              <a:rPr lang="en-US" smtClean="0"/>
+              <a:t>12/4/2017 11:07 PM</a:t>
+            </a:fld>
+            <a:endParaRPr lang="en-US" dirty="0"/>
+          </a:p>
+        </p:txBody>
+      </p:sp>
+      <p:sp>
+        <p:nvSpPr>
+          <p:cNvPr id="7" name="Slide Number Placeholder 6"/>
+          <p:cNvSpPr>
+            <a:spLocks noGrp="1"/>
+          </p:cNvSpPr>
+          <p:nvPr>
+            <p:ph type="sldNum" sz="quarter" idx="13"/>
+          </p:nvPr>
+        </p:nvSpPr>
+        <p:spPr/>
+        <p:txBody>
+          <a:bodyPr/>
+          <a:lstStyle/>
+          <a:p>
+            <a:fld id="{B4008EB6-D09E-4580-8CD6-DDB14511944F}" type="slidenum">
+              <a:rPr lang="en-US" smtClean="0"/>
+              <a:pPr/>
+              <a:t>19</a:t>
+            </a:fld>
+            <a:endParaRPr lang="en-US" dirty="0"/>
+          </a:p>
+        </p:txBody>
+      </p:sp>
+    </p:spTree>
+    <p:extLst>
+      <p:ext uri="{BB962C8B-B14F-4D97-AF65-F5344CB8AC3E}">
+        <p14:creationId xmlns:p14="http://schemas.microsoft.com/office/powerpoint/2010/main" val="2383518800"/>
       </p:ext>
     </p:extLst>
   </p:cSld>
@@ -9849,10 +11361,188 @@
           <a:bodyPr/>
           <a:lstStyle/>
           <a:p>
+            <a:endParaRPr lang="en-US"/>
+          </a:p>
+        </p:txBody>
+      </p:sp>
+      <p:sp>
+        <p:nvSpPr>
+          <p:cNvPr id="4" name="Header Placeholder 3"/>
+          <p:cNvSpPr>
+            <a:spLocks noGrp="1"/>
+          </p:cNvSpPr>
+          <p:nvPr>
+            <p:ph type="hdr" sz="quarter" idx="10"/>
+          </p:nvPr>
+        </p:nvSpPr>
+        <p:spPr/>
+        <p:txBody>
+          <a:bodyPr/>
+          <a:lstStyle/>
+          <a:p>
+            <a:endParaRPr lang="en-US" dirty="0"/>
+          </a:p>
+        </p:txBody>
+      </p:sp>
+      <p:sp>
+        <p:nvSpPr>
+          <p:cNvPr id="5" name="Footer Placeholder 4"/>
+          <p:cNvSpPr>
+            <a:spLocks noGrp="1"/>
+          </p:cNvSpPr>
+          <p:nvPr>
+            <p:ph type="ftr" sz="quarter" idx="11"/>
+          </p:nvPr>
+        </p:nvSpPr>
+        <p:spPr/>
+        <p:txBody>
+          <a:bodyPr/>
+          <a:lstStyle/>
+          <a:p>
+            <a:pPr marL="398463" defTabSz="914099" eaLnBrk="0" hangingPunct="0"/>
             <a:r>
-              <a:rPr lang="en-US" dirty="0"/>
-              <a:t>https://azure.microsoft.com/en-us/documentation/articles/monitoring-supported-metrics/</a:t>
+              <a:rPr lang="en-US" sz="400" smtClean="0">
+                <a:gradFill>
+                  <a:gsLst>
+                    <a:gs pos="0">
+                      <a:schemeClr val="tx1"/>
+                    </a:gs>
+                    <a:gs pos="100000">
+                      <a:schemeClr val="tx1"/>
+                    </a:gs>
+                  </a:gsLst>
+                  <a:lin ang="5400000" scaled="0"/>
+                </a:gradFill>
+                <a:latin typeface="Segoe UI" pitchFamily="34" charset="0"/>
+                <a:ea typeface="Segoe UI" pitchFamily="34" charset="0"/>
+                <a:cs typeface="Segoe UI" pitchFamily="34" charset="0"/>
+              </a:rPr>
+              <a:t>© Microsoft Corporation. All rights reserved. </a:t>
             </a:r>
+            <a:endParaRPr lang="en-US" sz="400" dirty="0">
+              <a:gradFill>
+                <a:gsLst>
+                  <a:gs pos="0">
+                    <a:schemeClr val="tx1"/>
+                  </a:gs>
+                  <a:gs pos="100000">
+                    <a:schemeClr val="tx1"/>
+                  </a:gs>
+                </a:gsLst>
+                <a:lin ang="5400000" scaled="0"/>
+              </a:gradFill>
+              <a:latin typeface="Segoe UI" pitchFamily="34" charset="0"/>
+              <a:ea typeface="Segoe UI" pitchFamily="34" charset="0"/>
+              <a:cs typeface="Segoe UI" pitchFamily="34" charset="0"/>
+            </a:endParaRPr>
+          </a:p>
+        </p:txBody>
+      </p:sp>
+      <p:sp>
+        <p:nvSpPr>
+          <p:cNvPr id="6" name="Date Placeholder 5"/>
+          <p:cNvSpPr>
+            <a:spLocks noGrp="1"/>
+          </p:cNvSpPr>
+          <p:nvPr>
+            <p:ph type="dt" idx="12"/>
+          </p:nvPr>
+        </p:nvSpPr>
+        <p:spPr/>
+        <p:txBody>
+          <a:bodyPr/>
+          <a:lstStyle/>
+          <a:p>
+            <a:fld id="{196BB360-4395-422C-A729-CB974B278917}" type="datetime8">
+              <a:rPr lang="en-US" smtClean="0"/>
+              <a:t>12/4/2017 11:07 PM</a:t>
+            </a:fld>
+            <a:endParaRPr lang="en-US" dirty="0"/>
+          </a:p>
+        </p:txBody>
+      </p:sp>
+      <p:sp>
+        <p:nvSpPr>
+          <p:cNvPr id="7" name="Slide Number Placeholder 6"/>
+          <p:cNvSpPr>
+            <a:spLocks noGrp="1"/>
+          </p:cNvSpPr>
+          <p:nvPr>
+            <p:ph type="sldNum" sz="quarter" idx="13"/>
+          </p:nvPr>
+        </p:nvSpPr>
+        <p:spPr/>
+        <p:txBody>
+          <a:bodyPr/>
+          <a:lstStyle/>
+          <a:p>
+            <a:fld id="{B4008EB6-D09E-4580-8CD6-DDB14511944F}" type="slidenum">
+              <a:rPr lang="en-US" smtClean="0"/>
+              <a:pPr/>
+              <a:t>2</a:t>
+            </a:fld>
+            <a:endParaRPr lang="en-US" dirty="0"/>
+          </a:p>
+        </p:txBody>
+      </p:sp>
+    </p:spTree>
+    <p:extLst>
+      <p:ext uri="{BB962C8B-B14F-4D97-AF65-F5344CB8AC3E}">
+        <p14:creationId xmlns:p14="http://schemas.microsoft.com/office/powerpoint/2010/main" val="2373244705"/>
+      </p:ext>
+    </p:extLst>
+  </p:cSld>
+  <p:clrMapOvr>
+    <a:masterClrMapping/>
+  </p:clrMapOvr>
+</p:notes>
+</file>
+
+<file path=ppt/notesSlides/notesSlide20.xml><?xml version="1.0" encoding="utf-8"?>
+<p:notes xmlns:a="http://schemas.openxmlformats.org/drawingml/2006/main" xmlns:r="http://schemas.openxmlformats.org/officeDocument/2006/relationships" xmlns:p="http://schemas.openxmlformats.org/presentationml/2006/main">
+  <p:cSld>
+    <p:spTree>
+      <p:nvGrpSpPr>
+        <p:cNvPr id="1" name=""/>
+        <p:cNvGrpSpPr/>
+        <p:nvPr/>
+      </p:nvGrpSpPr>
+      <p:grpSpPr>
+        <a:xfrm>
+          <a:off x="0" y="0"/>
+          <a:ext cx="0" cy="0"/>
+          <a:chOff x="0" y="0"/>
+          <a:chExt cx="0" cy="0"/>
+        </a:xfrm>
+      </p:grpSpPr>
+      <p:sp>
+        <p:nvSpPr>
+          <p:cNvPr id="2" name="Slide Image Placeholder 1"/>
+          <p:cNvSpPr>
+            <a:spLocks noGrp="1" noRot="1" noChangeAspect="1"/>
+          </p:cNvSpPr>
+          <p:nvPr>
+            <p:ph type="sldImg"/>
+          </p:nvPr>
+        </p:nvSpPr>
+        <p:spPr/>
+      </p:sp>
+      <p:sp>
+        <p:nvSpPr>
+          <p:cNvPr id="3" name="Notes Placeholder 2"/>
+          <p:cNvSpPr>
+            <a:spLocks noGrp="1"/>
+          </p:cNvSpPr>
+          <p:nvPr>
+            <p:ph type="body" idx="1"/>
+          </p:nvPr>
+        </p:nvSpPr>
+        <p:spPr/>
+        <p:txBody>
+          <a:bodyPr/>
+          <a:lstStyle/>
+          <a:p>
+            <a:endParaRPr lang="en-US" dirty="0"/>
           </a:p>
         </p:txBody>
       </p:sp>
@@ -9930,7 +11620,7 @@
           <a:p>
             <a:fld id="{196BB360-4395-422C-A729-CB974B278917}" type="datetime8">
               <a:rPr lang="en-US" smtClean="0"/>
-              <a:t>7/12/2017 3:37 PM</a:t>
+              <a:t>12/4/2017 11:07 PM</a:t>
             </a:fld>
             <a:endParaRPr lang="en-US" dirty="0"/>
           </a:p>
@@ -9954,7 +11644,7 @@
             <a:fld id="{B4008EB6-D09E-4580-8CD6-DDB14511944F}" type="slidenum">
               <a:rPr lang="en-US" smtClean="0"/>
               <a:pPr/>
-              <a:t>6</a:t>
+              <a:t>20</a:t>
             </a:fld>
             <a:endParaRPr lang="en-US" dirty="0"/>
           </a:p>
@@ -9963,7 +11653,1647 @@
     </p:spTree>
     <p:extLst>
       <p:ext uri="{BB962C8B-B14F-4D97-AF65-F5344CB8AC3E}">
-        <p14:creationId xmlns:p14="http://schemas.microsoft.com/office/powerpoint/2010/main" val="2439115678"/>
+        <p14:creationId xmlns:p14="http://schemas.microsoft.com/office/powerpoint/2010/main" val="705200883"/>
+      </p:ext>
+    </p:extLst>
+  </p:cSld>
+  <p:clrMapOvr>
+    <a:masterClrMapping/>
+  </p:clrMapOvr>
+</p:notes>
+</file>
+
+<file path=ppt/notesSlides/notesSlide21.xml><?xml version="1.0" encoding="utf-8"?>
+<p:notes xmlns:a="http://schemas.openxmlformats.org/drawingml/2006/main" xmlns:r="http://schemas.openxmlformats.org/officeDocument/2006/relationships" xmlns:p="http://schemas.openxmlformats.org/presentationml/2006/main">
+  <p:cSld>
+    <p:spTree>
+      <p:nvGrpSpPr>
+        <p:cNvPr id="1" name=""/>
+        <p:cNvGrpSpPr/>
+        <p:nvPr/>
+      </p:nvGrpSpPr>
+      <p:grpSpPr>
+        <a:xfrm>
+          <a:off x="0" y="0"/>
+          <a:ext cx="0" cy="0"/>
+          <a:chOff x="0" y="0"/>
+          <a:chExt cx="0" cy="0"/>
+        </a:xfrm>
+      </p:grpSpPr>
+      <p:sp>
+        <p:nvSpPr>
+          <p:cNvPr id="2" name="Slide Image Placeholder 1"/>
+          <p:cNvSpPr>
+            <a:spLocks noGrp="1" noRot="1" noChangeAspect="1"/>
+          </p:cNvSpPr>
+          <p:nvPr>
+            <p:ph type="sldImg"/>
+          </p:nvPr>
+        </p:nvSpPr>
+        <p:spPr/>
+      </p:sp>
+      <p:sp>
+        <p:nvSpPr>
+          <p:cNvPr id="3" name="Notes Placeholder 2"/>
+          <p:cNvSpPr>
+            <a:spLocks noGrp="1"/>
+          </p:cNvSpPr>
+          <p:nvPr>
+            <p:ph type="body" idx="1"/>
+          </p:nvPr>
+        </p:nvSpPr>
+        <p:spPr/>
+        <p:txBody>
+          <a:bodyPr/>
+          <a:lstStyle/>
+          <a:p>
+            <a:r>
+              <a:rPr lang="en-US" dirty="0"/>
+              <a:t>https://azure.microsoft.com/en-us/documentation/articles/app-insights-sampling</a:t>
+            </a:r>
+          </a:p>
+        </p:txBody>
+      </p:sp>
+      <p:sp>
+        <p:nvSpPr>
+          <p:cNvPr id="4" name="Header Placeholder 3"/>
+          <p:cNvSpPr>
+            <a:spLocks noGrp="1"/>
+          </p:cNvSpPr>
+          <p:nvPr>
+            <p:ph type="hdr" sz="quarter" idx="10"/>
+          </p:nvPr>
+        </p:nvSpPr>
+        <p:spPr/>
+        <p:txBody>
+          <a:bodyPr/>
+          <a:lstStyle/>
+          <a:p>
+            <a:endParaRPr lang="en-US" dirty="0"/>
+          </a:p>
+        </p:txBody>
+      </p:sp>
+      <p:sp>
+        <p:nvSpPr>
+          <p:cNvPr id="5" name="Footer Placeholder 4"/>
+          <p:cNvSpPr>
+            <a:spLocks noGrp="1"/>
+          </p:cNvSpPr>
+          <p:nvPr>
+            <p:ph type="ftr" sz="quarter" idx="11"/>
+          </p:nvPr>
+        </p:nvSpPr>
+        <p:spPr/>
+        <p:txBody>
+          <a:bodyPr/>
+          <a:lstStyle/>
+          <a:p>
+            <a:pPr marL="398463" defTabSz="914099" eaLnBrk="0" hangingPunct="0"/>
+            <a:r>
+              <a:rPr lang="en-US" sz="400" dirty="0">
+                <a:gradFill>
+                  <a:gsLst>
+                    <a:gs pos="0">
+                      <a:schemeClr val="tx1"/>
+                    </a:gs>
+                    <a:gs pos="100000">
+                      <a:schemeClr val="tx1"/>
+                    </a:gs>
+                  </a:gsLst>
+                  <a:lin ang="5400000" scaled="0"/>
+                </a:gradFill>
+                <a:latin typeface="Segoe UI" pitchFamily="34" charset="0"/>
+                <a:ea typeface="Segoe UI" pitchFamily="34" charset="0"/>
+                <a:cs typeface="Segoe UI" pitchFamily="34" charset="0"/>
+              </a:rPr>
+              <a:t>© Microsoft Corporation. All rights reserved. </a:t>
+            </a:r>
+          </a:p>
+        </p:txBody>
+      </p:sp>
+      <p:sp>
+        <p:nvSpPr>
+          <p:cNvPr id="6" name="Date Placeholder 5"/>
+          <p:cNvSpPr>
+            <a:spLocks noGrp="1"/>
+          </p:cNvSpPr>
+          <p:nvPr>
+            <p:ph type="dt" idx="12"/>
+          </p:nvPr>
+        </p:nvSpPr>
+        <p:spPr/>
+        <p:txBody>
+          <a:bodyPr/>
+          <a:lstStyle/>
+          <a:p>
+            <a:fld id="{196BB360-4395-422C-A729-CB974B278917}" type="datetime8">
+              <a:rPr lang="en-US" smtClean="0"/>
+              <a:t>12/4/2017 11:07 PM</a:t>
+            </a:fld>
+            <a:endParaRPr lang="en-US" dirty="0"/>
+          </a:p>
+        </p:txBody>
+      </p:sp>
+      <p:sp>
+        <p:nvSpPr>
+          <p:cNvPr id="7" name="Slide Number Placeholder 6"/>
+          <p:cNvSpPr>
+            <a:spLocks noGrp="1"/>
+          </p:cNvSpPr>
+          <p:nvPr>
+            <p:ph type="sldNum" sz="quarter" idx="13"/>
+          </p:nvPr>
+        </p:nvSpPr>
+        <p:spPr/>
+        <p:txBody>
+          <a:bodyPr/>
+          <a:lstStyle/>
+          <a:p>
+            <a:fld id="{B4008EB6-D09E-4580-8CD6-DDB14511944F}" type="slidenum">
+              <a:rPr lang="en-US" smtClean="0"/>
+              <a:pPr/>
+              <a:t>21</a:t>
+            </a:fld>
+            <a:endParaRPr lang="en-US" dirty="0"/>
+          </a:p>
+        </p:txBody>
+      </p:sp>
+    </p:spTree>
+    <p:extLst>
+      <p:ext uri="{BB962C8B-B14F-4D97-AF65-F5344CB8AC3E}">
+        <p14:creationId xmlns:p14="http://schemas.microsoft.com/office/powerpoint/2010/main" val="3332181897"/>
+      </p:ext>
+    </p:extLst>
+  </p:cSld>
+  <p:clrMapOvr>
+    <a:masterClrMapping/>
+  </p:clrMapOvr>
+</p:notes>
+</file>
+
+<file path=ppt/notesSlides/notesSlide22.xml><?xml version="1.0" encoding="utf-8"?>
+<p:notes xmlns:a="http://schemas.openxmlformats.org/drawingml/2006/main" xmlns:r="http://schemas.openxmlformats.org/officeDocument/2006/relationships" xmlns:p="http://schemas.openxmlformats.org/presentationml/2006/main">
+  <p:cSld>
+    <p:spTree>
+      <p:nvGrpSpPr>
+        <p:cNvPr id="1" name=""/>
+        <p:cNvGrpSpPr/>
+        <p:nvPr/>
+      </p:nvGrpSpPr>
+      <p:grpSpPr>
+        <a:xfrm>
+          <a:off x="0" y="0"/>
+          <a:ext cx="0" cy="0"/>
+          <a:chOff x="0" y="0"/>
+          <a:chExt cx="0" cy="0"/>
+        </a:xfrm>
+      </p:grpSpPr>
+      <p:sp>
+        <p:nvSpPr>
+          <p:cNvPr id="2" name="Slide Image Placeholder 1"/>
+          <p:cNvSpPr>
+            <a:spLocks noGrp="1" noRot="1" noChangeAspect="1"/>
+          </p:cNvSpPr>
+          <p:nvPr>
+            <p:ph type="sldImg"/>
+          </p:nvPr>
+        </p:nvSpPr>
+        <p:spPr/>
+      </p:sp>
+      <p:sp>
+        <p:nvSpPr>
+          <p:cNvPr id="3" name="Notes Placeholder 2"/>
+          <p:cNvSpPr>
+            <a:spLocks noGrp="1"/>
+          </p:cNvSpPr>
+          <p:nvPr>
+            <p:ph type="body" idx="1"/>
+          </p:nvPr>
+        </p:nvSpPr>
+        <p:spPr/>
+        <p:txBody>
+          <a:bodyPr/>
+          <a:lstStyle/>
+          <a:p>
+            <a:endParaRPr lang="en-US"/>
+          </a:p>
+        </p:txBody>
+      </p:sp>
+      <p:sp>
+        <p:nvSpPr>
+          <p:cNvPr id="4" name="Header Placeholder 3"/>
+          <p:cNvSpPr>
+            <a:spLocks noGrp="1"/>
+          </p:cNvSpPr>
+          <p:nvPr>
+            <p:ph type="hdr" sz="quarter" idx="10"/>
+          </p:nvPr>
+        </p:nvSpPr>
+        <p:spPr/>
+        <p:txBody>
+          <a:bodyPr/>
+          <a:lstStyle/>
+          <a:p>
+            <a:endParaRPr lang="en-US" dirty="0"/>
+          </a:p>
+        </p:txBody>
+      </p:sp>
+      <p:sp>
+        <p:nvSpPr>
+          <p:cNvPr id="5" name="Footer Placeholder 4"/>
+          <p:cNvSpPr>
+            <a:spLocks noGrp="1"/>
+          </p:cNvSpPr>
+          <p:nvPr>
+            <p:ph type="ftr" sz="quarter" idx="11"/>
+          </p:nvPr>
+        </p:nvSpPr>
+        <p:spPr/>
+        <p:txBody>
+          <a:bodyPr/>
+          <a:lstStyle/>
+          <a:p>
+            <a:pPr marL="398463" defTabSz="914099" eaLnBrk="0" hangingPunct="0"/>
+            <a:r>
+              <a:rPr lang="en-US" sz="400" smtClean="0">
+                <a:gradFill>
+                  <a:gsLst>
+                    <a:gs pos="0">
+                      <a:schemeClr val="tx1"/>
+                    </a:gs>
+                    <a:gs pos="100000">
+                      <a:schemeClr val="tx1"/>
+                    </a:gs>
+                  </a:gsLst>
+                  <a:lin ang="5400000" scaled="0"/>
+                </a:gradFill>
+                <a:latin typeface="Segoe UI" pitchFamily="34" charset="0"/>
+                <a:ea typeface="Segoe UI" pitchFamily="34" charset="0"/>
+                <a:cs typeface="Segoe UI" pitchFamily="34" charset="0"/>
+              </a:rPr>
+              <a:t>© Microsoft Corporation. All rights reserved. </a:t>
+            </a:r>
+            <a:endParaRPr lang="en-US" sz="400" dirty="0">
+              <a:gradFill>
+                <a:gsLst>
+                  <a:gs pos="0">
+                    <a:schemeClr val="tx1"/>
+                  </a:gs>
+                  <a:gs pos="100000">
+                    <a:schemeClr val="tx1"/>
+                  </a:gs>
+                </a:gsLst>
+                <a:lin ang="5400000" scaled="0"/>
+              </a:gradFill>
+              <a:latin typeface="Segoe UI" pitchFamily="34" charset="0"/>
+              <a:ea typeface="Segoe UI" pitchFamily="34" charset="0"/>
+              <a:cs typeface="Segoe UI" pitchFamily="34" charset="0"/>
+            </a:endParaRPr>
+          </a:p>
+        </p:txBody>
+      </p:sp>
+      <p:sp>
+        <p:nvSpPr>
+          <p:cNvPr id="6" name="Date Placeholder 5"/>
+          <p:cNvSpPr>
+            <a:spLocks noGrp="1"/>
+          </p:cNvSpPr>
+          <p:nvPr>
+            <p:ph type="dt" idx="12"/>
+          </p:nvPr>
+        </p:nvSpPr>
+        <p:spPr/>
+        <p:txBody>
+          <a:bodyPr/>
+          <a:lstStyle/>
+          <a:p>
+            <a:fld id="{196BB360-4395-422C-A729-CB974B278917}" type="datetime8">
+              <a:rPr lang="en-US" smtClean="0"/>
+              <a:t>12/4/2017 11:07 PM</a:t>
+            </a:fld>
+            <a:endParaRPr lang="en-US" dirty="0"/>
+          </a:p>
+        </p:txBody>
+      </p:sp>
+      <p:sp>
+        <p:nvSpPr>
+          <p:cNvPr id="7" name="Slide Number Placeholder 6"/>
+          <p:cNvSpPr>
+            <a:spLocks noGrp="1"/>
+          </p:cNvSpPr>
+          <p:nvPr>
+            <p:ph type="sldNum" sz="quarter" idx="13"/>
+          </p:nvPr>
+        </p:nvSpPr>
+        <p:spPr/>
+        <p:txBody>
+          <a:bodyPr/>
+          <a:lstStyle/>
+          <a:p>
+            <a:fld id="{B4008EB6-D09E-4580-8CD6-DDB14511944F}" type="slidenum">
+              <a:rPr lang="en-US" smtClean="0"/>
+              <a:pPr/>
+              <a:t>22</a:t>
+            </a:fld>
+            <a:endParaRPr lang="en-US" dirty="0"/>
+          </a:p>
+        </p:txBody>
+      </p:sp>
+    </p:spTree>
+    <p:extLst>
+      <p:ext uri="{BB962C8B-B14F-4D97-AF65-F5344CB8AC3E}">
+        <p14:creationId xmlns:p14="http://schemas.microsoft.com/office/powerpoint/2010/main" val="420570327"/>
+      </p:ext>
+    </p:extLst>
+  </p:cSld>
+  <p:clrMapOvr>
+    <a:masterClrMapping/>
+  </p:clrMapOvr>
+</p:notes>
+</file>
+
+<file path=ppt/notesSlides/notesSlide23.xml><?xml version="1.0" encoding="utf-8"?>
+<p:notes xmlns:a="http://schemas.openxmlformats.org/drawingml/2006/main" xmlns:r="http://schemas.openxmlformats.org/officeDocument/2006/relationships" xmlns:p="http://schemas.openxmlformats.org/presentationml/2006/main">
+  <p:cSld>
+    <p:spTree>
+      <p:nvGrpSpPr>
+        <p:cNvPr id="1" name=""/>
+        <p:cNvGrpSpPr/>
+        <p:nvPr/>
+      </p:nvGrpSpPr>
+      <p:grpSpPr>
+        <a:xfrm>
+          <a:off x="0" y="0"/>
+          <a:ext cx="0" cy="0"/>
+          <a:chOff x="0" y="0"/>
+          <a:chExt cx="0" cy="0"/>
+        </a:xfrm>
+      </p:grpSpPr>
+      <p:sp>
+        <p:nvSpPr>
+          <p:cNvPr id="2" name="Slide Image Placeholder 1"/>
+          <p:cNvSpPr>
+            <a:spLocks noGrp="1" noRot="1" noChangeAspect="1"/>
+          </p:cNvSpPr>
+          <p:nvPr>
+            <p:ph type="sldImg"/>
+          </p:nvPr>
+        </p:nvSpPr>
+        <p:spPr/>
+      </p:sp>
+      <p:sp>
+        <p:nvSpPr>
+          <p:cNvPr id="3" name="Notes Placeholder 2"/>
+          <p:cNvSpPr>
+            <a:spLocks noGrp="1"/>
+          </p:cNvSpPr>
+          <p:nvPr>
+            <p:ph type="body" idx="1"/>
+          </p:nvPr>
+        </p:nvSpPr>
+        <p:spPr/>
+        <p:txBody>
+          <a:bodyPr/>
+          <a:lstStyle/>
+          <a:p>
+            <a:endParaRPr lang="en-US"/>
+          </a:p>
+        </p:txBody>
+      </p:sp>
+      <p:sp>
+        <p:nvSpPr>
+          <p:cNvPr id="4" name="Header Placeholder 3"/>
+          <p:cNvSpPr>
+            <a:spLocks noGrp="1"/>
+          </p:cNvSpPr>
+          <p:nvPr>
+            <p:ph type="hdr" sz="quarter" idx="10"/>
+          </p:nvPr>
+        </p:nvSpPr>
+        <p:spPr/>
+        <p:txBody>
+          <a:bodyPr/>
+          <a:lstStyle/>
+          <a:p>
+            <a:endParaRPr lang="en-US" dirty="0"/>
+          </a:p>
+        </p:txBody>
+      </p:sp>
+      <p:sp>
+        <p:nvSpPr>
+          <p:cNvPr id="5" name="Footer Placeholder 4"/>
+          <p:cNvSpPr>
+            <a:spLocks noGrp="1"/>
+          </p:cNvSpPr>
+          <p:nvPr>
+            <p:ph type="ftr" sz="quarter" idx="11"/>
+          </p:nvPr>
+        </p:nvSpPr>
+        <p:spPr/>
+        <p:txBody>
+          <a:bodyPr/>
+          <a:lstStyle/>
+          <a:p>
+            <a:pPr marL="398463" defTabSz="914099" eaLnBrk="0" hangingPunct="0"/>
+            <a:r>
+              <a:rPr lang="en-US" sz="400" smtClean="0">
+                <a:gradFill>
+                  <a:gsLst>
+                    <a:gs pos="0">
+                      <a:schemeClr val="tx1"/>
+                    </a:gs>
+                    <a:gs pos="100000">
+                      <a:schemeClr val="tx1"/>
+                    </a:gs>
+                  </a:gsLst>
+                  <a:lin ang="5400000" scaled="0"/>
+                </a:gradFill>
+                <a:latin typeface="Segoe UI" pitchFamily="34" charset="0"/>
+                <a:ea typeface="Segoe UI" pitchFamily="34" charset="0"/>
+                <a:cs typeface="Segoe UI" pitchFamily="34" charset="0"/>
+              </a:rPr>
+              <a:t>© Microsoft Corporation. All rights reserved. </a:t>
+            </a:r>
+            <a:endParaRPr lang="en-US" sz="400" dirty="0">
+              <a:gradFill>
+                <a:gsLst>
+                  <a:gs pos="0">
+                    <a:schemeClr val="tx1"/>
+                  </a:gs>
+                  <a:gs pos="100000">
+                    <a:schemeClr val="tx1"/>
+                  </a:gs>
+                </a:gsLst>
+                <a:lin ang="5400000" scaled="0"/>
+              </a:gradFill>
+              <a:latin typeface="Segoe UI" pitchFamily="34" charset="0"/>
+              <a:ea typeface="Segoe UI" pitchFamily="34" charset="0"/>
+              <a:cs typeface="Segoe UI" pitchFamily="34" charset="0"/>
+            </a:endParaRPr>
+          </a:p>
+        </p:txBody>
+      </p:sp>
+      <p:sp>
+        <p:nvSpPr>
+          <p:cNvPr id="6" name="Date Placeholder 5"/>
+          <p:cNvSpPr>
+            <a:spLocks noGrp="1"/>
+          </p:cNvSpPr>
+          <p:nvPr>
+            <p:ph type="dt" idx="12"/>
+          </p:nvPr>
+        </p:nvSpPr>
+        <p:spPr/>
+        <p:txBody>
+          <a:bodyPr/>
+          <a:lstStyle/>
+          <a:p>
+            <a:fld id="{196BB360-4395-422C-A729-CB974B278917}" type="datetime8">
+              <a:rPr lang="en-US" smtClean="0"/>
+              <a:t>12/4/2017 11:07 PM</a:t>
+            </a:fld>
+            <a:endParaRPr lang="en-US" dirty="0"/>
+          </a:p>
+        </p:txBody>
+      </p:sp>
+      <p:sp>
+        <p:nvSpPr>
+          <p:cNvPr id="7" name="Slide Number Placeholder 6"/>
+          <p:cNvSpPr>
+            <a:spLocks noGrp="1"/>
+          </p:cNvSpPr>
+          <p:nvPr>
+            <p:ph type="sldNum" sz="quarter" idx="13"/>
+          </p:nvPr>
+        </p:nvSpPr>
+        <p:spPr/>
+        <p:txBody>
+          <a:bodyPr/>
+          <a:lstStyle/>
+          <a:p>
+            <a:fld id="{B4008EB6-D09E-4580-8CD6-DDB14511944F}" type="slidenum">
+              <a:rPr lang="en-US" smtClean="0"/>
+              <a:pPr/>
+              <a:t>23</a:t>
+            </a:fld>
+            <a:endParaRPr lang="en-US" dirty="0"/>
+          </a:p>
+        </p:txBody>
+      </p:sp>
+    </p:spTree>
+    <p:extLst>
+      <p:ext uri="{BB962C8B-B14F-4D97-AF65-F5344CB8AC3E}">
+        <p14:creationId xmlns:p14="http://schemas.microsoft.com/office/powerpoint/2010/main" val="3063269165"/>
+      </p:ext>
+    </p:extLst>
+  </p:cSld>
+  <p:clrMapOvr>
+    <a:masterClrMapping/>
+  </p:clrMapOvr>
+</p:notes>
+</file>
+
+<file path=ppt/notesSlides/notesSlide24.xml><?xml version="1.0" encoding="utf-8"?>
+<p:notes xmlns:a="http://schemas.openxmlformats.org/drawingml/2006/main" xmlns:r="http://schemas.openxmlformats.org/officeDocument/2006/relationships" xmlns:p="http://schemas.openxmlformats.org/presentationml/2006/main">
+  <p:cSld>
+    <p:spTree>
+      <p:nvGrpSpPr>
+        <p:cNvPr id="1" name=""/>
+        <p:cNvGrpSpPr/>
+        <p:nvPr/>
+      </p:nvGrpSpPr>
+      <p:grpSpPr>
+        <a:xfrm>
+          <a:off x="0" y="0"/>
+          <a:ext cx="0" cy="0"/>
+          <a:chOff x="0" y="0"/>
+          <a:chExt cx="0" cy="0"/>
+        </a:xfrm>
+      </p:grpSpPr>
+      <p:sp>
+        <p:nvSpPr>
+          <p:cNvPr id="2" name="Slide Image Placeholder 1"/>
+          <p:cNvSpPr>
+            <a:spLocks noGrp="1" noRot="1" noChangeAspect="1"/>
+          </p:cNvSpPr>
+          <p:nvPr>
+            <p:ph type="sldImg"/>
+          </p:nvPr>
+        </p:nvSpPr>
+        <p:spPr/>
+      </p:sp>
+      <p:sp>
+        <p:nvSpPr>
+          <p:cNvPr id="3" name="Notes Placeholder 2"/>
+          <p:cNvSpPr>
+            <a:spLocks noGrp="1"/>
+          </p:cNvSpPr>
+          <p:nvPr>
+            <p:ph type="body" idx="1"/>
+          </p:nvPr>
+        </p:nvSpPr>
+        <p:spPr/>
+        <p:txBody>
+          <a:bodyPr/>
+          <a:lstStyle/>
+          <a:p>
+            <a:r>
+              <a:rPr lang="en-US" dirty="0"/>
+              <a:t>Show</a:t>
+            </a:r>
+            <a:r>
+              <a:rPr lang="en-US" baseline="0" dirty="0"/>
+              <a:t> app insights resource</a:t>
+            </a:r>
+          </a:p>
+          <a:p>
+            <a:r>
+              <a:rPr lang="en-US" baseline="0" dirty="0"/>
+              <a:t>Show .NET with live site capabilities</a:t>
+            </a:r>
+          </a:p>
+          <a:p>
+            <a:r>
+              <a:rPr lang="en-US" baseline="0" dirty="0"/>
+              <a:t>Show  web test</a:t>
+            </a:r>
+            <a:endParaRPr lang="en-US" dirty="0"/>
+          </a:p>
+        </p:txBody>
+      </p:sp>
+      <p:sp>
+        <p:nvSpPr>
+          <p:cNvPr id="4" name="Header Placeholder 3"/>
+          <p:cNvSpPr>
+            <a:spLocks noGrp="1"/>
+          </p:cNvSpPr>
+          <p:nvPr>
+            <p:ph type="hdr" sz="quarter" idx="10"/>
+          </p:nvPr>
+        </p:nvSpPr>
+        <p:spPr/>
+        <p:txBody>
+          <a:bodyPr/>
+          <a:lstStyle/>
+          <a:p>
+            <a:endParaRPr lang="en-US" dirty="0"/>
+          </a:p>
+        </p:txBody>
+      </p:sp>
+      <p:sp>
+        <p:nvSpPr>
+          <p:cNvPr id="5" name="Footer Placeholder 4"/>
+          <p:cNvSpPr>
+            <a:spLocks noGrp="1"/>
+          </p:cNvSpPr>
+          <p:nvPr>
+            <p:ph type="ftr" sz="quarter" idx="11"/>
+          </p:nvPr>
+        </p:nvSpPr>
+        <p:spPr/>
+        <p:txBody>
+          <a:bodyPr/>
+          <a:lstStyle/>
+          <a:p>
+            <a:pPr marL="398463" defTabSz="914099" eaLnBrk="0" hangingPunct="0"/>
+            <a:r>
+              <a:rPr lang="en-US" sz="400">
+                <a:gradFill>
+                  <a:gsLst>
+                    <a:gs pos="0">
+                      <a:schemeClr val="tx1"/>
+                    </a:gs>
+                    <a:gs pos="100000">
+                      <a:schemeClr val="tx1"/>
+                    </a:gs>
+                  </a:gsLst>
+                  <a:lin ang="5400000" scaled="0"/>
+                </a:gradFill>
+                <a:latin typeface="Segoe UI" pitchFamily="34" charset="0"/>
+                <a:ea typeface="Segoe UI" pitchFamily="34" charset="0"/>
+                <a:cs typeface="Segoe UI" pitchFamily="34" charset="0"/>
+              </a:rPr>
+              <a:t>© Microsoft Corporation. All rights reserved. </a:t>
+            </a:r>
+            <a:endParaRPr lang="en-US" sz="400" dirty="0">
+              <a:gradFill>
+                <a:gsLst>
+                  <a:gs pos="0">
+                    <a:schemeClr val="tx1"/>
+                  </a:gs>
+                  <a:gs pos="100000">
+                    <a:schemeClr val="tx1"/>
+                  </a:gs>
+                </a:gsLst>
+                <a:lin ang="5400000" scaled="0"/>
+              </a:gradFill>
+              <a:latin typeface="Segoe UI" pitchFamily="34" charset="0"/>
+              <a:ea typeface="Segoe UI" pitchFamily="34" charset="0"/>
+              <a:cs typeface="Segoe UI" pitchFamily="34" charset="0"/>
+            </a:endParaRPr>
+          </a:p>
+        </p:txBody>
+      </p:sp>
+      <p:sp>
+        <p:nvSpPr>
+          <p:cNvPr id="6" name="Date Placeholder 5"/>
+          <p:cNvSpPr>
+            <a:spLocks noGrp="1"/>
+          </p:cNvSpPr>
+          <p:nvPr>
+            <p:ph type="dt" idx="12"/>
+          </p:nvPr>
+        </p:nvSpPr>
+        <p:spPr/>
+        <p:txBody>
+          <a:bodyPr/>
+          <a:lstStyle/>
+          <a:p>
+            <a:fld id="{196BB360-4395-422C-A729-CB974B278917}" type="datetime8">
+              <a:rPr lang="en-US" smtClean="0"/>
+              <a:t>12/4/2017 11:07 PM</a:t>
+            </a:fld>
+            <a:endParaRPr lang="en-US" dirty="0"/>
+          </a:p>
+        </p:txBody>
+      </p:sp>
+      <p:sp>
+        <p:nvSpPr>
+          <p:cNvPr id="7" name="Slide Number Placeholder 6"/>
+          <p:cNvSpPr>
+            <a:spLocks noGrp="1"/>
+          </p:cNvSpPr>
+          <p:nvPr>
+            <p:ph type="sldNum" sz="quarter" idx="13"/>
+          </p:nvPr>
+        </p:nvSpPr>
+        <p:spPr/>
+        <p:txBody>
+          <a:bodyPr/>
+          <a:lstStyle/>
+          <a:p>
+            <a:fld id="{B4008EB6-D09E-4580-8CD6-DDB14511944F}" type="slidenum">
+              <a:rPr lang="en-US" smtClean="0"/>
+              <a:pPr/>
+              <a:t>24</a:t>
+            </a:fld>
+            <a:endParaRPr lang="en-US" dirty="0"/>
+          </a:p>
+        </p:txBody>
+      </p:sp>
+    </p:spTree>
+    <p:extLst>
+      <p:ext uri="{BB962C8B-B14F-4D97-AF65-F5344CB8AC3E}">
+        <p14:creationId xmlns:p14="http://schemas.microsoft.com/office/powerpoint/2010/main" val="2320199116"/>
+      </p:ext>
+    </p:extLst>
+  </p:cSld>
+  <p:clrMapOvr>
+    <a:masterClrMapping/>
+  </p:clrMapOvr>
+</p:notes>
+</file>
+
+<file path=ppt/notesSlides/notesSlide25.xml><?xml version="1.0" encoding="utf-8"?>
+<p:notes xmlns:a="http://schemas.openxmlformats.org/drawingml/2006/main" xmlns:r="http://schemas.openxmlformats.org/officeDocument/2006/relationships" xmlns:p="http://schemas.openxmlformats.org/presentationml/2006/main">
+  <p:cSld>
+    <p:spTree>
+      <p:nvGrpSpPr>
+        <p:cNvPr id="1" name=""/>
+        <p:cNvGrpSpPr/>
+        <p:nvPr/>
+      </p:nvGrpSpPr>
+      <p:grpSpPr>
+        <a:xfrm>
+          <a:off x="0" y="0"/>
+          <a:ext cx="0" cy="0"/>
+          <a:chOff x="0" y="0"/>
+          <a:chExt cx="0" cy="0"/>
+        </a:xfrm>
+      </p:grpSpPr>
+      <p:sp>
+        <p:nvSpPr>
+          <p:cNvPr id="2" name="Slide Image Placeholder 1"/>
+          <p:cNvSpPr>
+            <a:spLocks noGrp="1" noRot="1" noChangeAspect="1"/>
+          </p:cNvSpPr>
+          <p:nvPr>
+            <p:ph type="sldImg"/>
+          </p:nvPr>
+        </p:nvSpPr>
+        <p:spPr/>
+      </p:sp>
+      <p:sp>
+        <p:nvSpPr>
+          <p:cNvPr id="3" name="Notes Placeholder 2"/>
+          <p:cNvSpPr>
+            <a:spLocks noGrp="1"/>
+          </p:cNvSpPr>
+          <p:nvPr>
+            <p:ph type="body" idx="1"/>
+          </p:nvPr>
+        </p:nvSpPr>
+        <p:spPr/>
+        <p:txBody>
+          <a:bodyPr/>
+          <a:lstStyle/>
+          <a:p>
+            <a:endParaRPr lang="en-US" dirty="0"/>
+          </a:p>
+        </p:txBody>
+      </p:sp>
+      <p:sp>
+        <p:nvSpPr>
+          <p:cNvPr id="4" name="Header Placeholder 3"/>
+          <p:cNvSpPr>
+            <a:spLocks noGrp="1"/>
+          </p:cNvSpPr>
+          <p:nvPr>
+            <p:ph type="hdr" sz="quarter" idx="10"/>
+          </p:nvPr>
+        </p:nvSpPr>
+        <p:spPr/>
+        <p:txBody>
+          <a:bodyPr/>
+          <a:lstStyle/>
+          <a:p>
+            <a:r>
+              <a:rPr lang="en-US"/>
+              <a:t>Microsoft Ignite 2015</a:t>
+            </a:r>
+            <a:endParaRPr lang="en-US" dirty="0"/>
+          </a:p>
+        </p:txBody>
+      </p:sp>
+      <p:sp>
+        <p:nvSpPr>
+          <p:cNvPr id="5" name="Footer Placeholder 4"/>
+          <p:cNvSpPr>
+            <a:spLocks noGrp="1"/>
+          </p:cNvSpPr>
+          <p:nvPr>
+            <p:ph type="ftr" sz="quarter" idx="11"/>
+          </p:nvPr>
+        </p:nvSpPr>
+        <p:spPr/>
+        <p:txBody>
+          <a:bodyPr/>
+          <a:lstStyle/>
+          <a:p>
+            <a:pPr defTabSz="914099" eaLnBrk="0" hangingPunct="0"/>
+            <a:r>
+              <a:rPr lang="en-US" sz="400">
+                <a:gradFill>
+                  <a:gsLst>
+                    <a:gs pos="0">
+                      <a:prstClr val="black"/>
+                    </a:gs>
+                    <a:gs pos="100000">
+                      <a:prstClr val="black"/>
+                    </a:gs>
+                  </a:gsLst>
+                  <a:lin ang="5400000" scaled="0"/>
+                </a:gradFill>
+                <a:latin typeface="Segoe UI" pitchFamily="34" charset="0"/>
+                <a:ea typeface="Segoe UI" pitchFamily="34" charset="0"/>
+                <a:cs typeface="Segoe UI" pitchFamily="34" charset="0"/>
+              </a:rPr>
+              <a:t>© 2015 Microsoft Corporation. All rights reserved. MICROSOFT MAKES NO WARRANTIES, EXPRESS, IMPLIED OR STATUTORY, AS TO THE INFORMATION IN THIS PRESENTATION.</a:t>
+            </a:r>
+            <a:endParaRPr lang="en-US" sz="400" dirty="0">
+              <a:gradFill>
+                <a:gsLst>
+                  <a:gs pos="0">
+                    <a:prstClr val="black"/>
+                  </a:gs>
+                  <a:gs pos="100000">
+                    <a:prstClr val="black"/>
+                  </a:gs>
+                </a:gsLst>
+                <a:lin ang="5400000" scaled="0"/>
+              </a:gradFill>
+              <a:latin typeface="Segoe UI" pitchFamily="34" charset="0"/>
+              <a:ea typeface="Segoe UI" pitchFamily="34" charset="0"/>
+              <a:cs typeface="Segoe UI" pitchFamily="34" charset="0"/>
+            </a:endParaRPr>
+          </a:p>
+        </p:txBody>
+      </p:sp>
+      <p:sp>
+        <p:nvSpPr>
+          <p:cNvPr id="6" name="Date Placeholder 5"/>
+          <p:cNvSpPr>
+            <a:spLocks noGrp="1"/>
+          </p:cNvSpPr>
+          <p:nvPr>
+            <p:ph type="dt" idx="12"/>
+          </p:nvPr>
+        </p:nvSpPr>
+        <p:spPr/>
+        <p:txBody>
+          <a:bodyPr/>
+          <a:lstStyle/>
+          <a:p>
+            <a:fld id="{38EEC551-8CDA-4EB6-89BB-2A86C9F091C8}" type="datetime8">
+              <a:rPr lang="en-US" smtClean="0"/>
+              <a:t>12/4/2017 11:07 PM</a:t>
+            </a:fld>
+            <a:endParaRPr lang="en-US" dirty="0"/>
+          </a:p>
+        </p:txBody>
+      </p:sp>
+      <p:sp>
+        <p:nvSpPr>
+          <p:cNvPr id="7" name="Slide Number Placeholder 6"/>
+          <p:cNvSpPr>
+            <a:spLocks noGrp="1"/>
+          </p:cNvSpPr>
+          <p:nvPr>
+            <p:ph type="sldNum" sz="quarter" idx="13"/>
+          </p:nvPr>
+        </p:nvSpPr>
+        <p:spPr/>
+        <p:txBody>
+          <a:bodyPr/>
+          <a:lstStyle/>
+          <a:p>
+            <a:fld id="{B4008EB6-D09E-4580-8CD6-DDB14511944F}" type="slidenum">
+              <a:rPr lang="en-US" smtClean="0"/>
+              <a:pPr/>
+              <a:t>25</a:t>
+            </a:fld>
+            <a:endParaRPr lang="en-US" dirty="0"/>
+          </a:p>
+        </p:txBody>
+      </p:sp>
+    </p:spTree>
+    <p:extLst>
+      <p:ext uri="{BB962C8B-B14F-4D97-AF65-F5344CB8AC3E}">
+        <p14:creationId xmlns:p14="http://schemas.microsoft.com/office/powerpoint/2010/main" val="46350642"/>
+      </p:ext>
+    </p:extLst>
+  </p:cSld>
+  <p:clrMapOvr>
+    <a:masterClrMapping/>
+  </p:clrMapOvr>
+</p:notes>
+</file>
+
+<file path=ppt/notesSlides/notesSlide26.xml><?xml version="1.0" encoding="utf-8"?>
+<p:notes xmlns:a="http://schemas.openxmlformats.org/drawingml/2006/main" xmlns:r="http://schemas.openxmlformats.org/officeDocument/2006/relationships" xmlns:p="http://schemas.openxmlformats.org/presentationml/2006/main">
+  <p:cSld>
+    <p:spTree>
+      <p:nvGrpSpPr>
+        <p:cNvPr id="1" name=""/>
+        <p:cNvGrpSpPr/>
+        <p:nvPr/>
+      </p:nvGrpSpPr>
+      <p:grpSpPr>
+        <a:xfrm>
+          <a:off x="0" y="0"/>
+          <a:ext cx="0" cy="0"/>
+          <a:chOff x="0" y="0"/>
+          <a:chExt cx="0" cy="0"/>
+        </a:xfrm>
+      </p:grpSpPr>
+      <p:sp>
+        <p:nvSpPr>
+          <p:cNvPr id="2" name="Slide Image Placeholder 1"/>
+          <p:cNvSpPr>
+            <a:spLocks noGrp="1" noRot="1" noChangeAspect="1"/>
+          </p:cNvSpPr>
+          <p:nvPr>
+            <p:ph type="sldImg"/>
+          </p:nvPr>
+        </p:nvSpPr>
+        <p:spPr/>
+      </p:sp>
+      <p:sp>
+        <p:nvSpPr>
+          <p:cNvPr id="3" name="Notes Placeholder 2"/>
+          <p:cNvSpPr>
+            <a:spLocks noGrp="1"/>
+          </p:cNvSpPr>
+          <p:nvPr>
+            <p:ph type="body" idx="1"/>
+          </p:nvPr>
+        </p:nvSpPr>
+        <p:spPr/>
+        <p:txBody>
+          <a:bodyPr/>
+          <a:lstStyle/>
+          <a:p>
+            <a:endParaRPr lang="en-US"/>
+          </a:p>
+        </p:txBody>
+      </p:sp>
+      <p:sp>
+        <p:nvSpPr>
+          <p:cNvPr id="4" name="Header Placeholder 3"/>
+          <p:cNvSpPr>
+            <a:spLocks noGrp="1"/>
+          </p:cNvSpPr>
+          <p:nvPr>
+            <p:ph type="hdr" sz="quarter" idx="10"/>
+          </p:nvPr>
+        </p:nvSpPr>
+        <p:spPr/>
+        <p:txBody>
+          <a:bodyPr/>
+          <a:lstStyle/>
+          <a:p>
+            <a:endParaRPr lang="en-US" dirty="0"/>
+          </a:p>
+        </p:txBody>
+      </p:sp>
+      <p:sp>
+        <p:nvSpPr>
+          <p:cNvPr id="5" name="Footer Placeholder 4"/>
+          <p:cNvSpPr>
+            <a:spLocks noGrp="1"/>
+          </p:cNvSpPr>
+          <p:nvPr>
+            <p:ph type="ftr" sz="quarter" idx="11"/>
+          </p:nvPr>
+        </p:nvSpPr>
+        <p:spPr/>
+        <p:txBody>
+          <a:bodyPr/>
+          <a:lstStyle/>
+          <a:p>
+            <a:pPr marL="398463" defTabSz="914099" eaLnBrk="0" hangingPunct="0"/>
+            <a:r>
+              <a:rPr lang="en-US" sz="400" smtClean="0">
+                <a:gradFill>
+                  <a:gsLst>
+                    <a:gs pos="0">
+                      <a:schemeClr val="tx1"/>
+                    </a:gs>
+                    <a:gs pos="100000">
+                      <a:schemeClr val="tx1"/>
+                    </a:gs>
+                  </a:gsLst>
+                  <a:lin ang="5400000" scaled="0"/>
+                </a:gradFill>
+                <a:latin typeface="Segoe UI" pitchFamily="34" charset="0"/>
+                <a:ea typeface="Segoe UI" pitchFamily="34" charset="0"/>
+                <a:cs typeface="Segoe UI" pitchFamily="34" charset="0"/>
+              </a:rPr>
+              <a:t>© Microsoft Corporation. All rights reserved. </a:t>
+            </a:r>
+            <a:endParaRPr lang="en-US" sz="400" dirty="0">
+              <a:gradFill>
+                <a:gsLst>
+                  <a:gs pos="0">
+                    <a:schemeClr val="tx1"/>
+                  </a:gs>
+                  <a:gs pos="100000">
+                    <a:schemeClr val="tx1"/>
+                  </a:gs>
+                </a:gsLst>
+                <a:lin ang="5400000" scaled="0"/>
+              </a:gradFill>
+              <a:latin typeface="Segoe UI" pitchFamily="34" charset="0"/>
+              <a:ea typeface="Segoe UI" pitchFamily="34" charset="0"/>
+              <a:cs typeface="Segoe UI" pitchFamily="34" charset="0"/>
+            </a:endParaRPr>
+          </a:p>
+        </p:txBody>
+      </p:sp>
+      <p:sp>
+        <p:nvSpPr>
+          <p:cNvPr id="6" name="Date Placeholder 5"/>
+          <p:cNvSpPr>
+            <a:spLocks noGrp="1"/>
+          </p:cNvSpPr>
+          <p:nvPr>
+            <p:ph type="dt" idx="12"/>
+          </p:nvPr>
+        </p:nvSpPr>
+        <p:spPr/>
+        <p:txBody>
+          <a:bodyPr/>
+          <a:lstStyle/>
+          <a:p>
+            <a:fld id="{196BB360-4395-422C-A729-CB974B278917}" type="datetime8">
+              <a:rPr lang="en-US" smtClean="0"/>
+              <a:t>12/4/2017 11:07 PM</a:t>
+            </a:fld>
+            <a:endParaRPr lang="en-US" dirty="0"/>
+          </a:p>
+        </p:txBody>
+      </p:sp>
+      <p:sp>
+        <p:nvSpPr>
+          <p:cNvPr id="7" name="Slide Number Placeholder 6"/>
+          <p:cNvSpPr>
+            <a:spLocks noGrp="1"/>
+          </p:cNvSpPr>
+          <p:nvPr>
+            <p:ph type="sldNum" sz="quarter" idx="13"/>
+          </p:nvPr>
+        </p:nvSpPr>
+        <p:spPr/>
+        <p:txBody>
+          <a:bodyPr/>
+          <a:lstStyle/>
+          <a:p>
+            <a:fld id="{B4008EB6-D09E-4580-8CD6-DDB14511944F}" type="slidenum">
+              <a:rPr lang="en-US" smtClean="0"/>
+              <a:pPr/>
+              <a:t>26</a:t>
+            </a:fld>
+            <a:endParaRPr lang="en-US" dirty="0"/>
+          </a:p>
+        </p:txBody>
+      </p:sp>
+    </p:spTree>
+    <p:extLst>
+      <p:ext uri="{BB962C8B-B14F-4D97-AF65-F5344CB8AC3E}">
+        <p14:creationId xmlns:p14="http://schemas.microsoft.com/office/powerpoint/2010/main" val="1191194541"/>
+      </p:ext>
+    </p:extLst>
+  </p:cSld>
+  <p:clrMapOvr>
+    <a:masterClrMapping/>
+  </p:clrMapOvr>
+</p:notes>
+</file>
+
+<file path=ppt/notesSlides/notesSlide27.xml><?xml version="1.0" encoding="utf-8"?>
+<p:notes xmlns:a="http://schemas.openxmlformats.org/drawingml/2006/main" xmlns:r="http://schemas.openxmlformats.org/officeDocument/2006/relationships" xmlns:p="http://schemas.openxmlformats.org/presentationml/2006/main">
+  <p:cSld>
+    <p:spTree>
+      <p:nvGrpSpPr>
+        <p:cNvPr id="1" name=""/>
+        <p:cNvGrpSpPr/>
+        <p:nvPr/>
+      </p:nvGrpSpPr>
+      <p:grpSpPr>
+        <a:xfrm>
+          <a:off x="0" y="0"/>
+          <a:ext cx="0" cy="0"/>
+          <a:chOff x="0" y="0"/>
+          <a:chExt cx="0" cy="0"/>
+        </a:xfrm>
+      </p:grpSpPr>
+      <p:sp>
+        <p:nvSpPr>
+          <p:cNvPr id="2" name="Slide Image Placeholder 1"/>
+          <p:cNvSpPr>
+            <a:spLocks noGrp="1" noRot="1" noChangeAspect="1"/>
+          </p:cNvSpPr>
+          <p:nvPr>
+            <p:ph type="sldImg"/>
+          </p:nvPr>
+        </p:nvSpPr>
+        <p:spPr/>
+      </p:sp>
+      <p:sp>
+        <p:nvSpPr>
+          <p:cNvPr id="3" name="Notes Placeholder 2"/>
+          <p:cNvSpPr>
+            <a:spLocks noGrp="1"/>
+          </p:cNvSpPr>
+          <p:nvPr>
+            <p:ph type="body" idx="1"/>
+          </p:nvPr>
+        </p:nvSpPr>
+        <p:spPr/>
+        <p:txBody>
+          <a:bodyPr/>
+          <a:lstStyle/>
+          <a:p>
+            <a:endParaRPr lang="en-US"/>
+          </a:p>
+        </p:txBody>
+      </p:sp>
+      <p:sp>
+        <p:nvSpPr>
+          <p:cNvPr id="4" name="Header Placeholder 3"/>
+          <p:cNvSpPr>
+            <a:spLocks noGrp="1"/>
+          </p:cNvSpPr>
+          <p:nvPr>
+            <p:ph type="hdr" sz="quarter" idx="10"/>
+          </p:nvPr>
+        </p:nvSpPr>
+        <p:spPr/>
+        <p:txBody>
+          <a:bodyPr/>
+          <a:lstStyle/>
+          <a:p>
+            <a:endParaRPr lang="en-US" dirty="0"/>
+          </a:p>
+        </p:txBody>
+      </p:sp>
+      <p:sp>
+        <p:nvSpPr>
+          <p:cNvPr id="5" name="Footer Placeholder 4"/>
+          <p:cNvSpPr>
+            <a:spLocks noGrp="1"/>
+          </p:cNvSpPr>
+          <p:nvPr>
+            <p:ph type="ftr" sz="quarter" idx="11"/>
+          </p:nvPr>
+        </p:nvSpPr>
+        <p:spPr/>
+        <p:txBody>
+          <a:bodyPr/>
+          <a:lstStyle/>
+          <a:p>
+            <a:pPr marL="398463" defTabSz="914099" eaLnBrk="0" hangingPunct="0"/>
+            <a:r>
+              <a:rPr lang="en-US" sz="400" smtClean="0">
+                <a:gradFill>
+                  <a:gsLst>
+                    <a:gs pos="0">
+                      <a:schemeClr val="tx1"/>
+                    </a:gs>
+                    <a:gs pos="100000">
+                      <a:schemeClr val="tx1"/>
+                    </a:gs>
+                  </a:gsLst>
+                  <a:lin ang="5400000" scaled="0"/>
+                </a:gradFill>
+                <a:latin typeface="Segoe UI" pitchFamily="34" charset="0"/>
+                <a:ea typeface="Segoe UI" pitchFamily="34" charset="0"/>
+                <a:cs typeface="Segoe UI" pitchFamily="34" charset="0"/>
+              </a:rPr>
+              <a:t>© Microsoft Corporation. All rights reserved. </a:t>
+            </a:r>
+            <a:endParaRPr lang="en-US" sz="400" dirty="0">
+              <a:gradFill>
+                <a:gsLst>
+                  <a:gs pos="0">
+                    <a:schemeClr val="tx1"/>
+                  </a:gs>
+                  <a:gs pos="100000">
+                    <a:schemeClr val="tx1"/>
+                  </a:gs>
+                </a:gsLst>
+                <a:lin ang="5400000" scaled="0"/>
+              </a:gradFill>
+              <a:latin typeface="Segoe UI" pitchFamily="34" charset="0"/>
+              <a:ea typeface="Segoe UI" pitchFamily="34" charset="0"/>
+              <a:cs typeface="Segoe UI" pitchFamily="34" charset="0"/>
+            </a:endParaRPr>
+          </a:p>
+        </p:txBody>
+      </p:sp>
+      <p:sp>
+        <p:nvSpPr>
+          <p:cNvPr id="6" name="Date Placeholder 5"/>
+          <p:cNvSpPr>
+            <a:spLocks noGrp="1"/>
+          </p:cNvSpPr>
+          <p:nvPr>
+            <p:ph type="dt" idx="12"/>
+          </p:nvPr>
+        </p:nvSpPr>
+        <p:spPr/>
+        <p:txBody>
+          <a:bodyPr/>
+          <a:lstStyle/>
+          <a:p>
+            <a:fld id="{196BB360-4395-422C-A729-CB974B278917}" type="datetime8">
+              <a:rPr lang="en-US" smtClean="0"/>
+              <a:t>12/4/2017 11:07 PM</a:t>
+            </a:fld>
+            <a:endParaRPr lang="en-US" dirty="0"/>
+          </a:p>
+        </p:txBody>
+      </p:sp>
+      <p:sp>
+        <p:nvSpPr>
+          <p:cNvPr id="7" name="Slide Number Placeholder 6"/>
+          <p:cNvSpPr>
+            <a:spLocks noGrp="1"/>
+          </p:cNvSpPr>
+          <p:nvPr>
+            <p:ph type="sldNum" sz="quarter" idx="13"/>
+          </p:nvPr>
+        </p:nvSpPr>
+        <p:spPr/>
+        <p:txBody>
+          <a:bodyPr/>
+          <a:lstStyle/>
+          <a:p>
+            <a:fld id="{B4008EB6-D09E-4580-8CD6-DDB14511944F}" type="slidenum">
+              <a:rPr lang="en-US" smtClean="0"/>
+              <a:pPr/>
+              <a:t>27</a:t>
+            </a:fld>
+            <a:endParaRPr lang="en-US" dirty="0"/>
+          </a:p>
+        </p:txBody>
+      </p:sp>
+    </p:spTree>
+    <p:extLst>
+      <p:ext uri="{BB962C8B-B14F-4D97-AF65-F5344CB8AC3E}">
+        <p14:creationId xmlns:p14="http://schemas.microsoft.com/office/powerpoint/2010/main" val="2825568393"/>
+      </p:ext>
+    </p:extLst>
+  </p:cSld>
+  <p:clrMapOvr>
+    <a:masterClrMapping/>
+  </p:clrMapOvr>
+</p:notes>
+</file>
+
+<file path=ppt/notesSlides/notesSlide28.xml><?xml version="1.0" encoding="utf-8"?>
+<p:notes xmlns:a="http://schemas.openxmlformats.org/drawingml/2006/main" xmlns:r="http://schemas.openxmlformats.org/officeDocument/2006/relationships" xmlns:p="http://schemas.openxmlformats.org/presentationml/2006/main">
+  <p:cSld>
+    <p:spTree>
+      <p:nvGrpSpPr>
+        <p:cNvPr id="1" name=""/>
+        <p:cNvGrpSpPr/>
+        <p:nvPr/>
+      </p:nvGrpSpPr>
+      <p:grpSpPr>
+        <a:xfrm>
+          <a:off x="0" y="0"/>
+          <a:ext cx="0" cy="0"/>
+          <a:chOff x="0" y="0"/>
+          <a:chExt cx="0" cy="0"/>
+        </a:xfrm>
+      </p:grpSpPr>
+      <p:sp>
+        <p:nvSpPr>
+          <p:cNvPr id="2" name="Slide Image Placeholder 1"/>
+          <p:cNvSpPr>
+            <a:spLocks noGrp="1" noRot="1" noChangeAspect="1"/>
+          </p:cNvSpPr>
+          <p:nvPr>
+            <p:ph type="sldImg"/>
+          </p:nvPr>
+        </p:nvSpPr>
+        <p:spPr/>
+      </p:sp>
+      <p:sp>
+        <p:nvSpPr>
+          <p:cNvPr id="3" name="Notes Placeholder 2"/>
+          <p:cNvSpPr>
+            <a:spLocks noGrp="1"/>
+          </p:cNvSpPr>
+          <p:nvPr>
+            <p:ph type="body" idx="1"/>
+          </p:nvPr>
+        </p:nvSpPr>
+        <p:spPr/>
+        <p:txBody>
+          <a:bodyPr/>
+          <a:lstStyle/>
+          <a:p>
+            <a:endParaRPr lang="en-US"/>
+          </a:p>
+        </p:txBody>
+      </p:sp>
+      <p:sp>
+        <p:nvSpPr>
+          <p:cNvPr id="4" name="Header Placeholder 3"/>
+          <p:cNvSpPr>
+            <a:spLocks noGrp="1"/>
+          </p:cNvSpPr>
+          <p:nvPr>
+            <p:ph type="hdr" sz="quarter" idx="10"/>
+          </p:nvPr>
+        </p:nvSpPr>
+        <p:spPr/>
+        <p:txBody>
+          <a:bodyPr/>
+          <a:lstStyle/>
+          <a:p>
+            <a:endParaRPr lang="en-US" dirty="0"/>
+          </a:p>
+        </p:txBody>
+      </p:sp>
+      <p:sp>
+        <p:nvSpPr>
+          <p:cNvPr id="5" name="Footer Placeholder 4"/>
+          <p:cNvSpPr>
+            <a:spLocks noGrp="1"/>
+          </p:cNvSpPr>
+          <p:nvPr>
+            <p:ph type="ftr" sz="quarter" idx="11"/>
+          </p:nvPr>
+        </p:nvSpPr>
+        <p:spPr/>
+        <p:txBody>
+          <a:bodyPr/>
+          <a:lstStyle/>
+          <a:p>
+            <a:pPr marL="398463" defTabSz="914099" eaLnBrk="0" hangingPunct="0"/>
+            <a:r>
+              <a:rPr lang="en-US" sz="400" smtClean="0">
+                <a:gradFill>
+                  <a:gsLst>
+                    <a:gs pos="0">
+                      <a:schemeClr val="tx1"/>
+                    </a:gs>
+                    <a:gs pos="100000">
+                      <a:schemeClr val="tx1"/>
+                    </a:gs>
+                  </a:gsLst>
+                  <a:lin ang="5400000" scaled="0"/>
+                </a:gradFill>
+                <a:latin typeface="Segoe UI" pitchFamily="34" charset="0"/>
+                <a:ea typeface="Segoe UI" pitchFamily="34" charset="0"/>
+                <a:cs typeface="Segoe UI" pitchFamily="34" charset="0"/>
+              </a:rPr>
+              <a:t>© Microsoft Corporation. All rights reserved. </a:t>
+            </a:r>
+            <a:endParaRPr lang="en-US" sz="400" dirty="0">
+              <a:gradFill>
+                <a:gsLst>
+                  <a:gs pos="0">
+                    <a:schemeClr val="tx1"/>
+                  </a:gs>
+                  <a:gs pos="100000">
+                    <a:schemeClr val="tx1"/>
+                  </a:gs>
+                </a:gsLst>
+                <a:lin ang="5400000" scaled="0"/>
+              </a:gradFill>
+              <a:latin typeface="Segoe UI" pitchFamily="34" charset="0"/>
+              <a:ea typeface="Segoe UI" pitchFamily="34" charset="0"/>
+              <a:cs typeface="Segoe UI" pitchFamily="34" charset="0"/>
+            </a:endParaRPr>
+          </a:p>
+        </p:txBody>
+      </p:sp>
+      <p:sp>
+        <p:nvSpPr>
+          <p:cNvPr id="6" name="Date Placeholder 5"/>
+          <p:cNvSpPr>
+            <a:spLocks noGrp="1"/>
+          </p:cNvSpPr>
+          <p:nvPr>
+            <p:ph type="dt" idx="12"/>
+          </p:nvPr>
+        </p:nvSpPr>
+        <p:spPr/>
+        <p:txBody>
+          <a:bodyPr/>
+          <a:lstStyle/>
+          <a:p>
+            <a:fld id="{196BB360-4395-422C-A729-CB974B278917}" type="datetime8">
+              <a:rPr lang="en-US" smtClean="0"/>
+              <a:t>12/4/2017 11:07 PM</a:t>
+            </a:fld>
+            <a:endParaRPr lang="en-US" dirty="0"/>
+          </a:p>
+        </p:txBody>
+      </p:sp>
+      <p:sp>
+        <p:nvSpPr>
+          <p:cNvPr id="7" name="Slide Number Placeholder 6"/>
+          <p:cNvSpPr>
+            <a:spLocks noGrp="1"/>
+          </p:cNvSpPr>
+          <p:nvPr>
+            <p:ph type="sldNum" sz="quarter" idx="13"/>
+          </p:nvPr>
+        </p:nvSpPr>
+        <p:spPr/>
+        <p:txBody>
+          <a:bodyPr/>
+          <a:lstStyle/>
+          <a:p>
+            <a:fld id="{B4008EB6-D09E-4580-8CD6-DDB14511944F}" type="slidenum">
+              <a:rPr lang="en-US" smtClean="0"/>
+              <a:pPr/>
+              <a:t>28</a:t>
+            </a:fld>
+            <a:endParaRPr lang="en-US" dirty="0"/>
+          </a:p>
+        </p:txBody>
+      </p:sp>
+    </p:spTree>
+    <p:extLst>
+      <p:ext uri="{BB962C8B-B14F-4D97-AF65-F5344CB8AC3E}">
+        <p14:creationId xmlns:p14="http://schemas.microsoft.com/office/powerpoint/2010/main" val="2087250496"/>
+      </p:ext>
+    </p:extLst>
+  </p:cSld>
+  <p:clrMapOvr>
+    <a:masterClrMapping/>
+  </p:clrMapOvr>
+</p:notes>
+</file>
+
+<file path=ppt/notesSlides/notesSlide29.xml><?xml version="1.0" encoding="utf-8"?>
+<p:notes xmlns:a="http://schemas.openxmlformats.org/drawingml/2006/main" xmlns:r="http://schemas.openxmlformats.org/officeDocument/2006/relationships" xmlns:p="http://schemas.openxmlformats.org/presentationml/2006/main">
+  <p:cSld>
+    <p:spTree>
+      <p:nvGrpSpPr>
+        <p:cNvPr id="1" name=""/>
+        <p:cNvGrpSpPr/>
+        <p:nvPr/>
+      </p:nvGrpSpPr>
+      <p:grpSpPr>
+        <a:xfrm>
+          <a:off x="0" y="0"/>
+          <a:ext cx="0" cy="0"/>
+          <a:chOff x="0" y="0"/>
+          <a:chExt cx="0" cy="0"/>
+        </a:xfrm>
+      </p:grpSpPr>
+      <p:sp>
+        <p:nvSpPr>
+          <p:cNvPr id="2" name="Slide Image Placeholder 1"/>
+          <p:cNvSpPr>
+            <a:spLocks noGrp="1" noRot="1" noChangeAspect="1"/>
+          </p:cNvSpPr>
+          <p:nvPr>
+            <p:ph type="sldImg"/>
+          </p:nvPr>
+        </p:nvSpPr>
+        <p:spPr/>
+      </p:sp>
+      <p:sp>
+        <p:nvSpPr>
+          <p:cNvPr id="3" name="Notes Placeholder 2"/>
+          <p:cNvSpPr>
+            <a:spLocks noGrp="1"/>
+          </p:cNvSpPr>
+          <p:nvPr>
+            <p:ph type="body" idx="1"/>
+          </p:nvPr>
+        </p:nvSpPr>
+        <p:spPr/>
+        <p:txBody>
+          <a:bodyPr/>
+          <a:lstStyle/>
+          <a:p>
+            <a:endParaRPr lang="en-US"/>
+          </a:p>
+        </p:txBody>
+      </p:sp>
+      <p:sp>
+        <p:nvSpPr>
+          <p:cNvPr id="4" name="Header Placeholder 3"/>
+          <p:cNvSpPr>
+            <a:spLocks noGrp="1"/>
+          </p:cNvSpPr>
+          <p:nvPr>
+            <p:ph type="hdr" sz="quarter" idx="10"/>
+          </p:nvPr>
+        </p:nvSpPr>
+        <p:spPr/>
+        <p:txBody>
+          <a:bodyPr/>
+          <a:lstStyle/>
+          <a:p>
+            <a:endParaRPr lang="en-US" dirty="0"/>
+          </a:p>
+        </p:txBody>
+      </p:sp>
+      <p:sp>
+        <p:nvSpPr>
+          <p:cNvPr id="5" name="Footer Placeholder 4"/>
+          <p:cNvSpPr>
+            <a:spLocks noGrp="1"/>
+          </p:cNvSpPr>
+          <p:nvPr>
+            <p:ph type="ftr" sz="quarter" idx="11"/>
+          </p:nvPr>
+        </p:nvSpPr>
+        <p:spPr/>
+        <p:txBody>
+          <a:bodyPr/>
+          <a:lstStyle/>
+          <a:p>
+            <a:pPr marL="398463" defTabSz="914099" eaLnBrk="0" hangingPunct="0"/>
+            <a:r>
+              <a:rPr lang="en-US" sz="400" smtClean="0">
+                <a:gradFill>
+                  <a:gsLst>
+                    <a:gs pos="0">
+                      <a:schemeClr val="tx1"/>
+                    </a:gs>
+                    <a:gs pos="100000">
+                      <a:schemeClr val="tx1"/>
+                    </a:gs>
+                  </a:gsLst>
+                  <a:lin ang="5400000" scaled="0"/>
+                </a:gradFill>
+                <a:latin typeface="Segoe UI" pitchFamily="34" charset="0"/>
+                <a:ea typeface="Segoe UI" pitchFamily="34" charset="0"/>
+                <a:cs typeface="Segoe UI" pitchFamily="34" charset="0"/>
+              </a:rPr>
+              <a:t>© Microsoft Corporation. All rights reserved. </a:t>
+            </a:r>
+            <a:endParaRPr lang="en-US" sz="400" dirty="0">
+              <a:gradFill>
+                <a:gsLst>
+                  <a:gs pos="0">
+                    <a:schemeClr val="tx1"/>
+                  </a:gs>
+                  <a:gs pos="100000">
+                    <a:schemeClr val="tx1"/>
+                  </a:gs>
+                </a:gsLst>
+                <a:lin ang="5400000" scaled="0"/>
+              </a:gradFill>
+              <a:latin typeface="Segoe UI" pitchFamily="34" charset="0"/>
+              <a:ea typeface="Segoe UI" pitchFamily="34" charset="0"/>
+              <a:cs typeface="Segoe UI" pitchFamily="34" charset="0"/>
+            </a:endParaRPr>
+          </a:p>
+        </p:txBody>
+      </p:sp>
+      <p:sp>
+        <p:nvSpPr>
+          <p:cNvPr id="6" name="Date Placeholder 5"/>
+          <p:cNvSpPr>
+            <a:spLocks noGrp="1"/>
+          </p:cNvSpPr>
+          <p:nvPr>
+            <p:ph type="dt" idx="12"/>
+          </p:nvPr>
+        </p:nvSpPr>
+        <p:spPr/>
+        <p:txBody>
+          <a:bodyPr/>
+          <a:lstStyle/>
+          <a:p>
+            <a:fld id="{196BB360-4395-422C-A729-CB974B278917}" type="datetime8">
+              <a:rPr lang="en-US" smtClean="0"/>
+              <a:t>12/4/2017 11:07 PM</a:t>
+            </a:fld>
+            <a:endParaRPr lang="en-US" dirty="0"/>
+          </a:p>
+        </p:txBody>
+      </p:sp>
+      <p:sp>
+        <p:nvSpPr>
+          <p:cNvPr id="7" name="Slide Number Placeholder 6"/>
+          <p:cNvSpPr>
+            <a:spLocks noGrp="1"/>
+          </p:cNvSpPr>
+          <p:nvPr>
+            <p:ph type="sldNum" sz="quarter" idx="13"/>
+          </p:nvPr>
+        </p:nvSpPr>
+        <p:spPr/>
+        <p:txBody>
+          <a:bodyPr/>
+          <a:lstStyle/>
+          <a:p>
+            <a:fld id="{B4008EB6-D09E-4580-8CD6-DDB14511944F}" type="slidenum">
+              <a:rPr lang="en-US" smtClean="0"/>
+              <a:pPr/>
+              <a:t>29</a:t>
+            </a:fld>
+            <a:endParaRPr lang="en-US" dirty="0"/>
+          </a:p>
+        </p:txBody>
+      </p:sp>
+    </p:spTree>
+    <p:extLst>
+      <p:ext uri="{BB962C8B-B14F-4D97-AF65-F5344CB8AC3E}">
+        <p14:creationId xmlns:p14="http://schemas.microsoft.com/office/powerpoint/2010/main" val="1985580065"/>
       </p:ext>
     </p:extLst>
   </p:cSld>
@@ -10017,10 +13347,7 @@
           <a:bodyPr/>
           <a:lstStyle/>
           <a:p>
-            <a:r>
-              <a:rPr lang="en-US" dirty="0"/>
-              <a:t>Record of all actions taken by the Azure control plane/fabric</a:t>
-            </a:r>
+            <a:endParaRPr lang="en-US"/>
           </a:p>
         </p:txBody>
       </p:sp>
@@ -10051,6 +13378,1321 @@
           </p:cNvSpPr>
           <p:nvPr>
             <p:ph type="ftr" sz="quarter" idx="11"/>
+          </p:nvPr>
+        </p:nvSpPr>
+        <p:spPr/>
+        <p:txBody>
+          <a:bodyPr/>
+          <a:lstStyle/>
+          <a:p>
+            <a:pPr marL="398463" defTabSz="914099" eaLnBrk="0" hangingPunct="0"/>
+            <a:r>
+              <a:rPr lang="en-US" sz="400" smtClean="0">
+                <a:gradFill>
+                  <a:gsLst>
+                    <a:gs pos="0">
+                      <a:schemeClr val="tx1"/>
+                    </a:gs>
+                    <a:gs pos="100000">
+                      <a:schemeClr val="tx1"/>
+                    </a:gs>
+                  </a:gsLst>
+                  <a:lin ang="5400000" scaled="0"/>
+                </a:gradFill>
+                <a:latin typeface="Segoe UI" pitchFamily="34" charset="0"/>
+                <a:ea typeface="Segoe UI" pitchFamily="34" charset="0"/>
+                <a:cs typeface="Segoe UI" pitchFamily="34" charset="0"/>
+              </a:rPr>
+              <a:t>© Microsoft Corporation. All rights reserved. </a:t>
+            </a:r>
+            <a:endParaRPr lang="en-US" sz="400" dirty="0">
+              <a:gradFill>
+                <a:gsLst>
+                  <a:gs pos="0">
+                    <a:schemeClr val="tx1"/>
+                  </a:gs>
+                  <a:gs pos="100000">
+                    <a:schemeClr val="tx1"/>
+                  </a:gs>
+                </a:gsLst>
+                <a:lin ang="5400000" scaled="0"/>
+              </a:gradFill>
+              <a:latin typeface="Segoe UI" pitchFamily="34" charset="0"/>
+              <a:ea typeface="Segoe UI" pitchFamily="34" charset="0"/>
+              <a:cs typeface="Segoe UI" pitchFamily="34" charset="0"/>
+            </a:endParaRPr>
+          </a:p>
+        </p:txBody>
+      </p:sp>
+      <p:sp>
+        <p:nvSpPr>
+          <p:cNvPr id="6" name="Date Placeholder 5"/>
+          <p:cNvSpPr>
+            <a:spLocks noGrp="1"/>
+          </p:cNvSpPr>
+          <p:nvPr>
+            <p:ph type="dt" idx="12"/>
+          </p:nvPr>
+        </p:nvSpPr>
+        <p:spPr/>
+        <p:txBody>
+          <a:bodyPr/>
+          <a:lstStyle/>
+          <a:p>
+            <a:fld id="{196BB360-4395-422C-A729-CB974B278917}" type="datetime8">
+              <a:rPr lang="en-US" smtClean="0"/>
+              <a:t>12/4/2017 11:07 PM</a:t>
+            </a:fld>
+            <a:endParaRPr lang="en-US" dirty="0"/>
+          </a:p>
+        </p:txBody>
+      </p:sp>
+      <p:sp>
+        <p:nvSpPr>
+          <p:cNvPr id="7" name="Slide Number Placeholder 6"/>
+          <p:cNvSpPr>
+            <a:spLocks noGrp="1"/>
+          </p:cNvSpPr>
+          <p:nvPr>
+            <p:ph type="sldNum" sz="quarter" idx="13"/>
+          </p:nvPr>
+        </p:nvSpPr>
+        <p:spPr/>
+        <p:txBody>
+          <a:bodyPr/>
+          <a:lstStyle/>
+          <a:p>
+            <a:fld id="{B4008EB6-D09E-4580-8CD6-DDB14511944F}" type="slidenum">
+              <a:rPr lang="en-US" smtClean="0"/>
+              <a:pPr/>
+              <a:t>3</a:t>
+            </a:fld>
+            <a:endParaRPr lang="en-US" dirty="0"/>
+          </a:p>
+        </p:txBody>
+      </p:sp>
+    </p:spTree>
+    <p:extLst>
+      <p:ext uri="{BB962C8B-B14F-4D97-AF65-F5344CB8AC3E}">
+        <p14:creationId xmlns:p14="http://schemas.microsoft.com/office/powerpoint/2010/main" val="98193864"/>
+      </p:ext>
+    </p:extLst>
+  </p:cSld>
+  <p:clrMapOvr>
+    <a:masterClrMapping/>
+  </p:clrMapOvr>
+</p:notes>
+</file>
+
+<file path=ppt/notesSlides/notesSlide30.xml><?xml version="1.0" encoding="utf-8"?>
+<p:notes xmlns:a="http://schemas.openxmlformats.org/drawingml/2006/main" xmlns:r="http://schemas.openxmlformats.org/officeDocument/2006/relationships" xmlns:p="http://schemas.openxmlformats.org/presentationml/2006/main">
+  <p:cSld>
+    <p:spTree>
+      <p:nvGrpSpPr>
+        <p:cNvPr id="1" name=""/>
+        <p:cNvGrpSpPr/>
+        <p:nvPr/>
+      </p:nvGrpSpPr>
+      <p:grpSpPr>
+        <a:xfrm>
+          <a:off x="0" y="0"/>
+          <a:ext cx="0" cy="0"/>
+          <a:chOff x="0" y="0"/>
+          <a:chExt cx="0" cy="0"/>
+        </a:xfrm>
+      </p:grpSpPr>
+      <p:sp>
+        <p:nvSpPr>
+          <p:cNvPr id="2" name="Slide Image Placeholder 1"/>
+          <p:cNvSpPr>
+            <a:spLocks noGrp="1" noRot="1" noChangeAspect="1"/>
+          </p:cNvSpPr>
+          <p:nvPr>
+            <p:ph type="sldImg"/>
+          </p:nvPr>
+        </p:nvSpPr>
+        <p:spPr/>
+      </p:sp>
+      <p:sp>
+        <p:nvSpPr>
+          <p:cNvPr id="3" name="Notes Placeholder 2"/>
+          <p:cNvSpPr>
+            <a:spLocks noGrp="1"/>
+          </p:cNvSpPr>
+          <p:nvPr>
+            <p:ph type="body" idx="1"/>
+          </p:nvPr>
+        </p:nvSpPr>
+        <p:spPr/>
+        <p:txBody>
+          <a:bodyPr/>
+          <a:lstStyle/>
+          <a:p>
+            <a:endParaRPr lang="en-US"/>
+          </a:p>
+        </p:txBody>
+      </p:sp>
+      <p:sp>
+        <p:nvSpPr>
+          <p:cNvPr id="4" name="Header Placeholder 3"/>
+          <p:cNvSpPr>
+            <a:spLocks noGrp="1"/>
+          </p:cNvSpPr>
+          <p:nvPr>
+            <p:ph type="hdr" sz="quarter" idx="10"/>
+          </p:nvPr>
+        </p:nvSpPr>
+        <p:spPr/>
+        <p:txBody>
+          <a:bodyPr/>
+          <a:lstStyle/>
+          <a:p>
+            <a:endParaRPr lang="en-US" dirty="0"/>
+          </a:p>
+        </p:txBody>
+      </p:sp>
+      <p:sp>
+        <p:nvSpPr>
+          <p:cNvPr id="5" name="Footer Placeholder 4"/>
+          <p:cNvSpPr>
+            <a:spLocks noGrp="1"/>
+          </p:cNvSpPr>
+          <p:nvPr>
+            <p:ph type="ftr" sz="quarter" idx="11"/>
+          </p:nvPr>
+        </p:nvSpPr>
+        <p:spPr/>
+        <p:txBody>
+          <a:bodyPr/>
+          <a:lstStyle/>
+          <a:p>
+            <a:pPr marL="398463" defTabSz="914099" eaLnBrk="0" hangingPunct="0"/>
+            <a:r>
+              <a:rPr lang="en-US" sz="400" smtClean="0">
+                <a:gradFill>
+                  <a:gsLst>
+                    <a:gs pos="0">
+                      <a:schemeClr val="tx1"/>
+                    </a:gs>
+                    <a:gs pos="100000">
+                      <a:schemeClr val="tx1"/>
+                    </a:gs>
+                  </a:gsLst>
+                  <a:lin ang="5400000" scaled="0"/>
+                </a:gradFill>
+                <a:latin typeface="Segoe UI" pitchFamily="34" charset="0"/>
+                <a:ea typeface="Segoe UI" pitchFamily="34" charset="0"/>
+                <a:cs typeface="Segoe UI" pitchFamily="34" charset="0"/>
+              </a:rPr>
+              <a:t>© Microsoft Corporation. All rights reserved. </a:t>
+            </a:r>
+            <a:endParaRPr lang="en-US" sz="400" dirty="0">
+              <a:gradFill>
+                <a:gsLst>
+                  <a:gs pos="0">
+                    <a:schemeClr val="tx1"/>
+                  </a:gs>
+                  <a:gs pos="100000">
+                    <a:schemeClr val="tx1"/>
+                  </a:gs>
+                </a:gsLst>
+                <a:lin ang="5400000" scaled="0"/>
+              </a:gradFill>
+              <a:latin typeface="Segoe UI" pitchFamily="34" charset="0"/>
+              <a:ea typeface="Segoe UI" pitchFamily="34" charset="0"/>
+              <a:cs typeface="Segoe UI" pitchFamily="34" charset="0"/>
+            </a:endParaRPr>
+          </a:p>
+        </p:txBody>
+      </p:sp>
+      <p:sp>
+        <p:nvSpPr>
+          <p:cNvPr id="6" name="Date Placeholder 5"/>
+          <p:cNvSpPr>
+            <a:spLocks noGrp="1"/>
+          </p:cNvSpPr>
+          <p:nvPr>
+            <p:ph type="dt" idx="12"/>
+          </p:nvPr>
+        </p:nvSpPr>
+        <p:spPr/>
+        <p:txBody>
+          <a:bodyPr/>
+          <a:lstStyle/>
+          <a:p>
+            <a:fld id="{196BB360-4395-422C-A729-CB974B278917}" type="datetime8">
+              <a:rPr lang="en-US" smtClean="0"/>
+              <a:t>12/4/2017 11:07 PM</a:t>
+            </a:fld>
+            <a:endParaRPr lang="en-US" dirty="0"/>
+          </a:p>
+        </p:txBody>
+      </p:sp>
+      <p:sp>
+        <p:nvSpPr>
+          <p:cNvPr id="7" name="Slide Number Placeholder 6"/>
+          <p:cNvSpPr>
+            <a:spLocks noGrp="1"/>
+          </p:cNvSpPr>
+          <p:nvPr>
+            <p:ph type="sldNum" sz="quarter" idx="13"/>
+          </p:nvPr>
+        </p:nvSpPr>
+        <p:spPr/>
+        <p:txBody>
+          <a:bodyPr/>
+          <a:lstStyle/>
+          <a:p>
+            <a:fld id="{B4008EB6-D09E-4580-8CD6-DDB14511944F}" type="slidenum">
+              <a:rPr lang="en-US" smtClean="0"/>
+              <a:pPr/>
+              <a:t>30</a:t>
+            </a:fld>
+            <a:endParaRPr lang="en-US" dirty="0"/>
+          </a:p>
+        </p:txBody>
+      </p:sp>
+    </p:spTree>
+    <p:extLst>
+      <p:ext uri="{BB962C8B-B14F-4D97-AF65-F5344CB8AC3E}">
+        <p14:creationId xmlns:p14="http://schemas.microsoft.com/office/powerpoint/2010/main" val="2279210795"/>
+      </p:ext>
+    </p:extLst>
+  </p:cSld>
+  <p:clrMapOvr>
+    <a:masterClrMapping/>
+  </p:clrMapOvr>
+</p:notes>
+</file>
+
+<file path=ppt/notesSlides/notesSlide31.xml><?xml version="1.0" encoding="utf-8"?>
+<p:notes xmlns:a="http://schemas.openxmlformats.org/drawingml/2006/main" xmlns:r="http://schemas.openxmlformats.org/officeDocument/2006/relationships" xmlns:p="http://schemas.openxmlformats.org/presentationml/2006/main">
+  <p:cSld>
+    <p:spTree>
+      <p:nvGrpSpPr>
+        <p:cNvPr id="1" name=""/>
+        <p:cNvGrpSpPr/>
+        <p:nvPr/>
+      </p:nvGrpSpPr>
+      <p:grpSpPr>
+        <a:xfrm>
+          <a:off x="0" y="0"/>
+          <a:ext cx="0" cy="0"/>
+          <a:chOff x="0" y="0"/>
+          <a:chExt cx="0" cy="0"/>
+        </a:xfrm>
+      </p:grpSpPr>
+      <p:sp>
+        <p:nvSpPr>
+          <p:cNvPr id="2" name="Slide Image Placeholder 1"/>
+          <p:cNvSpPr>
+            <a:spLocks noGrp="1" noRot="1" noChangeAspect="1"/>
+          </p:cNvSpPr>
+          <p:nvPr>
+            <p:ph type="sldImg"/>
+          </p:nvPr>
+        </p:nvSpPr>
+        <p:spPr/>
+      </p:sp>
+      <p:sp>
+        <p:nvSpPr>
+          <p:cNvPr id="3" name="Notes Placeholder 2"/>
+          <p:cNvSpPr>
+            <a:spLocks noGrp="1"/>
+          </p:cNvSpPr>
+          <p:nvPr>
+            <p:ph type="body" idx="1"/>
+          </p:nvPr>
+        </p:nvSpPr>
+        <p:spPr/>
+        <p:txBody>
+          <a:bodyPr/>
+          <a:lstStyle/>
+          <a:p>
+            <a:endParaRPr lang="en-US"/>
+          </a:p>
+        </p:txBody>
+      </p:sp>
+      <p:sp>
+        <p:nvSpPr>
+          <p:cNvPr id="4" name="Header Placeholder 3"/>
+          <p:cNvSpPr>
+            <a:spLocks noGrp="1"/>
+          </p:cNvSpPr>
+          <p:nvPr>
+            <p:ph type="hdr" sz="quarter" idx="10"/>
+          </p:nvPr>
+        </p:nvSpPr>
+        <p:spPr/>
+        <p:txBody>
+          <a:bodyPr/>
+          <a:lstStyle/>
+          <a:p>
+            <a:endParaRPr lang="en-US" dirty="0"/>
+          </a:p>
+        </p:txBody>
+      </p:sp>
+      <p:sp>
+        <p:nvSpPr>
+          <p:cNvPr id="5" name="Footer Placeholder 4"/>
+          <p:cNvSpPr>
+            <a:spLocks noGrp="1"/>
+          </p:cNvSpPr>
+          <p:nvPr>
+            <p:ph type="ftr" sz="quarter" idx="11"/>
+          </p:nvPr>
+        </p:nvSpPr>
+        <p:spPr/>
+        <p:txBody>
+          <a:bodyPr/>
+          <a:lstStyle/>
+          <a:p>
+            <a:pPr marL="398463" defTabSz="914099" eaLnBrk="0" hangingPunct="0"/>
+            <a:r>
+              <a:rPr lang="en-US" sz="400" smtClean="0">
+                <a:gradFill>
+                  <a:gsLst>
+                    <a:gs pos="0">
+                      <a:schemeClr val="tx1"/>
+                    </a:gs>
+                    <a:gs pos="100000">
+                      <a:schemeClr val="tx1"/>
+                    </a:gs>
+                  </a:gsLst>
+                  <a:lin ang="5400000" scaled="0"/>
+                </a:gradFill>
+                <a:latin typeface="Segoe UI" pitchFamily="34" charset="0"/>
+                <a:ea typeface="Segoe UI" pitchFamily="34" charset="0"/>
+                <a:cs typeface="Segoe UI" pitchFamily="34" charset="0"/>
+              </a:rPr>
+              <a:t>© Microsoft Corporation. All rights reserved. </a:t>
+            </a:r>
+            <a:endParaRPr lang="en-US" sz="400" dirty="0">
+              <a:gradFill>
+                <a:gsLst>
+                  <a:gs pos="0">
+                    <a:schemeClr val="tx1"/>
+                  </a:gs>
+                  <a:gs pos="100000">
+                    <a:schemeClr val="tx1"/>
+                  </a:gs>
+                </a:gsLst>
+                <a:lin ang="5400000" scaled="0"/>
+              </a:gradFill>
+              <a:latin typeface="Segoe UI" pitchFamily="34" charset="0"/>
+              <a:ea typeface="Segoe UI" pitchFamily="34" charset="0"/>
+              <a:cs typeface="Segoe UI" pitchFamily="34" charset="0"/>
+            </a:endParaRPr>
+          </a:p>
+        </p:txBody>
+      </p:sp>
+      <p:sp>
+        <p:nvSpPr>
+          <p:cNvPr id="6" name="Date Placeholder 5"/>
+          <p:cNvSpPr>
+            <a:spLocks noGrp="1"/>
+          </p:cNvSpPr>
+          <p:nvPr>
+            <p:ph type="dt" idx="12"/>
+          </p:nvPr>
+        </p:nvSpPr>
+        <p:spPr/>
+        <p:txBody>
+          <a:bodyPr/>
+          <a:lstStyle/>
+          <a:p>
+            <a:fld id="{196BB360-4395-422C-A729-CB974B278917}" type="datetime8">
+              <a:rPr lang="en-US" smtClean="0"/>
+              <a:t>12/4/2017 11:07 PM</a:t>
+            </a:fld>
+            <a:endParaRPr lang="en-US" dirty="0"/>
+          </a:p>
+        </p:txBody>
+      </p:sp>
+      <p:sp>
+        <p:nvSpPr>
+          <p:cNvPr id="7" name="Slide Number Placeholder 6"/>
+          <p:cNvSpPr>
+            <a:spLocks noGrp="1"/>
+          </p:cNvSpPr>
+          <p:nvPr>
+            <p:ph type="sldNum" sz="quarter" idx="13"/>
+          </p:nvPr>
+        </p:nvSpPr>
+        <p:spPr/>
+        <p:txBody>
+          <a:bodyPr/>
+          <a:lstStyle/>
+          <a:p>
+            <a:fld id="{B4008EB6-D09E-4580-8CD6-DDB14511944F}" type="slidenum">
+              <a:rPr lang="en-US" smtClean="0"/>
+              <a:pPr/>
+              <a:t>31</a:t>
+            </a:fld>
+            <a:endParaRPr lang="en-US" dirty="0"/>
+          </a:p>
+        </p:txBody>
+      </p:sp>
+    </p:spTree>
+    <p:extLst>
+      <p:ext uri="{BB962C8B-B14F-4D97-AF65-F5344CB8AC3E}">
+        <p14:creationId xmlns:p14="http://schemas.microsoft.com/office/powerpoint/2010/main" val="1334906056"/>
+      </p:ext>
+    </p:extLst>
+  </p:cSld>
+  <p:clrMapOvr>
+    <a:masterClrMapping/>
+  </p:clrMapOvr>
+</p:notes>
+</file>
+
+<file path=ppt/notesSlides/notesSlide32.xml><?xml version="1.0" encoding="utf-8"?>
+<p:notes xmlns:a="http://schemas.openxmlformats.org/drawingml/2006/main" xmlns:r="http://schemas.openxmlformats.org/officeDocument/2006/relationships" xmlns:p="http://schemas.openxmlformats.org/presentationml/2006/main">
+  <p:cSld>
+    <p:spTree>
+      <p:nvGrpSpPr>
+        <p:cNvPr id="1" name=""/>
+        <p:cNvGrpSpPr/>
+        <p:nvPr/>
+      </p:nvGrpSpPr>
+      <p:grpSpPr>
+        <a:xfrm>
+          <a:off x="0" y="0"/>
+          <a:ext cx="0" cy="0"/>
+          <a:chOff x="0" y="0"/>
+          <a:chExt cx="0" cy="0"/>
+        </a:xfrm>
+      </p:grpSpPr>
+      <p:sp>
+        <p:nvSpPr>
+          <p:cNvPr id="2" name="Slide Image Placeholder 1"/>
+          <p:cNvSpPr>
+            <a:spLocks noGrp="1" noRot="1" noChangeAspect="1"/>
+          </p:cNvSpPr>
+          <p:nvPr>
+            <p:ph type="sldImg"/>
+          </p:nvPr>
+        </p:nvSpPr>
+        <p:spPr/>
+      </p:sp>
+      <p:sp>
+        <p:nvSpPr>
+          <p:cNvPr id="3" name="Notes Placeholder 2"/>
+          <p:cNvSpPr>
+            <a:spLocks noGrp="1"/>
+          </p:cNvSpPr>
+          <p:nvPr>
+            <p:ph type="body" idx="1"/>
+          </p:nvPr>
+        </p:nvSpPr>
+        <p:spPr/>
+        <p:txBody>
+          <a:bodyPr/>
+          <a:lstStyle/>
+          <a:p>
+            <a:r>
+              <a:rPr lang="en-US" dirty="0"/>
+              <a:t>iOS and Android coming soon</a:t>
+            </a:r>
+          </a:p>
+          <a:p>
+            <a:endParaRPr lang="en-US" dirty="0"/>
+          </a:p>
+          <a:p>
+            <a:r>
+              <a:rPr lang="en-US" dirty="0"/>
+              <a:t>TODO: Add to the diagram off the cloud service (collapse this slide into earlier diagram slide)</a:t>
+            </a:r>
+          </a:p>
+        </p:txBody>
+      </p:sp>
+      <p:sp>
+        <p:nvSpPr>
+          <p:cNvPr id="4" name="Slide Number Placeholder 3"/>
+          <p:cNvSpPr>
+            <a:spLocks noGrp="1"/>
+          </p:cNvSpPr>
+          <p:nvPr>
+            <p:ph type="sldNum" sz="quarter" idx="10"/>
+          </p:nvPr>
+        </p:nvSpPr>
+        <p:spPr/>
+        <p:txBody>
+          <a:bodyPr/>
+          <a:lstStyle/>
+          <a:p>
+            <a:fld id="{40B1AD7A-8DF3-4DCE-960D-1DF5B9856ADB}" type="slidenum">
+              <a:rPr lang="en-US" smtClean="0"/>
+              <a:t>32</a:t>
+            </a:fld>
+            <a:endParaRPr lang="en-US" dirty="0"/>
+          </a:p>
+        </p:txBody>
+      </p:sp>
+    </p:spTree>
+    <p:extLst>
+      <p:ext uri="{BB962C8B-B14F-4D97-AF65-F5344CB8AC3E}">
+        <p14:creationId xmlns:p14="http://schemas.microsoft.com/office/powerpoint/2010/main" val="1314748714"/>
+      </p:ext>
+    </p:extLst>
+  </p:cSld>
+  <p:clrMapOvr>
+    <a:masterClrMapping/>
+  </p:clrMapOvr>
+</p:notes>
+</file>
+
+<file path=ppt/notesSlides/notesSlide33.xml><?xml version="1.0" encoding="utf-8"?>
+<p:notes xmlns:a="http://schemas.openxmlformats.org/drawingml/2006/main" xmlns:r="http://schemas.openxmlformats.org/officeDocument/2006/relationships" xmlns:p="http://schemas.openxmlformats.org/presentationml/2006/main">
+  <p:cSld>
+    <p:spTree>
+      <p:nvGrpSpPr>
+        <p:cNvPr id="1" name=""/>
+        <p:cNvGrpSpPr/>
+        <p:nvPr/>
+      </p:nvGrpSpPr>
+      <p:grpSpPr>
+        <a:xfrm>
+          <a:off x="0" y="0"/>
+          <a:ext cx="0" cy="0"/>
+          <a:chOff x="0" y="0"/>
+          <a:chExt cx="0" cy="0"/>
+        </a:xfrm>
+      </p:grpSpPr>
+      <p:sp>
+        <p:nvSpPr>
+          <p:cNvPr id="2" name="Slide Image Placeholder 1"/>
+          <p:cNvSpPr>
+            <a:spLocks noGrp="1" noRot="1" noChangeAspect="1"/>
+          </p:cNvSpPr>
+          <p:nvPr>
+            <p:ph type="sldImg"/>
+          </p:nvPr>
+        </p:nvSpPr>
+        <p:spPr/>
+      </p:sp>
+      <p:sp>
+        <p:nvSpPr>
+          <p:cNvPr id="3" name="Notes Placeholder 2"/>
+          <p:cNvSpPr>
+            <a:spLocks noGrp="1"/>
+          </p:cNvSpPr>
+          <p:nvPr>
+            <p:ph type="body" idx="1"/>
+          </p:nvPr>
+        </p:nvSpPr>
+        <p:spPr/>
+        <p:txBody>
+          <a:bodyPr/>
+          <a:lstStyle/>
+          <a:p>
+            <a:r>
+              <a:rPr lang="en-US" dirty="0" err="1"/>
+              <a:t>Prereq</a:t>
+            </a:r>
+            <a:endParaRPr lang="en-US" dirty="0"/>
+          </a:p>
+          <a:p>
+            <a:r>
+              <a:rPr lang="en-US" dirty="0"/>
+              <a:t>	Create an</a:t>
+            </a:r>
+            <a:r>
+              <a:rPr lang="en-US" baseline="0" dirty="0"/>
+              <a:t> OMS portal</a:t>
+            </a:r>
+          </a:p>
+          <a:p>
+            <a:endParaRPr lang="en-US" dirty="0"/>
+          </a:p>
+          <a:p>
+            <a:r>
+              <a:rPr lang="en-US" dirty="0"/>
+              <a:t>Open OMS</a:t>
+            </a:r>
+          </a:p>
+          <a:p>
+            <a:r>
+              <a:rPr lang="en-US" dirty="0"/>
+              <a:t>Show</a:t>
+            </a:r>
+            <a:r>
+              <a:rPr lang="en-US" baseline="0" dirty="0"/>
+              <a:t> dashboard</a:t>
+            </a:r>
+          </a:p>
+          <a:p>
+            <a:r>
+              <a:rPr lang="en-US" baseline="0" dirty="0"/>
+              <a:t>Add VM to OMS</a:t>
+            </a:r>
+          </a:p>
+          <a:p>
+            <a:r>
+              <a:rPr lang="en-US" baseline="0" dirty="0"/>
+              <a:t>Show the solution packs</a:t>
+            </a:r>
+          </a:p>
+          <a:p>
+            <a:r>
+              <a:rPr lang="en-US" baseline="0" dirty="0"/>
+              <a:t>Show the search experience</a:t>
+            </a:r>
+          </a:p>
+        </p:txBody>
+      </p:sp>
+      <p:sp>
+        <p:nvSpPr>
+          <p:cNvPr id="4" name="Header Placeholder 3"/>
+          <p:cNvSpPr>
+            <a:spLocks noGrp="1"/>
+          </p:cNvSpPr>
+          <p:nvPr>
+            <p:ph type="hdr" sz="quarter" idx="10"/>
+          </p:nvPr>
+        </p:nvSpPr>
+        <p:spPr/>
+        <p:txBody>
+          <a:bodyPr/>
+          <a:lstStyle/>
+          <a:p>
+            <a:endParaRPr lang="en-US" dirty="0"/>
+          </a:p>
+        </p:txBody>
+      </p:sp>
+      <p:sp>
+        <p:nvSpPr>
+          <p:cNvPr id="5" name="Footer Placeholder 4"/>
+          <p:cNvSpPr>
+            <a:spLocks noGrp="1"/>
+          </p:cNvSpPr>
+          <p:nvPr>
+            <p:ph type="ftr" sz="quarter" idx="11"/>
+          </p:nvPr>
+        </p:nvSpPr>
+        <p:spPr/>
+        <p:txBody>
+          <a:bodyPr/>
+          <a:lstStyle/>
+          <a:p>
+            <a:pPr marL="398463" defTabSz="914099" eaLnBrk="0" hangingPunct="0"/>
+            <a:r>
+              <a:rPr lang="en-US" sz="400">
+                <a:gradFill>
+                  <a:gsLst>
+                    <a:gs pos="0">
+                      <a:schemeClr val="tx1"/>
+                    </a:gs>
+                    <a:gs pos="100000">
+                      <a:schemeClr val="tx1"/>
+                    </a:gs>
+                  </a:gsLst>
+                  <a:lin ang="5400000" scaled="0"/>
+                </a:gradFill>
+                <a:latin typeface="Segoe UI" pitchFamily="34" charset="0"/>
+                <a:ea typeface="Segoe UI" pitchFamily="34" charset="0"/>
+                <a:cs typeface="Segoe UI" pitchFamily="34" charset="0"/>
+              </a:rPr>
+              <a:t>© Microsoft Corporation. All rights reserved. </a:t>
+            </a:r>
+            <a:endParaRPr lang="en-US" sz="400" dirty="0">
+              <a:gradFill>
+                <a:gsLst>
+                  <a:gs pos="0">
+                    <a:schemeClr val="tx1"/>
+                  </a:gs>
+                  <a:gs pos="100000">
+                    <a:schemeClr val="tx1"/>
+                  </a:gs>
+                </a:gsLst>
+                <a:lin ang="5400000" scaled="0"/>
+              </a:gradFill>
+              <a:latin typeface="Segoe UI" pitchFamily="34" charset="0"/>
+              <a:ea typeface="Segoe UI" pitchFamily="34" charset="0"/>
+              <a:cs typeface="Segoe UI" pitchFamily="34" charset="0"/>
+            </a:endParaRPr>
+          </a:p>
+        </p:txBody>
+      </p:sp>
+      <p:sp>
+        <p:nvSpPr>
+          <p:cNvPr id="6" name="Date Placeholder 5"/>
+          <p:cNvSpPr>
+            <a:spLocks noGrp="1"/>
+          </p:cNvSpPr>
+          <p:nvPr>
+            <p:ph type="dt" idx="12"/>
+          </p:nvPr>
+        </p:nvSpPr>
+        <p:spPr/>
+        <p:txBody>
+          <a:bodyPr/>
+          <a:lstStyle/>
+          <a:p>
+            <a:fld id="{196BB360-4395-422C-A729-CB974B278917}" type="datetime8">
+              <a:rPr lang="en-US" smtClean="0"/>
+              <a:t>12/4/2017 11:07 PM</a:t>
+            </a:fld>
+            <a:endParaRPr lang="en-US" dirty="0"/>
+          </a:p>
+        </p:txBody>
+      </p:sp>
+      <p:sp>
+        <p:nvSpPr>
+          <p:cNvPr id="7" name="Slide Number Placeholder 6"/>
+          <p:cNvSpPr>
+            <a:spLocks noGrp="1"/>
+          </p:cNvSpPr>
+          <p:nvPr>
+            <p:ph type="sldNum" sz="quarter" idx="13"/>
+          </p:nvPr>
+        </p:nvSpPr>
+        <p:spPr/>
+        <p:txBody>
+          <a:bodyPr/>
+          <a:lstStyle/>
+          <a:p>
+            <a:fld id="{B4008EB6-D09E-4580-8CD6-DDB14511944F}" type="slidenum">
+              <a:rPr lang="en-US" smtClean="0"/>
+              <a:pPr/>
+              <a:t>33</a:t>
+            </a:fld>
+            <a:endParaRPr lang="en-US" dirty="0"/>
+          </a:p>
+        </p:txBody>
+      </p:sp>
+    </p:spTree>
+    <p:extLst>
+      <p:ext uri="{BB962C8B-B14F-4D97-AF65-F5344CB8AC3E}">
+        <p14:creationId xmlns:p14="http://schemas.microsoft.com/office/powerpoint/2010/main" val="31266704"/>
+      </p:ext>
+    </p:extLst>
+  </p:cSld>
+  <p:clrMapOvr>
+    <a:masterClrMapping/>
+  </p:clrMapOvr>
+</p:notes>
+</file>
+
+<file path=ppt/notesSlides/notesSlide34.xml><?xml version="1.0" encoding="utf-8"?>
+<p:notes xmlns:a="http://schemas.openxmlformats.org/drawingml/2006/main" xmlns:r="http://schemas.openxmlformats.org/officeDocument/2006/relationships" xmlns:p="http://schemas.openxmlformats.org/presentationml/2006/main">
+  <p:cSld>
+    <p:spTree>
+      <p:nvGrpSpPr>
+        <p:cNvPr id="1" name=""/>
+        <p:cNvGrpSpPr/>
+        <p:nvPr/>
+      </p:nvGrpSpPr>
+      <p:grpSpPr>
+        <a:xfrm>
+          <a:off x="0" y="0"/>
+          <a:ext cx="0" cy="0"/>
+          <a:chOff x="0" y="0"/>
+          <a:chExt cx="0" cy="0"/>
+        </a:xfrm>
+      </p:grpSpPr>
+      <p:sp>
+        <p:nvSpPr>
+          <p:cNvPr id="2" name="Slide Image Placeholder 1"/>
+          <p:cNvSpPr>
+            <a:spLocks noGrp="1" noRot="1" noChangeAspect="1"/>
+          </p:cNvSpPr>
+          <p:nvPr>
+            <p:ph type="sldImg"/>
+          </p:nvPr>
+        </p:nvSpPr>
+        <p:spPr/>
+      </p:sp>
+      <p:sp>
+        <p:nvSpPr>
+          <p:cNvPr id="3" name="Notes Placeholder 2"/>
+          <p:cNvSpPr>
+            <a:spLocks noGrp="1"/>
+          </p:cNvSpPr>
+          <p:nvPr>
+            <p:ph type="body" idx="1"/>
+          </p:nvPr>
+        </p:nvSpPr>
+        <p:spPr/>
+        <p:txBody>
+          <a:bodyPr/>
+          <a:lstStyle/>
+          <a:p>
+            <a:endParaRPr lang="en-US"/>
+          </a:p>
+        </p:txBody>
+      </p:sp>
+      <p:sp>
+        <p:nvSpPr>
+          <p:cNvPr id="4" name="Header Placeholder 3"/>
+          <p:cNvSpPr>
+            <a:spLocks noGrp="1"/>
+          </p:cNvSpPr>
+          <p:nvPr>
+            <p:ph type="hdr" sz="quarter" idx="10"/>
+          </p:nvPr>
+        </p:nvSpPr>
+        <p:spPr/>
+        <p:txBody>
+          <a:bodyPr/>
+          <a:lstStyle/>
+          <a:p>
+            <a:endParaRPr lang="en-US" dirty="0"/>
+          </a:p>
+        </p:txBody>
+      </p:sp>
+      <p:sp>
+        <p:nvSpPr>
+          <p:cNvPr id="5" name="Footer Placeholder 4"/>
+          <p:cNvSpPr>
+            <a:spLocks noGrp="1"/>
+          </p:cNvSpPr>
+          <p:nvPr>
+            <p:ph type="ftr" sz="quarter" idx="11"/>
+          </p:nvPr>
+        </p:nvSpPr>
+        <p:spPr/>
+        <p:txBody>
+          <a:bodyPr/>
+          <a:lstStyle/>
+          <a:p>
+            <a:pPr marL="398463" defTabSz="914099" eaLnBrk="0" hangingPunct="0"/>
+            <a:r>
+              <a:rPr lang="en-US" sz="400" smtClean="0">
+                <a:gradFill>
+                  <a:gsLst>
+                    <a:gs pos="0">
+                      <a:schemeClr val="tx1"/>
+                    </a:gs>
+                    <a:gs pos="100000">
+                      <a:schemeClr val="tx1"/>
+                    </a:gs>
+                  </a:gsLst>
+                  <a:lin ang="5400000" scaled="0"/>
+                </a:gradFill>
+                <a:latin typeface="Segoe UI" pitchFamily="34" charset="0"/>
+                <a:ea typeface="Segoe UI" pitchFamily="34" charset="0"/>
+                <a:cs typeface="Segoe UI" pitchFamily="34" charset="0"/>
+              </a:rPr>
+              <a:t>© Microsoft Corporation. All rights reserved. </a:t>
+            </a:r>
+            <a:endParaRPr lang="en-US" sz="400" dirty="0">
+              <a:gradFill>
+                <a:gsLst>
+                  <a:gs pos="0">
+                    <a:schemeClr val="tx1"/>
+                  </a:gs>
+                  <a:gs pos="100000">
+                    <a:schemeClr val="tx1"/>
+                  </a:gs>
+                </a:gsLst>
+                <a:lin ang="5400000" scaled="0"/>
+              </a:gradFill>
+              <a:latin typeface="Segoe UI" pitchFamily="34" charset="0"/>
+              <a:ea typeface="Segoe UI" pitchFamily="34" charset="0"/>
+              <a:cs typeface="Segoe UI" pitchFamily="34" charset="0"/>
+            </a:endParaRPr>
+          </a:p>
+        </p:txBody>
+      </p:sp>
+      <p:sp>
+        <p:nvSpPr>
+          <p:cNvPr id="6" name="Date Placeholder 5"/>
+          <p:cNvSpPr>
+            <a:spLocks noGrp="1"/>
+          </p:cNvSpPr>
+          <p:nvPr>
+            <p:ph type="dt" idx="12"/>
+          </p:nvPr>
+        </p:nvSpPr>
+        <p:spPr/>
+        <p:txBody>
+          <a:bodyPr/>
+          <a:lstStyle/>
+          <a:p>
+            <a:fld id="{196BB360-4395-422C-A729-CB974B278917}" type="datetime8">
+              <a:rPr lang="en-US" smtClean="0"/>
+              <a:t>12/4/2017 11:07 PM</a:t>
+            </a:fld>
+            <a:endParaRPr lang="en-US" dirty="0"/>
+          </a:p>
+        </p:txBody>
+      </p:sp>
+      <p:sp>
+        <p:nvSpPr>
+          <p:cNvPr id="7" name="Slide Number Placeholder 6"/>
+          <p:cNvSpPr>
+            <a:spLocks noGrp="1"/>
+          </p:cNvSpPr>
+          <p:nvPr>
+            <p:ph type="sldNum" sz="quarter" idx="13"/>
+          </p:nvPr>
+        </p:nvSpPr>
+        <p:spPr/>
+        <p:txBody>
+          <a:bodyPr/>
+          <a:lstStyle/>
+          <a:p>
+            <a:fld id="{B4008EB6-D09E-4580-8CD6-DDB14511944F}" type="slidenum">
+              <a:rPr lang="en-US" smtClean="0"/>
+              <a:pPr/>
+              <a:t>34</a:t>
+            </a:fld>
+            <a:endParaRPr lang="en-US" dirty="0"/>
+          </a:p>
+        </p:txBody>
+      </p:sp>
+    </p:spTree>
+    <p:extLst>
+      <p:ext uri="{BB962C8B-B14F-4D97-AF65-F5344CB8AC3E}">
+        <p14:creationId xmlns:p14="http://schemas.microsoft.com/office/powerpoint/2010/main" val="92615500"/>
+      </p:ext>
+    </p:extLst>
+  </p:cSld>
+  <p:clrMapOvr>
+    <a:masterClrMapping/>
+  </p:clrMapOvr>
+</p:notes>
+</file>
+
+<file path=ppt/notesSlides/notesSlide35.xml><?xml version="1.0" encoding="utf-8"?>
+<p:notes xmlns:a="http://schemas.openxmlformats.org/drawingml/2006/main" xmlns:r="http://schemas.openxmlformats.org/officeDocument/2006/relationships" xmlns:p="http://schemas.openxmlformats.org/presentationml/2006/main">
+  <p:cSld>
+    <p:spTree>
+      <p:nvGrpSpPr>
+        <p:cNvPr id="1" name=""/>
+        <p:cNvGrpSpPr/>
+        <p:nvPr/>
+      </p:nvGrpSpPr>
+      <p:grpSpPr>
+        <a:xfrm>
+          <a:off x="0" y="0"/>
+          <a:ext cx="0" cy="0"/>
+          <a:chOff x="0" y="0"/>
+          <a:chExt cx="0" cy="0"/>
+        </a:xfrm>
+      </p:grpSpPr>
+      <p:sp>
+        <p:nvSpPr>
+          <p:cNvPr id="2" name="Slide Image Placeholder 1"/>
+          <p:cNvSpPr>
+            <a:spLocks noGrp="1" noRot="1" noChangeAspect="1"/>
+          </p:cNvSpPr>
+          <p:nvPr>
+            <p:ph type="sldImg"/>
+          </p:nvPr>
+        </p:nvSpPr>
+        <p:spPr/>
+      </p:sp>
+      <p:sp>
+        <p:nvSpPr>
+          <p:cNvPr id="3" name="Notes Placeholder 2"/>
+          <p:cNvSpPr>
+            <a:spLocks noGrp="1"/>
+          </p:cNvSpPr>
+          <p:nvPr>
+            <p:ph type="body" idx="1"/>
+          </p:nvPr>
+        </p:nvSpPr>
+        <p:spPr/>
+        <p:txBody>
+          <a:bodyPr/>
+          <a:lstStyle/>
+          <a:p>
+            <a:endParaRPr lang="en-US"/>
+          </a:p>
+        </p:txBody>
+      </p:sp>
+      <p:sp>
+        <p:nvSpPr>
+          <p:cNvPr id="4" name="Header Placeholder 3"/>
+          <p:cNvSpPr>
+            <a:spLocks noGrp="1"/>
+          </p:cNvSpPr>
+          <p:nvPr>
+            <p:ph type="hdr" sz="quarter" idx="10"/>
+          </p:nvPr>
+        </p:nvSpPr>
+        <p:spPr/>
+        <p:txBody>
+          <a:bodyPr/>
+          <a:lstStyle/>
+          <a:p>
+            <a:endParaRPr lang="en-US" dirty="0"/>
+          </a:p>
+        </p:txBody>
+      </p:sp>
+      <p:sp>
+        <p:nvSpPr>
+          <p:cNvPr id="5" name="Footer Placeholder 4"/>
+          <p:cNvSpPr>
+            <a:spLocks noGrp="1"/>
+          </p:cNvSpPr>
+          <p:nvPr>
+            <p:ph type="ftr" sz="quarter" idx="11"/>
+          </p:nvPr>
+        </p:nvSpPr>
+        <p:spPr/>
+        <p:txBody>
+          <a:bodyPr/>
+          <a:lstStyle/>
+          <a:p>
+            <a:pPr marL="398463" defTabSz="914099" eaLnBrk="0" hangingPunct="0"/>
+            <a:r>
+              <a:rPr lang="en-US" sz="400" smtClean="0">
+                <a:gradFill>
+                  <a:gsLst>
+                    <a:gs pos="0">
+                      <a:schemeClr val="tx1"/>
+                    </a:gs>
+                    <a:gs pos="100000">
+                      <a:schemeClr val="tx1"/>
+                    </a:gs>
+                  </a:gsLst>
+                  <a:lin ang="5400000" scaled="0"/>
+                </a:gradFill>
+                <a:latin typeface="Segoe UI" pitchFamily="34" charset="0"/>
+                <a:ea typeface="Segoe UI" pitchFamily="34" charset="0"/>
+                <a:cs typeface="Segoe UI" pitchFamily="34" charset="0"/>
+              </a:rPr>
+              <a:t>© Microsoft Corporation. All rights reserved. </a:t>
+            </a:r>
+            <a:endParaRPr lang="en-US" sz="400" dirty="0">
+              <a:gradFill>
+                <a:gsLst>
+                  <a:gs pos="0">
+                    <a:schemeClr val="tx1"/>
+                  </a:gs>
+                  <a:gs pos="100000">
+                    <a:schemeClr val="tx1"/>
+                  </a:gs>
+                </a:gsLst>
+                <a:lin ang="5400000" scaled="0"/>
+              </a:gradFill>
+              <a:latin typeface="Segoe UI" pitchFamily="34" charset="0"/>
+              <a:ea typeface="Segoe UI" pitchFamily="34" charset="0"/>
+              <a:cs typeface="Segoe UI" pitchFamily="34" charset="0"/>
+            </a:endParaRPr>
+          </a:p>
+        </p:txBody>
+      </p:sp>
+      <p:sp>
+        <p:nvSpPr>
+          <p:cNvPr id="6" name="Date Placeholder 5"/>
+          <p:cNvSpPr>
+            <a:spLocks noGrp="1"/>
+          </p:cNvSpPr>
+          <p:nvPr>
+            <p:ph type="dt" idx="12"/>
+          </p:nvPr>
+        </p:nvSpPr>
+        <p:spPr/>
+        <p:txBody>
+          <a:bodyPr/>
+          <a:lstStyle/>
+          <a:p>
+            <a:fld id="{196BB360-4395-422C-A729-CB974B278917}" type="datetime8">
+              <a:rPr lang="en-US" smtClean="0"/>
+              <a:t>12/4/2017 11:07 PM</a:t>
+            </a:fld>
+            <a:endParaRPr lang="en-US" dirty="0"/>
+          </a:p>
+        </p:txBody>
+      </p:sp>
+      <p:sp>
+        <p:nvSpPr>
+          <p:cNvPr id="7" name="Slide Number Placeholder 6"/>
+          <p:cNvSpPr>
+            <a:spLocks noGrp="1"/>
+          </p:cNvSpPr>
+          <p:nvPr>
+            <p:ph type="sldNum" sz="quarter" idx="13"/>
+          </p:nvPr>
+        </p:nvSpPr>
+        <p:spPr/>
+        <p:txBody>
+          <a:bodyPr/>
+          <a:lstStyle/>
+          <a:p>
+            <a:fld id="{B4008EB6-D09E-4580-8CD6-DDB14511944F}" type="slidenum">
+              <a:rPr lang="en-US" smtClean="0"/>
+              <a:pPr/>
+              <a:t>35</a:t>
+            </a:fld>
+            <a:endParaRPr lang="en-US" dirty="0"/>
+          </a:p>
+        </p:txBody>
+      </p:sp>
+    </p:spTree>
+    <p:extLst>
+      <p:ext uri="{BB962C8B-B14F-4D97-AF65-F5344CB8AC3E}">
+        <p14:creationId xmlns:p14="http://schemas.microsoft.com/office/powerpoint/2010/main" val="458224427"/>
+      </p:ext>
+    </p:extLst>
+  </p:cSld>
+  <p:clrMapOvr>
+    <a:masterClrMapping/>
+  </p:clrMapOvr>
+</p:notes>
+</file>
+
+<file path=ppt/notesSlides/notesSlide36.xml><?xml version="1.0" encoding="utf-8"?>
+<p:notes xmlns:a="http://schemas.openxmlformats.org/drawingml/2006/main" xmlns:r="http://schemas.openxmlformats.org/officeDocument/2006/relationships" xmlns:p="http://schemas.openxmlformats.org/presentationml/2006/main">
+  <p:cSld>
+    <p:spTree>
+      <p:nvGrpSpPr>
+        <p:cNvPr id="1" name=""/>
+        <p:cNvGrpSpPr/>
+        <p:nvPr/>
+      </p:nvGrpSpPr>
+      <p:grpSpPr>
+        <a:xfrm>
+          <a:off x="0" y="0"/>
+          <a:ext cx="0" cy="0"/>
+          <a:chOff x="0" y="0"/>
+          <a:chExt cx="0" cy="0"/>
+        </a:xfrm>
+      </p:grpSpPr>
+      <p:sp>
+        <p:nvSpPr>
+          <p:cNvPr id="2" name="Slide Image Placeholder 1"/>
+          <p:cNvSpPr>
+            <a:spLocks noGrp="1" noRot="1" noChangeAspect="1"/>
+          </p:cNvSpPr>
+          <p:nvPr>
+            <p:ph type="sldImg"/>
+          </p:nvPr>
+        </p:nvSpPr>
+        <p:spPr>
+          <a:xfrm>
+            <a:off x="381000" y="685800"/>
+            <a:ext cx="6096000" cy="3429000"/>
+          </a:xfrm>
+        </p:spPr>
+      </p:sp>
+      <p:sp>
+        <p:nvSpPr>
+          <p:cNvPr id="3" name="Notes Placeholder 2"/>
+          <p:cNvSpPr>
+            <a:spLocks noGrp="1"/>
+          </p:cNvSpPr>
+          <p:nvPr>
+            <p:ph type="body" idx="1"/>
+          </p:nvPr>
+        </p:nvSpPr>
+        <p:spPr/>
+        <p:txBody>
+          <a:bodyPr>
+            <a:normAutofit/>
+          </a:bodyPr>
+          <a:lstStyle/>
+          <a:p>
+            <a:endParaRPr lang="en-US" dirty="0"/>
+          </a:p>
+        </p:txBody>
+      </p:sp>
+      <p:sp>
+        <p:nvSpPr>
+          <p:cNvPr id="4" name="Header Placeholder 3"/>
+          <p:cNvSpPr>
+            <a:spLocks noGrp="1"/>
+          </p:cNvSpPr>
+          <p:nvPr>
+            <p:ph type="hdr" sz="quarter" idx="10"/>
+          </p:nvPr>
+        </p:nvSpPr>
+        <p:spPr>
+          <a:xfrm>
+            <a:off x="0" y="0"/>
+            <a:ext cx="2971800" cy="457200"/>
+          </a:xfrm>
+          <a:prstGeom prst="rect">
+            <a:avLst/>
+          </a:prstGeom>
+        </p:spPr>
+        <p:txBody>
+          <a:bodyPr/>
+          <a:lstStyle/>
+          <a:p>
+            <a:endParaRPr lang="en-US" dirty="0">
+              <a:solidFill>
+                <a:prstClr val="black"/>
+              </a:solidFill>
+            </a:endParaRPr>
+          </a:p>
+        </p:txBody>
+      </p:sp>
+      <p:sp>
+        <p:nvSpPr>
+          <p:cNvPr id="5" name="Date Placeholder 4"/>
+          <p:cNvSpPr>
+            <a:spLocks noGrp="1"/>
+          </p:cNvSpPr>
+          <p:nvPr>
+            <p:ph type="dt" idx="11"/>
+          </p:nvPr>
+        </p:nvSpPr>
+        <p:spPr/>
+        <p:txBody>
+          <a:bodyPr/>
+          <a:lstStyle/>
+          <a:p>
+            <a:fld id="{D68436A8-437D-4255-9334-1742560317AD}" type="datetime8">
+              <a:rPr lang="en-US" smtClean="0">
+                <a:solidFill>
+                  <a:prstClr val="black"/>
+                </a:solidFill>
+              </a:rPr>
+              <a:t>12/4/2017 11:07 PM</a:t>
+            </a:fld>
+            <a:endParaRPr lang="en-US" dirty="0">
+              <a:solidFill>
+                <a:prstClr val="black"/>
+              </a:solidFill>
+            </a:endParaRPr>
+          </a:p>
+        </p:txBody>
+      </p:sp>
+      <p:sp>
+        <p:nvSpPr>
+          <p:cNvPr id="7" name="Slide Number Placeholder 6"/>
+          <p:cNvSpPr>
+            <a:spLocks noGrp="1"/>
+          </p:cNvSpPr>
+          <p:nvPr>
+            <p:ph type="sldNum" sz="quarter" idx="13"/>
+          </p:nvPr>
+        </p:nvSpPr>
+        <p:spPr/>
+        <p:txBody>
+          <a:bodyPr/>
+          <a:lstStyle/>
+          <a:p>
+            <a:fld id="{EC87E0CF-87F6-4B58-B8B8-DCAB2DAAF3CA}" type="slidenum">
+              <a:rPr lang="en-US" smtClean="0">
+                <a:solidFill>
+                  <a:prstClr val="black"/>
+                </a:solidFill>
+              </a:rPr>
+              <a:pPr/>
+              <a:t>36</a:t>
+            </a:fld>
+            <a:endParaRPr lang="en-US" dirty="0">
+              <a:solidFill>
+                <a:prstClr val="black"/>
+              </a:solidFill>
+            </a:endParaRPr>
+          </a:p>
+        </p:txBody>
+      </p:sp>
+      <p:sp>
+        <p:nvSpPr>
+          <p:cNvPr id="8" name="Footer Placeholder 7"/>
+          <p:cNvSpPr>
+            <a:spLocks noGrp="1"/>
+          </p:cNvSpPr>
+          <p:nvPr>
+            <p:ph type="ftr" sz="quarter" idx="14"/>
           </p:nvPr>
         </p:nvSpPr>
         <p:spPr/>
@@ -10081,6 +14723,140 @@
           </a:p>
         </p:txBody>
       </p:sp>
+    </p:spTree>
+    <p:extLst>
+      <p:ext uri="{BB962C8B-B14F-4D97-AF65-F5344CB8AC3E}">
+        <p14:creationId xmlns:p14="http://schemas.microsoft.com/office/powerpoint/2010/main" val="295923338"/>
+      </p:ext>
+    </p:extLst>
+  </p:cSld>
+  <p:clrMapOvr>
+    <a:masterClrMapping/>
+  </p:clrMapOvr>
+</p:notes>
+</file>
+
+<file path=ppt/notesSlides/notesSlide37.xml><?xml version="1.0" encoding="utf-8"?>
+<p:notes xmlns:a="http://schemas.openxmlformats.org/drawingml/2006/main" xmlns:r="http://schemas.openxmlformats.org/officeDocument/2006/relationships" xmlns:p="http://schemas.openxmlformats.org/presentationml/2006/main">
+  <p:cSld>
+    <p:spTree>
+      <p:nvGrpSpPr>
+        <p:cNvPr id="1" name=""/>
+        <p:cNvGrpSpPr/>
+        <p:nvPr/>
+      </p:nvGrpSpPr>
+      <p:grpSpPr>
+        <a:xfrm>
+          <a:off x="0" y="0"/>
+          <a:ext cx="0" cy="0"/>
+          <a:chOff x="0" y="0"/>
+          <a:chExt cx="0" cy="0"/>
+        </a:xfrm>
+      </p:grpSpPr>
+      <p:sp>
+        <p:nvSpPr>
+          <p:cNvPr id="2" name="Slide Image Placeholder 1"/>
+          <p:cNvSpPr>
+            <a:spLocks noGrp="1" noRot="1" noChangeAspect="1"/>
+          </p:cNvSpPr>
+          <p:nvPr>
+            <p:ph type="sldImg"/>
+          </p:nvPr>
+        </p:nvSpPr>
+        <p:spPr/>
+      </p:sp>
+      <p:sp>
+        <p:nvSpPr>
+          <p:cNvPr id="3" name="Notes Placeholder 2"/>
+          <p:cNvSpPr>
+            <a:spLocks noGrp="1"/>
+          </p:cNvSpPr>
+          <p:nvPr>
+            <p:ph type="body" idx="1"/>
+          </p:nvPr>
+        </p:nvSpPr>
+        <p:spPr/>
+        <p:txBody>
+          <a:bodyPr/>
+          <a:lstStyle/>
+          <a:p>
+            <a:endParaRPr lang="en-US"/>
+          </a:p>
+        </p:txBody>
+      </p:sp>
+      <p:sp>
+        <p:nvSpPr>
+          <p:cNvPr id="4" name="Header Placeholder 3"/>
+          <p:cNvSpPr>
+            <a:spLocks noGrp="1"/>
+          </p:cNvSpPr>
+          <p:nvPr>
+            <p:ph type="hdr" sz="quarter" idx="10"/>
+          </p:nvPr>
+        </p:nvSpPr>
+        <p:spPr/>
+        <p:txBody>
+          <a:bodyPr/>
+          <a:lstStyle/>
+          <a:p>
+            <a:endParaRPr lang="en-US" dirty="0"/>
+          </a:p>
+        </p:txBody>
+      </p:sp>
+      <p:sp>
+        <p:nvSpPr>
+          <p:cNvPr id="5" name="Footer Placeholder 4"/>
+          <p:cNvSpPr>
+            <a:spLocks noGrp="1"/>
+          </p:cNvSpPr>
+          <p:nvPr>
+            <p:ph type="ftr" sz="quarter" idx="11"/>
+          </p:nvPr>
+        </p:nvSpPr>
+        <p:spPr/>
+        <p:txBody>
+          <a:bodyPr/>
+          <a:lstStyle/>
+          <a:p>
+            <a:pPr marL="398463" defTabSz="914099" eaLnBrk="0" hangingPunct="0"/>
+            <a:r>
+              <a:rPr lang="en-US" sz="400" smtClean="0">
+                <a:gradFill>
+                  <a:gsLst>
+                    <a:gs pos="0">
+                      <a:schemeClr val="tx1"/>
+                    </a:gs>
+                    <a:gs pos="100000">
+                      <a:schemeClr val="tx1"/>
+                    </a:gs>
+                  </a:gsLst>
+                  <a:lin ang="5400000" scaled="0"/>
+                </a:gradFill>
+                <a:latin typeface="Segoe UI" pitchFamily="34" charset="0"/>
+                <a:ea typeface="Segoe UI" pitchFamily="34" charset="0"/>
+                <a:cs typeface="Segoe UI" pitchFamily="34" charset="0"/>
+              </a:rPr>
+              <a:t>© Microsoft Corporation. All rights reserved. </a:t>
+            </a:r>
+            <a:endParaRPr lang="en-US" sz="400" dirty="0">
+              <a:gradFill>
+                <a:gsLst>
+                  <a:gs pos="0">
+                    <a:schemeClr val="tx1"/>
+                  </a:gs>
+                  <a:gs pos="100000">
+                    <a:schemeClr val="tx1"/>
+                  </a:gs>
+                </a:gsLst>
+                <a:lin ang="5400000" scaled="0"/>
+              </a:gradFill>
+              <a:latin typeface="Segoe UI" pitchFamily="34" charset="0"/>
+              <a:ea typeface="Segoe UI" pitchFamily="34" charset="0"/>
+              <a:cs typeface="Segoe UI" pitchFamily="34" charset="0"/>
+            </a:endParaRPr>
+          </a:p>
+        </p:txBody>
+      </p:sp>
       <p:sp>
         <p:nvSpPr>
           <p:cNvPr id="6" name="Date Placeholder 5"/>
@@ -10098,7 +14874,7 @@
           <a:p>
             <a:fld id="{196BB360-4395-422C-A729-CB974B278917}" type="datetime8">
               <a:rPr lang="en-US" smtClean="0"/>
-              <a:t>7/12/2017 3:37 PM</a:t>
+              <a:t>12/4/2017 11:07 PM</a:t>
             </a:fld>
             <a:endParaRPr lang="en-US" dirty="0"/>
           </a:p>
@@ -10122,7 +14898,7 @@
             <a:fld id="{B4008EB6-D09E-4580-8CD6-DDB14511944F}" type="slidenum">
               <a:rPr lang="en-US" smtClean="0"/>
               <a:pPr/>
-              <a:t>10</a:t>
+              <a:t>37</a:t>
             </a:fld>
             <a:endParaRPr lang="en-US" dirty="0"/>
           </a:p>
@@ -10131,7 +14907,7 @@
     </p:spTree>
     <p:extLst>
       <p:ext uri="{BB962C8B-B14F-4D97-AF65-F5344CB8AC3E}">
-        <p14:creationId xmlns:p14="http://schemas.microsoft.com/office/powerpoint/2010/main" val="88573679"/>
+        <p14:creationId xmlns:p14="http://schemas.microsoft.com/office/powerpoint/2010/main" val="4199307898"/>
       </p:ext>
     </p:extLst>
   </p:cSld>
@@ -10185,35 +14961,7 @@
           <a:bodyPr/>
           <a:lstStyle/>
           <a:p>
-            <a:r>
-              <a:rPr lang="en-US" dirty="0"/>
-              <a:t>Open</a:t>
-            </a:r>
-            <a:r>
-              <a:rPr lang="en-US" baseline="0" dirty="0"/>
-              <a:t> azure portal</a:t>
-            </a:r>
-          </a:p>
-          <a:p>
-            <a:r>
-              <a:rPr lang="en-US" baseline="0" dirty="0"/>
-              <a:t>Show metrics</a:t>
-            </a:r>
-          </a:p>
-          <a:p>
-            <a:r>
-              <a:rPr lang="en-US" baseline="0" dirty="0"/>
-              <a:t>Show audit logs</a:t>
-            </a:r>
-          </a:p>
-          <a:p>
-            <a:r>
-              <a:rPr lang="en-US" baseline="0" dirty="0"/>
-              <a:t>Show export to storage, event hubs, web hooks</a:t>
-            </a:r>
-          </a:p>
-          <a:p>
-            <a:endParaRPr lang="en-US" dirty="0"/>
+            <a:endParaRPr lang="en-US"/>
           </a:p>
         </p:txBody>
       </p:sp>
@@ -10253,7 +15001,7 @@
           <a:p>
             <a:pPr marL="398463" defTabSz="914099" eaLnBrk="0" hangingPunct="0"/>
             <a:r>
-              <a:rPr lang="en-US" sz="400">
+              <a:rPr lang="en-US" sz="400" smtClean="0">
                 <a:gradFill>
                   <a:gsLst>
                     <a:gs pos="0">
@@ -10307,7 +15055,7 @@
           <a:p>
             <a:fld id="{196BB360-4395-422C-A729-CB974B278917}" type="datetime8">
               <a:rPr lang="en-US" smtClean="0"/>
-              <a:t>7/12/2017 3:37 PM</a:t>
+              <a:t>12/4/2017 11:07 PM</a:t>
             </a:fld>
             <a:endParaRPr lang="en-US" dirty="0"/>
           </a:p>
@@ -10331,7 +15079,7 @@
             <a:fld id="{B4008EB6-D09E-4580-8CD6-DDB14511944F}" type="slidenum">
               <a:rPr lang="en-US" smtClean="0"/>
               <a:pPr/>
-              <a:t>15</a:t>
+              <a:t>4</a:t>
             </a:fld>
             <a:endParaRPr lang="en-US" dirty="0"/>
           </a:p>
@@ -10340,7 +15088,7 @@
     </p:spTree>
     <p:extLst>
       <p:ext uri="{BB962C8B-B14F-4D97-AF65-F5344CB8AC3E}">
-        <p14:creationId xmlns:p14="http://schemas.microsoft.com/office/powerpoint/2010/main" val="275843714"/>
+        <p14:creationId xmlns:p14="http://schemas.microsoft.com/office/powerpoint/2010/main" val="2576555549"/>
       </p:ext>
     </p:extLst>
   </p:cSld>
@@ -10394,7 +15142,7 @@
           <a:bodyPr/>
           <a:lstStyle/>
           <a:p>
-            <a:endParaRPr lang="en-US" dirty="0"/>
+            <a:endParaRPr lang="en-US"/>
           </a:p>
         </p:txBody>
       </p:sp>
@@ -10434,7 +15182,7 @@
           <a:p>
             <a:pPr marL="398463" defTabSz="914099" eaLnBrk="0" hangingPunct="0"/>
             <a:r>
-              <a:rPr lang="en-US" sz="400" dirty="0">
+              <a:rPr lang="en-US" sz="400" smtClean="0">
                 <a:gradFill>
                   <a:gsLst>
                     <a:gs pos="0">
@@ -10452,6 +15200,22 @@
               </a:rPr>
               <a:t>© Microsoft Corporation. All rights reserved. </a:t>
             </a:r>
+            <a:endParaRPr lang="en-US" sz="400" dirty="0">
+              <a:gradFill>
+                <a:gsLst>
+                  <a:gs pos="0">
+                    <a:schemeClr val="tx1"/>
+                  </a:gs>
+                  <a:gs pos="100000">
+                    <a:schemeClr val="tx1"/>
+                  </a:gs>
+                </a:gsLst>
+                <a:lin ang="5400000" scaled="0"/>
+              </a:gradFill>
+              <a:latin typeface="Segoe UI" pitchFamily="34" charset="0"/>
+              <a:ea typeface="Segoe UI" pitchFamily="34" charset="0"/>
+              <a:cs typeface="Segoe UI" pitchFamily="34" charset="0"/>
+            </a:endParaRPr>
           </a:p>
         </p:txBody>
       </p:sp>
@@ -10472,7 +15236,7 @@
           <a:p>
             <a:fld id="{196BB360-4395-422C-A729-CB974B278917}" type="datetime8">
               <a:rPr lang="en-US" smtClean="0"/>
-              <a:t>7/12/2017 3:37 PM</a:t>
+              <a:t>12/4/2017 11:07 PM</a:t>
             </a:fld>
             <a:endParaRPr lang="en-US" dirty="0"/>
           </a:p>
@@ -10496,7 +15260,7 @@
             <a:fld id="{B4008EB6-D09E-4580-8CD6-DDB14511944F}" type="slidenum">
               <a:rPr lang="en-US" smtClean="0"/>
               <a:pPr/>
-              <a:t>20</a:t>
+              <a:t>5</a:t>
             </a:fld>
             <a:endParaRPr lang="en-US" dirty="0"/>
           </a:p>
@@ -10505,7 +15269,7 @@
     </p:spTree>
     <p:extLst>
       <p:ext uri="{BB962C8B-B14F-4D97-AF65-F5344CB8AC3E}">
-        <p14:creationId xmlns:p14="http://schemas.microsoft.com/office/powerpoint/2010/main" val="705200883"/>
+        <p14:creationId xmlns:p14="http://schemas.microsoft.com/office/powerpoint/2010/main" val="1878263330"/>
       </p:ext>
     </p:extLst>
   </p:cSld>
@@ -10561,7 +15325,7 @@
           <a:p>
             <a:r>
               <a:rPr lang="en-US" dirty="0"/>
-              <a:t>https://azure.microsoft.com/en-us/documentation/articles/app-insights-sampling</a:t>
+              <a:t>https://azure.microsoft.com/en-us/documentation/articles/monitoring-supported-metrics/</a:t>
             </a:r>
           </a:p>
         </p:txBody>
@@ -10640,7 +15404,7 @@
           <a:p>
             <a:fld id="{196BB360-4395-422C-A729-CB974B278917}" type="datetime8">
               <a:rPr lang="en-US" smtClean="0"/>
-              <a:t>7/12/2017 3:37 PM</a:t>
+              <a:t>12/4/2017 11:07 PM</a:t>
             </a:fld>
             <a:endParaRPr lang="en-US" dirty="0"/>
           </a:p>
@@ -10664,7 +15428,7 @@
             <a:fld id="{B4008EB6-D09E-4580-8CD6-DDB14511944F}" type="slidenum">
               <a:rPr lang="en-US" smtClean="0"/>
               <a:pPr/>
-              <a:t>21</a:t>
+              <a:t>6</a:t>
             </a:fld>
             <a:endParaRPr lang="en-US" dirty="0"/>
           </a:p>
@@ -10673,7 +15437,7 @@
     </p:spTree>
     <p:extLst>
       <p:ext uri="{BB962C8B-B14F-4D97-AF65-F5344CB8AC3E}">
-        <p14:creationId xmlns:p14="http://schemas.microsoft.com/office/powerpoint/2010/main" val="3332181897"/>
+        <p14:creationId xmlns:p14="http://schemas.microsoft.com/office/powerpoint/2010/main" val="2439115678"/>
       </p:ext>
     </p:extLst>
   </p:cSld>
@@ -10727,27 +15491,7 @@
           <a:bodyPr/>
           <a:lstStyle/>
           <a:p>
-            <a:r>
-              <a:rPr lang="en-US" dirty="0"/>
-              <a:t>Show</a:t>
-            </a:r>
-            <a:r>
-              <a:rPr lang="en-US" baseline="0" dirty="0"/>
-              <a:t> app insights resource</a:t>
-            </a:r>
-          </a:p>
-          <a:p>
-            <a:r>
-              <a:rPr lang="en-US" baseline="0" dirty="0"/>
-              <a:t>Show .NET with live site capabilities</a:t>
-            </a:r>
-          </a:p>
-          <a:p>
-            <a:r>
-              <a:rPr lang="en-US" baseline="0" dirty="0"/>
-              <a:t>Show  web test</a:t>
-            </a:r>
-            <a:endParaRPr lang="en-US" dirty="0"/>
+            <a:endParaRPr lang="en-US"/>
           </a:p>
         </p:txBody>
       </p:sp>
@@ -10787,7 +15531,7 @@
           <a:p>
             <a:pPr marL="398463" defTabSz="914099" eaLnBrk="0" hangingPunct="0"/>
             <a:r>
-              <a:rPr lang="en-US" sz="400">
+              <a:rPr lang="en-US" sz="400" smtClean="0">
                 <a:gradFill>
                   <a:gsLst>
                     <a:gs pos="0">
@@ -10841,7 +15585,7 @@
           <a:p>
             <a:fld id="{196BB360-4395-422C-A729-CB974B278917}" type="datetime8">
               <a:rPr lang="en-US" smtClean="0"/>
-              <a:t>7/12/2017 3:37 PM</a:t>
+              <a:t>12/4/2017 11:07 PM</a:t>
             </a:fld>
             <a:endParaRPr lang="en-US" dirty="0"/>
           </a:p>
@@ -10865,7 +15609,7 @@
             <a:fld id="{B4008EB6-D09E-4580-8CD6-DDB14511944F}" type="slidenum">
               <a:rPr lang="en-US" smtClean="0"/>
               <a:pPr/>
-              <a:t>24</a:t>
+              <a:t>7</a:t>
             </a:fld>
             <a:endParaRPr lang="en-US" dirty="0"/>
           </a:p>
@@ -10874,7 +15618,7 @@
     </p:spTree>
     <p:extLst>
       <p:ext uri="{BB962C8B-B14F-4D97-AF65-F5344CB8AC3E}">
-        <p14:creationId xmlns:p14="http://schemas.microsoft.com/office/powerpoint/2010/main" val="2320199116"/>
+        <p14:creationId xmlns:p14="http://schemas.microsoft.com/office/powerpoint/2010/main" val="2395064609"/>
       </p:ext>
     </p:extLst>
   </p:cSld>
@@ -10928,7 +15672,7 @@
           <a:bodyPr/>
           <a:lstStyle/>
           <a:p>
-            <a:endParaRPr lang="en-US" dirty="0"/>
+            <a:endParaRPr lang="en-US"/>
           </a:p>
         </p:txBody>
       </p:sp>
@@ -10947,10 +15691,6 @@
           <a:bodyPr/>
           <a:lstStyle/>
           <a:p>
-            <a:r>
-              <a:rPr lang="en-US"/>
-              <a:t>Microsoft Ignite 2015</a:t>
-            </a:r>
             <a:endParaRPr lang="en-US" dirty="0"/>
           </a:p>
         </p:txBody>
@@ -10970,16 +15710,16 @@
           <a:bodyPr/>
           <a:lstStyle/>
           <a:p>
-            <a:pPr defTabSz="914099" eaLnBrk="0" hangingPunct="0"/>
+            <a:pPr marL="398463" defTabSz="914099" eaLnBrk="0" hangingPunct="0"/>
             <a:r>
-              <a:rPr lang="en-US" sz="400">
+              <a:rPr lang="en-US" sz="400" smtClean="0">
                 <a:gradFill>
                   <a:gsLst>
                     <a:gs pos="0">
-                      <a:prstClr val="black"/>
+                      <a:schemeClr val="tx1"/>
                     </a:gs>
                     <a:gs pos="100000">
-                      <a:prstClr val="black"/>
+                      <a:schemeClr val="tx1"/>
                     </a:gs>
                   </a:gsLst>
                   <a:lin ang="5400000" scaled="0"/>
@@ -10988,16 +15728,16 @@
                 <a:ea typeface="Segoe UI" pitchFamily="34" charset="0"/>
                 <a:cs typeface="Segoe UI" pitchFamily="34" charset="0"/>
               </a:rPr>
-              <a:t>© 2015 Microsoft Corporation. All rights reserved. MICROSOFT MAKES NO WARRANTIES, EXPRESS, IMPLIED OR STATUTORY, AS TO THE INFORMATION IN THIS PRESENTATION.</a:t>
+              <a:t>© Microsoft Corporation. All rights reserved. </a:t>
             </a:r>
             <a:endParaRPr lang="en-US" sz="400" dirty="0">
               <a:gradFill>
                 <a:gsLst>
                   <a:gs pos="0">
-                    <a:prstClr val="black"/>
+                    <a:schemeClr val="tx1"/>
                   </a:gs>
                   <a:gs pos="100000">
-                    <a:prstClr val="black"/>
+                    <a:schemeClr val="tx1"/>
                   </a:gs>
                 </a:gsLst>
                 <a:lin ang="5400000" scaled="0"/>
@@ -11024,9 +15764,9 @@
           <a:bodyPr/>
           <a:lstStyle/>
           <a:p>
-            <a:fld id="{38EEC551-8CDA-4EB6-89BB-2A86C9F091C8}" type="datetime8">
+            <a:fld id="{196BB360-4395-422C-A729-CB974B278917}" type="datetime8">
               <a:rPr lang="en-US" smtClean="0"/>
-              <a:t>7/12/2017 3:37 PM</a:t>
+              <a:t>12/4/2017 11:07 PM</a:t>
             </a:fld>
             <a:endParaRPr lang="en-US" dirty="0"/>
           </a:p>
@@ -11050,7 +15790,7 @@
             <a:fld id="{B4008EB6-D09E-4580-8CD6-DDB14511944F}" type="slidenum">
               <a:rPr lang="en-US" smtClean="0"/>
               <a:pPr/>
-              <a:t>25</a:t>
+              <a:t>8</a:t>
             </a:fld>
             <a:endParaRPr lang="en-US" dirty="0"/>
           </a:p>
@@ -11059,7 +15799,7 @@
     </p:spTree>
     <p:extLst>
       <p:ext uri="{BB962C8B-B14F-4D97-AF65-F5344CB8AC3E}">
-        <p14:creationId xmlns:p14="http://schemas.microsoft.com/office/powerpoint/2010/main" val="46350642"/>
+        <p14:creationId xmlns:p14="http://schemas.microsoft.com/office/powerpoint/2010/main" val="2056191176"/>
       </p:ext>
     </p:extLst>
   </p:cSld>
@@ -11113,30 +15853,18 @@
           <a:bodyPr/>
           <a:lstStyle/>
           <a:p>
-            <a:r>
-              <a:rPr lang="en-US" dirty="0"/>
-              <a:t>iOS and Android coming soon</a:t>
-            </a:r>
-          </a:p>
-          <a:p>
-            <a:endParaRPr lang="en-US" dirty="0"/>
-          </a:p>
-          <a:p>
-            <a:r>
-              <a:rPr lang="en-US" dirty="0"/>
-              <a:t>TODO: Add to the diagram off the cloud service (collapse this slide into earlier diagram slide)</a:t>
-            </a:r>
+            <a:endParaRPr lang="en-US"/>
           </a:p>
         </p:txBody>
       </p:sp>
       <p:sp>
         <p:nvSpPr>
-          <p:cNvPr id="4" name="Slide Number Placeholder 3"/>
+          <p:cNvPr id="4" name="Header Placeholder 3"/>
           <p:cNvSpPr>
             <a:spLocks noGrp="1"/>
           </p:cNvSpPr>
           <p:nvPr>
-            <p:ph type="sldNum" sz="quarter" idx="10"/>
+            <p:ph type="hdr" sz="quarter" idx="10"/>
           </p:nvPr>
         </p:nvSpPr>
         <p:spPr/>
@@ -11144,9 +15872,106 @@
           <a:bodyPr/>
           <a:lstStyle/>
           <a:p>
-            <a:fld id="{40B1AD7A-8DF3-4DCE-960D-1DF5B9856ADB}" type="slidenum">
+            <a:endParaRPr lang="en-US" dirty="0"/>
+          </a:p>
+        </p:txBody>
+      </p:sp>
+      <p:sp>
+        <p:nvSpPr>
+          <p:cNvPr id="5" name="Footer Placeholder 4"/>
+          <p:cNvSpPr>
+            <a:spLocks noGrp="1"/>
+          </p:cNvSpPr>
+          <p:nvPr>
+            <p:ph type="ftr" sz="quarter" idx="11"/>
+          </p:nvPr>
+        </p:nvSpPr>
+        <p:spPr/>
+        <p:txBody>
+          <a:bodyPr/>
+          <a:lstStyle/>
+          <a:p>
+            <a:pPr marL="398463" defTabSz="914099" eaLnBrk="0" hangingPunct="0"/>
+            <a:r>
+              <a:rPr lang="en-US" sz="400" smtClean="0">
+                <a:gradFill>
+                  <a:gsLst>
+                    <a:gs pos="0">
+                      <a:schemeClr val="tx1"/>
+                    </a:gs>
+                    <a:gs pos="100000">
+                      <a:schemeClr val="tx1"/>
+                    </a:gs>
+                  </a:gsLst>
+                  <a:lin ang="5400000" scaled="0"/>
+                </a:gradFill>
+                <a:latin typeface="Segoe UI" pitchFamily="34" charset="0"/>
+                <a:ea typeface="Segoe UI" pitchFamily="34" charset="0"/>
+                <a:cs typeface="Segoe UI" pitchFamily="34" charset="0"/>
+              </a:rPr>
+              <a:t>© Microsoft Corporation. All rights reserved. </a:t>
+            </a:r>
+            <a:endParaRPr lang="en-US" sz="400" dirty="0">
+              <a:gradFill>
+                <a:gsLst>
+                  <a:gs pos="0">
+                    <a:schemeClr val="tx1"/>
+                  </a:gs>
+                  <a:gs pos="100000">
+                    <a:schemeClr val="tx1"/>
+                  </a:gs>
+                </a:gsLst>
+                <a:lin ang="5400000" scaled="0"/>
+              </a:gradFill>
+              <a:latin typeface="Segoe UI" pitchFamily="34" charset="0"/>
+              <a:ea typeface="Segoe UI" pitchFamily="34" charset="0"/>
+              <a:cs typeface="Segoe UI" pitchFamily="34" charset="0"/>
+            </a:endParaRPr>
+          </a:p>
+        </p:txBody>
+      </p:sp>
+      <p:sp>
+        <p:nvSpPr>
+          <p:cNvPr id="6" name="Date Placeholder 5"/>
+          <p:cNvSpPr>
+            <a:spLocks noGrp="1"/>
+          </p:cNvSpPr>
+          <p:nvPr>
+            <p:ph type="dt" idx="12"/>
+          </p:nvPr>
+        </p:nvSpPr>
+        <p:spPr/>
+        <p:txBody>
+          <a:bodyPr/>
+          <a:lstStyle/>
+          <a:p>
+            <a:fld id="{196BB360-4395-422C-A729-CB974B278917}" type="datetime8">
               <a:rPr lang="en-US" smtClean="0"/>
-              <a:t>32</a:t>
+              <a:t>12/4/2017 11:07 PM</a:t>
+            </a:fld>
+            <a:endParaRPr lang="en-US" dirty="0"/>
+          </a:p>
+        </p:txBody>
+      </p:sp>
+      <p:sp>
+        <p:nvSpPr>
+          <p:cNvPr id="7" name="Slide Number Placeholder 6"/>
+          <p:cNvSpPr>
+            <a:spLocks noGrp="1"/>
+          </p:cNvSpPr>
+          <p:nvPr>
+            <p:ph type="sldNum" sz="quarter" idx="13"/>
+          </p:nvPr>
+        </p:nvSpPr>
+        <p:spPr/>
+        <p:txBody>
+          <a:bodyPr/>
+          <a:lstStyle/>
+          <a:p>
+            <a:fld id="{B4008EB6-D09E-4580-8CD6-DDB14511944F}" type="slidenum">
+              <a:rPr lang="en-US" smtClean="0"/>
+              <a:pPr/>
+              <a:t>9</a:t>
             </a:fld>
             <a:endParaRPr lang="en-US" dirty="0"/>
           </a:p>
@@ -11155,7 +15980,7 @@
     </p:spTree>
     <p:extLst>
       <p:ext uri="{BB962C8B-B14F-4D97-AF65-F5344CB8AC3E}">
-        <p14:creationId xmlns:p14="http://schemas.microsoft.com/office/powerpoint/2010/main" val="1314748714"/>
+        <p14:creationId xmlns:p14="http://schemas.microsoft.com/office/powerpoint/2010/main" val="930190935"/>
       </p:ext>
     </p:extLst>
   </p:cSld>
@@ -39871,7 +44696,7 @@
         <p:spPr>
           <a:xfrm>
             <a:off x="274638" y="1212850"/>
-            <a:ext cx="11887200" cy="3730252"/>
+            <a:ext cx="11887200" cy="4745915"/>
           </a:xfrm>
         </p:spPr>
         <p:txBody>
@@ -39892,19 +44717,55 @@
           <a:p>
             <a:r>
               <a:rPr lang="en-US" dirty="0"/>
-              <a:t>30-day data retention </a:t>
+              <a:t>Metrics are stored for </a:t>
             </a:r>
+            <a:r>
+              <a:rPr lang="en-US"/>
+              <a:t>30 </a:t>
+            </a:r>
+            <a:r>
+              <a:rPr lang="en-US" smtClean="0"/>
+              <a:t>days</a:t>
+            </a:r>
+            <a:endParaRPr lang="en-US" dirty="0"/>
           </a:p>
           <a:p>
             <a:r>
               <a:rPr lang="en-US" dirty="0"/>
-              <a:t>No diagnostics setup (or storage account) required</a:t>
+              <a:t>Activity log entries are stored for 90 </a:t>
             </a:r>
+            <a:r>
+              <a:rPr lang="en-US" dirty="0" smtClean="0"/>
+              <a:t>days</a:t>
+            </a:r>
+            <a:endParaRPr lang="en-US" dirty="0"/>
           </a:p>
           <a:p>
             <a:r>
               <a:rPr lang="en-US" dirty="0"/>
-              <a:t>Consume via Portal or REST API</a:t>
+              <a:t>Diagnostics logs are not </a:t>
+            </a:r>
+            <a:r>
+              <a:rPr lang="en-US" dirty="0" smtClean="0"/>
+              <a:t>stored</a:t>
+            </a:r>
+          </a:p>
+          <a:p>
+            <a:pPr lvl="1"/>
+            <a:r>
+              <a:rPr lang="en-US" dirty="0" smtClean="0"/>
+              <a:t>Use a storage account for longer retention (pricing separate)</a:t>
+            </a:r>
+            <a:endParaRPr lang="en-US" dirty="0"/>
+          </a:p>
+          <a:p>
+            <a:r>
+              <a:rPr lang="en-US" dirty="0" smtClean="0"/>
+              <a:t>Consume </a:t>
+            </a:r>
+            <a:r>
+              <a:rPr lang="en-US" dirty="0"/>
+              <a:t>via Portal or REST API</a:t>
             </a:r>
           </a:p>
           <a:p>
@@ -39950,6 +44811,13 @@
   <p:transition>
     <p:fade/>
   </p:transition>
+  <p:timing>
+    <p:tnLst>
+      <p:par>
+        <p:cTn id="1" dur="indefinite" restart="never" nodeType="tmRoot"/>
+      </p:par>
+    </p:tnLst>
+  </p:timing>
 </p:sld>
 </file>
 
@@ -40050,6 +44918,13 @@
   <p:transition>
     <p:fade/>
   </p:transition>
+  <p:timing>
+    <p:tnLst>
+      <p:par>
+        <p:cTn id="1" dur="indefinite" restart="never" nodeType="tmRoot"/>
+      </p:par>
+    </p:tnLst>
+  </p:timing>
 </p:sld>
 </file>
 
@@ -40187,7 +45062,7 @@
           <p:nvPr/>
         </p:nvPicPr>
         <p:blipFill>
-          <a:blip r:embed="rId2">
+          <a:blip r:embed="rId3">
             <a:extLst>
               <a:ext uri="{28A0092B-C50C-407E-A947-70E740481C1C}">
                 <a14:useLocalDpi xmlns:a14="http://schemas.microsoft.com/office/drawing/2010/main" val="0"/>
@@ -40217,7 +45092,7 @@
           <p:nvPr/>
         </p:nvPicPr>
         <p:blipFill>
-          <a:blip r:embed="rId3">
+          <a:blip r:embed="rId4">
             <a:extLst>
               <a:ext uri="{28A0092B-C50C-407E-A947-70E740481C1C}">
                 <a14:useLocalDpi xmlns:a14="http://schemas.microsoft.com/office/drawing/2010/main" val="0"/>
@@ -40247,7 +45122,7 @@
           <p:nvPr/>
         </p:nvPicPr>
         <p:blipFill>
-          <a:blip r:embed="rId4">
+          <a:blip r:embed="rId5">
             <a:extLst>
               <a:ext uri="{28A0092B-C50C-407E-A947-70E740481C1C}">
                 <a14:useLocalDpi xmlns:a14="http://schemas.microsoft.com/office/drawing/2010/main" val="0"/>
@@ -40277,7 +45152,7 @@
           <p:nvPr/>
         </p:nvPicPr>
         <p:blipFill>
-          <a:blip r:embed="rId5">
+          <a:blip r:embed="rId6">
             <a:extLst>
               <a:ext uri="{28A0092B-C50C-407E-A947-70E740481C1C}">
                 <a14:useLocalDpi xmlns:a14="http://schemas.microsoft.com/office/drawing/2010/main" val="0"/>
@@ -40307,7 +45182,7 @@
           <p:nvPr/>
         </p:nvPicPr>
         <p:blipFill>
-          <a:blip r:embed="rId6">
+          <a:blip r:embed="rId7">
             <a:extLst>
               <a:ext uri="{28A0092B-C50C-407E-A947-70E740481C1C}">
                 <a14:useLocalDpi xmlns:a14="http://schemas.microsoft.com/office/drawing/2010/main" val="0"/>
@@ -40337,7 +45212,7 @@
           <p:nvPr/>
         </p:nvPicPr>
         <p:blipFill>
-          <a:blip r:embed="rId7">
+          <a:blip r:embed="rId8">
             <a:extLst>
               <a:ext uri="{28A0092B-C50C-407E-A947-70E740481C1C}">
                 <a14:useLocalDpi xmlns:a14="http://schemas.microsoft.com/office/drawing/2010/main" val="0"/>
@@ -40367,7 +45242,7 @@
           <p:nvPr/>
         </p:nvPicPr>
         <p:blipFill>
-          <a:blip r:embed="rId8">
+          <a:blip r:embed="rId9">
             <a:extLst>
               <a:ext uri="{28A0092B-C50C-407E-A947-70E740481C1C}">
                 <a14:useLocalDpi xmlns:a14="http://schemas.microsoft.com/office/drawing/2010/main" val="0"/>
@@ -40408,7 +45283,7 @@
           <p:nvPr/>
         </p:nvPicPr>
         <p:blipFill>
-          <a:blip r:embed="rId9">
+          <a:blip r:embed="rId10">
             <a:extLst>
               <a:ext uri="{28A0092B-C50C-407E-A947-70E740481C1C}">
                 <a14:useLocalDpi xmlns:a14="http://schemas.microsoft.com/office/drawing/2010/main" val="0"/>
@@ -40438,7 +45313,7 @@
           <p:nvPr/>
         </p:nvPicPr>
         <p:blipFill>
-          <a:blip r:embed="rId10">
+          <a:blip r:embed="rId11">
             <a:extLst>
               <a:ext uri="{28A0092B-C50C-407E-A947-70E740481C1C}">
                 <a14:useLocalDpi xmlns:a14="http://schemas.microsoft.com/office/drawing/2010/main" val="0"/>
@@ -40468,7 +45343,7 @@
           <p:nvPr/>
         </p:nvPicPr>
         <p:blipFill>
-          <a:blip r:embed="rId11">
+          <a:blip r:embed="rId12">
             <a:extLst>
               <a:ext uri="{28A0092B-C50C-407E-A947-70E740481C1C}">
                 <a14:useLocalDpi xmlns:a14="http://schemas.microsoft.com/office/drawing/2010/main" val="0"/>
@@ -40498,7 +45373,7 @@
           <p:nvPr/>
         </p:nvPicPr>
         <p:blipFill>
-          <a:blip r:embed="rId12">
+          <a:blip r:embed="rId13">
             <a:extLst>
               <a:ext uri="{28A0092B-C50C-407E-A947-70E740481C1C}">
                 <a14:useLocalDpi xmlns:a14="http://schemas.microsoft.com/office/drawing/2010/main" val="0"/>
@@ -40528,7 +45403,7 @@
           <p:nvPr/>
         </p:nvPicPr>
         <p:blipFill>
-          <a:blip r:embed="rId13">
+          <a:blip r:embed="rId14">
             <a:extLst>
               <a:ext uri="{28A0092B-C50C-407E-A947-70E740481C1C}">
                 <a14:useLocalDpi xmlns:a14="http://schemas.microsoft.com/office/drawing/2010/main" val="0"/>
@@ -42515,6 +47390,10 @@
             <a:br>
               <a:rPr lang="en-US" dirty="0"/>
             </a:br>
+            <a:r>
+              <a:rPr lang="en-US" dirty="0"/>
+              <a:t/>
+            </a:r>
             <a:br>
               <a:rPr lang="en-US" dirty="0"/>
             </a:br>
@@ -43911,7 +48790,7 @@
         </p:xfrm>
         <a:graphic>
           <a:graphicData uri="http://schemas.openxmlformats.org/drawingml/2006/diagram">
-            <dgm:relIds xmlns:dgm="http://schemas.openxmlformats.org/drawingml/2006/diagram" xmlns:r="http://schemas.openxmlformats.org/officeDocument/2006/relationships" r:dm="rId2" r:lo="rId3" r:qs="rId4" r:cs="rId5"/>
+            <dgm:relIds xmlns:dgm="http://schemas.openxmlformats.org/drawingml/2006/diagram" xmlns:r="http://schemas.openxmlformats.org/officeDocument/2006/relationships" r:dm="rId3" r:lo="rId4" r:qs="rId5" r:cs="rId6"/>
           </a:graphicData>
         </a:graphic>
       </p:graphicFrame>
@@ -43929,7 +48808,7 @@
         </p:xfrm>
         <a:graphic>
           <a:graphicData uri="http://schemas.openxmlformats.org/drawingml/2006/diagram">
-            <dgm:relIds xmlns:dgm="http://schemas.openxmlformats.org/drawingml/2006/diagram" xmlns:r="http://schemas.openxmlformats.org/officeDocument/2006/relationships" r:dm="rId7" r:lo="rId8" r:qs="rId9" r:cs="rId10"/>
+            <dgm:relIds xmlns:dgm="http://schemas.openxmlformats.org/drawingml/2006/diagram" xmlns:r="http://schemas.openxmlformats.org/officeDocument/2006/relationships" r:dm="rId8" r:lo="rId9" r:qs="rId10" r:cs="rId11"/>
           </a:graphicData>
         </a:graphic>
       </p:graphicFrame>
@@ -44727,7 +49606,7 @@
           <p:nvPr/>
         </p:nvPicPr>
         <p:blipFill>
-          <a:blip r:embed="rId2" cstate="print">
+          <a:blip r:embed="rId3" cstate="print">
             <a:biLevel thresh="25000"/>
             <a:extLst>
               <a:ext uri="{28A0092B-C50C-407E-A947-70E740481C1C}">
@@ -44758,7 +49637,7 @@
           <p:nvPr/>
         </p:nvPicPr>
         <p:blipFill>
-          <a:blip r:embed="rId3" cstate="print">
+          <a:blip r:embed="rId4" cstate="print">
             <a:biLevel thresh="25000"/>
             <a:extLst>
               <a:ext uri="{28A0092B-C50C-407E-A947-70E740481C1C}">
@@ -44789,7 +49668,7 @@
           <p:nvPr/>
         </p:nvPicPr>
         <p:blipFill>
-          <a:blip r:embed="rId4" cstate="print">
+          <a:blip r:embed="rId5" cstate="print">
             <a:biLevel thresh="25000"/>
             <a:extLst>
               <a:ext uri="{28A0092B-C50C-407E-A947-70E740481C1C}">
@@ -44967,7 +49846,7 @@
           <p:nvPr/>
         </p:nvPicPr>
         <p:blipFill>
-          <a:blip r:embed="rId2" cstate="print">
+          <a:blip r:embed="rId3" cstate="print">
             <a:biLevel thresh="25000"/>
             <a:extLst>
               <a:ext uri="{28A0092B-C50C-407E-A947-70E740481C1C}">
@@ -45047,7 +49926,7 @@
           <p:nvPr/>
         </p:nvPicPr>
         <p:blipFill>
-          <a:blip r:embed="rId5"/>
+          <a:blip r:embed="rId6"/>
           <a:stretch>
             <a:fillRect/>
           </a:stretch>
@@ -45120,7 +49999,7 @@
           <p:nvPr/>
         </p:nvPicPr>
         <p:blipFill>
-          <a:blip r:embed="rId2" cstate="print">
+          <a:blip r:embed="rId3" cstate="print">
             <a:biLevel thresh="25000"/>
             <a:extLst>
               <a:ext uri="{28A0092B-C50C-407E-A947-70E740481C1C}">
@@ -45387,7 +50266,7 @@
           <p:nvPr/>
         </p:nvPicPr>
         <p:blipFill>
-          <a:blip r:embed="rId6" cstate="print">
+          <a:blip r:embed="rId7" cstate="print">
             <a:biLevel thresh="25000"/>
             <a:extLst>
               <a:ext uri="{28A0092B-C50C-407E-A947-70E740481C1C}">
@@ -45418,7 +50297,7 @@
           <p:nvPr/>
         </p:nvPicPr>
         <p:blipFill>
-          <a:blip r:embed="rId4" cstate="print">
+          <a:blip r:embed="rId5" cstate="print">
             <a:biLevel thresh="25000"/>
             <a:extLst>
               <a:ext uri="{28A0092B-C50C-407E-A947-70E740481C1C}">
@@ -45547,7 +50426,7 @@
           <p:nvPr/>
         </p:nvPicPr>
         <p:blipFill>
-          <a:blip r:embed="rId7"/>
+          <a:blip r:embed="rId8"/>
           <a:stretch>
             <a:fillRect/>
           </a:stretch>
@@ -45669,7 +50548,7 @@
           <p:nvPr/>
         </p:nvPicPr>
         <p:blipFill>
-          <a:blip r:embed="rId2" cstate="print">
+          <a:blip r:embed="rId3" cstate="print">
             <a:biLevel thresh="25000"/>
             <a:extLst>
               <a:ext uri="{28A0092B-C50C-407E-A947-70E740481C1C}">
@@ -45786,7 +50665,7 @@
           <p:nvPr/>
         </p:nvPicPr>
         <p:blipFill>
-          <a:blip r:embed="rId8" cstate="print">
+          <a:blip r:embed="rId9" cstate="print">
             <a:biLevel thresh="25000"/>
             <a:extLst>
               <a:ext uri="{28A0092B-C50C-407E-A947-70E740481C1C}">
@@ -46125,7 +51004,7 @@
           <p:nvPr/>
         </p:nvPicPr>
         <p:blipFill>
-          <a:blip r:embed="rId9" cstate="print">
+          <a:blip r:embed="rId10" cstate="print">
             <a:biLevel thresh="25000"/>
             <a:extLst>
               <a:ext uri="{28A0092B-C50C-407E-A947-70E740481C1C}">
@@ -46156,7 +51035,7 @@
           <p:nvPr/>
         </p:nvPicPr>
         <p:blipFill>
-          <a:blip r:embed="rId10"/>
+          <a:blip r:embed="rId11"/>
           <a:stretch>
             <a:fillRect/>
           </a:stretch>
@@ -46658,7 +51537,7 @@
               <p:nvPr/>
             </p:nvPicPr>
             <p:blipFill>
-              <a:blip r:embed="rId2"/>
+              <a:blip r:embed="rId3"/>
               <a:stretch>
                 <a:fillRect/>
               </a:stretch>
@@ -46837,7 +51716,7 @@
               <p:nvPr/>
             </p:nvPicPr>
             <p:blipFill>
-              <a:blip r:embed="rId3"/>
+              <a:blip r:embed="rId4"/>
               <a:stretch>
                 <a:fillRect/>
               </a:stretch>
@@ -47016,7 +51895,7 @@
               <p:nvPr/>
             </p:nvPicPr>
             <p:blipFill rotWithShape="1">
-              <a:blip r:embed="rId4"/>
+              <a:blip r:embed="rId5"/>
               <a:srcRect l="6368" t="33790" b="12962"/>
               <a:stretch/>
             </p:blipFill>
@@ -47143,7 +52022,7 @@
               <p:nvPr/>
             </p:nvPicPr>
             <p:blipFill>
-              <a:blip r:embed="rId5" cstate="print">
+              <a:blip r:embed="rId6" cstate="print">
                 <a:extLst>
                   <a:ext uri="{28A0092B-C50C-407E-A947-70E740481C1C}">
                     <a14:useLocalDpi xmlns:a14="http://schemas.microsoft.com/office/drawing/2010/main" val="0"/>
@@ -47394,7 +52273,7 @@
               <p:nvPr/>
             </p:nvPicPr>
             <p:blipFill>
-              <a:blip r:embed="rId6">
+              <a:blip r:embed="rId7">
                 <a:extLst>
                   <a:ext uri="{28A0092B-C50C-407E-A947-70E740481C1C}">
                     <a14:useLocalDpi xmlns:a14="http://schemas.microsoft.com/office/drawing/2010/main" val="0"/>
@@ -47601,7 +52480,7 @@
               <p:nvPr/>
             </p:nvPicPr>
             <p:blipFill>
-              <a:blip r:embed="rId7"/>
+              <a:blip r:embed="rId8"/>
               <a:stretch>
                 <a:fillRect/>
               </a:stretch>
@@ -47682,7 +52561,7 @@
           <p:nvPr/>
         </p:nvPicPr>
         <p:blipFill>
-          <a:blip r:embed="rId2"/>
+          <a:blip r:embed="rId3"/>
           <a:stretch>
             <a:fillRect/>
           </a:stretch>
@@ -48306,7 +53185,7 @@
                 <a:solidFill>
                   <a:sysClr val="windowText" lastClr="000000"/>
                 </a:solidFill>
-                <a:hlinkClick r:id="rId2"/>
+                <a:hlinkClick r:id="rId3"/>
               </a:rPr>
               <a:t>https://aka.ms/azmondocs</a:t>
             </a:r>
@@ -53940,6 +58819,21 @@
 </file>
 
 <file path=customXml/item1.xml><?xml version="1.0" encoding="utf-8"?>
+<p:properties xmlns:p="http://schemas.microsoft.com/office/2006/metadata/properties" xmlns:xsi="http://www.w3.org/2001/XMLSchema-instance" xmlns:pc="http://schemas.microsoft.com/office/infopath/2007/PartnerControls">
+  <documentManagement/>
+</p:properties>
+</file>
+
+<file path=customXml/item2.xml><?xml version="1.0" encoding="utf-8"?>
+<?mso-contentType ?>
+<FormTemplates xmlns="http://schemas.microsoft.com/sharepoint/v3/contenttype/forms">
+  <Display>DocumentLibraryForm</Display>
+  <Edit>DocumentLibraryForm</Edit>
+  <New>DocumentLibraryForm</New>
+</FormTemplates>
+</file>
+
+<file path=customXml/item3.xml><?xml version="1.0" encoding="utf-8"?>
 <ct:contentTypeSchema xmlns:ct="http://schemas.microsoft.com/office/2006/metadata/contentType" xmlns:ma="http://schemas.microsoft.com/office/2006/metadata/properties/metaAttributes" ct:_="" ma:_="" ma:contentTypeName="Document" ma:contentTypeID="0x010100A2B0BB5962AB3C45A9A1CE1EC4C4F647" ma:contentTypeVersion="3" ma:contentTypeDescription="Create a new document." ma:contentTypeScope="" ma:versionID="f0876370c90de824ab54c09b0bd2a056">
   <xsd:schema xmlns:xsd="http://www.w3.org/2001/XMLSchema" xmlns:xs="http://www.w3.org/2001/XMLSchema" xmlns:p="http://schemas.microsoft.com/office/2006/metadata/properties" xmlns:ns3="630a2e83-186a-4a0f-ab27-bee8a8096abc" targetNamespace="http://schemas.microsoft.com/office/2006/metadata/properties" ma:root="true" ma:fieldsID="a2a3b5ed8b4accd7c8a398d0cb075271" ns3:_="">
     <xsd:import namespace="630a2e83-186a-4a0f-ab27-bee8a8096abc"/>
@@ -54093,22 +58987,31 @@
 </ct:contentTypeSchema>
 </file>
 
-<file path=customXml/item2.xml><?xml version="1.0" encoding="utf-8"?>
-<p:properties xmlns:p="http://schemas.microsoft.com/office/2006/metadata/properties" xmlns:xsi="http://www.w3.org/2001/XMLSchema-instance" xmlns:pc="http://schemas.microsoft.com/office/infopath/2007/PartnerControls">
-  <documentManagement/>
-</p:properties>
+<file path=customXml/itemProps1.xml><?xml version="1.0" encoding="utf-8"?>
+<ds:datastoreItem xmlns:ds="http://schemas.openxmlformats.org/officeDocument/2006/customXml" ds:itemID="{F990F116-B58F-4255-B05B-DA3808E0E5C6}">
+  <ds:schemaRefs>
+    <ds:schemaRef ds:uri="http://schemas.microsoft.com/office/2006/metadata/properties"/>
+    <ds:schemaRef ds:uri="http://purl.org/dc/terms/"/>
+    <ds:schemaRef ds:uri="http://schemas.openxmlformats.org/package/2006/metadata/core-properties"/>
+    <ds:schemaRef ds:uri="630a2e83-186a-4a0f-ab27-bee8a8096abc"/>
+    <ds:schemaRef ds:uri="http://schemas.microsoft.com/office/2006/documentManagement/types"/>
+    <ds:schemaRef ds:uri="http://schemas.microsoft.com/office/infopath/2007/PartnerControls"/>
+    <ds:schemaRef ds:uri="http://purl.org/dc/elements/1.1/"/>
+    <ds:schemaRef ds:uri="http://www.w3.org/XML/1998/namespace"/>
+    <ds:schemaRef ds:uri="http://purl.org/dc/dcmitype/"/>
+  </ds:schemaRefs>
+</ds:datastoreItem>
 </file>
 
-<file path=customXml/item3.xml><?xml version="1.0" encoding="utf-8"?>
-<?mso-contentType ?>
-<FormTemplates xmlns="http://schemas.microsoft.com/sharepoint/v3/contenttype/forms">
-  <Display>DocumentLibraryForm</Display>
-  <Edit>DocumentLibraryForm</Edit>
-  <New>DocumentLibraryForm</New>
-</FormTemplates>
+<file path=customXml/itemProps2.xml><?xml version="1.0" encoding="utf-8"?>
+<ds:datastoreItem xmlns:ds="http://schemas.openxmlformats.org/officeDocument/2006/customXml" ds:itemID="{758FDAC0-319D-4A54-8D8E-1D42CB1F8004}">
+  <ds:schemaRefs>
+    <ds:schemaRef ds:uri="http://schemas.microsoft.com/sharepoint/v3/contenttype/forms"/>
+  </ds:schemaRefs>
+</ds:datastoreItem>
 </file>
 
-<file path=customXml/itemProps1.xml><?xml version="1.0" encoding="utf-8"?>
+<file path=customXml/itemProps3.xml><?xml version="1.0" encoding="utf-8"?>
 <ds:datastoreItem xmlns:ds="http://schemas.openxmlformats.org/officeDocument/2006/customXml" ds:itemID="{F4553072-E538-48C4-90FC-3653F32D67C5}">
   <ds:schemaRefs>
     <ds:schemaRef ds:uri="http://schemas.microsoft.com/office/2006/metadata/contentType"/>
@@ -54124,28 +59027,4 @@
     <ds:schemaRef ds:uri="http://schemas.microsoft.com/internal/obd"/>
   </ds:schemaRefs>
 </ds:datastoreItem>
-</file>
-
-<file path=customXml/itemProps2.xml><?xml version="1.0" encoding="utf-8"?>
-<ds:datastoreItem xmlns:ds="http://schemas.openxmlformats.org/officeDocument/2006/customXml" ds:itemID="{F990F116-B58F-4255-B05B-DA3808E0E5C6}">
-  <ds:schemaRefs>
-    <ds:schemaRef ds:uri="http://schemas.microsoft.com/office/2006/metadata/properties"/>
-    <ds:schemaRef ds:uri="http://purl.org/dc/terms/"/>
-    <ds:schemaRef ds:uri="http://schemas.openxmlformats.org/package/2006/metadata/core-properties"/>
-    <ds:schemaRef ds:uri="630a2e83-186a-4a0f-ab27-bee8a8096abc"/>
-    <ds:schemaRef ds:uri="http://schemas.microsoft.com/office/2006/documentManagement/types"/>
-    <ds:schemaRef ds:uri="http://schemas.microsoft.com/office/infopath/2007/PartnerControls"/>
-    <ds:schemaRef ds:uri="http://purl.org/dc/elements/1.1/"/>
-    <ds:schemaRef ds:uri="http://www.w3.org/XML/1998/namespace"/>
-    <ds:schemaRef ds:uri="http://purl.org/dc/dcmitype/"/>
-  </ds:schemaRefs>
-</ds:datastoreItem>
-</file>
-
-<file path=customXml/itemProps3.xml><?xml version="1.0" encoding="utf-8"?>
-<ds:datastoreItem xmlns:ds="http://schemas.openxmlformats.org/officeDocument/2006/customXml" ds:itemID="{758FDAC0-319D-4A54-8D8E-1D42CB1F8004}">
-  <ds:schemaRefs>
-    <ds:schemaRef ds:uri="http://schemas.microsoft.com/sharepoint/v3/contenttype/forms"/>
-  </ds:schemaRefs>
-</ds:datastoreItem>
 </file>
--- a/Presentation/Module06-Monitoring.pptx
+++ b/Presentation/Module06-Monitoring.pptx
@@ -254,10 +254,6 @@
     </p:extLst>
   </p:cmAuthor>
 </p:cmAuthorLst>
-</file>
-
-<file path=ppt/revisionInfo.xml><?xml version="1.0" encoding="utf-8"?>
-<p1510:revInfo xmlns:a="http://schemas.openxmlformats.org/drawingml/2006/main" xmlns:r="http://schemas.openxmlformats.org/officeDocument/2006/relationships" xmlns:p1510="http://schemas.microsoft.com/office/powerpoint/2015/10/main"/>
 </file>
 
 <file path=ppt/diagrams/colors1.xml><?xml version="1.0" encoding="utf-8"?>
@@ -2775,13 +2771,6 @@
         </dgm:presLayoutVars>
       </dgm:prSet>
       <dgm:spPr/>
-      <dgm:t>
-        <a:bodyPr/>
-        <a:lstStyle/>
-        <a:p>
-          <a:endParaRPr lang="en-US"/>
-        </a:p>
-      </dgm:t>
     </dgm:pt>
     <dgm:pt modelId="{8E126CA1-6C84-4C33-B311-61E786FFB8A4}" type="pres">
       <dgm:prSet presAssocID="{2CEF2A7D-F5B7-45CE-AD61-6BADCC72FB4A}" presName="node" presStyleLbl="node1" presStyleIdx="0" presStyleCnt="7">
@@ -2790,13 +2779,6 @@
         </dgm:presLayoutVars>
       </dgm:prSet>
       <dgm:spPr/>
-      <dgm:t>
-        <a:bodyPr/>
-        <a:lstStyle/>
-        <a:p>
-          <a:endParaRPr lang="en-US"/>
-        </a:p>
-      </dgm:t>
     </dgm:pt>
     <dgm:pt modelId="{BA3CB576-905D-4BE5-8019-13421F3D917B}" type="pres">
       <dgm:prSet presAssocID="{1FE3CEC9-FF31-42CF-BE9E-4E0DD3B7A820}" presName="sibTrans" presStyleCnt="0"/>
@@ -2809,13 +2791,6 @@
         </dgm:presLayoutVars>
       </dgm:prSet>
       <dgm:spPr/>
-      <dgm:t>
-        <a:bodyPr/>
-        <a:lstStyle/>
-        <a:p>
-          <a:endParaRPr lang="en-US"/>
-        </a:p>
-      </dgm:t>
     </dgm:pt>
     <dgm:pt modelId="{888A1AC5-BE33-4FFA-B319-21B63A7E34D3}" type="pres">
       <dgm:prSet presAssocID="{E2651BE6-BF37-4F8F-ABA5-43A01574E577}" presName="sibTrans" presStyleCnt="0"/>
@@ -2828,13 +2803,6 @@
         </dgm:presLayoutVars>
       </dgm:prSet>
       <dgm:spPr/>
-      <dgm:t>
-        <a:bodyPr/>
-        <a:lstStyle/>
-        <a:p>
-          <a:endParaRPr lang="en-US"/>
-        </a:p>
-      </dgm:t>
     </dgm:pt>
     <dgm:pt modelId="{EDF7F60C-8E83-4E77-B4AA-2A52EEA73046}" type="pres">
       <dgm:prSet presAssocID="{9F4B5A59-33A9-4655-8E94-F6F88B34972D}" presName="sibTrans" presStyleCnt="0"/>
@@ -2847,13 +2815,6 @@
         </dgm:presLayoutVars>
       </dgm:prSet>
       <dgm:spPr/>
-      <dgm:t>
-        <a:bodyPr/>
-        <a:lstStyle/>
-        <a:p>
-          <a:endParaRPr lang="en-US"/>
-        </a:p>
-      </dgm:t>
     </dgm:pt>
     <dgm:pt modelId="{06B67C6E-3178-4A40-A480-ECDB443FC6A5}" type="pres">
       <dgm:prSet presAssocID="{2061AB9A-8745-4F26-9C3C-B0E9E976C094}" presName="sibTrans" presStyleCnt="0"/>
@@ -2866,13 +2827,6 @@
         </dgm:presLayoutVars>
       </dgm:prSet>
       <dgm:spPr/>
-      <dgm:t>
-        <a:bodyPr/>
-        <a:lstStyle/>
-        <a:p>
-          <a:endParaRPr lang="en-US"/>
-        </a:p>
-      </dgm:t>
     </dgm:pt>
     <dgm:pt modelId="{FBE8E362-3906-43E8-936A-8FE6BA041CE9}" type="pres">
       <dgm:prSet presAssocID="{740CBEA5-01E8-49CD-A93D-1B25C85F8209}" presName="sibTrans" presStyleCnt="0"/>
@@ -2885,13 +2839,6 @@
         </dgm:presLayoutVars>
       </dgm:prSet>
       <dgm:spPr/>
-      <dgm:t>
-        <a:bodyPr/>
-        <a:lstStyle/>
-        <a:p>
-          <a:endParaRPr lang="en-US"/>
-        </a:p>
-      </dgm:t>
     </dgm:pt>
     <dgm:pt modelId="{2903EB63-4F45-4F7C-BFDF-799F29EE742E}" type="pres">
       <dgm:prSet presAssocID="{58359EAE-9FF4-4231-A901-5CB84A7BE1C0}" presName="sibTrans" presStyleCnt="0"/>
@@ -2904,31 +2851,24 @@
         </dgm:presLayoutVars>
       </dgm:prSet>
       <dgm:spPr/>
-      <dgm:t>
-        <a:bodyPr/>
-        <a:lstStyle/>
-        <a:p>
-          <a:endParaRPr lang="en-US"/>
-        </a:p>
-      </dgm:t>
     </dgm:pt>
   </dgm:ptLst>
   <dgm:cxnLst>
+    <dgm:cxn modelId="{DE3B9609-74EF-49A9-B992-72931BC3214D}" type="presOf" srcId="{FAEFE885-368E-4563-A90E-0273DBE85B37}" destId="{183FEB11-51AC-4DEC-8CD1-C9F5DB88831F}" srcOrd="0" destOrd="0" presId="urn:microsoft.com/office/officeart/2005/8/layout/default"/>
+    <dgm:cxn modelId="{A9956A1F-25ED-43C1-B300-90145987B63D}" type="presOf" srcId="{61E4A2FF-7578-4A11-A3E8-CF08E852D1A8}" destId="{13B012BF-49BA-4F3D-A33C-FF0146C65D1B}" srcOrd="0" destOrd="0" presId="urn:microsoft.com/office/officeart/2005/8/layout/default"/>
+    <dgm:cxn modelId="{30ADE068-23BD-4CBB-AD38-CE921D5D5FF5}" type="presOf" srcId="{4675914B-2A7D-4DDA-8E2C-B7A8C5DCBB3C}" destId="{BC431EA5-02B2-4171-AFA4-408C2225DC07}" srcOrd="0" destOrd="0" presId="urn:microsoft.com/office/officeart/2005/8/layout/default"/>
+    <dgm:cxn modelId="{B94FC54F-A2B4-4B41-AA77-E58DD283C36D}" srcId="{4675914B-2A7D-4DDA-8E2C-B7A8C5DCBB3C}" destId="{2CEF2A7D-F5B7-45CE-AD61-6BADCC72FB4A}" srcOrd="0" destOrd="0" parTransId="{75BC48E3-3DEE-4A30-9747-46C52FC06BC0}" sibTransId="{1FE3CEC9-FF31-42CF-BE9E-4E0DD3B7A820}"/>
+    <dgm:cxn modelId="{7A5B1571-21E7-47B8-A3FB-3017F3E374A3}" type="presOf" srcId="{046909FC-9172-4E26-9428-57C41643B51F}" destId="{EA3FD69F-AAE5-472C-ACB2-68C47FFCAE24}" srcOrd="0" destOrd="0" presId="urn:microsoft.com/office/officeart/2005/8/layout/default"/>
+    <dgm:cxn modelId="{E2EE6A79-BB85-42D3-9E34-A91976D47266}" srcId="{4675914B-2A7D-4DDA-8E2C-B7A8C5DCBB3C}" destId="{046909FC-9172-4E26-9428-57C41643B51F}" srcOrd="3" destOrd="0" parTransId="{9C89AC08-65E9-4F0C-B2D6-355D68782ADC}" sibTransId="{2061AB9A-8745-4F26-9C3C-B0E9E976C094}"/>
+    <dgm:cxn modelId="{2E278C8D-41D0-43F0-BEE1-8BBC4D8A9F47}" srcId="{4675914B-2A7D-4DDA-8E2C-B7A8C5DCBB3C}" destId="{28B66A95-913A-4684-8339-15CC04E620C7}" srcOrd="4" destOrd="0" parTransId="{CE390AAB-653F-40D2-BAF7-69117FB1590A}" sibTransId="{740CBEA5-01E8-49CD-A93D-1B25C85F8209}"/>
+    <dgm:cxn modelId="{7C5BB38E-D64A-4690-A1CC-6643B2DCABEF}" type="presOf" srcId="{43BFCED6-55B8-4FBC-8753-EE300675FF69}" destId="{A722F6DC-48B9-4FA9-B87E-1CE11DDBA0C6}" srcOrd="0" destOrd="0" presId="urn:microsoft.com/office/officeart/2005/8/layout/default"/>
     <dgm:cxn modelId="{00070DAA-FA5B-4504-9F0B-89B6A9CE8BAA}" srcId="{4675914B-2A7D-4DDA-8E2C-B7A8C5DCBB3C}" destId="{D41BB831-EC62-4156-9A88-BBB92CCF862B}" srcOrd="1" destOrd="0" parTransId="{02C689E1-192B-4258-9B4D-41833AB1F757}" sibTransId="{E2651BE6-BF37-4F8F-ABA5-43A01574E577}"/>
+    <dgm:cxn modelId="{499AACC2-3429-4065-AE89-1D156119A411}" type="presOf" srcId="{2CEF2A7D-F5B7-45CE-AD61-6BADCC72FB4A}" destId="{8E126CA1-6C84-4C33-B311-61E786FFB8A4}" srcOrd="0" destOrd="0" presId="urn:microsoft.com/office/officeart/2005/8/layout/default"/>
+    <dgm:cxn modelId="{3AB044C4-A4E1-4D7D-B8AC-4392F21B0FF4}" srcId="{4675914B-2A7D-4DDA-8E2C-B7A8C5DCBB3C}" destId="{61E4A2FF-7578-4A11-A3E8-CF08E852D1A8}" srcOrd="5" destOrd="0" parTransId="{875220EC-6176-4005-8E0E-B2516B924041}" sibTransId="{58359EAE-9FF4-4231-A901-5CB84A7BE1C0}"/>
+    <dgm:cxn modelId="{4F83C1C9-5540-4D83-87C8-897B2E4F3B25}" type="presOf" srcId="{D41BB831-EC62-4156-9A88-BBB92CCF862B}" destId="{73CDCFA3-F53B-4D04-804B-BF26BC63BF98}" srcOrd="0" destOrd="0" presId="urn:microsoft.com/office/officeart/2005/8/layout/default"/>
+    <dgm:cxn modelId="{256E6BCF-E013-4291-8EE8-379209795D19}" srcId="{4675914B-2A7D-4DDA-8E2C-B7A8C5DCBB3C}" destId="{43BFCED6-55B8-4FBC-8753-EE300675FF69}" srcOrd="6" destOrd="0" parTransId="{1BFD9358-C0F3-4C42-9EEA-0CE582809223}" sibTransId="{CCD36C37-13D2-430C-8E02-3DB3277B4F3A}"/>
     <dgm:cxn modelId="{39AAC8DD-BA24-4E28-B84E-9E424BD036E8}" srcId="{4675914B-2A7D-4DDA-8E2C-B7A8C5DCBB3C}" destId="{FAEFE885-368E-4563-A90E-0273DBE85B37}" srcOrd="2" destOrd="0" parTransId="{8CA70C98-5D91-4603-92CD-D003CFF432FD}" sibTransId="{9F4B5A59-33A9-4655-8E94-F6F88B34972D}"/>
-    <dgm:cxn modelId="{30ADE068-23BD-4CBB-AD38-CE921D5D5FF5}" type="presOf" srcId="{4675914B-2A7D-4DDA-8E2C-B7A8C5DCBB3C}" destId="{BC431EA5-02B2-4171-AFA4-408C2225DC07}" srcOrd="0" destOrd="0" presId="urn:microsoft.com/office/officeart/2005/8/layout/default"/>
-    <dgm:cxn modelId="{256E6BCF-E013-4291-8EE8-379209795D19}" srcId="{4675914B-2A7D-4DDA-8E2C-B7A8C5DCBB3C}" destId="{43BFCED6-55B8-4FBC-8753-EE300675FF69}" srcOrd="6" destOrd="0" parTransId="{1BFD9358-C0F3-4C42-9EEA-0CE582809223}" sibTransId="{CCD36C37-13D2-430C-8E02-3DB3277B4F3A}"/>
-    <dgm:cxn modelId="{4F83C1C9-5540-4D83-87C8-897B2E4F3B25}" type="presOf" srcId="{D41BB831-EC62-4156-9A88-BBB92CCF862B}" destId="{73CDCFA3-F53B-4D04-804B-BF26BC63BF98}" srcOrd="0" destOrd="0" presId="urn:microsoft.com/office/officeart/2005/8/layout/default"/>
-    <dgm:cxn modelId="{A9956A1F-25ED-43C1-B300-90145987B63D}" type="presOf" srcId="{61E4A2FF-7578-4A11-A3E8-CF08E852D1A8}" destId="{13B012BF-49BA-4F3D-A33C-FF0146C65D1B}" srcOrd="0" destOrd="0" presId="urn:microsoft.com/office/officeart/2005/8/layout/default"/>
-    <dgm:cxn modelId="{499AACC2-3429-4065-AE89-1D156119A411}" type="presOf" srcId="{2CEF2A7D-F5B7-45CE-AD61-6BADCC72FB4A}" destId="{8E126CA1-6C84-4C33-B311-61E786FFB8A4}" srcOrd="0" destOrd="0" presId="urn:microsoft.com/office/officeart/2005/8/layout/default"/>
-    <dgm:cxn modelId="{7C5BB38E-D64A-4690-A1CC-6643B2DCABEF}" type="presOf" srcId="{43BFCED6-55B8-4FBC-8753-EE300675FF69}" destId="{A722F6DC-48B9-4FA9-B87E-1CE11DDBA0C6}" srcOrd="0" destOrd="0" presId="urn:microsoft.com/office/officeart/2005/8/layout/default"/>
-    <dgm:cxn modelId="{DE3B9609-74EF-49A9-B992-72931BC3214D}" type="presOf" srcId="{FAEFE885-368E-4563-A90E-0273DBE85B37}" destId="{183FEB11-51AC-4DEC-8CD1-C9F5DB88831F}" srcOrd="0" destOrd="0" presId="urn:microsoft.com/office/officeart/2005/8/layout/default"/>
-    <dgm:cxn modelId="{7A5B1571-21E7-47B8-A3FB-3017F3E374A3}" type="presOf" srcId="{046909FC-9172-4E26-9428-57C41643B51F}" destId="{EA3FD69F-AAE5-472C-ACB2-68C47FFCAE24}" srcOrd="0" destOrd="0" presId="urn:microsoft.com/office/officeart/2005/8/layout/default"/>
-    <dgm:cxn modelId="{B94FC54F-A2B4-4B41-AA77-E58DD283C36D}" srcId="{4675914B-2A7D-4DDA-8E2C-B7A8C5DCBB3C}" destId="{2CEF2A7D-F5B7-45CE-AD61-6BADCC72FB4A}" srcOrd="0" destOrd="0" parTransId="{75BC48E3-3DEE-4A30-9747-46C52FC06BC0}" sibTransId="{1FE3CEC9-FF31-42CF-BE9E-4E0DD3B7A820}"/>
-    <dgm:cxn modelId="{2E278C8D-41D0-43F0-BEE1-8BBC4D8A9F47}" srcId="{4675914B-2A7D-4DDA-8E2C-B7A8C5DCBB3C}" destId="{28B66A95-913A-4684-8339-15CC04E620C7}" srcOrd="4" destOrd="0" parTransId="{CE390AAB-653F-40D2-BAF7-69117FB1590A}" sibTransId="{740CBEA5-01E8-49CD-A93D-1B25C85F8209}"/>
     <dgm:cxn modelId="{2DE19CEE-1B23-4A09-884E-F2E9C656A8E7}" type="presOf" srcId="{28B66A95-913A-4684-8339-15CC04E620C7}" destId="{255BA920-6CA2-42C2-A1AB-87187F19475C}" srcOrd="0" destOrd="0" presId="urn:microsoft.com/office/officeart/2005/8/layout/default"/>
-    <dgm:cxn modelId="{3AB044C4-A4E1-4D7D-B8AC-4392F21B0FF4}" srcId="{4675914B-2A7D-4DDA-8E2C-B7A8C5DCBB3C}" destId="{61E4A2FF-7578-4A11-A3E8-CF08E852D1A8}" srcOrd="5" destOrd="0" parTransId="{875220EC-6176-4005-8E0E-B2516B924041}" sibTransId="{58359EAE-9FF4-4231-A901-5CB84A7BE1C0}"/>
-    <dgm:cxn modelId="{E2EE6A79-BB85-42D3-9E34-A91976D47266}" srcId="{4675914B-2A7D-4DDA-8E2C-B7A8C5DCBB3C}" destId="{046909FC-9172-4E26-9428-57C41643B51F}" srcOrd="3" destOrd="0" parTransId="{9C89AC08-65E9-4F0C-B2D6-355D68782ADC}" sibTransId="{2061AB9A-8745-4F26-9C3C-B0E9E976C094}"/>
     <dgm:cxn modelId="{97A90DF1-EB6F-476E-9457-C90DCD47F91C}" type="presParOf" srcId="{BC431EA5-02B2-4171-AFA4-408C2225DC07}" destId="{8E126CA1-6C84-4C33-B311-61E786FFB8A4}" srcOrd="0" destOrd="0" presId="urn:microsoft.com/office/officeart/2005/8/layout/default"/>
     <dgm:cxn modelId="{E2450B5F-8A28-454D-B7C8-84283FDF61BC}" type="presParOf" srcId="{BC431EA5-02B2-4171-AFA4-408C2225DC07}" destId="{BA3CB576-905D-4BE5-8019-13421F3D917B}" srcOrd="1" destOrd="0" presId="urn:microsoft.com/office/officeart/2005/8/layout/default"/>
     <dgm:cxn modelId="{60BE22AB-E503-4CB1-BC33-9688462354DB}" type="presParOf" srcId="{BC431EA5-02B2-4171-AFA4-408C2225DC07}" destId="{73CDCFA3-F53B-4D04-804B-BF26BC63BF98}" srcOrd="2" destOrd="0" presId="urn:microsoft.com/office/officeart/2005/8/layout/default"/>
@@ -3155,13 +3095,6 @@
         </dgm:presLayoutVars>
       </dgm:prSet>
       <dgm:spPr/>
-      <dgm:t>
-        <a:bodyPr/>
-        <a:lstStyle/>
-        <a:p>
-          <a:endParaRPr lang="en-US"/>
-        </a:p>
-      </dgm:t>
     </dgm:pt>
     <dgm:pt modelId="{7A209DD1-822D-4E90-ADC3-AB80E7CBB714}" type="pres">
       <dgm:prSet presAssocID="{8C1C97BB-D88D-4A00-AA1C-FF793DEE6ACF}" presName="node" presStyleLbl="node1" presStyleIdx="0" presStyleCnt="5">
@@ -3170,13 +3103,6 @@
         </dgm:presLayoutVars>
       </dgm:prSet>
       <dgm:spPr/>
-      <dgm:t>
-        <a:bodyPr/>
-        <a:lstStyle/>
-        <a:p>
-          <a:endParaRPr lang="en-US"/>
-        </a:p>
-      </dgm:t>
     </dgm:pt>
     <dgm:pt modelId="{67121270-6D0A-486B-A7BD-64D09E59F768}" type="pres">
       <dgm:prSet presAssocID="{BC4B3EEE-F139-4363-88D4-13161B6492B9}" presName="sibTrans" presStyleCnt="0"/>
@@ -3189,13 +3115,6 @@
         </dgm:presLayoutVars>
       </dgm:prSet>
       <dgm:spPr/>
-      <dgm:t>
-        <a:bodyPr/>
-        <a:lstStyle/>
-        <a:p>
-          <a:endParaRPr lang="en-US"/>
-        </a:p>
-      </dgm:t>
     </dgm:pt>
     <dgm:pt modelId="{142DAD51-AD41-48D0-8FF8-E436F4682A95}" type="pres">
       <dgm:prSet presAssocID="{89BDA597-29DC-415B-9A29-78C4B0745FC9}" presName="sibTrans" presStyleCnt="0"/>
@@ -3208,13 +3127,6 @@
         </dgm:presLayoutVars>
       </dgm:prSet>
       <dgm:spPr/>
-      <dgm:t>
-        <a:bodyPr/>
-        <a:lstStyle/>
-        <a:p>
-          <a:endParaRPr lang="en-US"/>
-        </a:p>
-      </dgm:t>
     </dgm:pt>
     <dgm:pt modelId="{636530AA-634A-4628-B3AA-D06F6AF74C63}" type="pres">
       <dgm:prSet presAssocID="{AE2B697B-025A-4FDA-B406-50D37D9474A1}" presName="sibTrans" presStyleCnt="0"/>
@@ -3227,13 +3139,6 @@
         </dgm:presLayoutVars>
       </dgm:prSet>
       <dgm:spPr/>
-      <dgm:t>
-        <a:bodyPr/>
-        <a:lstStyle/>
-        <a:p>
-          <a:endParaRPr lang="en-US"/>
-        </a:p>
-      </dgm:t>
     </dgm:pt>
     <dgm:pt modelId="{6A87F109-8599-4526-B6F7-2D24D4B56C79}" type="pres">
       <dgm:prSet presAssocID="{5831EA89-5574-4AC2-BA49-3C97F2F5D501}" presName="sibTrans" presStyleCnt="0"/>
@@ -3246,27 +3151,20 @@
         </dgm:presLayoutVars>
       </dgm:prSet>
       <dgm:spPr/>
-      <dgm:t>
-        <a:bodyPr/>
-        <a:lstStyle/>
-        <a:p>
-          <a:endParaRPr lang="en-US"/>
-        </a:p>
-      </dgm:t>
     </dgm:pt>
   </dgm:ptLst>
   <dgm:cxnLst>
+    <dgm:cxn modelId="{E4E3CA0C-C125-4054-A0D8-053CF085A790}" type="presOf" srcId="{C688F4F3-2DEC-4216-BE7C-7C55BD5F1B93}" destId="{8FA97C2C-94BC-49AB-9F2E-04441510791D}" srcOrd="0" destOrd="0" presId="urn:microsoft.com/office/officeart/2005/8/layout/default"/>
+    <dgm:cxn modelId="{72DFB43E-5062-4689-A89E-BED3DB219851}" type="presOf" srcId="{8C1C97BB-D88D-4A00-AA1C-FF793DEE6ACF}" destId="{7A209DD1-822D-4E90-ADC3-AB80E7CBB714}" srcOrd="0" destOrd="0" presId="urn:microsoft.com/office/officeart/2005/8/layout/default"/>
+    <dgm:cxn modelId="{982AE760-6E7E-4006-9D69-3E333D3A83EB}" type="presOf" srcId="{7E899087-A012-4CAD-ABF0-AC256EDDF72E}" destId="{448BC1B6-3B77-43B1-8317-1ECDF4C16EBB}" srcOrd="0" destOrd="0" presId="urn:microsoft.com/office/officeart/2005/8/layout/default"/>
     <dgm:cxn modelId="{FBE43A62-2C5F-473F-AE8B-7A1E980ADE9C}" type="presOf" srcId="{325E2D48-CB40-4C8F-96B6-51BB0A38C639}" destId="{06CBEE87-7132-49C1-8197-522C3D77FA29}" srcOrd="0" destOrd="0" presId="urn:microsoft.com/office/officeart/2005/8/layout/default"/>
-    <dgm:cxn modelId="{982AE760-6E7E-4006-9D69-3E333D3A83EB}" type="presOf" srcId="{7E899087-A012-4CAD-ABF0-AC256EDDF72E}" destId="{448BC1B6-3B77-43B1-8317-1ECDF4C16EBB}" srcOrd="0" destOrd="0" presId="urn:microsoft.com/office/officeart/2005/8/layout/default"/>
     <dgm:cxn modelId="{C594BA7C-9020-401C-8B83-14128674E5E6}" srcId="{325E2D48-CB40-4C8F-96B6-51BB0A38C639}" destId="{8C1C97BB-D88D-4A00-AA1C-FF793DEE6ACF}" srcOrd="0" destOrd="0" parTransId="{475BED29-8619-491C-A6E7-4DF657F28841}" sibTransId="{BC4B3EEE-F139-4363-88D4-13161B6492B9}"/>
-    <dgm:cxn modelId="{72DFB43E-5062-4689-A89E-BED3DB219851}" type="presOf" srcId="{8C1C97BB-D88D-4A00-AA1C-FF793DEE6ACF}" destId="{7A209DD1-822D-4E90-ADC3-AB80E7CBB714}" srcOrd="0" destOrd="0" presId="urn:microsoft.com/office/officeart/2005/8/layout/default"/>
-    <dgm:cxn modelId="{70922CE3-5F7A-4F90-B607-20999F186604}" srcId="{325E2D48-CB40-4C8F-96B6-51BB0A38C639}" destId="{D7017EE2-F306-4471-9048-BB7E0B47C53A}" srcOrd="2" destOrd="0" parTransId="{AF9302C3-D0DF-4FAE-92B4-4CEDB58B502E}" sibTransId="{AE2B697B-025A-4FDA-B406-50D37D9474A1}"/>
+    <dgm:cxn modelId="{0C989884-E7B7-45CB-A7E3-3BA964AAF5CA}" type="presOf" srcId="{D7017EE2-F306-4471-9048-BB7E0B47C53A}" destId="{60ED6D07-FF23-45C3-A5E4-A5852688545E}" srcOrd="0" destOrd="0" presId="urn:microsoft.com/office/officeart/2005/8/layout/default"/>
+    <dgm:cxn modelId="{550EEAA8-B86A-4BCE-BA86-74DC192772A2}" srcId="{325E2D48-CB40-4C8F-96B6-51BB0A38C639}" destId="{6A7814D5-2425-45A9-AA23-A2FD1722B0BF}" srcOrd="3" destOrd="0" parTransId="{B318FD75-294B-4F68-92EF-2A59E39105ED}" sibTransId="{5831EA89-5574-4AC2-BA49-3C97F2F5D501}"/>
     <dgm:cxn modelId="{4ACBE7AF-B2BA-4444-B662-93D2F3AEDE51}" srcId="{325E2D48-CB40-4C8F-96B6-51BB0A38C639}" destId="{C688F4F3-2DEC-4216-BE7C-7C55BD5F1B93}" srcOrd="4" destOrd="0" parTransId="{19C87FA5-D3B8-4F8A-AB23-F08ED81DEF61}" sibTransId="{3DA3EDF6-238D-4384-9AC8-9FDA7FDFE927}"/>
     <dgm:cxn modelId="{A37C7CDC-FD1D-47FA-BA09-811B28772DD9}" srcId="{325E2D48-CB40-4C8F-96B6-51BB0A38C639}" destId="{7E899087-A012-4CAD-ABF0-AC256EDDF72E}" srcOrd="1" destOrd="0" parTransId="{E5FC4F50-D9C2-4FA5-9346-0D67182A121B}" sibTransId="{89BDA597-29DC-415B-9A29-78C4B0745FC9}"/>
-    <dgm:cxn modelId="{550EEAA8-B86A-4BCE-BA86-74DC192772A2}" srcId="{325E2D48-CB40-4C8F-96B6-51BB0A38C639}" destId="{6A7814D5-2425-45A9-AA23-A2FD1722B0BF}" srcOrd="3" destOrd="0" parTransId="{B318FD75-294B-4F68-92EF-2A59E39105ED}" sibTransId="{5831EA89-5574-4AC2-BA49-3C97F2F5D501}"/>
     <dgm:cxn modelId="{C4381FE3-2AA3-454B-933C-C3D29A908E82}" type="presOf" srcId="{6A7814D5-2425-45A9-AA23-A2FD1722B0BF}" destId="{E38988B0-CEF7-4A46-84A1-2140774E3AEB}" srcOrd="0" destOrd="0" presId="urn:microsoft.com/office/officeart/2005/8/layout/default"/>
-    <dgm:cxn modelId="{E4E3CA0C-C125-4054-A0D8-053CF085A790}" type="presOf" srcId="{C688F4F3-2DEC-4216-BE7C-7C55BD5F1B93}" destId="{8FA97C2C-94BC-49AB-9F2E-04441510791D}" srcOrd="0" destOrd="0" presId="urn:microsoft.com/office/officeart/2005/8/layout/default"/>
-    <dgm:cxn modelId="{0C989884-E7B7-45CB-A7E3-3BA964AAF5CA}" type="presOf" srcId="{D7017EE2-F306-4471-9048-BB7E0B47C53A}" destId="{60ED6D07-FF23-45C3-A5E4-A5852688545E}" srcOrd="0" destOrd="0" presId="urn:microsoft.com/office/officeart/2005/8/layout/default"/>
+    <dgm:cxn modelId="{70922CE3-5F7A-4F90-B607-20999F186604}" srcId="{325E2D48-CB40-4C8F-96B6-51BB0A38C639}" destId="{D7017EE2-F306-4471-9048-BB7E0B47C53A}" srcOrd="2" destOrd="0" parTransId="{AF9302C3-D0DF-4FAE-92B4-4CEDB58B502E}" sibTransId="{AE2B697B-025A-4FDA-B406-50D37D9474A1}"/>
     <dgm:cxn modelId="{EC9AD6D3-C939-4437-834C-6D8A498F6092}" type="presParOf" srcId="{06CBEE87-7132-49C1-8197-522C3D77FA29}" destId="{7A209DD1-822D-4E90-ADC3-AB80E7CBB714}" srcOrd="0" destOrd="0" presId="urn:microsoft.com/office/officeart/2005/8/layout/default"/>
     <dgm:cxn modelId="{918A1758-CEBC-43D1-9CD3-B2A4B800CEAA}" type="presParOf" srcId="{06CBEE87-7132-49C1-8197-522C3D77FA29}" destId="{67121270-6D0A-486B-A7BD-64D09E59F768}" srcOrd="1" destOrd="0" presId="urn:microsoft.com/office/officeart/2005/8/layout/default"/>
     <dgm:cxn modelId="{55B71008-6706-4D1C-8934-46C6D85A5FA3}" type="presParOf" srcId="{06CBEE87-7132-49C1-8197-522C3D77FA29}" destId="{448BC1B6-3B77-43B1-8317-1ECDF4C16EBB}" srcOrd="2" destOrd="0" presId="urn:microsoft.com/office/officeart/2005/8/layout/default"/>
@@ -3634,13 +3532,6 @@
         </dgm:presLayoutVars>
       </dgm:prSet>
       <dgm:spPr/>
-      <dgm:t>
-        <a:bodyPr/>
-        <a:lstStyle/>
-        <a:p>
-          <a:endParaRPr lang="en-US"/>
-        </a:p>
-      </dgm:t>
     </dgm:pt>
     <dgm:pt modelId="{CBBC936C-2FDE-42E7-9F0E-06687D3FCB78}" type="pres">
       <dgm:prSet presAssocID="{4A2B822F-7A5C-4F95-BD23-CB014DA30628}" presName="composite" presStyleCnt="0"/>
@@ -3655,13 +3546,6 @@
         </dgm:presLayoutVars>
       </dgm:prSet>
       <dgm:spPr/>
-      <dgm:t>
-        <a:bodyPr/>
-        <a:lstStyle/>
-        <a:p>
-          <a:endParaRPr lang="en-US"/>
-        </a:p>
-      </dgm:t>
     </dgm:pt>
     <dgm:pt modelId="{F31D1D09-68C4-4585-9C94-72B97514B72F}" type="pres">
       <dgm:prSet presAssocID="{4A2B822F-7A5C-4F95-BD23-CB014DA30628}" presName="desTx" presStyleLbl="alignAccFollowNode1" presStyleIdx="0" presStyleCnt="2">
@@ -3670,13 +3554,6 @@
         </dgm:presLayoutVars>
       </dgm:prSet>
       <dgm:spPr/>
-      <dgm:t>
-        <a:bodyPr/>
-        <a:lstStyle/>
-        <a:p>
-          <a:endParaRPr lang="en-US"/>
-        </a:p>
-      </dgm:t>
     </dgm:pt>
     <dgm:pt modelId="{2B44396C-79C3-4357-8A20-4B95E5F357AC}" type="pres">
       <dgm:prSet presAssocID="{BA601F54-B9C1-4E0E-9088-6FC1DB33DD70}" presName="space" presStyleCnt="0"/>
@@ -3695,13 +3572,6 @@
         </dgm:presLayoutVars>
       </dgm:prSet>
       <dgm:spPr/>
-      <dgm:t>
-        <a:bodyPr/>
-        <a:lstStyle/>
-        <a:p>
-          <a:endParaRPr lang="en-US"/>
-        </a:p>
-      </dgm:t>
     </dgm:pt>
     <dgm:pt modelId="{AF0C274F-C542-4795-AAF5-EAB834A68A14}" type="pres">
       <dgm:prSet presAssocID="{E233C00A-9D20-4632-BFBB-8C604856288A}" presName="desTx" presStyleLbl="alignAccFollowNode1" presStyleIdx="1" presStyleCnt="2">
@@ -3710,34 +3580,27 @@
         </dgm:presLayoutVars>
       </dgm:prSet>
       <dgm:spPr/>
-      <dgm:t>
-        <a:bodyPr/>
-        <a:lstStyle/>
-        <a:p>
-          <a:endParaRPr lang="en-US"/>
-        </a:p>
-      </dgm:t>
     </dgm:pt>
   </dgm:ptLst>
   <dgm:cxnLst>
+    <dgm:cxn modelId="{B2539E03-2982-4EDA-9011-B4A7DD44C08C}" type="presOf" srcId="{4A2B822F-7A5C-4F95-BD23-CB014DA30628}" destId="{C5693F82-2D1A-4D43-B9E6-6B377B763BF3}" srcOrd="0" destOrd="0" presId="urn:microsoft.com/office/officeart/2005/8/layout/hList1"/>
+    <dgm:cxn modelId="{94460912-5408-4088-88EC-A44E251B8696}" srcId="{4A2B822F-7A5C-4F95-BD23-CB014DA30628}" destId="{86F411C2-B093-46BE-874D-7A1C18AA071E}" srcOrd="2" destOrd="0" parTransId="{F411748C-E831-4BC5-A2E2-DB1C01C9767B}" sibTransId="{2804F494-E4C1-4309-9D3A-BB207F4EB98E}"/>
+    <dgm:cxn modelId="{E562CD2F-1235-4C87-8392-22AA0352B0E3}" type="presOf" srcId="{E69FE44B-0787-4E3C-B599-36730458427B}" destId="{F31D1D09-68C4-4585-9C94-72B97514B72F}" srcOrd="0" destOrd="0" presId="urn:microsoft.com/office/officeart/2005/8/layout/hList1"/>
+    <dgm:cxn modelId="{0461C234-9E2F-4EA2-9B64-5EFEEBCA55FD}" type="presOf" srcId="{1EFCA181-C033-4E25-A20E-02B95D578305}" destId="{AF0C274F-C542-4795-AAF5-EAB834A68A14}" srcOrd="0" destOrd="1" presId="urn:microsoft.com/office/officeart/2005/8/layout/hList1"/>
     <dgm:cxn modelId="{0F732E35-7B38-476D-98F7-EAA1936C99E5}" srcId="{4A2B822F-7A5C-4F95-BD23-CB014DA30628}" destId="{80EFEFB4-BFE2-491D-B03E-C4C547D268F1}" srcOrd="3" destOrd="0" parTransId="{23D54A9D-D35A-4803-8B76-DAB4FD75A9C9}" sibTransId="{4BE2827C-DC34-487D-867F-646755964C95}"/>
+    <dgm:cxn modelId="{35EBF163-2D00-4E83-8A8A-215AD7895176}" type="presOf" srcId="{86F411C2-B093-46BE-874D-7A1C18AA071E}" destId="{F31D1D09-68C4-4585-9C94-72B97514B72F}" srcOrd="0" destOrd="2" presId="urn:microsoft.com/office/officeart/2005/8/layout/hList1"/>
+    <dgm:cxn modelId="{A652B968-206E-4B2E-A3F3-CFC03628EA97}" type="presOf" srcId="{0763B94C-F74B-4575-814A-68C25EB844FC}" destId="{AF0C274F-C542-4795-AAF5-EAB834A68A14}" srcOrd="0" destOrd="2" presId="urn:microsoft.com/office/officeart/2005/8/layout/hList1"/>
+    <dgm:cxn modelId="{AEF2AD4D-1023-4E61-B87C-3FCAF6263652}" srcId="{4A2B822F-7A5C-4F95-BD23-CB014DA30628}" destId="{A9393A8A-2876-40A1-9BF8-0A73F275CE83}" srcOrd="1" destOrd="0" parTransId="{5F6B1E96-504F-4543-90D1-9F978EFE96EF}" sibTransId="{6632ED2E-9E36-443B-B265-A597199FFA41}"/>
     <dgm:cxn modelId="{E3D1C279-6D4B-476D-B8D7-57C3D483E10A}" srcId="{DE8CB968-1E11-41A8-B58C-CE8640D673D0}" destId="{E233C00A-9D20-4632-BFBB-8C604856288A}" srcOrd="1" destOrd="0" parTransId="{56E7929B-F3FE-4923-80F4-546E878AE614}" sibTransId="{24F12B7F-531A-4A50-B00D-423F6D0DEC76}"/>
-    <dgm:cxn modelId="{E562CD2F-1235-4C87-8392-22AA0352B0E3}" type="presOf" srcId="{E69FE44B-0787-4E3C-B599-36730458427B}" destId="{F31D1D09-68C4-4585-9C94-72B97514B72F}" srcOrd="0" destOrd="0" presId="urn:microsoft.com/office/officeart/2005/8/layout/hList1"/>
-    <dgm:cxn modelId="{35EBF163-2D00-4E83-8A8A-215AD7895176}" type="presOf" srcId="{86F411C2-B093-46BE-874D-7A1C18AA071E}" destId="{F31D1D09-68C4-4585-9C94-72B97514B72F}" srcOrd="0" destOrd="2" presId="urn:microsoft.com/office/officeart/2005/8/layout/hList1"/>
+    <dgm:cxn modelId="{0D32BD5A-8F2C-47DD-9E33-B6052DDCAD2F}" type="presOf" srcId="{AC83587E-88B6-493A-B91A-21104506DAC3}" destId="{AF0C274F-C542-4795-AAF5-EAB834A68A14}" srcOrd="0" destOrd="0" presId="urn:microsoft.com/office/officeart/2005/8/layout/hList1"/>
+    <dgm:cxn modelId="{A54DE299-B305-49ED-A801-018465813D67}" type="presOf" srcId="{E233C00A-9D20-4632-BFBB-8C604856288A}" destId="{63FAAAB3-D56D-4A06-A54A-0942F9DA35B2}" srcOrd="0" destOrd="0" presId="urn:microsoft.com/office/officeart/2005/8/layout/hList1"/>
+    <dgm:cxn modelId="{7A16CBA1-4C04-4B06-9EDB-7B0376F699D9}" srcId="{E233C00A-9D20-4632-BFBB-8C604856288A}" destId="{1EFCA181-C033-4E25-A20E-02B95D578305}" srcOrd="1" destOrd="0" parTransId="{E7DEE051-E359-4F5E-AB22-EC924CADB9B1}" sibTransId="{A66AA4CC-9C2B-40F6-9854-1818FCE6B6A8}"/>
+    <dgm:cxn modelId="{C1A3F3A7-CB8D-43C5-AEA1-477CFC945337}" type="presOf" srcId="{80EFEFB4-BFE2-491D-B03E-C4C547D268F1}" destId="{F31D1D09-68C4-4585-9C94-72B97514B72F}" srcOrd="0" destOrd="3" presId="urn:microsoft.com/office/officeart/2005/8/layout/hList1"/>
+    <dgm:cxn modelId="{39F034BB-C436-4E78-B076-FE5BE061BD80}" type="presOf" srcId="{A9393A8A-2876-40A1-9BF8-0A73F275CE83}" destId="{F31D1D09-68C4-4585-9C94-72B97514B72F}" srcOrd="0" destOrd="1" presId="urn:microsoft.com/office/officeart/2005/8/layout/hList1"/>
+    <dgm:cxn modelId="{5DE216CE-987F-4ADE-A443-11087B387F1A}" srcId="{DE8CB968-1E11-41A8-B58C-CE8640D673D0}" destId="{4A2B822F-7A5C-4F95-BD23-CB014DA30628}" srcOrd="0" destOrd="0" parTransId="{4BA53376-4529-476B-A14D-D3CD445BF8F9}" sibTransId="{BA601F54-B9C1-4E0E-9088-6FC1DB33DD70}"/>
     <dgm:cxn modelId="{1D2825F1-B5DD-4119-923D-9AECD099E4C7}" type="presOf" srcId="{DE8CB968-1E11-41A8-B58C-CE8640D673D0}" destId="{CEE7006C-373B-49E6-82A1-65802EA6F525}" srcOrd="0" destOrd="0" presId="urn:microsoft.com/office/officeart/2005/8/layout/hList1"/>
-    <dgm:cxn modelId="{B2539E03-2982-4EDA-9011-B4A7DD44C08C}" type="presOf" srcId="{4A2B822F-7A5C-4F95-BD23-CB014DA30628}" destId="{C5693F82-2D1A-4D43-B9E6-6B377B763BF3}" srcOrd="0" destOrd="0" presId="urn:microsoft.com/office/officeart/2005/8/layout/hList1"/>
     <dgm:cxn modelId="{3C68BEF6-19E9-4440-8F07-7BAF3375CA95}" srcId="{4A2B822F-7A5C-4F95-BD23-CB014DA30628}" destId="{E69FE44B-0787-4E3C-B599-36730458427B}" srcOrd="0" destOrd="0" parTransId="{7336EE0F-D371-45EF-B19E-B68F57FAAEEF}" sibTransId="{49166D67-67EE-4BB2-8B11-CB19CF9C2615}"/>
-    <dgm:cxn modelId="{0461C234-9E2F-4EA2-9B64-5EFEEBCA55FD}" type="presOf" srcId="{1EFCA181-C033-4E25-A20E-02B95D578305}" destId="{AF0C274F-C542-4795-AAF5-EAB834A68A14}" srcOrd="0" destOrd="1" presId="urn:microsoft.com/office/officeart/2005/8/layout/hList1"/>
-    <dgm:cxn modelId="{5DE216CE-987F-4ADE-A443-11087B387F1A}" srcId="{DE8CB968-1E11-41A8-B58C-CE8640D673D0}" destId="{4A2B822F-7A5C-4F95-BD23-CB014DA30628}" srcOrd="0" destOrd="0" parTransId="{4BA53376-4529-476B-A14D-D3CD445BF8F9}" sibTransId="{BA601F54-B9C1-4E0E-9088-6FC1DB33DD70}"/>
-    <dgm:cxn modelId="{A54DE299-B305-49ED-A801-018465813D67}" type="presOf" srcId="{E233C00A-9D20-4632-BFBB-8C604856288A}" destId="{63FAAAB3-D56D-4A06-A54A-0942F9DA35B2}" srcOrd="0" destOrd="0" presId="urn:microsoft.com/office/officeart/2005/8/layout/hList1"/>
-    <dgm:cxn modelId="{0D32BD5A-8F2C-47DD-9E33-B6052DDCAD2F}" type="presOf" srcId="{AC83587E-88B6-493A-B91A-21104506DAC3}" destId="{AF0C274F-C542-4795-AAF5-EAB834A68A14}" srcOrd="0" destOrd="0" presId="urn:microsoft.com/office/officeart/2005/8/layout/hList1"/>
-    <dgm:cxn modelId="{A652B968-206E-4B2E-A3F3-CFC03628EA97}" type="presOf" srcId="{0763B94C-F74B-4575-814A-68C25EB844FC}" destId="{AF0C274F-C542-4795-AAF5-EAB834A68A14}" srcOrd="0" destOrd="2" presId="urn:microsoft.com/office/officeart/2005/8/layout/hList1"/>
-    <dgm:cxn modelId="{7A16CBA1-4C04-4B06-9EDB-7B0376F699D9}" srcId="{E233C00A-9D20-4632-BFBB-8C604856288A}" destId="{1EFCA181-C033-4E25-A20E-02B95D578305}" srcOrd="1" destOrd="0" parTransId="{E7DEE051-E359-4F5E-AB22-EC924CADB9B1}" sibTransId="{A66AA4CC-9C2B-40F6-9854-1818FCE6B6A8}"/>
-    <dgm:cxn modelId="{39F034BB-C436-4E78-B076-FE5BE061BD80}" type="presOf" srcId="{A9393A8A-2876-40A1-9BF8-0A73F275CE83}" destId="{F31D1D09-68C4-4585-9C94-72B97514B72F}" srcOrd="0" destOrd="1" presId="urn:microsoft.com/office/officeart/2005/8/layout/hList1"/>
-    <dgm:cxn modelId="{C1A3F3A7-CB8D-43C5-AEA1-477CFC945337}" type="presOf" srcId="{80EFEFB4-BFE2-491D-B03E-C4C547D268F1}" destId="{F31D1D09-68C4-4585-9C94-72B97514B72F}" srcOrd="0" destOrd="3" presId="urn:microsoft.com/office/officeart/2005/8/layout/hList1"/>
-    <dgm:cxn modelId="{AEF2AD4D-1023-4E61-B87C-3FCAF6263652}" srcId="{4A2B822F-7A5C-4F95-BD23-CB014DA30628}" destId="{A9393A8A-2876-40A1-9BF8-0A73F275CE83}" srcOrd="1" destOrd="0" parTransId="{5F6B1E96-504F-4543-90D1-9F978EFE96EF}" sibTransId="{6632ED2E-9E36-443B-B265-A597199FFA41}"/>
     <dgm:cxn modelId="{040710F7-F722-4025-AD13-FC70D19C56EC}" srcId="{E233C00A-9D20-4632-BFBB-8C604856288A}" destId="{AC83587E-88B6-493A-B91A-21104506DAC3}" srcOrd="0" destOrd="0" parTransId="{2D280084-5FEF-49AF-A635-4F65DD533670}" sibTransId="{802E83AC-6B49-4412-B836-40567128BF9F}"/>
-    <dgm:cxn modelId="{94460912-5408-4088-88EC-A44E251B8696}" srcId="{4A2B822F-7A5C-4F95-BD23-CB014DA30628}" destId="{86F411C2-B093-46BE-874D-7A1C18AA071E}" srcOrd="2" destOrd="0" parTransId="{F411748C-E831-4BC5-A2E2-DB1C01C9767B}" sibTransId="{2804F494-E4C1-4309-9D3A-BB207F4EB98E}"/>
     <dgm:cxn modelId="{FB2E48F7-D6FF-482C-8A2F-94D31ED2F910}" srcId="{E233C00A-9D20-4632-BFBB-8C604856288A}" destId="{0763B94C-F74B-4575-814A-68C25EB844FC}" srcOrd="2" destOrd="0" parTransId="{672F41A8-4F96-48B6-B0E7-14D26F3CE1ED}" sibTransId="{61943F02-743F-4BBC-8D1D-F3AF6D39B5DB}"/>
     <dgm:cxn modelId="{3679838D-E802-4B43-8BD3-B097A84BB4A0}" type="presParOf" srcId="{CEE7006C-373B-49E6-82A1-65802EA6F525}" destId="{CBBC936C-2FDE-42E7-9F0E-06687D3FCB78}" srcOrd="0" destOrd="0" presId="urn:microsoft.com/office/officeart/2005/8/layout/hList1"/>
     <dgm:cxn modelId="{9CE3A074-7D71-4460-9FD7-C6316C7B9C49}" type="presParOf" srcId="{CBBC936C-2FDE-42E7-9F0E-06687D3FCB78}" destId="{C5693F82-2D1A-4D43-B9E6-6B377B763BF3}" srcOrd="0" destOrd="0" presId="urn:microsoft.com/office/officeart/2005/8/layout/hList1"/>
@@ -3819,7 +3682,7 @@
         </a:bodyPr>
         <a:lstStyle/>
         <a:p>
-          <a:pPr lvl="0" algn="ctr" defTabSz="844550">
+          <a:pPr marL="0" lvl="0" indent="0" algn="ctr" defTabSz="844550">
             <a:lnSpc>
               <a:spcPct val="90000"/>
             </a:lnSpc>
@@ -3829,6 +3692,7 @@
             <a:spcAft>
               <a:spcPct val="35000"/>
             </a:spcAft>
+            <a:buNone/>
           </a:pPr>
           <a:r>
             <a:rPr lang="en-US" sz="1900" kern="1200" dirty="0"/>
@@ -3895,7 +3759,7 @@
         </a:bodyPr>
         <a:lstStyle/>
         <a:p>
-          <a:pPr lvl="0" algn="ctr" defTabSz="844550">
+          <a:pPr marL="0" lvl="0" indent="0" algn="ctr" defTabSz="844550">
             <a:lnSpc>
               <a:spcPct val="90000"/>
             </a:lnSpc>
@@ -3905,6 +3769,7 @@
             <a:spcAft>
               <a:spcPct val="35000"/>
             </a:spcAft>
+            <a:buNone/>
           </a:pPr>
           <a:r>
             <a:rPr lang="en-US" sz="1900" kern="1200" dirty="0"/>
@@ -3971,7 +3836,7 @@
         </a:bodyPr>
         <a:lstStyle/>
         <a:p>
-          <a:pPr lvl="0" algn="ctr" defTabSz="844550">
+          <a:pPr marL="0" lvl="0" indent="0" algn="ctr" defTabSz="844550">
             <a:lnSpc>
               <a:spcPct val="90000"/>
             </a:lnSpc>
@@ -3981,6 +3846,7 @@
             <a:spcAft>
               <a:spcPct val="35000"/>
             </a:spcAft>
+            <a:buNone/>
           </a:pPr>
           <a:r>
             <a:rPr lang="en-US" sz="1900" kern="1200" dirty="0"/>
@@ -4047,7 +3913,7 @@
         </a:bodyPr>
         <a:lstStyle/>
         <a:p>
-          <a:pPr lvl="0" algn="ctr" defTabSz="844550">
+          <a:pPr marL="0" lvl="0" indent="0" algn="ctr" defTabSz="844550">
             <a:lnSpc>
               <a:spcPct val="90000"/>
             </a:lnSpc>
@@ -4057,6 +3923,7 @@
             <a:spcAft>
               <a:spcPct val="35000"/>
             </a:spcAft>
+            <a:buNone/>
           </a:pPr>
           <a:r>
             <a:rPr lang="en-US" sz="1900" kern="1200" dirty="0"/>
@@ -4123,7 +3990,7 @@
         </a:bodyPr>
         <a:lstStyle/>
         <a:p>
-          <a:pPr lvl="0" algn="ctr" defTabSz="844550">
+          <a:pPr marL="0" lvl="0" indent="0" algn="ctr" defTabSz="844550">
             <a:lnSpc>
               <a:spcPct val="90000"/>
             </a:lnSpc>
@@ -4133,6 +4000,7 @@
             <a:spcAft>
               <a:spcPct val="35000"/>
             </a:spcAft>
+            <a:buNone/>
           </a:pPr>
           <a:r>
             <a:rPr lang="en-US" sz="1900" kern="1200" dirty="0"/>
@@ -4199,7 +4067,7 @@
         </a:bodyPr>
         <a:lstStyle/>
         <a:p>
-          <a:pPr lvl="0" algn="ctr" defTabSz="844550">
+          <a:pPr marL="0" lvl="0" indent="0" algn="ctr" defTabSz="844550">
             <a:lnSpc>
               <a:spcPct val="90000"/>
             </a:lnSpc>
@@ -4209,6 +4077,7 @@
             <a:spcAft>
               <a:spcPct val="35000"/>
             </a:spcAft>
+            <a:buNone/>
           </a:pPr>
           <a:r>
             <a:rPr lang="en-US" sz="1900" kern="1200" dirty="0"/>
@@ -4275,7 +4144,7 @@
         </a:bodyPr>
         <a:lstStyle/>
         <a:p>
-          <a:pPr lvl="0" algn="ctr" defTabSz="844550">
+          <a:pPr marL="0" lvl="0" indent="0" algn="ctr" defTabSz="844550">
             <a:lnSpc>
               <a:spcPct val="90000"/>
             </a:lnSpc>
@@ -4285,6 +4154,7 @@
             <a:spcAft>
               <a:spcPct val="35000"/>
             </a:spcAft>
+            <a:buNone/>
           </a:pPr>
           <a:r>
             <a:rPr lang="en-US" sz="1900" kern="1200" dirty="0"/>
@@ -4363,7 +4233,7 @@
         </a:bodyPr>
         <a:lstStyle/>
         <a:p>
-          <a:pPr lvl="0" algn="ctr" defTabSz="844550">
+          <a:pPr marL="0" lvl="0" indent="0" algn="ctr" defTabSz="844550">
             <a:lnSpc>
               <a:spcPct val="90000"/>
             </a:lnSpc>
@@ -4373,6 +4243,7 @@
             <a:spcAft>
               <a:spcPct val="35000"/>
             </a:spcAft>
+            <a:buNone/>
           </a:pPr>
           <a:r>
             <a:rPr lang="en-US" sz="1900" kern="1200" dirty="0"/>
@@ -4439,7 +4310,7 @@
         </a:bodyPr>
         <a:lstStyle/>
         <a:p>
-          <a:pPr lvl="0" algn="ctr" defTabSz="844550">
+          <a:pPr marL="0" lvl="0" indent="0" algn="ctr" defTabSz="844550">
             <a:lnSpc>
               <a:spcPct val="90000"/>
             </a:lnSpc>
@@ -4449,6 +4320,7 @@
             <a:spcAft>
               <a:spcPct val="35000"/>
             </a:spcAft>
+            <a:buNone/>
           </a:pPr>
           <a:r>
             <a:rPr lang="en-US" sz="1900" kern="1200" dirty="0"/>
@@ -4515,7 +4387,7 @@
         </a:bodyPr>
         <a:lstStyle/>
         <a:p>
-          <a:pPr lvl="0" algn="ctr" defTabSz="844550">
+          <a:pPr marL="0" lvl="0" indent="0" algn="ctr" defTabSz="844550">
             <a:lnSpc>
               <a:spcPct val="90000"/>
             </a:lnSpc>
@@ -4525,6 +4397,7 @@
             <a:spcAft>
               <a:spcPct val="35000"/>
             </a:spcAft>
+            <a:buNone/>
           </a:pPr>
           <a:r>
             <a:rPr lang="en-US" sz="1900" kern="1200" dirty="0"/>
@@ -4591,7 +4464,7 @@
         </a:bodyPr>
         <a:lstStyle/>
         <a:p>
-          <a:pPr lvl="0" algn="ctr" defTabSz="844550">
+          <a:pPr marL="0" lvl="0" indent="0" algn="ctr" defTabSz="844550">
             <a:lnSpc>
               <a:spcPct val="90000"/>
             </a:lnSpc>
@@ -4601,6 +4474,7 @@
             <a:spcAft>
               <a:spcPct val="35000"/>
             </a:spcAft>
+            <a:buNone/>
           </a:pPr>
           <a:r>
             <a:rPr lang="en-US" sz="1900" kern="1200" dirty="0"/>
@@ -4667,7 +4541,7 @@
         </a:bodyPr>
         <a:lstStyle/>
         <a:p>
-          <a:pPr lvl="0" algn="ctr" defTabSz="844550">
+          <a:pPr marL="0" lvl="0" indent="0" algn="ctr" defTabSz="844550">
             <a:lnSpc>
               <a:spcPct val="90000"/>
             </a:lnSpc>
@@ -4677,6 +4551,7 @@
             <a:spcAft>
               <a:spcPct val="35000"/>
             </a:spcAft>
+            <a:buNone/>
           </a:pPr>
           <a:r>
             <a:rPr lang="en-US" sz="1900" kern="1200" dirty="0"/>
@@ -4755,7 +4630,7 @@
         </a:bodyPr>
         <a:lstStyle/>
         <a:p>
-          <a:pPr lvl="0" algn="ctr" defTabSz="1778000">
+          <a:pPr marL="0" lvl="0" indent="0" algn="ctr" defTabSz="1778000">
             <a:lnSpc>
               <a:spcPct val="90000"/>
             </a:lnSpc>
@@ -4765,6 +4640,7 @@
             <a:spcAft>
               <a:spcPct val="35000"/>
             </a:spcAft>
+            <a:buNone/>
           </a:pPr>
           <a:r>
             <a:rPr lang="en-US" sz="4000" kern="1200" dirty="0"/>
@@ -4843,7 +4719,7 @@
             <a:spcAft>
               <a:spcPct val="15000"/>
             </a:spcAft>
-            <a:buChar char="••"/>
+            <a:buChar char="•"/>
           </a:pPr>
           <a:r>
             <a:rPr lang="en-US" sz="3200" kern="1200" dirty="0"/>
@@ -4861,7 +4737,7 @@
             <a:spcAft>
               <a:spcPct val="15000"/>
             </a:spcAft>
-            <a:buChar char="••"/>
+            <a:buChar char="•"/>
           </a:pPr>
           <a:r>
             <a:rPr lang="en-US" sz="3200" kern="1200" dirty="0"/>
@@ -4879,7 +4755,7 @@
             <a:spcAft>
               <a:spcPct val="15000"/>
             </a:spcAft>
-            <a:buChar char="••"/>
+            <a:buChar char="•"/>
           </a:pPr>
           <a:r>
             <a:rPr lang="en-US" sz="3200" kern="1200" dirty="0"/>
@@ -4897,7 +4773,7 @@
             <a:spcAft>
               <a:spcPct val="15000"/>
             </a:spcAft>
-            <a:buChar char="••"/>
+            <a:buChar char="•"/>
           </a:pPr>
           <a:r>
             <a:rPr lang="en-US" sz="3200" kern="1200" dirty="0"/>
@@ -4964,7 +4840,7 @@
         </a:bodyPr>
         <a:lstStyle/>
         <a:p>
-          <a:pPr lvl="0" algn="ctr" defTabSz="1778000">
+          <a:pPr marL="0" lvl="0" indent="0" algn="ctr" defTabSz="1778000">
             <a:lnSpc>
               <a:spcPct val="90000"/>
             </a:lnSpc>
@@ -4974,6 +4850,7 @@
             <a:spcAft>
               <a:spcPct val="35000"/>
             </a:spcAft>
+            <a:buNone/>
           </a:pPr>
           <a:r>
             <a:rPr lang="en-US" sz="4000" kern="1200" dirty="0"/>
@@ -5052,7 +4929,7 @@
             <a:spcAft>
               <a:spcPct val="15000"/>
             </a:spcAft>
-            <a:buChar char="••"/>
+            <a:buChar char="•"/>
           </a:pPr>
           <a:r>
             <a:rPr lang="en-US" sz="3200" kern="1200" dirty="0"/>
@@ -5070,7 +4947,7 @@
             <a:spcAft>
               <a:spcPct val="15000"/>
             </a:spcAft>
-            <a:buChar char="••"/>
+            <a:buChar char="•"/>
           </a:pPr>
           <a:r>
             <a:rPr lang="en-US" sz="3200" kern="1200" dirty="0"/>
@@ -5088,7 +4965,7 @@
             <a:spcAft>
               <a:spcPct val="15000"/>
             </a:spcAft>
-            <a:buChar char="••"/>
+            <a:buChar char="•"/>
           </a:pPr>
           <a:r>
             <a:rPr lang="en-US" sz="3200" kern="1200" dirty="0"/>
@@ -8804,7 +8681,7 @@
               <a:rPr lang="en-US" smtClean="0">
                 <a:latin typeface="Segoe UI" pitchFamily="34" charset="0"/>
               </a:rPr>
-              <a:t>12/4/2017 11:07 PM</a:t>
+              <a:t>1/31/2018 4:31 PM</a:t>
             </a:fld>
             <a:endParaRPr lang="en-US" dirty="0">
               <a:latin typeface="Segoe UI" pitchFamily="34" charset="0"/>
@@ -8893,7 +8770,7 @@
               <a:rPr lang="en-US" smtClean="0">
                 <a:latin typeface="Segoe UI" pitchFamily="34" charset="0"/>
               </a:rPr>
-              <a:t>‹#›</a:t>
+              <a:t>‹Nr.›</a:t>
             </a:fld>
             <a:endParaRPr lang="en-US" dirty="0">
               <a:latin typeface="Segoe UI" pitchFamily="34" charset="0"/>
@@ -9082,7 +8959,7 @@
           <a:p>
             <a:fld id="{196BB360-4395-422C-A729-CB974B278917}" type="datetime8">
               <a:rPr lang="en-US" smtClean="0"/>
-              <a:t>12/4/2017 11:07 PM</a:t>
+              <a:t>1/31/2018 4:31 PM</a:t>
             </a:fld>
             <a:endParaRPr lang="en-US" dirty="0"/>
           </a:p>
@@ -9179,7 +9056,7 @@
             <a:fld id="{B4008EB6-D09E-4580-8CD6-DDB14511944F}" type="slidenum">
               <a:rPr lang="en-US" smtClean="0"/>
               <a:pPr/>
-              <a:t>‹#›</a:t>
+              <a:t>‹Nr.›</a:t>
             </a:fld>
             <a:endParaRPr lang="en-US" dirty="0"/>
           </a:p>
@@ -9411,7 +9288,7 @@
           <a:p>
             <a:fld id="{B9E68977-C62F-48C1-B8E5-A952982F1FDC}" type="datetime8">
               <a:rPr lang="en-US" smtClean="0"/>
-              <a:t>12/4/2017 11:07 PM</a:t>
+              <a:t>1/31/2018 4:31 PM</a:t>
             </a:fld>
             <a:endParaRPr lang="en-US" dirty="0"/>
           </a:p>
@@ -9617,7 +9494,7 @@
           <a:p>
             <a:fld id="{196BB360-4395-422C-A729-CB974B278917}" type="datetime8">
               <a:rPr lang="en-US" smtClean="0"/>
-              <a:t>12/4/2017 11:07 PM</a:t>
+              <a:t>1/31/2018 4:31 PM</a:t>
             </a:fld>
             <a:endParaRPr lang="en-US" dirty="0"/>
           </a:p>
@@ -9744,7 +9621,7 @@
           <a:p>
             <a:pPr marL="398463" defTabSz="914099" eaLnBrk="0" hangingPunct="0"/>
             <a:r>
-              <a:rPr lang="en-US" sz="400" smtClean="0">
+              <a:rPr lang="en-US" sz="400">
                 <a:gradFill>
                   <a:gsLst>
                     <a:gs pos="0">
@@ -9798,7 +9675,7 @@
           <a:p>
             <a:fld id="{196BB360-4395-422C-A729-CB974B278917}" type="datetime8">
               <a:rPr lang="en-US" smtClean="0"/>
-              <a:t>12/4/2017 11:10 PM</a:t>
+              <a:t>1/31/2018 4:31 PM</a:t>
             </a:fld>
             <a:endParaRPr lang="en-US" dirty="0"/>
           </a:p>
@@ -9925,7 +9802,7 @@
           <a:p>
             <a:pPr marL="398463" defTabSz="914099" eaLnBrk="0" hangingPunct="0"/>
             <a:r>
-              <a:rPr lang="en-US" sz="400" smtClean="0">
+              <a:rPr lang="en-US" sz="400">
                 <a:gradFill>
                   <a:gsLst>
                     <a:gs pos="0">
@@ -9979,7 +9856,7 @@
           <a:p>
             <a:fld id="{196BB360-4395-422C-A729-CB974B278917}" type="datetime8">
               <a:rPr lang="en-US" smtClean="0"/>
-              <a:t>12/4/2017 11:07 PM</a:t>
+              <a:t>1/31/2018 4:31 PM</a:t>
             </a:fld>
             <a:endParaRPr lang="en-US" dirty="0"/>
           </a:p>
@@ -10106,7 +9983,7 @@
           <a:p>
             <a:pPr marL="398463" defTabSz="914099" eaLnBrk="0" hangingPunct="0"/>
             <a:r>
-              <a:rPr lang="en-US" sz="400" smtClean="0">
+              <a:rPr lang="en-US" sz="400">
                 <a:gradFill>
                   <a:gsLst>
                     <a:gs pos="0">
@@ -10160,7 +10037,7 @@
           <a:p>
             <a:fld id="{196BB360-4395-422C-A729-CB974B278917}" type="datetime8">
               <a:rPr lang="en-US" smtClean="0"/>
-              <a:t>12/4/2017 11:07 PM</a:t>
+              <a:t>1/31/2018 4:31 PM</a:t>
             </a:fld>
             <a:endParaRPr lang="en-US" dirty="0"/>
           </a:p>
@@ -10287,7 +10164,7 @@
           <a:p>
             <a:pPr marL="398463" defTabSz="914099" eaLnBrk="0" hangingPunct="0"/>
             <a:r>
-              <a:rPr lang="en-US" sz="400" smtClean="0">
+              <a:rPr lang="en-US" sz="400">
                 <a:gradFill>
                   <a:gsLst>
                     <a:gs pos="0">
@@ -10341,7 +10218,7 @@
           <a:p>
             <a:fld id="{196BB360-4395-422C-A729-CB974B278917}" type="datetime8">
               <a:rPr lang="en-US" smtClean="0"/>
-              <a:t>12/4/2017 11:07 PM</a:t>
+              <a:t>1/31/2018 4:31 PM</a:t>
             </a:fld>
             <a:endParaRPr lang="en-US" dirty="0"/>
           </a:p>
@@ -10550,7 +10427,7 @@
           <a:p>
             <a:fld id="{196BB360-4395-422C-A729-CB974B278917}" type="datetime8">
               <a:rPr lang="en-US" smtClean="0"/>
-              <a:t>12/4/2017 11:07 PM</a:t>
+              <a:t>1/31/2018 4:31 PM</a:t>
             </a:fld>
             <a:endParaRPr lang="en-US" dirty="0"/>
           </a:p>
@@ -10677,7 +10554,7 @@
           <a:p>
             <a:pPr marL="398463" defTabSz="914099" eaLnBrk="0" hangingPunct="0"/>
             <a:r>
-              <a:rPr lang="en-US" sz="400" smtClean="0">
+              <a:rPr lang="en-US" sz="400">
                 <a:gradFill>
                   <a:gsLst>
                     <a:gs pos="0">
@@ -10731,7 +10608,7 @@
           <a:p>
             <a:fld id="{196BB360-4395-422C-A729-CB974B278917}" type="datetime8">
               <a:rPr lang="en-US" smtClean="0"/>
-              <a:t>12/4/2017 11:07 PM</a:t>
+              <a:t>1/31/2018 4:31 PM</a:t>
             </a:fld>
             <a:endParaRPr lang="en-US" dirty="0"/>
           </a:p>
@@ -10858,7 +10735,7 @@
           <a:p>
             <a:pPr marL="398463" defTabSz="914099" eaLnBrk="0" hangingPunct="0"/>
             <a:r>
-              <a:rPr lang="en-US" sz="400" smtClean="0">
+              <a:rPr lang="en-US" sz="400">
                 <a:gradFill>
                   <a:gsLst>
                     <a:gs pos="0">
@@ -10912,7 +10789,7 @@
           <a:p>
             <a:fld id="{196BB360-4395-422C-A729-CB974B278917}" type="datetime8">
               <a:rPr lang="en-US" smtClean="0"/>
-              <a:t>12/4/2017 11:07 PM</a:t>
+              <a:t>1/31/2018 4:31 PM</a:t>
             </a:fld>
             <a:endParaRPr lang="en-US" dirty="0"/>
           </a:p>
@@ -11039,7 +10916,7 @@
           <a:p>
             <a:pPr marL="398463" defTabSz="914099" eaLnBrk="0" hangingPunct="0"/>
             <a:r>
-              <a:rPr lang="en-US" sz="400" smtClean="0">
+              <a:rPr lang="en-US" sz="400">
                 <a:gradFill>
                   <a:gsLst>
                     <a:gs pos="0">
@@ -11093,7 +10970,7 @@
           <a:p>
             <a:fld id="{196BB360-4395-422C-A729-CB974B278917}" type="datetime8">
               <a:rPr lang="en-US" smtClean="0"/>
-              <a:t>12/4/2017 11:07 PM</a:t>
+              <a:t>1/31/2018 4:31 PM</a:t>
             </a:fld>
             <a:endParaRPr lang="en-US" dirty="0"/>
           </a:p>
@@ -11220,7 +11097,7 @@
           <a:p>
             <a:pPr marL="398463" defTabSz="914099" eaLnBrk="0" hangingPunct="0"/>
             <a:r>
-              <a:rPr lang="en-US" sz="400" smtClean="0">
+              <a:rPr lang="en-US" sz="400">
                 <a:gradFill>
                   <a:gsLst>
                     <a:gs pos="0">
@@ -11274,7 +11151,7 @@
           <a:p>
             <a:fld id="{196BB360-4395-422C-A729-CB974B278917}" type="datetime8">
               <a:rPr lang="en-US" smtClean="0"/>
-              <a:t>12/4/2017 11:07 PM</a:t>
+              <a:t>1/31/2018 4:31 PM</a:t>
             </a:fld>
             <a:endParaRPr lang="en-US" dirty="0"/>
           </a:p>
@@ -11401,7 +11278,7 @@
           <a:p>
             <a:pPr marL="398463" defTabSz="914099" eaLnBrk="0" hangingPunct="0"/>
             <a:r>
-              <a:rPr lang="en-US" sz="400" smtClean="0">
+              <a:rPr lang="en-US" sz="400">
                 <a:gradFill>
                   <a:gsLst>
                     <a:gs pos="0">
@@ -11455,7 +11332,7 @@
           <a:p>
             <a:fld id="{196BB360-4395-422C-A729-CB974B278917}" type="datetime8">
               <a:rPr lang="en-US" smtClean="0"/>
-              <a:t>12/4/2017 11:07 PM</a:t>
+              <a:t>1/31/2018 4:31 PM</a:t>
             </a:fld>
             <a:endParaRPr lang="en-US" dirty="0"/>
           </a:p>
@@ -11620,7 +11497,7 @@
           <a:p>
             <a:fld id="{196BB360-4395-422C-A729-CB974B278917}" type="datetime8">
               <a:rPr lang="en-US" smtClean="0"/>
-              <a:t>12/4/2017 11:07 PM</a:t>
+              <a:t>1/31/2018 4:31 PM</a:t>
             </a:fld>
             <a:endParaRPr lang="en-US" dirty="0"/>
           </a:p>
@@ -11788,7 +11665,7 @@
           <a:p>
             <a:fld id="{196BB360-4395-422C-A729-CB974B278917}" type="datetime8">
               <a:rPr lang="en-US" smtClean="0"/>
-              <a:t>12/4/2017 11:07 PM</a:t>
+              <a:t>1/31/2018 4:31 PM</a:t>
             </a:fld>
             <a:endParaRPr lang="en-US" dirty="0"/>
           </a:p>
@@ -11915,7 +11792,7 @@
           <a:p>
             <a:pPr marL="398463" defTabSz="914099" eaLnBrk="0" hangingPunct="0"/>
             <a:r>
-              <a:rPr lang="en-US" sz="400" smtClean="0">
+              <a:rPr lang="en-US" sz="400">
                 <a:gradFill>
                   <a:gsLst>
                     <a:gs pos="0">
@@ -11969,7 +11846,7 @@
           <a:p>
             <a:fld id="{196BB360-4395-422C-A729-CB974B278917}" type="datetime8">
               <a:rPr lang="en-US" smtClean="0"/>
-              <a:t>12/4/2017 11:07 PM</a:t>
+              <a:t>1/31/2018 4:31 PM</a:t>
             </a:fld>
             <a:endParaRPr lang="en-US" dirty="0"/>
           </a:p>
@@ -12096,7 +11973,7 @@
           <a:p>
             <a:pPr marL="398463" defTabSz="914099" eaLnBrk="0" hangingPunct="0"/>
             <a:r>
-              <a:rPr lang="en-US" sz="400" smtClean="0">
+              <a:rPr lang="en-US" sz="400">
                 <a:gradFill>
                   <a:gsLst>
                     <a:gs pos="0">
@@ -12150,7 +12027,7 @@
           <a:p>
             <a:fld id="{196BB360-4395-422C-A729-CB974B278917}" type="datetime8">
               <a:rPr lang="en-US" smtClean="0"/>
-              <a:t>12/4/2017 11:07 PM</a:t>
+              <a:t>1/31/2018 4:31 PM</a:t>
             </a:fld>
             <a:endParaRPr lang="en-US" dirty="0"/>
           </a:p>
@@ -12351,7 +12228,7 @@
           <a:p>
             <a:fld id="{196BB360-4395-422C-A729-CB974B278917}" type="datetime8">
               <a:rPr lang="en-US" smtClean="0"/>
-              <a:t>12/4/2017 11:07 PM</a:t>
+              <a:t>1/31/2018 4:31 PM</a:t>
             </a:fld>
             <a:endParaRPr lang="en-US" dirty="0"/>
           </a:p>
@@ -12536,7 +12413,7 @@
           <a:p>
             <a:fld id="{38EEC551-8CDA-4EB6-89BB-2A86C9F091C8}" type="datetime8">
               <a:rPr lang="en-US" smtClean="0"/>
-              <a:t>12/4/2017 11:07 PM</a:t>
+              <a:t>1/31/2018 4:31 PM</a:t>
             </a:fld>
             <a:endParaRPr lang="en-US" dirty="0"/>
           </a:p>
@@ -12663,7 +12540,7 @@
           <a:p>
             <a:pPr marL="398463" defTabSz="914099" eaLnBrk="0" hangingPunct="0"/>
             <a:r>
-              <a:rPr lang="en-US" sz="400" smtClean="0">
+              <a:rPr lang="en-US" sz="400">
                 <a:gradFill>
                   <a:gsLst>
                     <a:gs pos="0">
@@ -12717,7 +12594,7 @@
           <a:p>
             <a:fld id="{196BB360-4395-422C-A729-CB974B278917}" type="datetime8">
               <a:rPr lang="en-US" smtClean="0"/>
-              <a:t>12/4/2017 11:07 PM</a:t>
+              <a:t>1/31/2018 4:31 PM</a:t>
             </a:fld>
             <a:endParaRPr lang="en-US" dirty="0"/>
           </a:p>
@@ -12844,7 +12721,7 @@
           <a:p>
             <a:pPr marL="398463" defTabSz="914099" eaLnBrk="0" hangingPunct="0"/>
             <a:r>
-              <a:rPr lang="en-US" sz="400" smtClean="0">
+              <a:rPr lang="en-US" sz="400">
                 <a:gradFill>
                   <a:gsLst>
                     <a:gs pos="0">
@@ -12898,7 +12775,7 @@
           <a:p>
             <a:fld id="{196BB360-4395-422C-A729-CB974B278917}" type="datetime8">
               <a:rPr lang="en-US" smtClean="0"/>
-              <a:t>12/4/2017 11:07 PM</a:t>
+              <a:t>1/31/2018 4:31 PM</a:t>
             </a:fld>
             <a:endParaRPr lang="en-US" dirty="0"/>
           </a:p>
@@ -13025,7 +12902,7 @@
           <a:p>
             <a:pPr marL="398463" defTabSz="914099" eaLnBrk="0" hangingPunct="0"/>
             <a:r>
-              <a:rPr lang="en-US" sz="400" smtClean="0">
+              <a:rPr lang="en-US" sz="400">
                 <a:gradFill>
                   <a:gsLst>
                     <a:gs pos="0">
@@ -13079,7 +12956,7 @@
           <a:p>
             <a:fld id="{196BB360-4395-422C-A729-CB974B278917}" type="datetime8">
               <a:rPr lang="en-US" smtClean="0"/>
-              <a:t>12/4/2017 11:07 PM</a:t>
+              <a:t>1/31/2018 4:31 PM</a:t>
             </a:fld>
             <a:endParaRPr lang="en-US" dirty="0"/>
           </a:p>
@@ -13206,7 +13083,7 @@
           <a:p>
             <a:pPr marL="398463" defTabSz="914099" eaLnBrk="0" hangingPunct="0"/>
             <a:r>
-              <a:rPr lang="en-US" sz="400" smtClean="0">
+              <a:rPr lang="en-US" sz="400">
                 <a:gradFill>
                   <a:gsLst>
                     <a:gs pos="0">
@@ -13260,7 +13137,7 @@
           <a:p>
             <a:fld id="{196BB360-4395-422C-A729-CB974B278917}" type="datetime8">
               <a:rPr lang="en-US" smtClean="0"/>
-              <a:t>12/4/2017 11:07 PM</a:t>
+              <a:t>1/31/2018 4:31 PM</a:t>
             </a:fld>
             <a:endParaRPr lang="en-US" dirty="0"/>
           </a:p>
@@ -13387,7 +13264,7 @@
           <a:p>
             <a:pPr marL="398463" defTabSz="914099" eaLnBrk="0" hangingPunct="0"/>
             <a:r>
-              <a:rPr lang="en-US" sz="400" smtClean="0">
+              <a:rPr lang="en-US" sz="400">
                 <a:gradFill>
                   <a:gsLst>
                     <a:gs pos="0">
@@ -13441,7 +13318,7 @@
           <a:p>
             <a:fld id="{196BB360-4395-422C-A729-CB974B278917}" type="datetime8">
               <a:rPr lang="en-US" smtClean="0"/>
-              <a:t>12/4/2017 11:07 PM</a:t>
+              <a:t>1/31/2018 4:31 PM</a:t>
             </a:fld>
             <a:endParaRPr lang="en-US" dirty="0"/>
           </a:p>
@@ -13568,7 +13445,7 @@
           <a:p>
             <a:pPr marL="398463" defTabSz="914099" eaLnBrk="0" hangingPunct="0"/>
             <a:r>
-              <a:rPr lang="en-US" sz="400" smtClean="0">
+              <a:rPr lang="en-US" sz="400">
                 <a:gradFill>
                   <a:gsLst>
                     <a:gs pos="0">
@@ -13622,7 +13499,7 @@
           <a:p>
             <a:fld id="{196BB360-4395-422C-A729-CB974B278917}" type="datetime8">
               <a:rPr lang="en-US" smtClean="0"/>
-              <a:t>12/4/2017 11:07 PM</a:t>
+              <a:t>1/31/2018 4:31 PM</a:t>
             </a:fld>
             <a:endParaRPr lang="en-US" dirty="0"/>
           </a:p>
@@ -13749,7 +13626,7 @@
           <a:p>
             <a:pPr marL="398463" defTabSz="914099" eaLnBrk="0" hangingPunct="0"/>
             <a:r>
-              <a:rPr lang="en-US" sz="400" smtClean="0">
+              <a:rPr lang="en-US" sz="400">
                 <a:gradFill>
                   <a:gsLst>
                     <a:gs pos="0">
@@ -13803,7 +13680,7 @@
           <a:p>
             <a:fld id="{196BB360-4395-422C-A729-CB974B278917}" type="datetime8">
               <a:rPr lang="en-US" smtClean="0"/>
-              <a:t>12/4/2017 11:07 PM</a:t>
+              <a:t>1/31/2018 4:31 PM</a:t>
             </a:fld>
             <a:endParaRPr lang="en-US" dirty="0"/>
           </a:p>
@@ -14131,7 +14008,7 @@
           <a:p>
             <a:fld id="{196BB360-4395-422C-A729-CB974B278917}" type="datetime8">
               <a:rPr lang="en-US" smtClean="0"/>
-              <a:t>12/4/2017 11:07 PM</a:t>
+              <a:t>1/31/2018 4:31 PM</a:t>
             </a:fld>
             <a:endParaRPr lang="en-US" dirty="0"/>
           </a:p>
@@ -14258,7 +14135,7 @@
           <a:p>
             <a:pPr marL="398463" defTabSz="914099" eaLnBrk="0" hangingPunct="0"/>
             <a:r>
-              <a:rPr lang="en-US" sz="400" smtClean="0">
+              <a:rPr lang="en-US" sz="400">
                 <a:gradFill>
                   <a:gsLst>
                     <a:gs pos="0">
@@ -14312,7 +14189,7 @@
           <a:p>
             <a:fld id="{196BB360-4395-422C-A729-CB974B278917}" type="datetime8">
               <a:rPr lang="en-US" smtClean="0"/>
-              <a:t>12/4/2017 11:07 PM</a:t>
+              <a:t>1/31/2018 4:31 PM</a:t>
             </a:fld>
             <a:endParaRPr lang="en-US" dirty="0"/>
           </a:p>
@@ -14439,7 +14316,7 @@
           <a:p>
             <a:pPr marL="398463" defTabSz="914099" eaLnBrk="0" hangingPunct="0"/>
             <a:r>
-              <a:rPr lang="en-US" sz="400" smtClean="0">
+              <a:rPr lang="en-US" sz="400">
                 <a:gradFill>
                   <a:gsLst>
                     <a:gs pos="0">
@@ -14493,7 +14370,7 @@
           <a:p>
             <a:fld id="{196BB360-4395-422C-A729-CB974B278917}" type="datetime8">
               <a:rPr lang="en-US" smtClean="0"/>
-              <a:t>12/4/2017 11:07 PM</a:t>
+              <a:t>1/31/2018 4:31 PM</a:t>
             </a:fld>
             <a:endParaRPr lang="en-US" dirty="0"/>
           </a:p>
@@ -14643,7 +14520,7 @@
                   <a:prstClr val="black"/>
                 </a:solidFill>
               </a:rPr>
-              <a:t>12/4/2017 11:07 PM</a:t>
+              <a:t>1/31/2018 4:31 PM</a:t>
             </a:fld>
             <a:endParaRPr lang="en-US" dirty="0">
               <a:solidFill>
@@ -14820,7 +14697,7 @@
           <a:p>
             <a:pPr marL="398463" defTabSz="914099" eaLnBrk="0" hangingPunct="0"/>
             <a:r>
-              <a:rPr lang="en-US" sz="400" smtClean="0">
+              <a:rPr lang="en-US" sz="400">
                 <a:gradFill>
                   <a:gsLst>
                     <a:gs pos="0">
@@ -14874,7 +14751,7 @@
           <a:p>
             <a:fld id="{196BB360-4395-422C-A729-CB974B278917}" type="datetime8">
               <a:rPr lang="en-US" smtClean="0"/>
-              <a:t>12/4/2017 11:07 PM</a:t>
+              <a:t>1/31/2018 4:31 PM</a:t>
             </a:fld>
             <a:endParaRPr lang="en-US" dirty="0"/>
           </a:p>
@@ -15001,7 +14878,7 @@
           <a:p>
             <a:pPr marL="398463" defTabSz="914099" eaLnBrk="0" hangingPunct="0"/>
             <a:r>
-              <a:rPr lang="en-US" sz="400" smtClean="0">
+              <a:rPr lang="en-US" sz="400">
                 <a:gradFill>
                   <a:gsLst>
                     <a:gs pos="0">
@@ -15055,7 +14932,7 @@
           <a:p>
             <a:fld id="{196BB360-4395-422C-A729-CB974B278917}" type="datetime8">
               <a:rPr lang="en-US" smtClean="0"/>
-              <a:t>12/4/2017 11:07 PM</a:t>
+              <a:t>1/31/2018 4:31 PM</a:t>
             </a:fld>
             <a:endParaRPr lang="en-US" dirty="0"/>
           </a:p>
@@ -15182,7 +15059,7 @@
           <a:p>
             <a:pPr marL="398463" defTabSz="914099" eaLnBrk="0" hangingPunct="0"/>
             <a:r>
-              <a:rPr lang="en-US" sz="400" smtClean="0">
+              <a:rPr lang="en-US" sz="400">
                 <a:gradFill>
                   <a:gsLst>
                     <a:gs pos="0">
@@ -15236,7 +15113,7 @@
           <a:p>
             <a:fld id="{196BB360-4395-422C-A729-CB974B278917}" type="datetime8">
               <a:rPr lang="en-US" smtClean="0"/>
-              <a:t>12/4/2017 11:07 PM</a:t>
+              <a:t>1/31/2018 4:31 PM</a:t>
             </a:fld>
             <a:endParaRPr lang="en-US" dirty="0"/>
           </a:p>
@@ -15404,7 +15281,7 @@
           <a:p>
             <a:fld id="{196BB360-4395-422C-A729-CB974B278917}" type="datetime8">
               <a:rPr lang="en-US" smtClean="0"/>
-              <a:t>12/4/2017 11:07 PM</a:t>
+              <a:t>1/31/2018 4:31 PM</a:t>
             </a:fld>
             <a:endParaRPr lang="en-US" dirty="0"/>
           </a:p>
@@ -15531,7 +15408,7 @@
           <a:p>
             <a:pPr marL="398463" defTabSz="914099" eaLnBrk="0" hangingPunct="0"/>
             <a:r>
-              <a:rPr lang="en-US" sz="400" smtClean="0">
+              <a:rPr lang="en-US" sz="400">
                 <a:gradFill>
                   <a:gsLst>
                     <a:gs pos="0">
@@ -15585,7 +15462,7 @@
           <a:p>
             <a:fld id="{196BB360-4395-422C-A729-CB974B278917}" type="datetime8">
               <a:rPr lang="en-US" smtClean="0"/>
-              <a:t>12/4/2017 11:07 PM</a:t>
+              <a:t>1/31/2018 4:31 PM</a:t>
             </a:fld>
             <a:endParaRPr lang="en-US" dirty="0"/>
           </a:p>
@@ -15712,7 +15589,7 @@
           <a:p>
             <a:pPr marL="398463" defTabSz="914099" eaLnBrk="0" hangingPunct="0"/>
             <a:r>
-              <a:rPr lang="en-US" sz="400" smtClean="0">
+              <a:rPr lang="en-US" sz="400">
                 <a:gradFill>
                   <a:gsLst>
                     <a:gs pos="0">
@@ -15766,7 +15643,7 @@
           <a:p>
             <a:fld id="{196BB360-4395-422C-A729-CB974B278917}" type="datetime8">
               <a:rPr lang="en-US" smtClean="0"/>
-              <a:t>12/4/2017 11:07 PM</a:t>
+              <a:t>1/31/2018 4:31 PM</a:t>
             </a:fld>
             <a:endParaRPr lang="en-US" dirty="0"/>
           </a:p>
@@ -15893,7 +15770,7 @@
           <a:p>
             <a:pPr marL="398463" defTabSz="914099" eaLnBrk="0" hangingPunct="0"/>
             <a:r>
-              <a:rPr lang="en-US" sz="400" smtClean="0">
+              <a:rPr lang="en-US" sz="400">
                 <a:gradFill>
                   <a:gsLst>
                     <a:gs pos="0">
@@ -15947,7 +15824,7 @@
           <a:p>
             <a:fld id="{196BB360-4395-422C-A729-CB974B278917}" type="datetime8">
               <a:rPr lang="en-US" smtClean="0"/>
-              <a:t>12/4/2017 11:07 PM</a:t>
+              <a:t>1/31/2018 4:31 PM</a:t>
             </a:fld>
             <a:endParaRPr lang="en-US" dirty="0"/>
           </a:p>
@@ -44721,51 +44598,33 @@
             </a:r>
             <a:r>
               <a:rPr lang="en-US"/>
-              <a:t>30 </a:t>
-            </a:r>
-            <a:r>
-              <a:rPr lang="en-US" smtClean="0"/>
-              <a:t>days</a:t>
+              <a:t>30 days</a:t>
             </a:r>
             <a:endParaRPr lang="en-US" dirty="0"/>
           </a:p>
           <a:p>
             <a:r>
               <a:rPr lang="en-US" dirty="0"/>
-              <a:t>Activity log entries are stored for 90 </a:t>
+              <a:t>Activity log entries are stored for 90 days</a:t>
             </a:r>
-            <a:r>
-              <a:rPr lang="en-US" dirty="0" smtClean="0"/>
-              <a:t>days</a:t>
-            </a:r>
-            <a:endParaRPr lang="en-US" dirty="0"/>
           </a:p>
           <a:p>
             <a:r>
               <a:rPr lang="en-US" dirty="0"/>
-              <a:t>Diagnostics logs are not </a:t>
-            </a:r>
-            <a:r>
-              <a:rPr lang="en-US" dirty="0" smtClean="0"/>
-              <a:t>stored</a:t>
+              <a:t>Diagnostics logs are not stored</a:t>
             </a:r>
           </a:p>
           <a:p>
             <a:pPr lvl="1"/>
             <a:r>
-              <a:rPr lang="en-US" dirty="0" smtClean="0"/>
+              <a:rPr lang="en-US" dirty="0"/>
               <a:t>Use a storage account for longer retention (pricing separate)</a:t>
             </a:r>
-            <a:endParaRPr lang="en-US" dirty="0"/>
-          </a:p>
-          <a:p>
-            <a:r>
-              <a:rPr lang="en-US" dirty="0" smtClean="0"/>
-              <a:t>Consume </a:t>
-            </a:r>
+          </a:p>
+          <a:p>
             <a:r>
               <a:rPr lang="en-US" dirty="0"/>
-              <a:t>via Portal or REST API</a:t>
+              <a:t>Consume via Portal or REST API</a:t>
             </a:r>
           </a:p>
           <a:p>
@@ -44811,13 +44670,6 @@
   <p:transition>
     <p:fade/>
   </p:transition>
-  <p:timing>
-    <p:tnLst>
-      <p:par>
-        <p:cTn id="1" dur="indefinite" restart="never" nodeType="tmRoot"/>
-      </p:par>
-    </p:tnLst>
-  </p:timing>
 </p:sld>
 </file>
 
@@ -44918,13 +44770,6 @@
   <p:transition>
     <p:fade/>
   </p:transition>
-  <p:timing>
-    <p:tnLst>
-      <p:par>
-        <p:cTn id="1" dur="indefinite" restart="never" nodeType="tmRoot"/>
-      </p:par>
-    </p:tnLst>
-  </p:timing>
 </p:sld>
 </file>
 
@@ -47390,10 +47235,6 @@
             <a:br>
               <a:rPr lang="en-US" dirty="0"/>
             </a:br>
-            <a:r>
-              <a:rPr lang="en-US" dirty="0"/>
-              <a:t/>
-            </a:r>
             <a:br>
               <a:rPr lang="en-US" dirty="0"/>
             </a:br>
@@ -48957,7 +48798,7 @@
 </file>
 
 <file path=ppt/slides/slide24.xml><?xml version="1.0" encoding="utf-8"?>
-<p:sld xmlns:a="http://schemas.openxmlformats.org/drawingml/2006/main" xmlns:r="http://schemas.openxmlformats.org/officeDocument/2006/relationships" xmlns:p="http://schemas.openxmlformats.org/presentationml/2006/main">
+<p:sld xmlns:a="http://schemas.openxmlformats.org/drawingml/2006/main" xmlns:r="http://schemas.openxmlformats.org/officeDocument/2006/relationships" xmlns:p="http://schemas.openxmlformats.org/presentationml/2006/main" show="0">
   <p:cSld>
     <p:spTree>
       <p:nvGrpSpPr>
@@ -49027,13 +48868,13 @@
   <p:clrMapOvr>
     <a:masterClrMapping/>
   </p:clrMapOvr>
-  <mc:AlternateContent xmlns:mc="http://schemas.openxmlformats.org/markup-compatibility/2006" xmlns:p14="http://schemas.microsoft.com/office/powerpoint/2010/main">
-    <mc:Choice Requires="p14">
+  <mc:AlternateContent xmlns:mc="http://schemas.openxmlformats.org/markup-compatibility/2006">
+    <mc:Choice xmlns:p14="http://schemas.microsoft.com/office/powerpoint/2010/main" Requires="p14">
       <p:transition spd="slow" p14:dur="3400">
         <p14:reveal/>
       </p:transition>
     </mc:Choice>
-    <mc:Fallback xmlns="">
+    <mc:Fallback>
       <p:transition spd="slow">
         <p:fade/>
       </p:transition>
@@ -52842,7 +52683,7 @@
 </file>
 
 <file path=ppt/slides/slide33.xml><?xml version="1.0" encoding="utf-8"?>
-<p:sld xmlns:a="http://schemas.openxmlformats.org/drawingml/2006/main" xmlns:r="http://schemas.openxmlformats.org/officeDocument/2006/relationships" xmlns:p="http://schemas.openxmlformats.org/presentationml/2006/main">
+<p:sld xmlns:a="http://schemas.openxmlformats.org/drawingml/2006/main" xmlns:r="http://schemas.openxmlformats.org/officeDocument/2006/relationships" xmlns:p="http://schemas.openxmlformats.org/presentationml/2006/main" show="0">
   <p:cSld>
     <p:spTree>
       <p:nvGrpSpPr>
@@ -52912,13 +52753,13 @@
   <p:clrMapOvr>
     <a:masterClrMapping/>
   </p:clrMapOvr>
-  <mc:AlternateContent xmlns:mc="http://schemas.openxmlformats.org/markup-compatibility/2006" xmlns:p14="http://schemas.microsoft.com/office/powerpoint/2010/main">
-    <mc:Choice Requires="p14">
+  <mc:AlternateContent xmlns:mc="http://schemas.openxmlformats.org/markup-compatibility/2006">
+    <mc:Choice xmlns:p14="http://schemas.microsoft.com/office/powerpoint/2010/main" Requires="p14">
       <p:transition spd="slow" p14:dur="3400">
         <p14:reveal/>
       </p:transition>
     </mc:Choice>
-    <mc:Fallback xmlns="">
+    <mc:Fallback>
       <p:transition spd="slow">
         <p:fade/>
       </p:transition>
@@ -53269,7 +53110,12 @@
             <p:ph type="body" sz="quarter" idx="10"/>
           </p:nvPr>
         </p:nvSpPr>
-        <p:spPr/>
+        <p:spPr>
+          <a:xfrm>
+            <a:off x="274638" y="1212850"/>
+            <a:ext cx="11887200" cy="4949047"/>
+          </a:xfrm>
+        </p:spPr>
         <p:txBody>
           <a:bodyPr/>
           <a:lstStyle/>
@@ -53294,6 +53140,18 @@
           <a:p>
             <a:r>
               <a:rPr lang="en-US" dirty="0"/>
+              <a:t>What is the root cause?</a:t>
+            </a:r>
+          </a:p>
+          <a:p>
+            <a:r>
+              <a:rPr lang="en-US" dirty="0"/>
+              <a:t>How many people are impacted?</a:t>
+            </a:r>
+          </a:p>
+          <a:p>
+            <a:r>
+              <a:rPr lang="en-US" dirty="0"/>
               <a:t>Is my application fast enough? </a:t>
             </a:r>
           </a:p>
@@ -53306,19 +53164,7 @@
           <a:p>
             <a:r>
               <a:rPr lang="en-US" dirty="0"/>
-              <a:t>What is the root cause?</a:t>
-            </a:r>
-          </a:p>
-          <a:p>
-            <a:r>
-              <a:rPr lang="en-US" dirty="0"/>
               <a:t>Am I meeting my SLA?</a:t>
-            </a:r>
-          </a:p>
-          <a:p>
-            <a:r>
-              <a:rPr lang="en-US" dirty="0"/>
-              <a:t>How many people are impacted?</a:t>
             </a:r>
           </a:p>
         </p:txBody>
@@ -58819,21 +58665,6 @@
 </file>
 
 <file path=customXml/item1.xml><?xml version="1.0" encoding="utf-8"?>
-<p:properties xmlns:p="http://schemas.microsoft.com/office/2006/metadata/properties" xmlns:xsi="http://www.w3.org/2001/XMLSchema-instance" xmlns:pc="http://schemas.microsoft.com/office/infopath/2007/PartnerControls">
-  <documentManagement/>
-</p:properties>
-</file>
-
-<file path=customXml/item2.xml><?xml version="1.0" encoding="utf-8"?>
-<?mso-contentType ?>
-<FormTemplates xmlns="http://schemas.microsoft.com/sharepoint/v3/contenttype/forms">
-  <Display>DocumentLibraryForm</Display>
-  <Edit>DocumentLibraryForm</Edit>
-  <New>DocumentLibraryForm</New>
-</FormTemplates>
-</file>
-
-<file path=customXml/item3.xml><?xml version="1.0" encoding="utf-8"?>
 <ct:contentTypeSchema xmlns:ct="http://schemas.microsoft.com/office/2006/metadata/contentType" xmlns:ma="http://schemas.microsoft.com/office/2006/metadata/properties/metaAttributes" ct:_="" ma:_="" ma:contentTypeName="Document" ma:contentTypeID="0x010100A2B0BB5962AB3C45A9A1CE1EC4C4F647" ma:contentTypeVersion="3" ma:contentTypeDescription="Create a new document." ma:contentTypeScope="" ma:versionID="f0876370c90de824ab54c09b0bd2a056">
   <xsd:schema xmlns:xsd="http://www.w3.org/2001/XMLSchema" xmlns:xs="http://www.w3.org/2001/XMLSchema" xmlns:p="http://schemas.microsoft.com/office/2006/metadata/properties" xmlns:ns3="630a2e83-186a-4a0f-ab27-bee8a8096abc" targetNamespace="http://schemas.microsoft.com/office/2006/metadata/properties" ma:root="true" ma:fieldsID="a2a3b5ed8b4accd7c8a398d0cb075271" ns3:_="">
     <xsd:import namespace="630a2e83-186a-4a0f-ab27-bee8a8096abc"/>
@@ -58987,31 +58818,22 @@
 </ct:contentTypeSchema>
 </file>
 
-<file path=customXml/itemProps1.xml><?xml version="1.0" encoding="utf-8"?>
-<ds:datastoreItem xmlns:ds="http://schemas.openxmlformats.org/officeDocument/2006/customXml" ds:itemID="{F990F116-B58F-4255-B05B-DA3808E0E5C6}">
-  <ds:schemaRefs>
-    <ds:schemaRef ds:uri="http://schemas.microsoft.com/office/2006/metadata/properties"/>
-    <ds:schemaRef ds:uri="http://purl.org/dc/terms/"/>
-    <ds:schemaRef ds:uri="http://schemas.openxmlformats.org/package/2006/metadata/core-properties"/>
-    <ds:schemaRef ds:uri="630a2e83-186a-4a0f-ab27-bee8a8096abc"/>
-    <ds:schemaRef ds:uri="http://schemas.microsoft.com/office/2006/documentManagement/types"/>
-    <ds:schemaRef ds:uri="http://schemas.microsoft.com/office/infopath/2007/PartnerControls"/>
-    <ds:schemaRef ds:uri="http://purl.org/dc/elements/1.1/"/>
-    <ds:schemaRef ds:uri="http://www.w3.org/XML/1998/namespace"/>
-    <ds:schemaRef ds:uri="http://purl.org/dc/dcmitype/"/>
-  </ds:schemaRefs>
-</ds:datastoreItem>
+<file path=customXml/item2.xml><?xml version="1.0" encoding="utf-8"?>
+<?mso-contentType ?>
+<FormTemplates xmlns="http://schemas.microsoft.com/sharepoint/v3/contenttype/forms">
+  <Display>DocumentLibraryForm</Display>
+  <Edit>DocumentLibraryForm</Edit>
+  <New>DocumentLibraryForm</New>
+</FormTemplates>
 </file>
 
-<file path=customXml/itemProps2.xml><?xml version="1.0" encoding="utf-8"?>
-<ds:datastoreItem xmlns:ds="http://schemas.openxmlformats.org/officeDocument/2006/customXml" ds:itemID="{758FDAC0-319D-4A54-8D8E-1D42CB1F8004}">
-  <ds:schemaRefs>
-    <ds:schemaRef ds:uri="http://schemas.microsoft.com/sharepoint/v3/contenttype/forms"/>
-  </ds:schemaRefs>
-</ds:datastoreItem>
+<file path=customXml/item3.xml><?xml version="1.0" encoding="utf-8"?>
+<p:properties xmlns:p="http://schemas.microsoft.com/office/2006/metadata/properties" xmlns:xsi="http://www.w3.org/2001/XMLSchema-instance" xmlns:pc="http://schemas.microsoft.com/office/infopath/2007/PartnerControls">
+  <documentManagement/>
+</p:properties>
 </file>
 
-<file path=customXml/itemProps3.xml><?xml version="1.0" encoding="utf-8"?>
+<file path=customXml/itemProps1.xml><?xml version="1.0" encoding="utf-8"?>
 <ds:datastoreItem xmlns:ds="http://schemas.openxmlformats.org/officeDocument/2006/customXml" ds:itemID="{F4553072-E538-48C4-90FC-3653F32D67C5}">
   <ds:schemaRefs>
     <ds:schemaRef ds:uri="http://schemas.microsoft.com/office/2006/metadata/contentType"/>
@@ -59027,4 +58849,28 @@
     <ds:schemaRef ds:uri="http://schemas.microsoft.com/internal/obd"/>
   </ds:schemaRefs>
 </ds:datastoreItem>
+</file>
+
+<file path=customXml/itemProps2.xml><?xml version="1.0" encoding="utf-8"?>
+<ds:datastoreItem xmlns:ds="http://schemas.openxmlformats.org/officeDocument/2006/customXml" ds:itemID="{758FDAC0-319D-4A54-8D8E-1D42CB1F8004}">
+  <ds:schemaRefs>
+    <ds:schemaRef ds:uri="http://schemas.microsoft.com/sharepoint/v3/contenttype/forms"/>
+  </ds:schemaRefs>
+</ds:datastoreItem>
+</file>
+
+<file path=customXml/itemProps3.xml><?xml version="1.0" encoding="utf-8"?>
+<ds:datastoreItem xmlns:ds="http://schemas.openxmlformats.org/officeDocument/2006/customXml" ds:itemID="{F990F116-B58F-4255-B05B-DA3808E0E5C6}">
+  <ds:schemaRefs>
+    <ds:schemaRef ds:uri="http://schemas.microsoft.com/office/2006/metadata/properties"/>
+    <ds:schemaRef ds:uri="http://purl.org/dc/terms/"/>
+    <ds:schemaRef ds:uri="http://schemas.openxmlformats.org/package/2006/metadata/core-properties"/>
+    <ds:schemaRef ds:uri="630a2e83-186a-4a0f-ab27-bee8a8096abc"/>
+    <ds:schemaRef ds:uri="http://schemas.microsoft.com/office/2006/documentManagement/types"/>
+    <ds:schemaRef ds:uri="http://schemas.microsoft.com/office/infopath/2007/PartnerControls"/>
+    <ds:schemaRef ds:uri="http://purl.org/dc/elements/1.1/"/>
+    <ds:schemaRef ds:uri="http://www.w3.org/XML/1998/namespace"/>
+    <ds:schemaRef ds:uri="http://purl.org/dc/dcmitype/"/>
+  </ds:schemaRefs>
+</ds:datastoreItem>
 </file>